--- a/doc/6_Seguridad_servicios_web_cpp.pptx
+++ b/doc/6_Seguridad_servicios_web_cpp.pptx
@@ -5,7 +5,7 @@
     <p:sldMasterId id="2147483648" r:id="rId1"/>
   </p:sldMasterIdLst>
   <p:notesMasterIdLst>
-    <p:notesMasterId r:id="rId29"/>
+    <p:notesMasterId r:id="rId33"/>
   </p:notesMasterIdLst>
   <p:sldIdLst>
     <p:sldId id="256" r:id="rId2"/>
@@ -20,21 +20,25 @@
     <p:sldId id="275" r:id="rId11"/>
     <p:sldId id="278" r:id="rId12"/>
     <p:sldId id="279" r:id="rId13"/>
-    <p:sldId id="280" r:id="rId14"/>
-    <p:sldId id="281" r:id="rId15"/>
-    <p:sldId id="282" r:id="rId16"/>
-    <p:sldId id="286" r:id="rId17"/>
-    <p:sldId id="288" r:id="rId18"/>
-    <p:sldId id="259" r:id="rId19"/>
-    <p:sldId id="287" r:id="rId20"/>
-    <p:sldId id="289" r:id="rId21"/>
-    <p:sldId id="260" r:id="rId22"/>
-    <p:sldId id="261" r:id="rId23"/>
-    <p:sldId id="283" r:id="rId24"/>
-    <p:sldId id="284" r:id="rId25"/>
-    <p:sldId id="262" r:id="rId26"/>
-    <p:sldId id="285" r:id="rId27"/>
-    <p:sldId id="267" r:id="rId28"/>
+    <p:sldId id="291" r:id="rId14"/>
+    <p:sldId id="290" r:id="rId15"/>
+    <p:sldId id="292" r:id="rId16"/>
+    <p:sldId id="280" r:id="rId17"/>
+    <p:sldId id="281" r:id="rId18"/>
+    <p:sldId id="293" r:id="rId19"/>
+    <p:sldId id="282" r:id="rId20"/>
+    <p:sldId id="286" r:id="rId21"/>
+    <p:sldId id="288" r:id="rId22"/>
+    <p:sldId id="259" r:id="rId23"/>
+    <p:sldId id="287" r:id="rId24"/>
+    <p:sldId id="289" r:id="rId25"/>
+    <p:sldId id="260" r:id="rId26"/>
+    <p:sldId id="261" r:id="rId27"/>
+    <p:sldId id="283" r:id="rId28"/>
+    <p:sldId id="284" r:id="rId29"/>
+    <p:sldId id="262" r:id="rId30"/>
+    <p:sldId id="285" r:id="rId31"/>
+    <p:sldId id="267" r:id="rId32"/>
   </p:sldIdLst>
   <p:sldSz cx="12192000" cy="6858000"/>
   <p:notesSz cx="6858000" cy="9144000"/>
@@ -223,7 +227,7 @@
           <a:p>
             <a:fld id="{C0105BFE-F8C0-4CB0-994C-2CEB086537AE}" type="datetimeFigureOut">
               <a:rPr lang="es-ES" smtClean="0"/>
-              <a:t>08/09/2025</a:t>
+              <a:t>09/09/2025</a:t>
             </a:fld>
             <a:endParaRPr lang="es-ES"/>
           </a:p>
@@ -637,7 +641,7 @@
           <a:p>
             <a:fld id="{C176BE9F-075D-4B9A-8C7E-8F34BC0EBF7E}" type="datetime1">
               <a:rPr lang="es-ES" smtClean="0"/>
-              <a:t>08/09/2025</a:t>
+              <a:t>09/09/2025</a:t>
             </a:fld>
             <a:endParaRPr lang="es-ES"/>
           </a:p>
@@ -835,7 +839,7 @@
           <a:p>
             <a:fld id="{BDBB71CB-5684-4E5F-828B-4EA7488B09E5}" type="datetime1">
               <a:rPr lang="es-ES" smtClean="0"/>
-              <a:t>08/09/2025</a:t>
+              <a:t>09/09/2025</a:t>
             </a:fld>
             <a:endParaRPr lang="es-ES"/>
           </a:p>
@@ -1043,7 +1047,7 @@
           <a:p>
             <a:fld id="{2449C922-3FE7-4AAC-870C-083A8E7EF6CB}" type="datetime1">
               <a:rPr lang="es-ES" smtClean="0"/>
-              <a:t>08/09/2025</a:t>
+              <a:t>09/09/2025</a:t>
             </a:fld>
             <a:endParaRPr lang="es-ES"/>
           </a:p>
@@ -1241,7 +1245,7 @@
           <a:p>
             <a:fld id="{F0DDF417-A629-4C70-8C96-A2511322911D}" type="datetime1">
               <a:rPr lang="es-ES" smtClean="0"/>
-              <a:t>08/09/2025</a:t>
+              <a:t>09/09/2025</a:t>
             </a:fld>
             <a:endParaRPr lang="es-ES"/>
           </a:p>
@@ -1516,7 +1520,7 @@
           <a:p>
             <a:fld id="{21D39644-2C66-44B9-991F-367EB785EA95}" type="datetime1">
               <a:rPr lang="es-ES" smtClean="0"/>
-              <a:t>08/09/2025</a:t>
+              <a:t>09/09/2025</a:t>
             </a:fld>
             <a:endParaRPr lang="es-ES"/>
           </a:p>
@@ -1781,7 +1785,7 @@
           <a:p>
             <a:fld id="{F5CA4904-31BE-4CC8-9326-41755D11DB56}" type="datetime1">
               <a:rPr lang="es-ES" smtClean="0"/>
-              <a:t>08/09/2025</a:t>
+              <a:t>09/09/2025</a:t>
             </a:fld>
             <a:endParaRPr lang="es-ES"/>
           </a:p>
@@ -2193,7 +2197,7 @@
           <a:p>
             <a:fld id="{B702534F-1106-4B82-9914-821D3BDCDD2D}" type="datetime1">
               <a:rPr lang="es-ES" smtClean="0"/>
-              <a:t>08/09/2025</a:t>
+              <a:t>09/09/2025</a:t>
             </a:fld>
             <a:endParaRPr lang="es-ES"/>
           </a:p>
@@ -2334,7 +2338,7 @@
           <a:p>
             <a:fld id="{019B9452-5EB9-4B9D-A8FD-BD9908F4ED9D}" type="datetime1">
               <a:rPr lang="es-ES" smtClean="0"/>
-              <a:t>08/09/2025</a:t>
+              <a:t>09/09/2025</a:t>
             </a:fld>
             <a:endParaRPr lang="es-ES"/>
           </a:p>
@@ -2447,7 +2451,7 @@
           <a:p>
             <a:fld id="{2C812AAC-8D93-4B1B-A847-765659A7CAF8}" type="datetime1">
               <a:rPr lang="es-ES" smtClean="0"/>
-              <a:t>08/09/2025</a:t>
+              <a:t>09/09/2025</a:t>
             </a:fld>
             <a:endParaRPr lang="es-ES"/>
           </a:p>
@@ -2758,7 +2762,7 @@
           <a:p>
             <a:fld id="{0867E15E-D8E4-4C68-85C0-DCF28E88C0FC}" type="datetime1">
               <a:rPr lang="es-ES" smtClean="0"/>
-              <a:t>08/09/2025</a:t>
+              <a:t>09/09/2025</a:t>
             </a:fld>
             <a:endParaRPr lang="es-ES"/>
           </a:p>
@@ -3046,7 +3050,7 @@
           <a:p>
             <a:fld id="{A7B64B4E-B5E3-4C6C-9453-D2CCCEC97645}" type="datetime1">
               <a:rPr lang="es-ES" smtClean="0"/>
-              <a:t>08/09/2025</a:t>
+              <a:t>09/09/2025</a:t>
             </a:fld>
             <a:endParaRPr lang="es-ES"/>
           </a:p>
@@ -3287,7 +3291,7 @@
           <a:p>
             <a:fld id="{CEC9F262-013F-4633-A9BD-CF87CBD95522}" type="datetime1">
               <a:rPr lang="es-ES" smtClean="0"/>
-              <a:t>08/09/2025</a:t>
+              <a:t>09/09/2025</a:t>
             </a:fld>
             <a:endParaRPr lang="es-ES"/>
           </a:p>
@@ -4177,7 +4181,7 @@
               <a:t>La biblioteca más popular en </a:t>
             </a:r>
             <a:r>
-              <a:rPr lang="es-ES" dirty="0" err="1"/>
+              <a:rPr lang="es-ES" b="1" dirty="0" err="1"/>
               <a:t>jwt-cpp</a:t>
             </a:r>
             <a:r>
@@ -4260,7 +4264,7 @@
           <p:cNvPr id="2" name="Título 1">
             <a:extLst>
               <a:ext uri="{FF2B5EF4-FFF2-40B4-BE49-F238E27FC236}">
-                <a16:creationId xmlns:a16="http://schemas.microsoft.com/office/drawing/2014/main" id="{F0E1E3F1-12E9-A532-4D53-8CC2FAAC63CB}"/>
+                <a16:creationId xmlns:a16="http://schemas.microsoft.com/office/drawing/2014/main" id="{C4013084-C758-10A8-2043-5C0D31854F57}"/>
               </a:ext>
             </a:extLst>
           </p:cNvPr>
@@ -4278,99 +4282,7 @@
           <a:p>
             <a:r>
               <a:rPr lang="es-ES" dirty="0"/>
-              <a:t>Flujo </a:t>
-            </a:r>
-            <a:r>
-              <a:rPr lang="es-ES" dirty="0" err="1"/>
-              <a:t>jwt</a:t>
-            </a:r>
-            <a:endParaRPr lang="es-ES" dirty="0"/>
-          </a:p>
-        </p:txBody>
-      </p:sp>
-      <p:sp>
-        <p:nvSpPr>
-          <p:cNvPr id="3" name="Marcador de contenido 2">
-            <a:extLst>
-              <a:ext uri="{FF2B5EF4-FFF2-40B4-BE49-F238E27FC236}">
-                <a16:creationId xmlns:a16="http://schemas.microsoft.com/office/drawing/2014/main" id="{13EDE906-EE7B-16B7-D9E7-57C5ABAB9860}"/>
-              </a:ext>
-            </a:extLst>
-          </p:cNvPr>
-          <p:cNvSpPr>
-            <a:spLocks noGrp="1"/>
-          </p:cNvSpPr>
-          <p:nvPr>
-            <p:ph idx="1"/>
-          </p:nvPr>
-        </p:nvSpPr>
-        <p:spPr/>
-        <p:txBody>
-          <a:bodyPr>
-            <a:normAutofit fontScale="92500" lnSpcReduction="20000"/>
-          </a:bodyPr>
-          <a:lstStyle/>
-          <a:p>
-            <a:r>
-              <a:rPr lang="es-ES" b="1" dirty="0"/>
-              <a:t>Inicio de sesión:</a:t>
-            </a:r>
-          </a:p>
-          <a:p>
-            <a:pPr lvl="1"/>
-            <a:r>
-              <a:rPr lang="es-ES" dirty="0"/>
-              <a:t>El cliente envía las credenciales al servidor</a:t>
-            </a:r>
-          </a:p>
-          <a:p>
-            <a:endParaRPr lang="es-ES" dirty="0"/>
-          </a:p>
-          <a:p>
-            <a:r>
-              <a:rPr lang="es-ES" b="1" dirty="0"/>
-              <a:t>Creación del JWT:</a:t>
-            </a:r>
-          </a:p>
-          <a:p>
-            <a:pPr lvl="1"/>
-            <a:r>
-              <a:rPr lang="es-ES" dirty="0"/>
-              <a:t>El servidor valida las credenciales y genera un token firmado</a:t>
-            </a:r>
-          </a:p>
-          <a:p>
-            <a:pPr lvl="1"/>
-            <a:endParaRPr lang="es-ES" dirty="0"/>
-          </a:p>
-          <a:p>
-            <a:r>
-              <a:rPr lang="es-ES" b="1" dirty="0"/>
-              <a:t>Validación del JWT:</a:t>
-            </a:r>
-          </a:p>
-          <a:p>
-            <a:pPr lvl="1"/>
-            <a:r>
-              <a:rPr lang="es-ES" dirty="0"/>
-              <a:t>El cliente guarda el token y lo envía al servidor en futuras peticiones, el servidor lo verifica</a:t>
-            </a:r>
-          </a:p>
-          <a:p>
-            <a:pPr lvl="1"/>
-            <a:endParaRPr lang="es-ES" dirty="0"/>
-          </a:p>
-          <a:p>
-            <a:r>
-              <a:rPr lang="es-ES" b="1" dirty="0"/>
-              <a:t>Solicitud y respuesta:</a:t>
-            </a:r>
-          </a:p>
-          <a:p>
-            <a:pPr lvl="1"/>
-            <a:r>
-              <a:rPr lang="es-ES" dirty="0"/>
-              <a:t>Si el token es válido, el servidor procesa la solicitud y responde.</a:t>
+              <a:t>HS256, RS256 y ES256</a:t>
             </a:r>
           </a:p>
         </p:txBody>
@@ -4380,7 +4292,7 @@
           <p:cNvPr id="4" name="Marcador de número de diapositiva 3">
             <a:extLst>
               <a:ext uri="{FF2B5EF4-FFF2-40B4-BE49-F238E27FC236}">
-                <a16:creationId xmlns:a16="http://schemas.microsoft.com/office/drawing/2014/main" id="{F253F54D-EF8F-5441-FCC3-ACE5F8A7AC22}"/>
+                <a16:creationId xmlns:a16="http://schemas.microsoft.com/office/drawing/2014/main" id="{6CB074C7-70AF-F9CF-FE0E-ECF5BAA4830F}"/>
               </a:ext>
             </a:extLst>
           </p:cNvPr>
@@ -4404,10 +4316,40 @@
           </a:p>
         </p:txBody>
       </p:sp>
+      <p:pic>
+        <p:nvPicPr>
+          <p:cNvPr id="6" name="Imagen 5">
+            <a:extLst>
+              <a:ext uri="{FF2B5EF4-FFF2-40B4-BE49-F238E27FC236}">
+                <a16:creationId xmlns:a16="http://schemas.microsoft.com/office/drawing/2014/main" id="{3E6D1204-5327-2F13-BB33-A58213246B8C}"/>
+              </a:ext>
+            </a:extLst>
+          </p:cNvPr>
+          <p:cNvPicPr>
+            <a:picLocks noChangeAspect="1"/>
+          </p:cNvPicPr>
+          <p:nvPr/>
+        </p:nvPicPr>
+        <p:blipFill>
+          <a:blip r:embed="rId2"/>
+          <a:stretch>
+            <a:fillRect/>
+          </a:stretch>
+        </p:blipFill>
+        <p:spPr>
+          <a:xfrm>
+            <a:off x="838199" y="1690687"/>
+            <a:ext cx="10500583" cy="4248099"/>
+          </a:xfrm>
+          <a:prstGeom prst="rect">
+            <a:avLst/>
+          </a:prstGeom>
+        </p:spPr>
+      </p:pic>
     </p:spTree>
     <p:extLst>
       <p:ext uri="{BB962C8B-B14F-4D97-AF65-F5344CB8AC3E}">
-        <p14:creationId xmlns:p14="http://schemas.microsoft.com/office/powerpoint/2010/main" val="3665824844"/>
+        <p14:creationId xmlns:p14="http://schemas.microsoft.com/office/powerpoint/2010/main" val="1631386564"/>
       </p:ext>
     </p:extLst>
   </p:cSld>
@@ -4439,7 +4381,7 @@
           <p:cNvPr id="2" name="Título 1">
             <a:extLst>
               <a:ext uri="{FF2B5EF4-FFF2-40B4-BE49-F238E27FC236}">
-                <a16:creationId xmlns:a16="http://schemas.microsoft.com/office/drawing/2014/main" id="{EFC91CD2-392D-71CD-51F7-C025FB110D58}"/>
+                <a16:creationId xmlns:a16="http://schemas.microsoft.com/office/drawing/2014/main" id="{433C6FDC-8C22-C124-D37F-824DCCF4BA86}"/>
               </a:ext>
             </a:extLst>
           </p:cNvPr>
@@ -4457,15 +4399,7 @@
           <a:p>
             <a:r>
               <a:rPr lang="es-ES" dirty="0"/>
-              <a:t>Instalar </a:t>
-            </a:r>
-            <a:r>
-              <a:rPr lang="es-ES" dirty="0" err="1"/>
-              <a:t>jwt-cpp</a:t>
-            </a:r>
-            <a:r>
-              <a:rPr lang="es-ES" dirty="0"/>
-              <a:t> en Visual Studio</a:t>
+              <a:t>HS256, RS256 y ES256</a:t>
             </a:r>
           </a:p>
         </p:txBody>
@@ -4475,7 +4409,7 @@
           <p:cNvPr id="3" name="Marcador de contenido 2">
             <a:extLst>
               <a:ext uri="{FF2B5EF4-FFF2-40B4-BE49-F238E27FC236}">
-                <a16:creationId xmlns:a16="http://schemas.microsoft.com/office/drawing/2014/main" id="{C31B4420-7D5E-BA28-BA0F-64EDD86DA390}"/>
+                <a16:creationId xmlns:a16="http://schemas.microsoft.com/office/drawing/2014/main" id="{C4C4A107-D15B-8B7A-99E4-E45440861B5B}"/>
               </a:ext>
             </a:extLst>
           </p:cNvPr>
@@ -4486,12 +4420,7 @@
             <p:ph idx="1"/>
           </p:nvPr>
         </p:nvSpPr>
-        <p:spPr>
-          <a:xfrm>
-            <a:off x="838200" y="1825625"/>
-            <a:ext cx="10515600" cy="1256364"/>
-          </a:xfrm>
-        </p:spPr>
+        <p:spPr/>
         <p:txBody>
           <a:bodyPr>
             <a:normAutofit fontScale="92500" lnSpcReduction="20000"/>
@@ -4499,35 +4428,75 @@
           <a:lstStyle/>
           <a:p>
             <a:r>
-              <a:rPr lang="es-ES" dirty="0"/>
-              <a:t>Con el botón derecho sobre el proyecto:</a:t>
-            </a:r>
-          </a:p>
-          <a:p>
-            <a:r>
-              <a:rPr lang="es-ES" dirty="0"/>
-              <a:t>Administrar paquetes </a:t>
-            </a:r>
-            <a:r>
-              <a:rPr lang="es-ES" b="1" dirty="0" err="1"/>
-              <a:t>NuGet</a:t>
-            </a:r>
-            <a:endParaRPr lang="es-ES" b="1" dirty="0"/>
-          </a:p>
-          <a:p>
-            <a:r>
-              <a:rPr lang="es-ES" dirty="0"/>
-              <a:t>Examinar: </a:t>
-            </a:r>
-            <a:r>
-              <a:rPr lang="es-ES" dirty="0" err="1"/>
-              <a:t>jwt-cpp</a:t>
-            </a:r>
+              <a:rPr lang="es-ES" b="1" dirty="0"/>
+              <a:t>HS256 (HMAC-SHA256)</a:t>
+            </a:r>
+            <a:r>
+              <a:rPr lang="es-ES" dirty="0"/>
+              <a:t> Usa una </a:t>
+            </a:r>
+            <a:r>
+              <a:rPr lang="es-ES" b="1" dirty="0"/>
+              <a:t>clave secreta compartida</a:t>
+            </a:r>
+            <a:r>
+              <a:rPr lang="es-ES" dirty="0"/>
+              <a:t> para firmar y verificar. Es simple y rápido, pero </a:t>
+            </a:r>
+            <a:r>
+              <a:rPr lang="es-ES" b="1" dirty="0"/>
+              <a:t>ambas partes deben tener la misma clave</a:t>
+            </a:r>
+            <a:r>
+              <a:rPr lang="es-ES" dirty="0"/>
+              <a:t>, lo que puede ser un riesgo si se comparte mal.</a:t>
+            </a:r>
+          </a:p>
+          <a:p>
             <a:endParaRPr lang="es-ES" dirty="0"/>
           </a:p>
           <a:p>
+            <a:r>
+              <a:rPr lang="es-ES" b="1" dirty="0"/>
+              <a:t>RS256 (RSA-SHA256)</a:t>
+            </a:r>
+            <a:r>
+              <a:rPr lang="es-ES" dirty="0"/>
+              <a:t> Utiliza </a:t>
+            </a:r>
+            <a:r>
+              <a:rPr lang="es-ES" b="1" dirty="0"/>
+              <a:t>criptografía asimétrica</a:t>
+            </a:r>
+            <a:r>
+              <a:rPr lang="es-ES" dirty="0"/>
+              <a:t>: una clave privada para firmar y una clave pública para verificar. Esto permite que el emisor mantenga su clave privada segura, mientras que cualquiera con la clave pública puede verificar la firma.</a:t>
+            </a:r>
+          </a:p>
+          <a:p>
             <a:endParaRPr lang="es-ES" dirty="0"/>
           </a:p>
+          <a:p>
+            <a:r>
+              <a:rPr lang="es-ES" b="1" dirty="0"/>
+              <a:t>ES256 (ECDSA-SHA256)</a:t>
+            </a:r>
+            <a:r>
+              <a:rPr lang="es-ES" dirty="0"/>
+              <a:t> También es asimétrico, pero usa </a:t>
+            </a:r>
+            <a:r>
+              <a:rPr lang="es-ES" b="1" dirty="0"/>
+              <a:t>curvas elípticas</a:t>
+            </a:r>
+            <a:r>
+              <a:rPr lang="es-ES" dirty="0"/>
+              <a:t>, lo que lo hace más eficiente y seguro con claves más pequeñas. Es ideal para dispositivos con recursos limitados o sistemas que requieren alta seguridad.</a:t>
+            </a:r>
+          </a:p>
+          <a:p>
+            <a:endParaRPr lang="es-ES" dirty="0"/>
+          </a:p>
         </p:txBody>
       </p:sp>
       <p:sp>
@@ -4535,7 +4504,7 @@
           <p:cNvPr id="4" name="Marcador de número de diapositiva 3">
             <a:extLst>
               <a:ext uri="{FF2B5EF4-FFF2-40B4-BE49-F238E27FC236}">
-                <a16:creationId xmlns:a16="http://schemas.microsoft.com/office/drawing/2014/main" id="{A116F066-B072-770E-35A8-5FBE194C3DC1}"/>
+                <a16:creationId xmlns:a16="http://schemas.microsoft.com/office/drawing/2014/main" id="{C0F36B20-4EDD-6A2B-5850-2EABAF7DD9D4}"/>
               </a:ext>
             </a:extLst>
           </p:cNvPr>
@@ -4559,40 +4528,10 @@
           </a:p>
         </p:txBody>
       </p:sp>
-      <p:pic>
-        <p:nvPicPr>
-          <p:cNvPr id="6" name="Imagen 5">
-            <a:extLst>
-              <a:ext uri="{FF2B5EF4-FFF2-40B4-BE49-F238E27FC236}">
-                <a16:creationId xmlns:a16="http://schemas.microsoft.com/office/drawing/2014/main" id="{4608D72A-2F72-04B9-BDF4-D1592B91DFF6}"/>
-              </a:ext>
-            </a:extLst>
-          </p:cNvPr>
-          <p:cNvPicPr>
-            <a:picLocks noChangeAspect="1"/>
-          </p:cNvPicPr>
-          <p:nvPr/>
-        </p:nvPicPr>
-        <p:blipFill>
-          <a:blip r:embed="rId2"/>
-          <a:stretch>
-            <a:fillRect/>
-          </a:stretch>
-        </p:blipFill>
-        <p:spPr>
-          <a:xfrm>
-            <a:off x="2606309" y="3429000"/>
-            <a:ext cx="6642465" cy="3033444"/>
-          </a:xfrm>
-          <a:prstGeom prst="rect">
-            <a:avLst/>
-          </a:prstGeom>
-        </p:spPr>
-      </p:pic>
     </p:spTree>
     <p:extLst>
       <p:ext uri="{BB962C8B-B14F-4D97-AF65-F5344CB8AC3E}">
-        <p14:creationId xmlns:p14="http://schemas.microsoft.com/office/powerpoint/2010/main" val="3065802109"/>
+        <p14:creationId xmlns:p14="http://schemas.microsoft.com/office/powerpoint/2010/main" val="722032225"/>
       </p:ext>
     </p:extLst>
   </p:cSld>
@@ -4624,7 +4563,7 @@
           <p:cNvPr id="2" name="Título 1">
             <a:extLst>
               <a:ext uri="{FF2B5EF4-FFF2-40B4-BE49-F238E27FC236}">
-                <a16:creationId xmlns:a16="http://schemas.microsoft.com/office/drawing/2014/main" id="{8A1B698E-2C36-6C9A-47D8-B54AFAD53FA6}"/>
+                <a16:creationId xmlns:a16="http://schemas.microsoft.com/office/drawing/2014/main" id="{305EBB31-8459-74C0-B534-A556D13486A1}"/>
               </a:ext>
             </a:extLst>
           </p:cNvPr>
@@ -4642,7 +4581,7 @@
           <a:p>
             <a:r>
               <a:rPr lang="es-ES" dirty="0"/>
-              <a:t>Crear un token</a:t>
+              <a:t>HS256, RS256 y ES256</a:t>
             </a:r>
           </a:p>
         </p:txBody>
@@ -4652,7 +4591,7 @@
           <p:cNvPr id="3" name="Marcador de contenido 2">
             <a:extLst>
               <a:ext uri="{FF2B5EF4-FFF2-40B4-BE49-F238E27FC236}">
-                <a16:creationId xmlns:a16="http://schemas.microsoft.com/office/drawing/2014/main" id="{F32D1E34-D994-66B0-FFFD-73120C8307B2}"/>
+                <a16:creationId xmlns:a16="http://schemas.microsoft.com/office/drawing/2014/main" id="{F2B38619-078B-BCBF-C805-B9F05C38F4DF}"/>
               </a:ext>
             </a:extLst>
           </p:cNvPr>
@@ -4668,7 +4607,40 @@
           <a:bodyPr/>
           <a:lstStyle/>
           <a:p>
-            <a:endParaRPr lang="es-ES"/>
+            <a:r>
+              <a:rPr lang="es-ES" b="1" dirty="0"/>
+              <a:t>HS256</a:t>
+            </a:r>
+            <a:r>
+              <a:rPr lang="es-ES" dirty="0"/>
+              <a:t>: útil si controlas ambos extremos (emisor y receptor) y necesitas velocidad.</a:t>
+            </a:r>
+          </a:p>
+          <a:p>
+            <a:endParaRPr lang="es-ES" dirty="0"/>
+          </a:p>
+          <a:p>
+            <a:r>
+              <a:rPr lang="es-ES" b="1" dirty="0"/>
+              <a:t>RS256</a:t>
+            </a:r>
+            <a:r>
+              <a:rPr lang="es-ES" dirty="0"/>
+              <a:t>: preferido en sistemas distribuidos donde el receptor no debe conocer la clave privada.</a:t>
+            </a:r>
+          </a:p>
+          <a:p>
+            <a:endParaRPr lang="es-ES" dirty="0"/>
+          </a:p>
+          <a:p>
+            <a:r>
+              <a:rPr lang="es-ES" b="1" dirty="0"/>
+              <a:t>ES256</a:t>
+            </a:r>
+            <a:r>
+              <a:rPr lang="es-ES" dirty="0"/>
+              <a:t>: recomendado para aplicaciones modernas que priorizan seguridad y eficiencia.</a:t>
+            </a:r>
           </a:p>
         </p:txBody>
       </p:sp>
@@ -4677,7 +4649,7 @@
           <p:cNvPr id="4" name="Marcador de número de diapositiva 3">
             <a:extLst>
               <a:ext uri="{FF2B5EF4-FFF2-40B4-BE49-F238E27FC236}">
-                <a16:creationId xmlns:a16="http://schemas.microsoft.com/office/drawing/2014/main" id="{69D8F1AA-6B3C-BAB1-A0B5-44ADA876BB64}"/>
+                <a16:creationId xmlns:a16="http://schemas.microsoft.com/office/drawing/2014/main" id="{A078EC8B-FE64-23E1-6A1A-E8B9FD7E056E}"/>
               </a:ext>
             </a:extLst>
           </p:cNvPr>
@@ -4704,7 +4676,7 @@
     </p:spTree>
     <p:extLst>
       <p:ext uri="{BB962C8B-B14F-4D97-AF65-F5344CB8AC3E}">
-        <p14:creationId xmlns:p14="http://schemas.microsoft.com/office/powerpoint/2010/main" val="183204229"/>
+        <p14:creationId xmlns:p14="http://schemas.microsoft.com/office/powerpoint/2010/main" val="1858088344"/>
       </p:ext>
     </p:extLst>
   </p:cSld>
@@ -4733,54 +4705,121 @@
       </p:grpSpPr>
       <p:sp>
         <p:nvSpPr>
-          <p:cNvPr id="5" name="Título 4">
-            <a:extLst>
-              <a:ext uri="{FF2B5EF4-FFF2-40B4-BE49-F238E27FC236}">
-                <a16:creationId xmlns:a16="http://schemas.microsoft.com/office/drawing/2014/main" id="{706E867F-790B-7CB2-BEAA-61296C21298C}"/>
-              </a:ext>
-            </a:extLst>
-          </p:cNvPr>
-          <p:cNvSpPr>
-            <a:spLocks noGrp="1"/>
-          </p:cNvSpPr>
-          <p:nvPr>
-            <p:ph type="ctrTitle"/>
-          </p:nvPr>
-        </p:nvSpPr>
-        <p:spPr/>
-        <p:txBody>
-          <a:bodyPr/>
+          <p:cNvPr id="2" name="Título 1">
+            <a:extLst>
+              <a:ext uri="{FF2B5EF4-FFF2-40B4-BE49-F238E27FC236}">
+                <a16:creationId xmlns:a16="http://schemas.microsoft.com/office/drawing/2014/main" id="{F0E1E3F1-12E9-A532-4D53-8CC2FAAC63CB}"/>
+              </a:ext>
+            </a:extLst>
+          </p:cNvPr>
+          <p:cNvSpPr>
+            <a:spLocks noGrp="1"/>
+          </p:cNvSpPr>
+          <p:nvPr>
+            <p:ph type="title"/>
+          </p:nvPr>
+        </p:nvSpPr>
+        <p:spPr/>
+        <p:txBody>
+          <a:bodyPr/>
+          <a:lstStyle/>
+          <a:p>
+            <a:r>
+              <a:rPr lang="es-ES" dirty="0"/>
+              <a:t>Flujo </a:t>
+            </a:r>
+            <a:r>
+              <a:rPr lang="es-ES" dirty="0" err="1"/>
+              <a:t>jwt</a:t>
+            </a:r>
+            <a:endParaRPr lang="es-ES" dirty="0"/>
+          </a:p>
+        </p:txBody>
+      </p:sp>
+      <p:sp>
+        <p:nvSpPr>
+          <p:cNvPr id="3" name="Marcador de contenido 2">
+            <a:extLst>
+              <a:ext uri="{FF2B5EF4-FFF2-40B4-BE49-F238E27FC236}">
+                <a16:creationId xmlns:a16="http://schemas.microsoft.com/office/drawing/2014/main" id="{13EDE906-EE7B-16B7-D9E7-57C5ABAB9860}"/>
+              </a:ext>
+            </a:extLst>
+          </p:cNvPr>
+          <p:cNvSpPr>
+            <a:spLocks noGrp="1"/>
+          </p:cNvSpPr>
+          <p:nvPr>
+            <p:ph idx="1"/>
+          </p:nvPr>
+        </p:nvSpPr>
+        <p:spPr/>
+        <p:txBody>
+          <a:bodyPr>
+            <a:normAutofit fontScale="92500" lnSpcReduction="20000"/>
+          </a:bodyPr>
           <a:lstStyle/>
           <a:p>
             <a:r>
               <a:rPr lang="es-ES" b="1" dirty="0"/>
-              <a:t>OpenSSL</a:t>
-            </a:r>
-          </a:p>
-        </p:txBody>
-      </p:sp>
-      <p:sp>
-        <p:nvSpPr>
-          <p:cNvPr id="6" name="Subtítulo 5">
-            <a:extLst>
-              <a:ext uri="{FF2B5EF4-FFF2-40B4-BE49-F238E27FC236}">
-                <a16:creationId xmlns:a16="http://schemas.microsoft.com/office/drawing/2014/main" id="{19B1467E-9CDF-5F6A-BA85-21B2755FE0C6}"/>
-              </a:ext>
-            </a:extLst>
-          </p:cNvPr>
-          <p:cNvSpPr>
-            <a:spLocks noGrp="1"/>
-          </p:cNvSpPr>
-          <p:nvPr>
-            <p:ph type="subTitle" idx="1"/>
-          </p:nvPr>
-        </p:nvSpPr>
-        <p:spPr/>
-        <p:txBody>
-          <a:bodyPr/>
-          <a:lstStyle/>
-          <a:p>
-            <a:endParaRPr lang="es-ES"/>
+              <a:t>Inicio de sesión:</a:t>
+            </a:r>
+          </a:p>
+          <a:p>
+            <a:pPr lvl="1"/>
+            <a:r>
+              <a:rPr lang="es-ES" dirty="0"/>
+              <a:t>El cliente envía las credenciales al servidor</a:t>
+            </a:r>
+          </a:p>
+          <a:p>
+            <a:endParaRPr lang="es-ES" dirty="0"/>
+          </a:p>
+          <a:p>
+            <a:r>
+              <a:rPr lang="es-ES" b="1" dirty="0"/>
+              <a:t>Creación del JWT:</a:t>
+            </a:r>
+          </a:p>
+          <a:p>
+            <a:pPr lvl="1"/>
+            <a:r>
+              <a:rPr lang="es-ES" dirty="0"/>
+              <a:t>El servidor valida las credenciales y genera un token firmado</a:t>
+            </a:r>
+          </a:p>
+          <a:p>
+            <a:pPr lvl="1"/>
+            <a:endParaRPr lang="es-ES" dirty="0"/>
+          </a:p>
+          <a:p>
+            <a:r>
+              <a:rPr lang="es-ES" b="1" dirty="0"/>
+              <a:t>Validación del JWT:</a:t>
+            </a:r>
+          </a:p>
+          <a:p>
+            <a:pPr lvl="1"/>
+            <a:r>
+              <a:rPr lang="es-ES" dirty="0"/>
+              <a:t>El cliente guarda el token y lo envía al servidor en futuras peticiones, el servidor lo verifica</a:t>
+            </a:r>
+          </a:p>
+          <a:p>
+            <a:pPr lvl="1"/>
+            <a:endParaRPr lang="es-ES" dirty="0"/>
+          </a:p>
+          <a:p>
+            <a:r>
+              <a:rPr lang="es-ES" b="1" dirty="0"/>
+              <a:t>Solicitud y respuesta:</a:t>
+            </a:r>
+          </a:p>
+          <a:p>
+            <a:pPr lvl="1"/>
+            <a:r>
+              <a:rPr lang="es-ES" dirty="0"/>
+              <a:t>Si el token es válido, el servidor procesa la solicitud y responde.</a:t>
+            </a:r>
           </a:p>
         </p:txBody>
       </p:sp>
@@ -4789,7 +4828,7 @@
           <p:cNvPr id="4" name="Marcador de número de diapositiva 3">
             <a:extLst>
               <a:ext uri="{FF2B5EF4-FFF2-40B4-BE49-F238E27FC236}">
-                <a16:creationId xmlns:a16="http://schemas.microsoft.com/office/drawing/2014/main" id="{E9C14DC4-A6C5-0E03-F112-216702755363}"/>
+                <a16:creationId xmlns:a16="http://schemas.microsoft.com/office/drawing/2014/main" id="{F253F54D-EF8F-5441-FCC3-ACE5F8A7AC22}"/>
               </a:ext>
             </a:extLst>
           </p:cNvPr>
@@ -4816,7 +4855,7 @@
     </p:spTree>
     <p:extLst>
       <p:ext uri="{BB962C8B-B14F-4D97-AF65-F5344CB8AC3E}">
-        <p14:creationId xmlns:p14="http://schemas.microsoft.com/office/powerpoint/2010/main" val="421055732"/>
+        <p14:creationId xmlns:p14="http://schemas.microsoft.com/office/powerpoint/2010/main" val="3665824844"/>
       </p:ext>
     </p:extLst>
   </p:cSld>
@@ -4848,7 +4887,7 @@
           <p:cNvPr id="2" name="Título 1">
             <a:extLst>
               <a:ext uri="{FF2B5EF4-FFF2-40B4-BE49-F238E27FC236}">
-                <a16:creationId xmlns:a16="http://schemas.microsoft.com/office/drawing/2014/main" id="{D04325FE-BE1B-D2D9-1901-C0DB9CAB50F0}"/>
+                <a16:creationId xmlns:a16="http://schemas.microsoft.com/office/drawing/2014/main" id="{EFC91CD2-392D-71CD-51F7-C025FB110D58}"/>
               </a:ext>
             </a:extLst>
           </p:cNvPr>
@@ -4866,7 +4905,15 @@
           <a:p>
             <a:r>
               <a:rPr lang="es-ES" dirty="0"/>
-              <a:t>Bibliotecas criptográficas</a:t>
+              <a:t>Instalar </a:t>
+            </a:r>
+            <a:r>
+              <a:rPr lang="es-ES" dirty="0" err="1"/>
+              <a:t>jwt-cpp</a:t>
+            </a:r>
+            <a:r>
+              <a:rPr lang="es-ES" dirty="0"/>
+              <a:t> en Visual Studio</a:t>
             </a:r>
           </a:p>
         </p:txBody>
@@ -4876,7 +4923,7 @@
           <p:cNvPr id="3" name="Marcador de contenido 2">
             <a:extLst>
               <a:ext uri="{FF2B5EF4-FFF2-40B4-BE49-F238E27FC236}">
-                <a16:creationId xmlns:a16="http://schemas.microsoft.com/office/drawing/2014/main" id="{DC9F5CD9-8324-BE44-7DB8-55ECDBF85CA3}"/>
+                <a16:creationId xmlns:a16="http://schemas.microsoft.com/office/drawing/2014/main" id="{C31B4420-7D5E-BA28-BA0F-64EDD86DA390}"/>
               </a:ext>
             </a:extLst>
           </p:cNvPr>
@@ -4887,12 +4934,59 @@
             <p:ph idx="1"/>
           </p:nvPr>
         </p:nvSpPr>
-        <p:spPr/>
-        <p:txBody>
-          <a:bodyPr/>
-          <a:lstStyle/>
-          <a:p>
-            <a:endParaRPr lang="es-ES"/>
+        <p:spPr>
+          <a:xfrm>
+            <a:off x="838200" y="1825625"/>
+            <a:ext cx="10515600" cy="1256364"/>
+          </a:xfrm>
+        </p:spPr>
+        <p:txBody>
+          <a:bodyPr>
+            <a:normAutofit fontScale="92500" lnSpcReduction="20000"/>
+          </a:bodyPr>
+          <a:lstStyle/>
+          <a:p>
+            <a:r>
+              <a:rPr lang="es-ES" dirty="0"/>
+              <a:t>Con el botón derecho sobre el proyecto:</a:t>
+            </a:r>
+          </a:p>
+          <a:p>
+            <a:r>
+              <a:rPr lang="es-ES" dirty="0"/>
+              <a:t>Administrar paquetes </a:t>
+            </a:r>
+            <a:r>
+              <a:rPr lang="es-ES" b="1" dirty="0" err="1"/>
+              <a:t>NuGet</a:t>
+            </a:r>
+            <a:endParaRPr lang="es-ES" b="1" dirty="0"/>
+          </a:p>
+          <a:p>
+            <a:r>
+              <a:rPr lang="es-ES" b="1" dirty="0">
+                <a:solidFill>
+                  <a:srgbClr val="FF0000"/>
+                </a:solidFill>
+              </a:rPr>
+              <a:t>Examinar: </a:t>
+            </a:r>
+            <a:r>
+              <a:rPr lang="es-ES" b="1" dirty="0" err="1">
+                <a:solidFill>
+                  <a:srgbClr val="FF0000"/>
+                </a:solidFill>
+              </a:rPr>
+              <a:t>jwt-cpp</a:t>
+            </a:r>
+            <a:endParaRPr lang="es-ES" b="1" dirty="0">
+              <a:solidFill>
+                <a:srgbClr val="FF0000"/>
+              </a:solidFill>
+            </a:endParaRPr>
+          </a:p>
+          <a:p>
+            <a:endParaRPr lang="es-ES" dirty="0"/>
           </a:p>
         </p:txBody>
       </p:sp>
@@ -4901,7 +4995,7 @@
           <p:cNvPr id="4" name="Marcador de número de diapositiva 3">
             <a:extLst>
               <a:ext uri="{FF2B5EF4-FFF2-40B4-BE49-F238E27FC236}">
-                <a16:creationId xmlns:a16="http://schemas.microsoft.com/office/drawing/2014/main" id="{FC1A99F6-8EB4-E411-216B-BEEE1D83E9AB}"/>
+                <a16:creationId xmlns:a16="http://schemas.microsoft.com/office/drawing/2014/main" id="{A116F066-B072-770E-35A8-5FBE194C3DC1}"/>
               </a:ext>
             </a:extLst>
           </p:cNvPr>
@@ -4925,10 +5019,40 @@
           </a:p>
         </p:txBody>
       </p:sp>
+      <p:pic>
+        <p:nvPicPr>
+          <p:cNvPr id="6" name="Imagen 5">
+            <a:extLst>
+              <a:ext uri="{FF2B5EF4-FFF2-40B4-BE49-F238E27FC236}">
+                <a16:creationId xmlns:a16="http://schemas.microsoft.com/office/drawing/2014/main" id="{4608D72A-2F72-04B9-BDF4-D1592B91DFF6}"/>
+              </a:ext>
+            </a:extLst>
+          </p:cNvPr>
+          <p:cNvPicPr>
+            <a:picLocks noChangeAspect="1"/>
+          </p:cNvPicPr>
+          <p:nvPr/>
+        </p:nvPicPr>
+        <p:blipFill>
+          <a:blip r:embed="rId2"/>
+          <a:stretch>
+            <a:fillRect/>
+          </a:stretch>
+        </p:blipFill>
+        <p:spPr>
+          <a:xfrm>
+            <a:off x="2259800" y="3202447"/>
+            <a:ext cx="6642465" cy="3033444"/>
+          </a:xfrm>
+          <a:prstGeom prst="rect">
+            <a:avLst/>
+          </a:prstGeom>
+        </p:spPr>
+      </p:pic>
     </p:spTree>
     <p:extLst>
       <p:ext uri="{BB962C8B-B14F-4D97-AF65-F5344CB8AC3E}">
-        <p14:creationId xmlns:p14="http://schemas.microsoft.com/office/powerpoint/2010/main" val="3529758498"/>
+        <p14:creationId xmlns:p14="http://schemas.microsoft.com/office/powerpoint/2010/main" val="3065802109"/>
       </p:ext>
     </p:extLst>
   </p:cSld>
@@ -4957,24 +5081,60 @@
       </p:grpSpPr>
       <p:sp>
         <p:nvSpPr>
-          <p:cNvPr id="4" name="Título 3">
-            <a:extLst>
-              <a:ext uri="{FF2B5EF4-FFF2-40B4-BE49-F238E27FC236}">
-                <a16:creationId xmlns:a16="http://schemas.microsoft.com/office/drawing/2014/main" id="{49C47587-0444-CC44-ED0F-CA02B9506EA7}"/>
-              </a:ext>
-            </a:extLst>
-          </p:cNvPr>
-          <p:cNvSpPr>
-            <a:spLocks noGrp="1"/>
-          </p:cNvSpPr>
-          <p:nvPr>
-            <p:ph type="ctrTitle"/>
+          <p:cNvPr id="2" name="Título 1">
+            <a:extLst>
+              <a:ext uri="{FF2B5EF4-FFF2-40B4-BE49-F238E27FC236}">
+                <a16:creationId xmlns:a16="http://schemas.microsoft.com/office/drawing/2014/main" id="{3BC10589-1413-96EF-A752-A4A8493D6B5F}"/>
+              </a:ext>
+            </a:extLst>
+          </p:cNvPr>
+          <p:cNvSpPr>
+            <a:spLocks noGrp="1"/>
+          </p:cNvSpPr>
+          <p:nvPr>
+            <p:ph type="title"/>
+          </p:nvPr>
+        </p:nvSpPr>
+        <p:spPr/>
+        <p:txBody>
+          <a:bodyPr/>
+          <a:lstStyle/>
+          <a:p>
+            <a:r>
+              <a:rPr lang="es-ES" dirty="0"/>
+              <a:t>Instalar </a:t>
+            </a:r>
+            <a:r>
+              <a:rPr lang="es-ES" dirty="0" err="1"/>
+              <a:t>jwt-cpp</a:t>
+            </a:r>
+            <a:r>
+              <a:rPr lang="es-ES" dirty="0"/>
+              <a:t> en Visual Studio</a:t>
+            </a:r>
+          </a:p>
+        </p:txBody>
+      </p:sp>
+      <p:sp>
+        <p:nvSpPr>
+          <p:cNvPr id="3" name="Marcador de contenido 2">
+            <a:extLst>
+              <a:ext uri="{FF2B5EF4-FFF2-40B4-BE49-F238E27FC236}">
+                <a16:creationId xmlns:a16="http://schemas.microsoft.com/office/drawing/2014/main" id="{DCA1F165-E942-A36C-DA8B-8B0B63EBD410}"/>
+              </a:ext>
+            </a:extLst>
+          </p:cNvPr>
+          <p:cNvSpPr>
+            <a:spLocks noGrp="1"/>
+          </p:cNvSpPr>
+          <p:nvPr>
+            <p:ph idx="1"/>
           </p:nvPr>
         </p:nvSpPr>
         <p:spPr>
           <a:xfrm>
-            <a:off x="290423" y="2235200"/>
-            <a:ext cx="11611154" cy="2387600"/>
+            <a:off x="838200" y="1825625"/>
+            <a:ext cx="10515600" cy="1013828"/>
           </a:xfrm>
         </p:spPr>
         <p:txBody>
@@ -4982,16 +5142,75 @@
           <a:lstStyle/>
           <a:p>
             <a:r>
-              <a:rPr lang="es-ES" b="1" dirty="0"/>
-              <a:t>Protección de la comunicación entre microservicios</a:t>
-            </a:r>
-          </a:p>
-        </p:txBody>
-      </p:sp>
+              <a:rPr lang="es-ES" dirty="0"/>
+              <a:t>Se instalan estas dependencias (se puede crear una plantilla y configurarla para nuevas soluciones).</a:t>
+            </a:r>
+          </a:p>
+        </p:txBody>
+      </p:sp>
+      <p:sp>
+        <p:nvSpPr>
+          <p:cNvPr id="4" name="Marcador de número de diapositiva 3">
+            <a:extLst>
+              <a:ext uri="{FF2B5EF4-FFF2-40B4-BE49-F238E27FC236}">
+                <a16:creationId xmlns:a16="http://schemas.microsoft.com/office/drawing/2014/main" id="{0B87CB3C-97CE-D827-E845-8282BA23E3E5}"/>
+              </a:ext>
+            </a:extLst>
+          </p:cNvPr>
+          <p:cNvSpPr>
+            <a:spLocks noGrp="1"/>
+          </p:cNvSpPr>
+          <p:nvPr>
+            <p:ph type="sldNum" sz="quarter" idx="12"/>
+          </p:nvPr>
+        </p:nvSpPr>
+        <p:spPr/>
+        <p:txBody>
+          <a:bodyPr/>
+          <a:lstStyle/>
+          <a:p>
+            <a:fld id="{DBA0B7A9-3FAC-4523-93F5-549EB9982FEE}" type="slidenum">
+              <a:rPr lang="es-ES" smtClean="0"/>
+              <a:t>18</a:t>
+            </a:fld>
+            <a:endParaRPr lang="es-ES"/>
+          </a:p>
+        </p:txBody>
+      </p:sp>
+      <p:pic>
+        <p:nvPicPr>
+          <p:cNvPr id="6" name="Imagen 5">
+            <a:extLst>
+              <a:ext uri="{FF2B5EF4-FFF2-40B4-BE49-F238E27FC236}">
+                <a16:creationId xmlns:a16="http://schemas.microsoft.com/office/drawing/2014/main" id="{70921B95-688D-5120-C26A-13C0F166CE92}"/>
+              </a:ext>
+            </a:extLst>
+          </p:cNvPr>
+          <p:cNvPicPr>
+            <a:picLocks noChangeAspect="1"/>
+          </p:cNvPicPr>
+          <p:nvPr/>
+        </p:nvPicPr>
+        <p:blipFill>
+          <a:blip r:embed="rId2"/>
+          <a:stretch>
+            <a:fillRect/>
+          </a:stretch>
+        </p:blipFill>
+        <p:spPr>
+          <a:xfrm>
+            <a:off x="914800" y="3099385"/>
+            <a:ext cx="10438999" cy="2829672"/>
+          </a:xfrm>
+          <a:prstGeom prst="rect">
+            <a:avLst/>
+          </a:prstGeom>
+        </p:spPr>
+      </p:pic>
     </p:spTree>
     <p:extLst>
       <p:ext uri="{BB962C8B-B14F-4D97-AF65-F5344CB8AC3E}">
-        <p14:creationId xmlns:p14="http://schemas.microsoft.com/office/powerpoint/2010/main" val="364160951"/>
+        <p14:creationId xmlns:p14="http://schemas.microsoft.com/office/powerpoint/2010/main" val="3763521167"/>
       </p:ext>
     </p:extLst>
   </p:cSld>
@@ -5023,6 +5242,565 @@
           <p:cNvPr id="2" name="Título 1">
             <a:extLst>
               <a:ext uri="{FF2B5EF4-FFF2-40B4-BE49-F238E27FC236}">
+                <a16:creationId xmlns:a16="http://schemas.microsoft.com/office/drawing/2014/main" id="{8A1B698E-2C36-6C9A-47D8-B54AFAD53FA6}"/>
+              </a:ext>
+            </a:extLst>
+          </p:cNvPr>
+          <p:cNvSpPr>
+            <a:spLocks noGrp="1"/>
+          </p:cNvSpPr>
+          <p:nvPr>
+            <p:ph type="title"/>
+          </p:nvPr>
+        </p:nvSpPr>
+        <p:spPr/>
+        <p:txBody>
+          <a:bodyPr/>
+          <a:lstStyle/>
+          <a:p>
+            <a:r>
+              <a:rPr lang="es-ES" dirty="0"/>
+              <a:t>Crear un token</a:t>
+            </a:r>
+          </a:p>
+        </p:txBody>
+      </p:sp>
+      <p:sp>
+        <p:nvSpPr>
+          <p:cNvPr id="3" name="Marcador de contenido 2">
+            <a:extLst>
+              <a:ext uri="{FF2B5EF4-FFF2-40B4-BE49-F238E27FC236}">
+                <a16:creationId xmlns:a16="http://schemas.microsoft.com/office/drawing/2014/main" id="{F32D1E34-D994-66B0-FFFD-73120C8307B2}"/>
+              </a:ext>
+            </a:extLst>
+          </p:cNvPr>
+          <p:cNvSpPr>
+            <a:spLocks noGrp="1"/>
+          </p:cNvSpPr>
+          <p:nvPr>
+            <p:ph idx="1"/>
+          </p:nvPr>
+        </p:nvSpPr>
+        <p:spPr/>
+        <p:txBody>
+          <a:bodyPr/>
+          <a:lstStyle/>
+          <a:p>
+            <a:endParaRPr lang="es-ES"/>
+          </a:p>
+        </p:txBody>
+      </p:sp>
+      <p:sp>
+        <p:nvSpPr>
+          <p:cNvPr id="4" name="Marcador de número de diapositiva 3">
+            <a:extLst>
+              <a:ext uri="{FF2B5EF4-FFF2-40B4-BE49-F238E27FC236}">
+                <a16:creationId xmlns:a16="http://schemas.microsoft.com/office/drawing/2014/main" id="{69D8F1AA-6B3C-BAB1-A0B5-44ADA876BB64}"/>
+              </a:ext>
+            </a:extLst>
+          </p:cNvPr>
+          <p:cNvSpPr>
+            <a:spLocks noGrp="1"/>
+          </p:cNvSpPr>
+          <p:nvPr>
+            <p:ph type="sldNum" sz="quarter" idx="12"/>
+          </p:nvPr>
+        </p:nvSpPr>
+        <p:spPr/>
+        <p:txBody>
+          <a:bodyPr/>
+          <a:lstStyle/>
+          <a:p>
+            <a:fld id="{DBA0B7A9-3FAC-4523-93F5-549EB9982FEE}" type="slidenum">
+              <a:rPr lang="es-ES" smtClean="0"/>
+              <a:t>19</a:t>
+            </a:fld>
+            <a:endParaRPr lang="es-ES"/>
+          </a:p>
+        </p:txBody>
+      </p:sp>
+    </p:spTree>
+    <p:extLst>
+      <p:ext uri="{BB962C8B-B14F-4D97-AF65-F5344CB8AC3E}">
+        <p14:creationId xmlns:p14="http://schemas.microsoft.com/office/powerpoint/2010/main" val="183204229"/>
+      </p:ext>
+    </p:extLst>
+  </p:cSld>
+  <p:clrMapOvr>
+    <a:masterClrMapping/>
+  </p:clrMapOvr>
+</p:sld>
+</file>
+
+<file path=ppt/slides/slide2.xml><?xml version="1.0" encoding="utf-8"?>
+<p:sld xmlns:a="http://schemas.openxmlformats.org/drawingml/2006/main" xmlns:r="http://schemas.openxmlformats.org/officeDocument/2006/relationships" xmlns:p="http://schemas.openxmlformats.org/presentationml/2006/main">
+  <p:cSld>
+    <p:spTree>
+      <p:nvGrpSpPr>
+        <p:cNvPr id="1" name=""/>
+        <p:cNvGrpSpPr/>
+        <p:nvPr/>
+      </p:nvGrpSpPr>
+      <p:grpSpPr>
+        <a:xfrm>
+          <a:off x="0" y="0"/>
+          <a:ext cx="0" cy="0"/>
+          <a:chOff x="0" y="0"/>
+          <a:chExt cx="0" cy="0"/>
+        </a:xfrm>
+      </p:grpSpPr>
+      <p:sp>
+        <p:nvSpPr>
+          <p:cNvPr id="2" name="Título 1">
+            <a:extLst>
+              <a:ext uri="{FF2B5EF4-FFF2-40B4-BE49-F238E27FC236}">
+                <a16:creationId xmlns:a16="http://schemas.microsoft.com/office/drawing/2014/main" id="{2A5F4EA3-43C8-2DEC-E17E-27C76392893C}"/>
+              </a:ext>
+            </a:extLst>
+          </p:cNvPr>
+          <p:cNvSpPr>
+            <a:spLocks noGrp="1"/>
+          </p:cNvSpPr>
+          <p:nvPr>
+            <p:ph type="title"/>
+          </p:nvPr>
+        </p:nvSpPr>
+        <p:spPr/>
+        <p:txBody>
+          <a:bodyPr/>
+          <a:lstStyle/>
+          <a:p>
+            <a:r>
+              <a:rPr lang="es-ES" b="1" dirty="0"/>
+              <a:t>Contenidos</a:t>
+            </a:r>
+          </a:p>
+        </p:txBody>
+      </p:sp>
+      <p:sp>
+        <p:nvSpPr>
+          <p:cNvPr id="3" name="Marcador de contenido 2">
+            <a:extLst>
+              <a:ext uri="{FF2B5EF4-FFF2-40B4-BE49-F238E27FC236}">
+                <a16:creationId xmlns:a16="http://schemas.microsoft.com/office/drawing/2014/main" id="{E5550424-77F4-4E75-50FF-6893C5AB5722}"/>
+              </a:ext>
+            </a:extLst>
+          </p:cNvPr>
+          <p:cNvSpPr>
+            <a:spLocks noGrp="1"/>
+          </p:cNvSpPr>
+          <p:nvPr>
+            <p:ph idx="1"/>
+          </p:nvPr>
+        </p:nvSpPr>
+        <p:spPr/>
+        <p:txBody>
+          <a:bodyPr>
+            <a:normAutofit/>
+          </a:bodyPr>
+          <a:lstStyle/>
+          <a:p>
+            <a:r>
+              <a:rPr lang="es-ES" dirty="0"/>
+              <a:t>Seguridad y Autenticación en Microservicios con C/C++ </a:t>
+            </a:r>
+          </a:p>
+          <a:p>
+            <a:r>
+              <a:rPr lang="es-ES" dirty="0"/>
+              <a:t>Autenticación con JWT (JSON Web Tokens): </a:t>
+            </a:r>
+          </a:p>
+          <a:p>
+            <a:pPr lvl="1"/>
+            <a:r>
+              <a:rPr lang="es-ES" dirty="0"/>
+              <a:t>Generación y validación de tokens JWT en C++. </a:t>
+            </a:r>
+          </a:p>
+          <a:p>
+            <a:pPr lvl="1"/>
+            <a:r>
+              <a:rPr lang="es-ES" dirty="0"/>
+              <a:t>Uso de bibliotecas criptográficas como OpenSSL para manejar tokens seguros. </a:t>
+            </a:r>
+          </a:p>
+          <a:p>
+            <a:endParaRPr lang="es-ES" dirty="0"/>
+          </a:p>
+          <a:p>
+            <a:r>
+              <a:rPr lang="es-ES" dirty="0"/>
+              <a:t>Protección de la comunicación entre microservicios: </a:t>
+            </a:r>
+          </a:p>
+          <a:p>
+            <a:pPr lvl="1"/>
+            <a:r>
+              <a:rPr lang="es-ES" dirty="0"/>
+              <a:t>Implementación de encriptación con SSL/TLS. </a:t>
+            </a:r>
+          </a:p>
+          <a:p>
+            <a:pPr lvl="1"/>
+            <a:r>
+              <a:rPr lang="es-ES" dirty="0"/>
+              <a:t>Configuración de políticas de seguridad para prevenir ataques como CSRF y XSS. </a:t>
+            </a:r>
+          </a:p>
+        </p:txBody>
+      </p:sp>
+      <p:sp>
+        <p:nvSpPr>
+          <p:cNvPr id="4" name="Marcador de número de diapositiva 3">
+            <a:extLst>
+              <a:ext uri="{FF2B5EF4-FFF2-40B4-BE49-F238E27FC236}">
+                <a16:creationId xmlns:a16="http://schemas.microsoft.com/office/drawing/2014/main" id="{35255358-BA4F-5212-6E03-E3D3E04745CD}"/>
+              </a:ext>
+            </a:extLst>
+          </p:cNvPr>
+          <p:cNvSpPr>
+            <a:spLocks noGrp="1"/>
+          </p:cNvSpPr>
+          <p:nvPr>
+            <p:ph type="sldNum" sz="quarter" idx="12"/>
+          </p:nvPr>
+        </p:nvSpPr>
+        <p:spPr/>
+        <p:txBody>
+          <a:bodyPr/>
+          <a:lstStyle/>
+          <a:p>
+            <a:fld id="{DBA0B7A9-3FAC-4523-93F5-549EB9982FEE}" type="slidenum">
+              <a:rPr lang="es-ES" smtClean="0"/>
+              <a:t>2</a:t>
+            </a:fld>
+            <a:endParaRPr lang="es-ES"/>
+          </a:p>
+        </p:txBody>
+      </p:sp>
+    </p:spTree>
+    <p:extLst>
+      <p:ext uri="{BB962C8B-B14F-4D97-AF65-F5344CB8AC3E}">
+        <p14:creationId xmlns:p14="http://schemas.microsoft.com/office/powerpoint/2010/main" val="1253615918"/>
+      </p:ext>
+    </p:extLst>
+  </p:cSld>
+  <p:clrMapOvr>
+    <a:masterClrMapping/>
+  </p:clrMapOvr>
+</p:sld>
+</file>
+
+<file path=ppt/slides/slide20.xml><?xml version="1.0" encoding="utf-8"?>
+<p:sld xmlns:a="http://schemas.openxmlformats.org/drawingml/2006/main" xmlns:r="http://schemas.openxmlformats.org/officeDocument/2006/relationships" xmlns:p="http://schemas.openxmlformats.org/presentationml/2006/main">
+  <p:cSld>
+    <p:spTree>
+      <p:nvGrpSpPr>
+        <p:cNvPr id="1" name=""/>
+        <p:cNvGrpSpPr/>
+        <p:nvPr/>
+      </p:nvGrpSpPr>
+      <p:grpSpPr>
+        <a:xfrm>
+          <a:off x="0" y="0"/>
+          <a:ext cx="0" cy="0"/>
+          <a:chOff x="0" y="0"/>
+          <a:chExt cx="0" cy="0"/>
+        </a:xfrm>
+      </p:grpSpPr>
+      <p:sp>
+        <p:nvSpPr>
+          <p:cNvPr id="5" name="Título 4">
+            <a:extLst>
+              <a:ext uri="{FF2B5EF4-FFF2-40B4-BE49-F238E27FC236}">
+                <a16:creationId xmlns:a16="http://schemas.microsoft.com/office/drawing/2014/main" id="{706E867F-790B-7CB2-BEAA-61296C21298C}"/>
+              </a:ext>
+            </a:extLst>
+          </p:cNvPr>
+          <p:cNvSpPr>
+            <a:spLocks noGrp="1"/>
+          </p:cNvSpPr>
+          <p:nvPr>
+            <p:ph type="ctrTitle"/>
+          </p:nvPr>
+        </p:nvSpPr>
+        <p:spPr/>
+        <p:txBody>
+          <a:bodyPr/>
+          <a:lstStyle/>
+          <a:p>
+            <a:r>
+              <a:rPr lang="es-ES" b="1" dirty="0"/>
+              <a:t>OpenSSL</a:t>
+            </a:r>
+          </a:p>
+        </p:txBody>
+      </p:sp>
+      <p:sp>
+        <p:nvSpPr>
+          <p:cNvPr id="6" name="Subtítulo 5">
+            <a:extLst>
+              <a:ext uri="{FF2B5EF4-FFF2-40B4-BE49-F238E27FC236}">
+                <a16:creationId xmlns:a16="http://schemas.microsoft.com/office/drawing/2014/main" id="{19B1467E-9CDF-5F6A-BA85-21B2755FE0C6}"/>
+              </a:ext>
+            </a:extLst>
+          </p:cNvPr>
+          <p:cNvSpPr>
+            <a:spLocks noGrp="1"/>
+          </p:cNvSpPr>
+          <p:nvPr>
+            <p:ph type="subTitle" idx="1"/>
+          </p:nvPr>
+        </p:nvSpPr>
+        <p:spPr/>
+        <p:txBody>
+          <a:bodyPr/>
+          <a:lstStyle/>
+          <a:p>
+            <a:endParaRPr lang="es-ES"/>
+          </a:p>
+        </p:txBody>
+      </p:sp>
+      <p:sp>
+        <p:nvSpPr>
+          <p:cNvPr id="4" name="Marcador de número de diapositiva 3">
+            <a:extLst>
+              <a:ext uri="{FF2B5EF4-FFF2-40B4-BE49-F238E27FC236}">
+                <a16:creationId xmlns:a16="http://schemas.microsoft.com/office/drawing/2014/main" id="{E9C14DC4-A6C5-0E03-F112-216702755363}"/>
+              </a:ext>
+            </a:extLst>
+          </p:cNvPr>
+          <p:cNvSpPr>
+            <a:spLocks noGrp="1"/>
+          </p:cNvSpPr>
+          <p:nvPr>
+            <p:ph type="sldNum" sz="quarter" idx="12"/>
+          </p:nvPr>
+        </p:nvSpPr>
+        <p:spPr/>
+        <p:txBody>
+          <a:bodyPr/>
+          <a:lstStyle/>
+          <a:p>
+            <a:fld id="{DBA0B7A9-3FAC-4523-93F5-549EB9982FEE}" type="slidenum">
+              <a:rPr lang="es-ES" smtClean="0"/>
+              <a:t>20</a:t>
+            </a:fld>
+            <a:endParaRPr lang="es-ES"/>
+          </a:p>
+        </p:txBody>
+      </p:sp>
+    </p:spTree>
+    <p:extLst>
+      <p:ext uri="{BB962C8B-B14F-4D97-AF65-F5344CB8AC3E}">
+        <p14:creationId xmlns:p14="http://schemas.microsoft.com/office/powerpoint/2010/main" val="421055732"/>
+      </p:ext>
+    </p:extLst>
+  </p:cSld>
+  <p:clrMapOvr>
+    <a:masterClrMapping/>
+  </p:clrMapOvr>
+</p:sld>
+</file>
+
+<file path=ppt/slides/slide21.xml><?xml version="1.0" encoding="utf-8"?>
+<p:sld xmlns:a="http://schemas.openxmlformats.org/drawingml/2006/main" xmlns:r="http://schemas.openxmlformats.org/officeDocument/2006/relationships" xmlns:p="http://schemas.openxmlformats.org/presentationml/2006/main">
+  <p:cSld>
+    <p:spTree>
+      <p:nvGrpSpPr>
+        <p:cNvPr id="1" name=""/>
+        <p:cNvGrpSpPr/>
+        <p:nvPr/>
+      </p:nvGrpSpPr>
+      <p:grpSpPr>
+        <a:xfrm>
+          <a:off x="0" y="0"/>
+          <a:ext cx="0" cy="0"/>
+          <a:chOff x="0" y="0"/>
+          <a:chExt cx="0" cy="0"/>
+        </a:xfrm>
+      </p:grpSpPr>
+      <p:sp>
+        <p:nvSpPr>
+          <p:cNvPr id="2" name="Título 1">
+            <a:extLst>
+              <a:ext uri="{FF2B5EF4-FFF2-40B4-BE49-F238E27FC236}">
+                <a16:creationId xmlns:a16="http://schemas.microsoft.com/office/drawing/2014/main" id="{D04325FE-BE1B-D2D9-1901-C0DB9CAB50F0}"/>
+              </a:ext>
+            </a:extLst>
+          </p:cNvPr>
+          <p:cNvSpPr>
+            <a:spLocks noGrp="1"/>
+          </p:cNvSpPr>
+          <p:nvPr>
+            <p:ph type="title"/>
+          </p:nvPr>
+        </p:nvSpPr>
+        <p:spPr/>
+        <p:txBody>
+          <a:bodyPr/>
+          <a:lstStyle/>
+          <a:p>
+            <a:r>
+              <a:rPr lang="es-ES" dirty="0"/>
+              <a:t>Bibliotecas criptográficas</a:t>
+            </a:r>
+          </a:p>
+        </p:txBody>
+      </p:sp>
+      <p:sp>
+        <p:nvSpPr>
+          <p:cNvPr id="3" name="Marcador de contenido 2">
+            <a:extLst>
+              <a:ext uri="{FF2B5EF4-FFF2-40B4-BE49-F238E27FC236}">
+                <a16:creationId xmlns:a16="http://schemas.microsoft.com/office/drawing/2014/main" id="{DC9F5CD9-8324-BE44-7DB8-55ECDBF85CA3}"/>
+              </a:ext>
+            </a:extLst>
+          </p:cNvPr>
+          <p:cNvSpPr>
+            <a:spLocks noGrp="1"/>
+          </p:cNvSpPr>
+          <p:nvPr>
+            <p:ph idx="1"/>
+          </p:nvPr>
+        </p:nvSpPr>
+        <p:spPr/>
+        <p:txBody>
+          <a:bodyPr/>
+          <a:lstStyle/>
+          <a:p>
+            <a:endParaRPr lang="es-ES"/>
+          </a:p>
+        </p:txBody>
+      </p:sp>
+      <p:sp>
+        <p:nvSpPr>
+          <p:cNvPr id="4" name="Marcador de número de diapositiva 3">
+            <a:extLst>
+              <a:ext uri="{FF2B5EF4-FFF2-40B4-BE49-F238E27FC236}">
+                <a16:creationId xmlns:a16="http://schemas.microsoft.com/office/drawing/2014/main" id="{FC1A99F6-8EB4-E411-216B-BEEE1D83E9AB}"/>
+              </a:ext>
+            </a:extLst>
+          </p:cNvPr>
+          <p:cNvSpPr>
+            <a:spLocks noGrp="1"/>
+          </p:cNvSpPr>
+          <p:nvPr>
+            <p:ph type="sldNum" sz="quarter" idx="12"/>
+          </p:nvPr>
+        </p:nvSpPr>
+        <p:spPr/>
+        <p:txBody>
+          <a:bodyPr/>
+          <a:lstStyle/>
+          <a:p>
+            <a:fld id="{DBA0B7A9-3FAC-4523-93F5-549EB9982FEE}" type="slidenum">
+              <a:rPr lang="es-ES" smtClean="0"/>
+              <a:t>21</a:t>
+            </a:fld>
+            <a:endParaRPr lang="es-ES"/>
+          </a:p>
+        </p:txBody>
+      </p:sp>
+    </p:spTree>
+    <p:extLst>
+      <p:ext uri="{BB962C8B-B14F-4D97-AF65-F5344CB8AC3E}">
+        <p14:creationId xmlns:p14="http://schemas.microsoft.com/office/powerpoint/2010/main" val="3529758498"/>
+      </p:ext>
+    </p:extLst>
+  </p:cSld>
+  <p:clrMapOvr>
+    <a:masterClrMapping/>
+  </p:clrMapOvr>
+</p:sld>
+</file>
+
+<file path=ppt/slides/slide22.xml><?xml version="1.0" encoding="utf-8"?>
+<p:sld xmlns:a="http://schemas.openxmlformats.org/drawingml/2006/main" xmlns:r="http://schemas.openxmlformats.org/officeDocument/2006/relationships" xmlns:p="http://schemas.openxmlformats.org/presentationml/2006/main">
+  <p:cSld>
+    <p:spTree>
+      <p:nvGrpSpPr>
+        <p:cNvPr id="1" name=""/>
+        <p:cNvGrpSpPr/>
+        <p:nvPr/>
+      </p:nvGrpSpPr>
+      <p:grpSpPr>
+        <a:xfrm>
+          <a:off x="0" y="0"/>
+          <a:ext cx="0" cy="0"/>
+          <a:chOff x="0" y="0"/>
+          <a:chExt cx="0" cy="0"/>
+        </a:xfrm>
+      </p:grpSpPr>
+      <p:sp>
+        <p:nvSpPr>
+          <p:cNvPr id="4" name="Título 3">
+            <a:extLst>
+              <a:ext uri="{FF2B5EF4-FFF2-40B4-BE49-F238E27FC236}">
+                <a16:creationId xmlns:a16="http://schemas.microsoft.com/office/drawing/2014/main" id="{49C47587-0444-CC44-ED0F-CA02B9506EA7}"/>
+              </a:ext>
+            </a:extLst>
+          </p:cNvPr>
+          <p:cNvSpPr>
+            <a:spLocks noGrp="1"/>
+          </p:cNvSpPr>
+          <p:nvPr>
+            <p:ph type="ctrTitle"/>
+          </p:nvPr>
+        </p:nvSpPr>
+        <p:spPr>
+          <a:xfrm>
+            <a:off x="290423" y="1773188"/>
+            <a:ext cx="11611154" cy="2387600"/>
+          </a:xfrm>
+        </p:spPr>
+        <p:txBody>
+          <a:bodyPr/>
+          <a:lstStyle/>
+          <a:p>
+            <a:r>
+              <a:rPr lang="es-ES" b="1" dirty="0"/>
+              <a:t>Protección de la comunicación entre microservicios</a:t>
+            </a:r>
+          </a:p>
+        </p:txBody>
+      </p:sp>
+    </p:spTree>
+    <p:extLst>
+      <p:ext uri="{BB962C8B-B14F-4D97-AF65-F5344CB8AC3E}">
+        <p14:creationId xmlns:p14="http://schemas.microsoft.com/office/powerpoint/2010/main" val="364160951"/>
+      </p:ext>
+    </p:extLst>
+  </p:cSld>
+  <p:clrMapOvr>
+    <a:masterClrMapping/>
+  </p:clrMapOvr>
+</p:sld>
+</file>
+
+<file path=ppt/slides/slide23.xml><?xml version="1.0" encoding="utf-8"?>
+<p:sld xmlns:a="http://schemas.openxmlformats.org/drawingml/2006/main" xmlns:r="http://schemas.openxmlformats.org/officeDocument/2006/relationships" xmlns:p="http://schemas.openxmlformats.org/presentationml/2006/main">
+  <p:cSld>
+    <p:spTree>
+      <p:nvGrpSpPr>
+        <p:cNvPr id="1" name=""/>
+        <p:cNvGrpSpPr/>
+        <p:nvPr/>
+      </p:nvGrpSpPr>
+      <p:grpSpPr>
+        <a:xfrm>
+          <a:off x="0" y="0"/>
+          <a:ext cx="0" cy="0"/>
+          <a:chOff x="0" y="0"/>
+          <a:chExt cx="0" cy="0"/>
+        </a:xfrm>
+      </p:grpSpPr>
+      <p:sp>
+        <p:nvSpPr>
+          <p:cNvPr id="2" name="Título 1">
+            <a:extLst>
+              <a:ext uri="{FF2B5EF4-FFF2-40B4-BE49-F238E27FC236}">
                 <a16:creationId xmlns:a16="http://schemas.microsoft.com/office/drawing/2014/main" id="{688687D7-AC27-9EEE-D00F-64A25A741E1C}"/>
               </a:ext>
             </a:extLst>
@@ -5107,7 +5885,7 @@
           <a:p>
             <a:fld id="{DBA0B7A9-3FAC-4523-93F5-549EB9982FEE}" type="slidenum">
               <a:rPr lang="es-ES" smtClean="0"/>
-              <a:t>19</a:t>
+              <a:t>23</a:t>
             </a:fld>
             <a:endParaRPr lang="es-ES"/>
           </a:p>
@@ -5156,752 +5934,6 @@
 </p:sld>
 </file>
 
-<file path=ppt/slides/slide2.xml><?xml version="1.0" encoding="utf-8"?>
-<p:sld xmlns:a="http://schemas.openxmlformats.org/drawingml/2006/main" xmlns:r="http://schemas.openxmlformats.org/officeDocument/2006/relationships" xmlns:p="http://schemas.openxmlformats.org/presentationml/2006/main">
-  <p:cSld>
-    <p:spTree>
-      <p:nvGrpSpPr>
-        <p:cNvPr id="1" name=""/>
-        <p:cNvGrpSpPr/>
-        <p:nvPr/>
-      </p:nvGrpSpPr>
-      <p:grpSpPr>
-        <a:xfrm>
-          <a:off x="0" y="0"/>
-          <a:ext cx="0" cy="0"/>
-          <a:chOff x="0" y="0"/>
-          <a:chExt cx="0" cy="0"/>
-        </a:xfrm>
-      </p:grpSpPr>
-      <p:sp>
-        <p:nvSpPr>
-          <p:cNvPr id="2" name="Título 1">
-            <a:extLst>
-              <a:ext uri="{FF2B5EF4-FFF2-40B4-BE49-F238E27FC236}">
-                <a16:creationId xmlns:a16="http://schemas.microsoft.com/office/drawing/2014/main" id="{2A5F4EA3-43C8-2DEC-E17E-27C76392893C}"/>
-              </a:ext>
-            </a:extLst>
-          </p:cNvPr>
-          <p:cNvSpPr>
-            <a:spLocks noGrp="1"/>
-          </p:cNvSpPr>
-          <p:nvPr>
-            <p:ph type="title"/>
-          </p:nvPr>
-        </p:nvSpPr>
-        <p:spPr/>
-        <p:txBody>
-          <a:bodyPr/>
-          <a:lstStyle/>
-          <a:p>
-            <a:r>
-              <a:rPr lang="es-ES" b="1" dirty="0"/>
-              <a:t>Contenidos</a:t>
-            </a:r>
-          </a:p>
-        </p:txBody>
-      </p:sp>
-      <p:sp>
-        <p:nvSpPr>
-          <p:cNvPr id="3" name="Marcador de contenido 2">
-            <a:extLst>
-              <a:ext uri="{FF2B5EF4-FFF2-40B4-BE49-F238E27FC236}">
-                <a16:creationId xmlns:a16="http://schemas.microsoft.com/office/drawing/2014/main" id="{E5550424-77F4-4E75-50FF-6893C5AB5722}"/>
-              </a:ext>
-            </a:extLst>
-          </p:cNvPr>
-          <p:cNvSpPr>
-            <a:spLocks noGrp="1"/>
-          </p:cNvSpPr>
-          <p:nvPr>
-            <p:ph idx="1"/>
-          </p:nvPr>
-        </p:nvSpPr>
-        <p:spPr/>
-        <p:txBody>
-          <a:bodyPr>
-            <a:normAutofit/>
-          </a:bodyPr>
-          <a:lstStyle/>
-          <a:p>
-            <a:r>
-              <a:rPr lang="es-ES" dirty="0"/>
-              <a:t>Seguridad y Autenticación en Microservicios con C/C++ </a:t>
-            </a:r>
-          </a:p>
-          <a:p>
-            <a:r>
-              <a:rPr lang="es-ES" dirty="0"/>
-              <a:t>Autenticación con JWT (JSON Web Tokens): </a:t>
-            </a:r>
-          </a:p>
-          <a:p>
-            <a:pPr lvl="1"/>
-            <a:r>
-              <a:rPr lang="es-ES" dirty="0"/>
-              <a:t>Generación y validación de tokens JWT en C++. </a:t>
-            </a:r>
-          </a:p>
-          <a:p>
-            <a:pPr lvl="1"/>
-            <a:r>
-              <a:rPr lang="es-ES" dirty="0"/>
-              <a:t>Uso de bibliotecas criptográficas como OpenSSL para manejar tokens seguros. </a:t>
-            </a:r>
-          </a:p>
-          <a:p>
-            <a:endParaRPr lang="es-ES" dirty="0"/>
-          </a:p>
-          <a:p>
-            <a:r>
-              <a:rPr lang="es-ES" dirty="0"/>
-              <a:t>Protección de la comunicación entre microservicios: </a:t>
-            </a:r>
-          </a:p>
-          <a:p>
-            <a:pPr lvl="1"/>
-            <a:r>
-              <a:rPr lang="es-ES" dirty="0"/>
-              <a:t>Implementación de encriptación con SSL/TLS. </a:t>
-            </a:r>
-          </a:p>
-          <a:p>
-            <a:pPr lvl="1"/>
-            <a:r>
-              <a:rPr lang="es-ES" dirty="0"/>
-              <a:t>Configuración de políticas de seguridad para prevenir ataques como CSRF y XSS. </a:t>
-            </a:r>
-          </a:p>
-        </p:txBody>
-      </p:sp>
-      <p:sp>
-        <p:nvSpPr>
-          <p:cNvPr id="4" name="Marcador de número de diapositiva 3">
-            <a:extLst>
-              <a:ext uri="{FF2B5EF4-FFF2-40B4-BE49-F238E27FC236}">
-                <a16:creationId xmlns:a16="http://schemas.microsoft.com/office/drawing/2014/main" id="{35255358-BA4F-5212-6E03-E3D3E04745CD}"/>
-              </a:ext>
-            </a:extLst>
-          </p:cNvPr>
-          <p:cNvSpPr>
-            <a:spLocks noGrp="1"/>
-          </p:cNvSpPr>
-          <p:nvPr>
-            <p:ph type="sldNum" sz="quarter" idx="12"/>
-          </p:nvPr>
-        </p:nvSpPr>
-        <p:spPr/>
-        <p:txBody>
-          <a:bodyPr/>
-          <a:lstStyle/>
-          <a:p>
-            <a:fld id="{DBA0B7A9-3FAC-4523-93F5-549EB9982FEE}" type="slidenum">
-              <a:rPr lang="es-ES" smtClean="0"/>
-              <a:t>2</a:t>
-            </a:fld>
-            <a:endParaRPr lang="es-ES"/>
-          </a:p>
-        </p:txBody>
-      </p:sp>
-    </p:spTree>
-    <p:extLst>
-      <p:ext uri="{BB962C8B-B14F-4D97-AF65-F5344CB8AC3E}">
-        <p14:creationId xmlns:p14="http://schemas.microsoft.com/office/powerpoint/2010/main" val="1253615918"/>
-      </p:ext>
-    </p:extLst>
-  </p:cSld>
-  <p:clrMapOvr>
-    <a:masterClrMapping/>
-  </p:clrMapOvr>
-</p:sld>
-</file>
-
-<file path=ppt/slides/slide20.xml><?xml version="1.0" encoding="utf-8"?>
-<p:sld xmlns:a="http://schemas.openxmlformats.org/drawingml/2006/main" xmlns:r="http://schemas.openxmlformats.org/officeDocument/2006/relationships" xmlns:p="http://schemas.openxmlformats.org/presentationml/2006/main">
-  <p:cSld>
-    <p:spTree>
-      <p:nvGrpSpPr>
-        <p:cNvPr id="1" name=""/>
-        <p:cNvGrpSpPr/>
-        <p:nvPr/>
-      </p:nvGrpSpPr>
-      <p:grpSpPr>
-        <a:xfrm>
-          <a:off x="0" y="0"/>
-          <a:ext cx="0" cy="0"/>
-          <a:chOff x="0" y="0"/>
-          <a:chExt cx="0" cy="0"/>
-        </a:xfrm>
-      </p:grpSpPr>
-      <p:sp>
-        <p:nvSpPr>
-          <p:cNvPr id="2" name="Título 1">
-            <a:extLst>
-              <a:ext uri="{FF2B5EF4-FFF2-40B4-BE49-F238E27FC236}">
-                <a16:creationId xmlns:a16="http://schemas.microsoft.com/office/drawing/2014/main" id="{4274C934-73D7-766B-93DE-C24614FA50C7}"/>
-              </a:ext>
-            </a:extLst>
-          </p:cNvPr>
-          <p:cNvSpPr>
-            <a:spLocks noGrp="1"/>
-          </p:cNvSpPr>
-          <p:nvPr>
-            <p:ph type="title"/>
-          </p:nvPr>
-        </p:nvSpPr>
-        <p:spPr/>
-        <p:txBody>
-          <a:bodyPr/>
-          <a:lstStyle/>
-          <a:p>
-            <a:r>
-              <a:rPr lang="es-ES" dirty="0"/>
-              <a:t>Configuración para evitar ataques CSRF / XSS</a:t>
-            </a:r>
-          </a:p>
-        </p:txBody>
-      </p:sp>
-      <p:sp>
-        <p:nvSpPr>
-          <p:cNvPr id="3" name="Marcador de contenido 2">
-            <a:extLst>
-              <a:ext uri="{FF2B5EF4-FFF2-40B4-BE49-F238E27FC236}">
-                <a16:creationId xmlns:a16="http://schemas.microsoft.com/office/drawing/2014/main" id="{5D572D67-61DC-E8DB-C62C-0DAF90772FB5}"/>
-              </a:ext>
-            </a:extLst>
-          </p:cNvPr>
-          <p:cNvSpPr>
-            <a:spLocks noGrp="1"/>
-          </p:cNvSpPr>
-          <p:nvPr>
-            <p:ph idx="1"/>
-          </p:nvPr>
-        </p:nvSpPr>
-        <p:spPr/>
-        <p:txBody>
-          <a:bodyPr/>
-          <a:lstStyle/>
-          <a:p>
-            <a:endParaRPr lang="es-ES"/>
-          </a:p>
-        </p:txBody>
-      </p:sp>
-      <p:sp>
-        <p:nvSpPr>
-          <p:cNvPr id="4" name="Marcador de número de diapositiva 3">
-            <a:extLst>
-              <a:ext uri="{FF2B5EF4-FFF2-40B4-BE49-F238E27FC236}">
-                <a16:creationId xmlns:a16="http://schemas.microsoft.com/office/drawing/2014/main" id="{69A1C0C7-4E84-0633-F715-ADEB0D47FE8E}"/>
-              </a:ext>
-            </a:extLst>
-          </p:cNvPr>
-          <p:cNvSpPr>
-            <a:spLocks noGrp="1"/>
-          </p:cNvSpPr>
-          <p:nvPr>
-            <p:ph type="sldNum" sz="quarter" idx="12"/>
-          </p:nvPr>
-        </p:nvSpPr>
-        <p:spPr/>
-        <p:txBody>
-          <a:bodyPr/>
-          <a:lstStyle/>
-          <a:p>
-            <a:fld id="{DBA0B7A9-3FAC-4523-93F5-549EB9982FEE}" type="slidenum">
-              <a:rPr lang="es-ES" smtClean="0"/>
-              <a:t>20</a:t>
-            </a:fld>
-            <a:endParaRPr lang="es-ES"/>
-          </a:p>
-        </p:txBody>
-      </p:sp>
-    </p:spTree>
-    <p:extLst>
-      <p:ext uri="{BB962C8B-B14F-4D97-AF65-F5344CB8AC3E}">
-        <p14:creationId xmlns:p14="http://schemas.microsoft.com/office/powerpoint/2010/main" val="3562544661"/>
-      </p:ext>
-    </p:extLst>
-  </p:cSld>
-  <p:clrMapOvr>
-    <a:masterClrMapping/>
-  </p:clrMapOvr>
-</p:sld>
-</file>
-
-<file path=ppt/slides/slide21.xml><?xml version="1.0" encoding="utf-8"?>
-<p:sld xmlns:a="http://schemas.openxmlformats.org/drawingml/2006/main" xmlns:r="http://schemas.openxmlformats.org/officeDocument/2006/relationships" xmlns:p="http://schemas.openxmlformats.org/presentationml/2006/main">
-  <p:cSld>
-    <p:spTree>
-      <p:nvGrpSpPr>
-        <p:cNvPr id="1" name=""/>
-        <p:cNvGrpSpPr/>
-        <p:nvPr/>
-      </p:nvGrpSpPr>
-      <p:grpSpPr>
-        <a:xfrm>
-          <a:off x="0" y="0"/>
-          <a:ext cx="0" cy="0"/>
-          <a:chOff x="0" y="0"/>
-          <a:chExt cx="0" cy="0"/>
-        </a:xfrm>
-      </p:grpSpPr>
-      <p:sp>
-        <p:nvSpPr>
-          <p:cNvPr id="2" name="Título 1">
-            <a:extLst>
-              <a:ext uri="{FF2B5EF4-FFF2-40B4-BE49-F238E27FC236}">
-                <a16:creationId xmlns:a16="http://schemas.microsoft.com/office/drawing/2014/main" id="{E883D648-FB0E-2CE5-DDD9-EB59DD892739}"/>
-              </a:ext>
-            </a:extLst>
-          </p:cNvPr>
-          <p:cNvSpPr>
-            <a:spLocks noGrp="1"/>
-          </p:cNvSpPr>
-          <p:nvPr>
-            <p:ph type="title"/>
-          </p:nvPr>
-        </p:nvSpPr>
-        <p:spPr/>
-        <p:txBody>
-          <a:bodyPr/>
-          <a:lstStyle/>
-          <a:p>
-            <a:r>
-              <a:rPr lang="es-ES" dirty="0"/>
-              <a:t>CSRF</a:t>
-            </a:r>
-          </a:p>
-        </p:txBody>
-      </p:sp>
-      <p:sp>
-        <p:nvSpPr>
-          <p:cNvPr id="3" name="Marcador de contenido 2">
-            <a:extLst>
-              <a:ext uri="{FF2B5EF4-FFF2-40B4-BE49-F238E27FC236}">
-                <a16:creationId xmlns:a16="http://schemas.microsoft.com/office/drawing/2014/main" id="{63710E8B-7CB7-937B-5712-42F4ABD78E61}"/>
-              </a:ext>
-            </a:extLst>
-          </p:cNvPr>
-          <p:cNvSpPr>
-            <a:spLocks noGrp="1"/>
-          </p:cNvSpPr>
-          <p:nvPr>
-            <p:ph idx="1"/>
-          </p:nvPr>
-        </p:nvSpPr>
-        <p:spPr/>
-        <p:txBody>
-          <a:bodyPr/>
-          <a:lstStyle/>
-          <a:p>
-            <a:r>
-              <a:rPr lang="es-ES" b="1" dirty="0"/>
-              <a:t>Cross-Site </a:t>
-            </a:r>
-            <a:r>
-              <a:rPr lang="es-ES" b="1" dirty="0" err="1"/>
-              <a:t>Request</a:t>
-            </a:r>
-            <a:r>
-              <a:rPr lang="es-ES" b="1" dirty="0"/>
-              <a:t> </a:t>
-            </a:r>
-            <a:r>
-              <a:rPr lang="es-ES" b="1" dirty="0" err="1"/>
-              <a:t>Forgery</a:t>
-            </a:r>
-            <a:endParaRPr lang="es-ES" b="1" dirty="0"/>
-          </a:p>
-          <a:p>
-            <a:pPr lvl="1"/>
-            <a:r>
-              <a:rPr lang="es-ES" b="1" dirty="0"/>
-              <a:t>CSRF</a:t>
-            </a:r>
-            <a:r>
-              <a:rPr lang="es-ES" dirty="0"/>
-              <a:t> es un tipo de ataque en el que un usuario autenticado en un sitio web es engañado para ejecutar una acción no deseada en ese mismo sitio, sin saberlo.</a:t>
-            </a:r>
-          </a:p>
-          <a:p>
-            <a:pPr lvl="1"/>
-            <a:endParaRPr lang="es-ES" dirty="0"/>
-          </a:p>
-          <a:p>
-            <a:pPr lvl="1"/>
-            <a:r>
-              <a:rPr lang="es-ES" dirty="0"/>
-              <a:t>Nos podemos proteger de estos ataques utilizando las librerías: </a:t>
-            </a:r>
-            <a:r>
-              <a:rPr lang="es-ES" dirty="0" err="1"/>
-              <a:t>Crow</a:t>
-            </a:r>
-            <a:r>
-              <a:rPr lang="es-ES" dirty="0"/>
-              <a:t>, </a:t>
-            </a:r>
-            <a:r>
-              <a:rPr lang="es-ES" dirty="0" err="1"/>
-              <a:t>Boost.Beast</a:t>
-            </a:r>
-            <a:r>
-              <a:rPr lang="es-ES" dirty="0"/>
-              <a:t> o Pistache.</a:t>
-            </a:r>
-          </a:p>
-        </p:txBody>
-      </p:sp>
-      <p:sp>
-        <p:nvSpPr>
-          <p:cNvPr id="4" name="Marcador de número de diapositiva 3">
-            <a:extLst>
-              <a:ext uri="{FF2B5EF4-FFF2-40B4-BE49-F238E27FC236}">
-                <a16:creationId xmlns:a16="http://schemas.microsoft.com/office/drawing/2014/main" id="{7C7A5A21-A699-916A-C192-272C354A2238}"/>
-              </a:ext>
-            </a:extLst>
-          </p:cNvPr>
-          <p:cNvSpPr>
-            <a:spLocks noGrp="1"/>
-          </p:cNvSpPr>
-          <p:nvPr>
-            <p:ph type="sldNum" sz="quarter" idx="12"/>
-          </p:nvPr>
-        </p:nvSpPr>
-        <p:spPr/>
-        <p:txBody>
-          <a:bodyPr/>
-          <a:lstStyle/>
-          <a:p>
-            <a:fld id="{DBA0B7A9-3FAC-4523-93F5-549EB9982FEE}" type="slidenum">
-              <a:rPr lang="es-ES" smtClean="0"/>
-              <a:t>21</a:t>
-            </a:fld>
-            <a:endParaRPr lang="es-ES"/>
-          </a:p>
-        </p:txBody>
-      </p:sp>
-    </p:spTree>
-    <p:extLst>
-      <p:ext uri="{BB962C8B-B14F-4D97-AF65-F5344CB8AC3E}">
-        <p14:creationId xmlns:p14="http://schemas.microsoft.com/office/powerpoint/2010/main" val="1703053913"/>
-      </p:ext>
-    </p:extLst>
-  </p:cSld>
-  <p:clrMapOvr>
-    <a:masterClrMapping/>
-  </p:clrMapOvr>
-</p:sld>
-</file>
-
-<file path=ppt/slides/slide22.xml><?xml version="1.0" encoding="utf-8"?>
-<p:sld xmlns:a="http://schemas.openxmlformats.org/drawingml/2006/main" xmlns:r="http://schemas.openxmlformats.org/officeDocument/2006/relationships" xmlns:p="http://schemas.openxmlformats.org/presentationml/2006/main">
-  <p:cSld>
-    <p:spTree>
-      <p:nvGrpSpPr>
-        <p:cNvPr id="1" name=""/>
-        <p:cNvGrpSpPr/>
-        <p:nvPr/>
-      </p:nvGrpSpPr>
-      <p:grpSpPr>
-        <a:xfrm>
-          <a:off x="0" y="0"/>
-          <a:ext cx="0" cy="0"/>
-          <a:chOff x="0" y="0"/>
-          <a:chExt cx="0" cy="0"/>
-        </a:xfrm>
-      </p:grpSpPr>
-      <p:sp>
-        <p:nvSpPr>
-          <p:cNvPr id="2" name="Título 1">
-            <a:extLst>
-              <a:ext uri="{FF2B5EF4-FFF2-40B4-BE49-F238E27FC236}">
-                <a16:creationId xmlns:a16="http://schemas.microsoft.com/office/drawing/2014/main" id="{AA771B9F-CC0E-C4EB-1C07-40BEB7F3D5F6}"/>
-              </a:ext>
-            </a:extLst>
-          </p:cNvPr>
-          <p:cNvSpPr>
-            <a:spLocks noGrp="1"/>
-          </p:cNvSpPr>
-          <p:nvPr>
-            <p:ph type="title"/>
-          </p:nvPr>
-        </p:nvSpPr>
-        <p:spPr/>
-        <p:txBody>
-          <a:bodyPr/>
-          <a:lstStyle/>
-          <a:p>
-            <a:r>
-              <a:rPr lang="es-ES" dirty="0"/>
-              <a:t>XSS</a:t>
-            </a:r>
-          </a:p>
-        </p:txBody>
-      </p:sp>
-      <p:sp>
-        <p:nvSpPr>
-          <p:cNvPr id="3" name="Marcador de contenido 2">
-            <a:extLst>
-              <a:ext uri="{FF2B5EF4-FFF2-40B4-BE49-F238E27FC236}">
-                <a16:creationId xmlns:a16="http://schemas.microsoft.com/office/drawing/2014/main" id="{9590EB62-7BCE-45EC-3947-547A1FD53C0F}"/>
-              </a:ext>
-            </a:extLst>
-          </p:cNvPr>
-          <p:cNvSpPr>
-            <a:spLocks noGrp="1"/>
-          </p:cNvSpPr>
-          <p:nvPr>
-            <p:ph idx="1"/>
-          </p:nvPr>
-        </p:nvSpPr>
-        <p:spPr/>
-        <p:txBody>
-          <a:bodyPr>
-            <a:normAutofit fontScale="92500" lnSpcReduction="20000"/>
-          </a:bodyPr>
-          <a:lstStyle/>
-          <a:p>
-            <a:r>
-              <a:rPr lang="es-ES" b="1" dirty="0"/>
-              <a:t>XSS (Cross-Site Scripting)</a:t>
-            </a:r>
-            <a:r>
-              <a:rPr lang="es-ES" dirty="0"/>
-              <a:t> es una de las vulnerabilidades más comunes y peligrosas en aplicaciones web. </a:t>
-            </a:r>
-          </a:p>
-          <a:p>
-            <a:endParaRPr lang="es-ES" dirty="0"/>
-          </a:p>
-          <a:p>
-            <a:r>
-              <a:rPr lang="es-ES" dirty="0"/>
-              <a:t>Afecta principalmente a lenguajes como JavaScript, </a:t>
-            </a:r>
-            <a:r>
-              <a:rPr lang="es-ES" b="1" dirty="0"/>
-              <a:t>los servicios web escritos en C++ también pueden ser vulnerables</a:t>
-            </a:r>
-            <a:r>
-              <a:rPr lang="es-ES" dirty="0"/>
-              <a:t> si no se validan correctamente los datos que se envían al navegador.</a:t>
-            </a:r>
-          </a:p>
-          <a:p>
-            <a:endParaRPr lang="es-ES" dirty="0"/>
-          </a:p>
-          <a:p>
-            <a:r>
-              <a:rPr lang="es-ES" b="1" dirty="0"/>
-              <a:t>XSS</a:t>
-            </a:r>
-            <a:r>
-              <a:rPr lang="es-ES" dirty="0"/>
-              <a:t> es un tipo de ataque que permite a un atacante </a:t>
-            </a:r>
-            <a:r>
-              <a:rPr lang="es-ES" b="1" dirty="0"/>
-              <a:t>inyectar código malicioso (generalmente JavaScript)</a:t>
-            </a:r>
-            <a:r>
-              <a:rPr lang="es-ES" dirty="0"/>
-              <a:t> en páginas web que otros usuarios visitan. </a:t>
-            </a:r>
-          </a:p>
-          <a:p>
-            <a:pPr lvl="1"/>
-            <a:r>
-              <a:rPr lang="es-ES" dirty="0"/>
-              <a:t>El código se ejecuta en el navegador de la víctima, no en el servidor, lo que lo hace difícil de detectar.</a:t>
-            </a:r>
-          </a:p>
-        </p:txBody>
-      </p:sp>
-      <p:sp>
-        <p:nvSpPr>
-          <p:cNvPr id="4" name="Marcador de número de diapositiva 3">
-            <a:extLst>
-              <a:ext uri="{FF2B5EF4-FFF2-40B4-BE49-F238E27FC236}">
-                <a16:creationId xmlns:a16="http://schemas.microsoft.com/office/drawing/2014/main" id="{9E744B72-252C-DAE7-D825-B27BDC32E97B}"/>
-              </a:ext>
-            </a:extLst>
-          </p:cNvPr>
-          <p:cNvSpPr>
-            <a:spLocks noGrp="1"/>
-          </p:cNvSpPr>
-          <p:nvPr>
-            <p:ph type="sldNum" sz="quarter" idx="12"/>
-          </p:nvPr>
-        </p:nvSpPr>
-        <p:spPr/>
-        <p:txBody>
-          <a:bodyPr/>
-          <a:lstStyle/>
-          <a:p>
-            <a:fld id="{DBA0B7A9-3FAC-4523-93F5-549EB9982FEE}" type="slidenum">
-              <a:rPr lang="es-ES" smtClean="0"/>
-              <a:t>22</a:t>
-            </a:fld>
-            <a:endParaRPr lang="es-ES"/>
-          </a:p>
-        </p:txBody>
-      </p:sp>
-    </p:spTree>
-    <p:extLst>
-      <p:ext uri="{BB962C8B-B14F-4D97-AF65-F5344CB8AC3E}">
-        <p14:creationId xmlns:p14="http://schemas.microsoft.com/office/powerpoint/2010/main" val="3249976081"/>
-      </p:ext>
-    </p:extLst>
-  </p:cSld>
-  <p:clrMapOvr>
-    <a:masterClrMapping/>
-  </p:clrMapOvr>
-</p:sld>
-</file>
-
-<file path=ppt/slides/slide23.xml><?xml version="1.0" encoding="utf-8"?>
-<p:sld xmlns:a="http://schemas.openxmlformats.org/drawingml/2006/main" xmlns:r="http://schemas.openxmlformats.org/officeDocument/2006/relationships" xmlns:p="http://schemas.openxmlformats.org/presentationml/2006/main">
-  <p:cSld>
-    <p:spTree>
-      <p:nvGrpSpPr>
-        <p:cNvPr id="1" name=""/>
-        <p:cNvGrpSpPr/>
-        <p:nvPr/>
-      </p:nvGrpSpPr>
-      <p:grpSpPr>
-        <a:xfrm>
-          <a:off x="0" y="0"/>
-          <a:ext cx="0" cy="0"/>
-          <a:chOff x="0" y="0"/>
-          <a:chExt cx="0" cy="0"/>
-        </a:xfrm>
-      </p:grpSpPr>
-      <p:sp>
-        <p:nvSpPr>
-          <p:cNvPr id="2" name="Título 1">
-            <a:extLst>
-              <a:ext uri="{FF2B5EF4-FFF2-40B4-BE49-F238E27FC236}">
-                <a16:creationId xmlns:a16="http://schemas.microsoft.com/office/drawing/2014/main" id="{F13204D6-8FFA-008D-6F2D-8FFB32D2ABF6}"/>
-              </a:ext>
-            </a:extLst>
-          </p:cNvPr>
-          <p:cNvSpPr>
-            <a:spLocks noGrp="1"/>
-          </p:cNvSpPr>
-          <p:nvPr>
-            <p:ph type="title"/>
-          </p:nvPr>
-        </p:nvSpPr>
-        <p:spPr/>
-        <p:txBody>
-          <a:bodyPr/>
-          <a:lstStyle/>
-          <a:p>
-            <a:r>
-              <a:rPr lang="es-ES" dirty="0"/>
-              <a:t>¿Qué puede hacer un ataque XSS?</a:t>
-            </a:r>
-          </a:p>
-        </p:txBody>
-      </p:sp>
-      <p:sp>
-        <p:nvSpPr>
-          <p:cNvPr id="3" name="Marcador de contenido 2">
-            <a:extLst>
-              <a:ext uri="{FF2B5EF4-FFF2-40B4-BE49-F238E27FC236}">
-                <a16:creationId xmlns:a16="http://schemas.microsoft.com/office/drawing/2014/main" id="{DBA67C84-4BD3-B588-B195-E22EE7F737C5}"/>
-              </a:ext>
-            </a:extLst>
-          </p:cNvPr>
-          <p:cNvSpPr>
-            <a:spLocks noGrp="1"/>
-          </p:cNvSpPr>
-          <p:nvPr>
-            <p:ph idx="1"/>
-          </p:nvPr>
-        </p:nvSpPr>
-        <p:spPr/>
-        <p:txBody>
-          <a:bodyPr/>
-          <a:lstStyle/>
-          <a:p>
-            <a:r>
-              <a:rPr lang="es-ES" dirty="0"/>
-              <a:t>Robar cookies o tokens de sesión</a:t>
-            </a:r>
-          </a:p>
-          <a:p>
-            <a:r>
-              <a:rPr lang="es-ES" dirty="0"/>
-              <a:t>Suplantar identidad del usuario</a:t>
-            </a:r>
-          </a:p>
-          <a:p>
-            <a:r>
-              <a:rPr lang="es-ES" dirty="0"/>
-              <a:t>Redirigir a sitios maliciosos</a:t>
-            </a:r>
-          </a:p>
-          <a:p>
-            <a:r>
-              <a:rPr lang="es-ES" dirty="0"/>
-              <a:t>Mostrar contenido falso o engañoso</a:t>
-            </a:r>
-          </a:p>
-          <a:p>
-            <a:r>
-              <a:rPr lang="es-ES" dirty="0"/>
-              <a:t>Ejecutar acciones en nombre del usuario</a:t>
-            </a:r>
-          </a:p>
-          <a:p>
-            <a:endParaRPr lang="es-ES" dirty="0"/>
-          </a:p>
-        </p:txBody>
-      </p:sp>
-      <p:sp>
-        <p:nvSpPr>
-          <p:cNvPr id="4" name="Marcador de número de diapositiva 3">
-            <a:extLst>
-              <a:ext uri="{FF2B5EF4-FFF2-40B4-BE49-F238E27FC236}">
-                <a16:creationId xmlns:a16="http://schemas.microsoft.com/office/drawing/2014/main" id="{415F4E8B-1259-CF69-C7E2-DB9BB166FE46}"/>
-              </a:ext>
-            </a:extLst>
-          </p:cNvPr>
-          <p:cNvSpPr>
-            <a:spLocks noGrp="1"/>
-          </p:cNvSpPr>
-          <p:nvPr>
-            <p:ph type="sldNum" sz="quarter" idx="12"/>
-          </p:nvPr>
-        </p:nvSpPr>
-        <p:spPr/>
-        <p:txBody>
-          <a:bodyPr/>
-          <a:lstStyle/>
-          <a:p>
-            <a:fld id="{DBA0B7A9-3FAC-4523-93F5-549EB9982FEE}" type="slidenum">
-              <a:rPr lang="es-ES" smtClean="0"/>
-              <a:t>23</a:t>
-            </a:fld>
-            <a:endParaRPr lang="es-ES"/>
-          </a:p>
-        </p:txBody>
-      </p:sp>
-    </p:spTree>
-    <p:extLst>
-      <p:ext uri="{BB962C8B-B14F-4D97-AF65-F5344CB8AC3E}">
-        <p14:creationId xmlns:p14="http://schemas.microsoft.com/office/powerpoint/2010/main" val="2707772253"/>
-      </p:ext>
-    </p:extLst>
-  </p:cSld>
-  <p:clrMapOvr>
-    <a:masterClrMapping/>
-  </p:clrMapOvr>
-</p:sld>
-</file>
-
 <file path=ppt/slides/slide24.xml><?xml version="1.0" encoding="utf-8"?>
 <p:sld xmlns:a="http://schemas.openxmlformats.org/drawingml/2006/main" xmlns:r="http://schemas.openxmlformats.org/officeDocument/2006/relationships" xmlns:p="http://schemas.openxmlformats.org/presentationml/2006/main">
   <p:cSld>
@@ -5924,7 +5956,7 @@
           <p:cNvPr id="2" name="Título 1">
             <a:extLst>
               <a:ext uri="{FF2B5EF4-FFF2-40B4-BE49-F238E27FC236}">
-                <a16:creationId xmlns:a16="http://schemas.microsoft.com/office/drawing/2014/main" id="{7F922FEF-12C9-0F62-60F4-1E7EB1FFEF63}"/>
+                <a16:creationId xmlns:a16="http://schemas.microsoft.com/office/drawing/2014/main" id="{4274C934-73D7-766B-93DE-C24614FA50C7}"/>
               </a:ext>
             </a:extLst>
           </p:cNvPr>
@@ -5942,8 +5974,33 @@
           <a:p>
             <a:r>
               <a:rPr lang="es-ES" dirty="0"/>
-              <a:t>Tipos de XSS</a:t>
-            </a:r>
+              <a:t>Configuración para evitar ataques CSRF / XSS</a:t>
+            </a:r>
+          </a:p>
+        </p:txBody>
+      </p:sp>
+      <p:sp>
+        <p:nvSpPr>
+          <p:cNvPr id="3" name="Marcador de contenido 2">
+            <a:extLst>
+              <a:ext uri="{FF2B5EF4-FFF2-40B4-BE49-F238E27FC236}">
+                <a16:creationId xmlns:a16="http://schemas.microsoft.com/office/drawing/2014/main" id="{5D572D67-61DC-E8DB-C62C-0DAF90772FB5}"/>
+              </a:ext>
+            </a:extLst>
+          </p:cNvPr>
+          <p:cNvSpPr>
+            <a:spLocks noGrp="1"/>
+          </p:cNvSpPr>
+          <p:nvPr>
+            <p:ph idx="1"/>
+          </p:nvPr>
+        </p:nvSpPr>
+        <p:spPr/>
+        <p:txBody>
+          <a:bodyPr/>
+          <a:lstStyle/>
+          <a:p>
+            <a:endParaRPr lang="es-ES"/>
           </a:p>
         </p:txBody>
       </p:sp>
@@ -5952,7 +6009,7 @@
           <p:cNvPr id="4" name="Marcador de número de diapositiva 3">
             <a:extLst>
               <a:ext uri="{FF2B5EF4-FFF2-40B4-BE49-F238E27FC236}">
-                <a16:creationId xmlns:a16="http://schemas.microsoft.com/office/drawing/2014/main" id="{532AF997-30B0-0E29-A946-5F356D42589F}"/>
+                <a16:creationId xmlns:a16="http://schemas.microsoft.com/office/drawing/2014/main" id="{69A1C0C7-4E84-0633-F715-ADEB0D47FE8E}"/>
               </a:ext>
             </a:extLst>
           </p:cNvPr>
@@ -5971,6 +6028,567 @@
             <a:fld id="{DBA0B7A9-3FAC-4523-93F5-549EB9982FEE}" type="slidenum">
               <a:rPr lang="es-ES" smtClean="0"/>
               <a:t>24</a:t>
+            </a:fld>
+            <a:endParaRPr lang="es-ES"/>
+          </a:p>
+        </p:txBody>
+      </p:sp>
+    </p:spTree>
+    <p:extLst>
+      <p:ext uri="{BB962C8B-B14F-4D97-AF65-F5344CB8AC3E}">
+        <p14:creationId xmlns:p14="http://schemas.microsoft.com/office/powerpoint/2010/main" val="3562544661"/>
+      </p:ext>
+    </p:extLst>
+  </p:cSld>
+  <p:clrMapOvr>
+    <a:masterClrMapping/>
+  </p:clrMapOvr>
+</p:sld>
+</file>
+
+<file path=ppt/slides/slide25.xml><?xml version="1.0" encoding="utf-8"?>
+<p:sld xmlns:a="http://schemas.openxmlformats.org/drawingml/2006/main" xmlns:r="http://schemas.openxmlformats.org/officeDocument/2006/relationships" xmlns:p="http://schemas.openxmlformats.org/presentationml/2006/main">
+  <p:cSld>
+    <p:spTree>
+      <p:nvGrpSpPr>
+        <p:cNvPr id="1" name=""/>
+        <p:cNvGrpSpPr/>
+        <p:nvPr/>
+      </p:nvGrpSpPr>
+      <p:grpSpPr>
+        <a:xfrm>
+          <a:off x="0" y="0"/>
+          <a:ext cx="0" cy="0"/>
+          <a:chOff x="0" y="0"/>
+          <a:chExt cx="0" cy="0"/>
+        </a:xfrm>
+      </p:grpSpPr>
+      <p:sp>
+        <p:nvSpPr>
+          <p:cNvPr id="2" name="Título 1">
+            <a:extLst>
+              <a:ext uri="{FF2B5EF4-FFF2-40B4-BE49-F238E27FC236}">
+                <a16:creationId xmlns:a16="http://schemas.microsoft.com/office/drawing/2014/main" id="{E883D648-FB0E-2CE5-DDD9-EB59DD892739}"/>
+              </a:ext>
+            </a:extLst>
+          </p:cNvPr>
+          <p:cNvSpPr>
+            <a:spLocks noGrp="1"/>
+          </p:cNvSpPr>
+          <p:nvPr>
+            <p:ph type="title"/>
+          </p:nvPr>
+        </p:nvSpPr>
+        <p:spPr/>
+        <p:txBody>
+          <a:bodyPr/>
+          <a:lstStyle/>
+          <a:p>
+            <a:r>
+              <a:rPr lang="es-ES" dirty="0"/>
+              <a:t>CSRF</a:t>
+            </a:r>
+          </a:p>
+        </p:txBody>
+      </p:sp>
+      <p:sp>
+        <p:nvSpPr>
+          <p:cNvPr id="3" name="Marcador de contenido 2">
+            <a:extLst>
+              <a:ext uri="{FF2B5EF4-FFF2-40B4-BE49-F238E27FC236}">
+                <a16:creationId xmlns:a16="http://schemas.microsoft.com/office/drawing/2014/main" id="{63710E8B-7CB7-937B-5712-42F4ABD78E61}"/>
+              </a:ext>
+            </a:extLst>
+          </p:cNvPr>
+          <p:cNvSpPr>
+            <a:spLocks noGrp="1"/>
+          </p:cNvSpPr>
+          <p:nvPr>
+            <p:ph idx="1"/>
+          </p:nvPr>
+        </p:nvSpPr>
+        <p:spPr/>
+        <p:txBody>
+          <a:bodyPr/>
+          <a:lstStyle/>
+          <a:p>
+            <a:r>
+              <a:rPr lang="es-ES" b="1" dirty="0"/>
+              <a:t>Cross-Site </a:t>
+            </a:r>
+            <a:r>
+              <a:rPr lang="es-ES" b="1" dirty="0" err="1"/>
+              <a:t>Request</a:t>
+            </a:r>
+            <a:r>
+              <a:rPr lang="es-ES" b="1" dirty="0"/>
+              <a:t> </a:t>
+            </a:r>
+            <a:r>
+              <a:rPr lang="es-ES" b="1" dirty="0" err="1"/>
+              <a:t>Forgery</a:t>
+            </a:r>
+            <a:endParaRPr lang="es-ES" b="1" dirty="0"/>
+          </a:p>
+          <a:p>
+            <a:pPr lvl="1"/>
+            <a:r>
+              <a:rPr lang="es-ES" b="1" dirty="0"/>
+              <a:t>CSRF</a:t>
+            </a:r>
+            <a:r>
+              <a:rPr lang="es-ES" dirty="0"/>
+              <a:t> es un tipo de ataque en el que un usuario autenticado en un sitio web es engañado para ejecutar una acción no deseada en ese mismo sitio, sin saberlo.</a:t>
+            </a:r>
+          </a:p>
+          <a:p>
+            <a:pPr lvl="1"/>
+            <a:endParaRPr lang="es-ES" dirty="0"/>
+          </a:p>
+          <a:p>
+            <a:pPr lvl="1"/>
+            <a:r>
+              <a:rPr lang="es-ES" dirty="0"/>
+              <a:t>Nos podemos proteger de estos ataques utilizando las librerías: </a:t>
+            </a:r>
+            <a:r>
+              <a:rPr lang="es-ES" dirty="0" err="1"/>
+              <a:t>Crow</a:t>
+            </a:r>
+            <a:r>
+              <a:rPr lang="es-ES" dirty="0"/>
+              <a:t>, </a:t>
+            </a:r>
+            <a:r>
+              <a:rPr lang="es-ES" dirty="0" err="1"/>
+              <a:t>Boost.Beast</a:t>
+            </a:r>
+            <a:r>
+              <a:rPr lang="es-ES" dirty="0"/>
+              <a:t> o Pistache.</a:t>
+            </a:r>
+          </a:p>
+        </p:txBody>
+      </p:sp>
+      <p:sp>
+        <p:nvSpPr>
+          <p:cNvPr id="4" name="Marcador de número de diapositiva 3">
+            <a:extLst>
+              <a:ext uri="{FF2B5EF4-FFF2-40B4-BE49-F238E27FC236}">
+                <a16:creationId xmlns:a16="http://schemas.microsoft.com/office/drawing/2014/main" id="{7C7A5A21-A699-916A-C192-272C354A2238}"/>
+              </a:ext>
+            </a:extLst>
+          </p:cNvPr>
+          <p:cNvSpPr>
+            <a:spLocks noGrp="1"/>
+          </p:cNvSpPr>
+          <p:nvPr>
+            <p:ph type="sldNum" sz="quarter" idx="12"/>
+          </p:nvPr>
+        </p:nvSpPr>
+        <p:spPr/>
+        <p:txBody>
+          <a:bodyPr/>
+          <a:lstStyle/>
+          <a:p>
+            <a:fld id="{DBA0B7A9-3FAC-4523-93F5-549EB9982FEE}" type="slidenum">
+              <a:rPr lang="es-ES" smtClean="0"/>
+              <a:t>25</a:t>
+            </a:fld>
+            <a:endParaRPr lang="es-ES"/>
+          </a:p>
+        </p:txBody>
+      </p:sp>
+    </p:spTree>
+    <p:extLst>
+      <p:ext uri="{BB962C8B-B14F-4D97-AF65-F5344CB8AC3E}">
+        <p14:creationId xmlns:p14="http://schemas.microsoft.com/office/powerpoint/2010/main" val="1703053913"/>
+      </p:ext>
+    </p:extLst>
+  </p:cSld>
+  <p:clrMapOvr>
+    <a:masterClrMapping/>
+  </p:clrMapOvr>
+</p:sld>
+</file>
+
+<file path=ppt/slides/slide26.xml><?xml version="1.0" encoding="utf-8"?>
+<p:sld xmlns:a="http://schemas.openxmlformats.org/drawingml/2006/main" xmlns:r="http://schemas.openxmlformats.org/officeDocument/2006/relationships" xmlns:p="http://schemas.openxmlformats.org/presentationml/2006/main">
+  <p:cSld>
+    <p:spTree>
+      <p:nvGrpSpPr>
+        <p:cNvPr id="1" name=""/>
+        <p:cNvGrpSpPr/>
+        <p:nvPr/>
+      </p:nvGrpSpPr>
+      <p:grpSpPr>
+        <a:xfrm>
+          <a:off x="0" y="0"/>
+          <a:ext cx="0" cy="0"/>
+          <a:chOff x="0" y="0"/>
+          <a:chExt cx="0" cy="0"/>
+        </a:xfrm>
+      </p:grpSpPr>
+      <p:sp>
+        <p:nvSpPr>
+          <p:cNvPr id="2" name="Título 1">
+            <a:extLst>
+              <a:ext uri="{FF2B5EF4-FFF2-40B4-BE49-F238E27FC236}">
+                <a16:creationId xmlns:a16="http://schemas.microsoft.com/office/drawing/2014/main" id="{AA771B9F-CC0E-C4EB-1C07-40BEB7F3D5F6}"/>
+              </a:ext>
+            </a:extLst>
+          </p:cNvPr>
+          <p:cNvSpPr>
+            <a:spLocks noGrp="1"/>
+          </p:cNvSpPr>
+          <p:nvPr>
+            <p:ph type="title"/>
+          </p:nvPr>
+        </p:nvSpPr>
+        <p:spPr/>
+        <p:txBody>
+          <a:bodyPr/>
+          <a:lstStyle/>
+          <a:p>
+            <a:r>
+              <a:rPr lang="es-ES" dirty="0"/>
+              <a:t>XSS</a:t>
+            </a:r>
+          </a:p>
+        </p:txBody>
+      </p:sp>
+      <p:sp>
+        <p:nvSpPr>
+          <p:cNvPr id="3" name="Marcador de contenido 2">
+            <a:extLst>
+              <a:ext uri="{FF2B5EF4-FFF2-40B4-BE49-F238E27FC236}">
+                <a16:creationId xmlns:a16="http://schemas.microsoft.com/office/drawing/2014/main" id="{9590EB62-7BCE-45EC-3947-547A1FD53C0F}"/>
+              </a:ext>
+            </a:extLst>
+          </p:cNvPr>
+          <p:cNvSpPr>
+            <a:spLocks noGrp="1"/>
+          </p:cNvSpPr>
+          <p:nvPr>
+            <p:ph idx="1"/>
+          </p:nvPr>
+        </p:nvSpPr>
+        <p:spPr/>
+        <p:txBody>
+          <a:bodyPr>
+            <a:normAutofit fontScale="92500" lnSpcReduction="20000"/>
+          </a:bodyPr>
+          <a:lstStyle/>
+          <a:p>
+            <a:r>
+              <a:rPr lang="es-ES" b="1" dirty="0"/>
+              <a:t>XSS (Cross-Site Scripting)</a:t>
+            </a:r>
+            <a:r>
+              <a:rPr lang="es-ES" dirty="0"/>
+              <a:t> es una de las vulnerabilidades más comunes y peligrosas en aplicaciones web. </a:t>
+            </a:r>
+          </a:p>
+          <a:p>
+            <a:endParaRPr lang="es-ES" dirty="0"/>
+          </a:p>
+          <a:p>
+            <a:r>
+              <a:rPr lang="es-ES" dirty="0"/>
+              <a:t>Afecta principalmente a lenguajes como JavaScript, </a:t>
+            </a:r>
+            <a:r>
+              <a:rPr lang="es-ES" b="1" dirty="0"/>
+              <a:t>los servicios web escritos en C++ también pueden ser vulnerables</a:t>
+            </a:r>
+            <a:r>
+              <a:rPr lang="es-ES" dirty="0"/>
+              <a:t> si no se validan correctamente los datos que se envían al navegador.</a:t>
+            </a:r>
+          </a:p>
+          <a:p>
+            <a:endParaRPr lang="es-ES" dirty="0"/>
+          </a:p>
+          <a:p>
+            <a:r>
+              <a:rPr lang="es-ES" b="1" dirty="0"/>
+              <a:t>XSS</a:t>
+            </a:r>
+            <a:r>
+              <a:rPr lang="es-ES" dirty="0"/>
+              <a:t> es un tipo de ataque que permite a un atacante </a:t>
+            </a:r>
+            <a:r>
+              <a:rPr lang="es-ES" b="1" dirty="0"/>
+              <a:t>inyectar código malicioso (generalmente JavaScript)</a:t>
+            </a:r>
+            <a:r>
+              <a:rPr lang="es-ES" dirty="0"/>
+              <a:t> en páginas web que otros usuarios visitan. </a:t>
+            </a:r>
+          </a:p>
+          <a:p>
+            <a:pPr lvl="1"/>
+            <a:r>
+              <a:rPr lang="es-ES" dirty="0"/>
+              <a:t>El código se ejecuta en el navegador de la víctima, no en el servidor, lo que lo hace difícil de detectar.</a:t>
+            </a:r>
+          </a:p>
+        </p:txBody>
+      </p:sp>
+      <p:sp>
+        <p:nvSpPr>
+          <p:cNvPr id="4" name="Marcador de número de diapositiva 3">
+            <a:extLst>
+              <a:ext uri="{FF2B5EF4-FFF2-40B4-BE49-F238E27FC236}">
+                <a16:creationId xmlns:a16="http://schemas.microsoft.com/office/drawing/2014/main" id="{9E744B72-252C-DAE7-D825-B27BDC32E97B}"/>
+              </a:ext>
+            </a:extLst>
+          </p:cNvPr>
+          <p:cNvSpPr>
+            <a:spLocks noGrp="1"/>
+          </p:cNvSpPr>
+          <p:nvPr>
+            <p:ph type="sldNum" sz="quarter" idx="12"/>
+          </p:nvPr>
+        </p:nvSpPr>
+        <p:spPr/>
+        <p:txBody>
+          <a:bodyPr/>
+          <a:lstStyle/>
+          <a:p>
+            <a:fld id="{DBA0B7A9-3FAC-4523-93F5-549EB9982FEE}" type="slidenum">
+              <a:rPr lang="es-ES" smtClean="0"/>
+              <a:t>26</a:t>
+            </a:fld>
+            <a:endParaRPr lang="es-ES"/>
+          </a:p>
+        </p:txBody>
+      </p:sp>
+    </p:spTree>
+    <p:extLst>
+      <p:ext uri="{BB962C8B-B14F-4D97-AF65-F5344CB8AC3E}">
+        <p14:creationId xmlns:p14="http://schemas.microsoft.com/office/powerpoint/2010/main" val="3249976081"/>
+      </p:ext>
+    </p:extLst>
+  </p:cSld>
+  <p:clrMapOvr>
+    <a:masterClrMapping/>
+  </p:clrMapOvr>
+</p:sld>
+</file>
+
+<file path=ppt/slides/slide27.xml><?xml version="1.0" encoding="utf-8"?>
+<p:sld xmlns:a="http://schemas.openxmlformats.org/drawingml/2006/main" xmlns:r="http://schemas.openxmlformats.org/officeDocument/2006/relationships" xmlns:p="http://schemas.openxmlformats.org/presentationml/2006/main">
+  <p:cSld>
+    <p:spTree>
+      <p:nvGrpSpPr>
+        <p:cNvPr id="1" name=""/>
+        <p:cNvGrpSpPr/>
+        <p:nvPr/>
+      </p:nvGrpSpPr>
+      <p:grpSpPr>
+        <a:xfrm>
+          <a:off x="0" y="0"/>
+          <a:ext cx="0" cy="0"/>
+          <a:chOff x="0" y="0"/>
+          <a:chExt cx="0" cy="0"/>
+        </a:xfrm>
+      </p:grpSpPr>
+      <p:sp>
+        <p:nvSpPr>
+          <p:cNvPr id="2" name="Título 1">
+            <a:extLst>
+              <a:ext uri="{FF2B5EF4-FFF2-40B4-BE49-F238E27FC236}">
+                <a16:creationId xmlns:a16="http://schemas.microsoft.com/office/drawing/2014/main" id="{F13204D6-8FFA-008D-6F2D-8FFB32D2ABF6}"/>
+              </a:ext>
+            </a:extLst>
+          </p:cNvPr>
+          <p:cNvSpPr>
+            <a:spLocks noGrp="1"/>
+          </p:cNvSpPr>
+          <p:nvPr>
+            <p:ph type="title"/>
+          </p:nvPr>
+        </p:nvSpPr>
+        <p:spPr/>
+        <p:txBody>
+          <a:bodyPr/>
+          <a:lstStyle/>
+          <a:p>
+            <a:r>
+              <a:rPr lang="es-ES" dirty="0"/>
+              <a:t>¿Qué puede hacer un ataque XSS?</a:t>
+            </a:r>
+          </a:p>
+        </p:txBody>
+      </p:sp>
+      <p:sp>
+        <p:nvSpPr>
+          <p:cNvPr id="3" name="Marcador de contenido 2">
+            <a:extLst>
+              <a:ext uri="{FF2B5EF4-FFF2-40B4-BE49-F238E27FC236}">
+                <a16:creationId xmlns:a16="http://schemas.microsoft.com/office/drawing/2014/main" id="{DBA67C84-4BD3-B588-B195-E22EE7F737C5}"/>
+              </a:ext>
+            </a:extLst>
+          </p:cNvPr>
+          <p:cNvSpPr>
+            <a:spLocks noGrp="1"/>
+          </p:cNvSpPr>
+          <p:nvPr>
+            <p:ph idx="1"/>
+          </p:nvPr>
+        </p:nvSpPr>
+        <p:spPr/>
+        <p:txBody>
+          <a:bodyPr/>
+          <a:lstStyle/>
+          <a:p>
+            <a:r>
+              <a:rPr lang="es-ES" dirty="0"/>
+              <a:t>Robar cookies o tokens de sesión</a:t>
+            </a:r>
+          </a:p>
+          <a:p>
+            <a:r>
+              <a:rPr lang="es-ES" dirty="0"/>
+              <a:t>Suplantar identidad del usuario</a:t>
+            </a:r>
+          </a:p>
+          <a:p>
+            <a:r>
+              <a:rPr lang="es-ES" dirty="0"/>
+              <a:t>Redirigir a sitios maliciosos</a:t>
+            </a:r>
+          </a:p>
+          <a:p>
+            <a:r>
+              <a:rPr lang="es-ES" dirty="0"/>
+              <a:t>Mostrar contenido falso o engañoso</a:t>
+            </a:r>
+          </a:p>
+          <a:p>
+            <a:r>
+              <a:rPr lang="es-ES" dirty="0"/>
+              <a:t>Ejecutar acciones en nombre del usuario</a:t>
+            </a:r>
+          </a:p>
+          <a:p>
+            <a:endParaRPr lang="es-ES" dirty="0"/>
+          </a:p>
+        </p:txBody>
+      </p:sp>
+      <p:sp>
+        <p:nvSpPr>
+          <p:cNvPr id="4" name="Marcador de número de diapositiva 3">
+            <a:extLst>
+              <a:ext uri="{FF2B5EF4-FFF2-40B4-BE49-F238E27FC236}">
+                <a16:creationId xmlns:a16="http://schemas.microsoft.com/office/drawing/2014/main" id="{415F4E8B-1259-CF69-C7E2-DB9BB166FE46}"/>
+              </a:ext>
+            </a:extLst>
+          </p:cNvPr>
+          <p:cNvSpPr>
+            <a:spLocks noGrp="1"/>
+          </p:cNvSpPr>
+          <p:nvPr>
+            <p:ph type="sldNum" sz="quarter" idx="12"/>
+          </p:nvPr>
+        </p:nvSpPr>
+        <p:spPr/>
+        <p:txBody>
+          <a:bodyPr/>
+          <a:lstStyle/>
+          <a:p>
+            <a:fld id="{DBA0B7A9-3FAC-4523-93F5-549EB9982FEE}" type="slidenum">
+              <a:rPr lang="es-ES" smtClean="0"/>
+              <a:t>27</a:t>
+            </a:fld>
+            <a:endParaRPr lang="es-ES"/>
+          </a:p>
+        </p:txBody>
+      </p:sp>
+    </p:spTree>
+    <p:extLst>
+      <p:ext uri="{BB962C8B-B14F-4D97-AF65-F5344CB8AC3E}">
+        <p14:creationId xmlns:p14="http://schemas.microsoft.com/office/powerpoint/2010/main" val="2707772253"/>
+      </p:ext>
+    </p:extLst>
+  </p:cSld>
+  <p:clrMapOvr>
+    <a:masterClrMapping/>
+  </p:clrMapOvr>
+</p:sld>
+</file>
+
+<file path=ppt/slides/slide28.xml><?xml version="1.0" encoding="utf-8"?>
+<p:sld xmlns:a="http://schemas.openxmlformats.org/drawingml/2006/main" xmlns:r="http://schemas.openxmlformats.org/officeDocument/2006/relationships" xmlns:p="http://schemas.openxmlformats.org/presentationml/2006/main">
+  <p:cSld>
+    <p:spTree>
+      <p:nvGrpSpPr>
+        <p:cNvPr id="1" name=""/>
+        <p:cNvGrpSpPr/>
+        <p:nvPr/>
+      </p:nvGrpSpPr>
+      <p:grpSpPr>
+        <a:xfrm>
+          <a:off x="0" y="0"/>
+          <a:ext cx="0" cy="0"/>
+          <a:chOff x="0" y="0"/>
+          <a:chExt cx="0" cy="0"/>
+        </a:xfrm>
+      </p:grpSpPr>
+      <p:sp>
+        <p:nvSpPr>
+          <p:cNvPr id="2" name="Título 1">
+            <a:extLst>
+              <a:ext uri="{FF2B5EF4-FFF2-40B4-BE49-F238E27FC236}">
+                <a16:creationId xmlns:a16="http://schemas.microsoft.com/office/drawing/2014/main" id="{7F922FEF-12C9-0F62-60F4-1E7EB1FFEF63}"/>
+              </a:ext>
+            </a:extLst>
+          </p:cNvPr>
+          <p:cNvSpPr>
+            <a:spLocks noGrp="1"/>
+          </p:cNvSpPr>
+          <p:nvPr>
+            <p:ph type="title"/>
+          </p:nvPr>
+        </p:nvSpPr>
+        <p:spPr/>
+        <p:txBody>
+          <a:bodyPr/>
+          <a:lstStyle/>
+          <a:p>
+            <a:r>
+              <a:rPr lang="es-ES" dirty="0"/>
+              <a:t>Tipos de XSS</a:t>
+            </a:r>
+          </a:p>
+        </p:txBody>
+      </p:sp>
+      <p:sp>
+        <p:nvSpPr>
+          <p:cNvPr id="4" name="Marcador de número de diapositiva 3">
+            <a:extLst>
+              <a:ext uri="{FF2B5EF4-FFF2-40B4-BE49-F238E27FC236}">
+                <a16:creationId xmlns:a16="http://schemas.microsoft.com/office/drawing/2014/main" id="{532AF997-30B0-0E29-A946-5F356D42589F}"/>
+              </a:ext>
+            </a:extLst>
+          </p:cNvPr>
+          <p:cNvSpPr>
+            <a:spLocks noGrp="1"/>
+          </p:cNvSpPr>
+          <p:nvPr>
+            <p:ph type="sldNum" sz="quarter" idx="12"/>
+          </p:nvPr>
+        </p:nvSpPr>
+        <p:spPr/>
+        <p:txBody>
+          <a:bodyPr/>
+          <a:lstStyle/>
+          <a:p>
+            <a:fld id="{DBA0B7A9-3FAC-4523-93F5-549EB9982FEE}" type="slidenum">
+              <a:rPr lang="es-ES" smtClean="0"/>
+              <a:t>28</a:t>
             </a:fld>
             <a:endParaRPr lang="es-ES"/>
           </a:p>
@@ -6019,7 +6637,7 @@
 </p:sld>
 </file>
 
-<file path=ppt/slides/slide25.xml><?xml version="1.0" encoding="utf-8"?>
+<file path=ppt/slides/slide29.xml><?xml version="1.0" encoding="utf-8"?>
 <p:sld xmlns:a="http://schemas.openxmlformats.org/drawingml/2006/main" xmlns:r="http://schemas.openxmlformats.org/officeDocument/2006/relationships" xmlns:p="http://schemas.openxmlformats.org/presentationml/2006/main">
   <p:cSld>
     <p:spTree>
@@ -6216,7 +6834,7 @@
           <a:p>
             <a:fld id="{DBA0B7A9-3FAC-4523-93F5-549EB9982FEE}" type="slidenum">
               <a:rPr lang="es-ES" smtClean="0"/>
-              <a:t>25</a:t>
+              <a:t>29</a:t>
             </a:fld>
             <a:endParaRPr lang="es-ES"/>
           </a:p>
@@ -6226,263 +6844,6 @@
     <p:extLst>
       <p:ext uri="{BB962C8B-B14F-4D97-AF65-F5344CB8AC3E}">
         <p14:creationId xmlns:p14="http://schemas.microsoft.com/office/powerpoint/2010/main" val="714969172"/>
-      </p:ext>
-    </p:extLst>
-  </p:cSld>
-  <p:clrMapOvr>
-    <a:masterClrMapping/>
-  </p:clrMapOvr>
-</p:sld>
-</file>
-
-<file path=ppt/slides/slide26.xml><?xml version="1.0" encoding="utf-8"?>
-<p:sld xmlns:a="http://schemas.openxmlformats.org/drawingml/2006/main" xmlns:r="http://schemas.openxmlformats.org/officeDocument/2006/relationships" xmlns:p="http://schemas.openxmlformats.org/presentationml/2006/main">
-  <p:cSld>
-    <p:spTree>
-      <p:nvGrpSpPr>
-        <p:cNvPr id="1" name=""/>
-        <p:cNvGrpSpPr/>
-        <p:nvPr/>
-      </p:nvGrpSpPr>
-      <p:grpSpPr>
-        <a:xfrm>
-          <a:off x="0" y="0"/>
-          <a:ext cx="0" cy="0"/>
-          <a:chOff x="0" y="0"/>
-          <a:chExt cx="0" cy="0"/>
-        </a:xfrm>
-      </p:grpSpPr>
-      <p:sp>
-        <p:nvSpPr>
-          <p:cNvPr id="2" name="Título 1">
-            <a:extLst>
-              <a:ext uri="{FF2B5EF4-FFF2-40B4-BE49-F238E27FC236}">
-                <a16:creationId xmlns:a16="http://schemas.microsoft.com/office/drawing/2014/main" id="{0508B842-45C0-6B23-8F11-2F1E92BF0384}"/>
-              </a:ext>
-            </a:extLst>
-          </p:cNvPr>
-          <p:cNvSpPr>
-            <a:spLocks noGrp="1"/>
-          </p:cNvSpPr>
-          <p:nvPr>
-            <p:ph type="title"/>
-          </p:nvPr>
-        </p:nvSpPr>
-        <p:spPr/>
-        <p:txBody>
-          <a:bodyPr/>
-          <a:lstStyle/>
-          <a:p>
-            <a:r>
-              <a:rPr lang="es-ES" dirty="0"/>
-              <a:t>Ejemplo</a:t>
-            </a:r>
-          </a:p>
-        </p:txBody>
-      </p:sp>
-      <p:sp>
-        <p:nvSpPr>
-          <p:cNvPr id="3" name="Marcador de contenido 2">
-            <a:extLst>
-              <a:ext uri="{FF2B5EF4-FFF2-40B4-BE49-F238E27FC236}">
-                <a16:creationId xmlns:a16="http://schemas.microsoft.com/office/drawing/2014/main" id="{A3C2F3A6-DE3F-228C-7DAF-7CF0409A63DF}"/>
-              </a:ext>
-            </a:extLst>
-          </p:cNvPr>
-          <p:cNvSpPr>
-            <a:spLocks noGrp="1"/>
-          </p:cNvSpPr>
-          <p:nvPr>
-            <p:ph idx="1"/>
-          </p:nvPr>
-        </p:nvSpPr>
-        <p:spPr/>
-        <p:txBody>
-          <a:bodyPr/>
-          <a:lstStyle/>
-          <a:p>
-            <a:r>
-              <a:rPr lang="en-US" dirty="0"/>
-              <a:t>std::string query = "SELECT * FROM </a:t>
-            </a:r>
-            <a:r>
-              <a:rPr lang="en-US" dirty="0" err="1"/>
-              <a:t>usuarios</a:t>
-            </a:r>
-            <a:r>
-              <a:rPr lang="en-US" dirty="0"/>
-              <a:t> WHERE </a:t>
-            </a:r>
-            <a:r>
-              <a:rPr lang="en-US" dirty="0" err="1"/>
-              <a:t>nombre</a:t>
-            </a:r>
-            <a:r>
-              <a:rPr lang="en-US" dirty="0"/>
-              <a:t> = '" + </a:t>
-            </a:r>
-            <a:r>
-              <a:rPr lang="en-US" dirty="0" err="1"/>
-              <a:t>nombre</a:t>
-            </a:r>
-            <a:r>
-              <a:rPr lang="en-US" dirty="0"/>
-              <a:t> + “’”;</a:t>
-            </a:r>
-          </a:p>
-          <a:p>
-            <a:endParaRPr lang="es-ES" dirty="0"/>
-          </a:p>
-          <a:p>
-            <a:r>
-              <a:rPr lang="es-ES" dirty="0"/>
-              <a:t>Se añade OR ‘1’ = ‘1’</a:t>
-            </a:r>
-          </a:p>
-        </p:txBody>
-      </p:sp>
-      <p:sp>
-        <p:nvSpPr>
-          <p:cNvPr id="4" name="Marcador de número de diapositiva 3">
-            <a:extLst>
-              <a:ext uri="{FF2B5EF4-FFF2-40B4-BE49-F238E27FC236}">
-                <a16:creationId xmlns:a16="http://schemas.microsoft.com/office/drawing/2014/main" id="{AACA4CD1-782C-C3CC-C6B8-410BA1D60746}"/>
-              </a:ext>
-            </a:extLst>
-          </p:cNvPr>
-          <p:cNvSpPr>
-            <a:spLocks noGrp="1"/>
-          </p:cNvSpPr>
-          <p:nvPr>
-            <p:ph type="sldNum" sz="quarter" idx="12"/>
-          </p:nvPr>
-        </p:nvSpPr>
-        <p:spPr/>
-        <p:txBody>
-          <a:bodyPr/>
-          <a:lstStyle/>
-          <a:p>
-            <a:fld id="{DBA0B7A9-3FAC-4523-93F5-549EB9982FEE}" type="slidenum">
-              <a:rPr lang="es-ES" smtClean="0"/>
-              <a:t>26</a:t>
-            </a:fld>
-            <a:endParaRPr lang="es-ES"/>
-          </a:p>
-        </p:txBody>
-      </p:sp>
-    </p:spTree>
-    <p:extLst>
-      <p:ext uri="{BB962C8B-B14F-4D97-AF65-F5344CB8AC3E}">
-        <p14:creationId xmlns:p14="http://schemas.microsoft.com/office/powerpoint/2010/main" val="2566275869"/>
-      </p:ext>
-    </p:extLst>
-  </p:cSld>
-  <p:clrMapOvr>
-    <a:masterClrMapping/>
-  </p:clrMapOvr>
-</p:sld>
-</file>
-
-<file path=ppt/slides/slide27.xml><?xml version="1.0" encoding="utf-8"?>
-<p:sld xmlns:a="http://schemas.openxmlformats.org/drawingml/2006/main" xmlns:r="http://schemas.openxmlformats.org/officeDocument/2006/relationships" xmlns:p="http://schemas.openxmlformats.org/presentationml/2006/main">
-  <p:cSld>
-    <p:spTree>
-      <p:nvGrpSpPr>
-        <p:cNvPr id="1" name=""/>
-        <p:cNvGrpSpPr/>
-        <p:nvPr/>
-      </p:nvGrpSpPr>
-      <p:grpSpPr>
-        <a:xfrm>
-          <a:off x="0" y="0"/>
-          <a:ext cx="0" cy="0"/>
-          <a:chOff x="0" y="0"/>
-          <a:chExt cx="0" cy="0"/>
-        </a:xfrm>
-      </p:grpSpPr>
-      <p:sp>
-        <p:nvSpPr>
-          <p:cNvPr id="2" name="Título 1">
-            <a:extLst>
-              <a:ext uri="{FF2B5EF4-FFF2-40B4-BE49-F238E27FC236}">
-                <a16:creationId xmlns:a16="http://schemas.microsoft.com/office/drawing/2014/main" id="{B577FEF7-9A52-582A-14F1-8BE7AA5B6585}"/>
-              </a:ext>
-            </a:extLst>
-          </p:cNvPr>
-          <p:cNvSpPr>
-            <a:spLocks noGrp="1"/>
-          </p:cNvSpPr>
-          <p:nvPr>
-            <p:ph type="title"/>
-          </p:nvPr>
-        </p:nvSpPr>
-        <p:spPr/>
-        <p:txBody>
-          <a:bodyPr/>
-          <a:lstStyle/>
-          <a:p>
-            <a:endParaRPr lang="es-ES"/>
-          </a:p>
-        </p:txBody>
-      </p:sp>
-      <p:sp>
-        <p:nvSpPr>
-          <p:cNvPr id="3" name="Marcador de contenido 2">
-            <a:extLst>
-              <a:ext uri="{FF2B5EF4-FFF2-40B4-BE49-F238E27FC236}">
-                <a16:creationId xmlns:a16="http://schemas.microsoft.com/office/drawing/2014/main" id="{B101A160-6FB2-3A6E-6229-85771B610887}"/>
-              </a:ext>
-            </a:extLst>
-          </p:cNvPr>
-          <p:cNvSpPr>
-            <a:spLocks noGrp="1"/>
-          </p:cNvSpPr>
-          <p:nvPr>
-            <p:ph idx="1"/>
-          </p:nvPr>
-        </p:nvSpPr>
-        <p:spPr/>
-        <p:txBody>
-          <a:bodyPr/>
-          <a:lstStyle/>
-          <a:p>
-            <a:endParaRPr lang="es-ES"/>
-          </a:p>
-        </p:txBody>
-      </p:sp>
-      <p:sp>
-        <p:nvSpPr>
-          <p:cNvPr id="4" name="Marcador de número de diapositiva 3">
-            <a:extLst>
-              <a:ext uri="{FF2B5EF4-FFF2-40B4-BE49-F238E27FC236}">
-                <a16:creationId xmlns:a16="http://schemas.microsoft.com/office/drawing/2014/main" id="{DEAD8F99-7EA7-B6A1-F681-FFE03C174AD0}"/>
-              </a:ext>
-            </a:extLst>
-          </p:cNvPr>
-          <p:cNvSpPr>
-            <a:spLocks noGrp="1"/>
-          </p:cNvSpPr>
-          <p:nvPr>
-            <p:ph type="sldNum" sz="quarter" idx="12"/>
-          </p:nvPr>
-        </p:nvSpPr>
-        <p:spPr/>
-        <p:txBody>
-          <a:bodyPr/>
-          <a:lstStyle/>
-          <a:p>
-            <a:fld id="{DBA0B7A9-3FAC-4523-93F5-549EB9982FEE}" type="slidenum">
-              <a:rPr lang="es-ES" smtClean="0"/>
-              <a:t>27</a:t>
-            </a:fld>
-            <a:endParaRPr lang="es-ES"/>
-          </a:p>
-        </p:txBody>
-      </p:sp>
-    </p:spTree>
-    <p:extLst>
-      <p:ext uri="{BB962C8B-B14F-4D97-AF65-F5344CB8AC3E}">
-        <p14:creationId xmlns:p14="http://schemas.microsoft.com/office/powerpoint/2010/main" val="2322772266"/>
       </p:ext>
     </p:extLst>
   </p:cSld>
@@ -6555,6 +6916,263 @@
     <p:extLst>
       <p:ext uri="{BB962C8B-B14F-4D97-AF65-F5344CB8AC3E}">
         <p14:creationId xmlns:p14="http://schemas.microsoft.com/office/powerpoint/2010/main" val="1465314202"/>
+      </p:ext>
+    </p:extLst>
+  </p:cSld>
+  <p:clrMapOvr>
+    <a:masterClrMapping/>
+  </p:clrMapOvr>
+</p:sld>
+</file>
+
+<file path=ppt/slides/slide30.xml><?xml version="1.0" encoding="utf-8"?>
+<p:sld xmlns:a="http://schemas.openxmlformats.org/drawingml/2006/main" xmlns:r="http://schemas.openxmlformats.org/officeDocument/2006/relationships" xmlns:p="http://schemas.openxmlformats.org/presentationml/2006/main">
+  <p:cSld>
+    <p:spTree>
+      <p:nvGrpSpPr>
+        <p:cNvPr id="1" name=""/>
+        <p:cNvGrpSpPr/>
+        <p:nvPr/>
+      </p:nvGrpSpPr>
+      <p:grpSpPr>
+        <a:xfrm>
+          <a:off x="0" y="0"/>
+          <a:ext cx="0" cy="0"/>
+          <a:chOff x="0" y="0"/>
+          <a:chExt cx="0" cy="0"/>
+        </a:xfrm>
+      </p:grpSpPr>
+      <p:sp>
+        <p:nvSpPr>
+          <p:cNvPr id="2" name="Título 1">
+            <a:extLst>
+              <a:ext uri="{FF2B5EF4-FFF2-40B4-BE49-F238E27FC236}">
+                <a16:creationId xmlns:a16="http://schemas.microsoft.com/office/drawing/2014/main" id="{0508B842-45C0-6B23-8F11-2F1E92BF0384}"/>
+              </a:ext>
+            </a:extLst>
+          </p:cNvPr>
+          <p:cNvSpPr>
+            <a:spLocks noGrp="1"/>
+          </p:cNvSpPr>
+          <p:nvPr>
+            <p:ph type="title"/>
+          </p:nvPr>
+        </p:nvSpPr>
+        <p:spPr/>
+        <p:txBody>
+          <a:bodyPr/>
+          <a:lstStyle/>
+          <a:p>
+            <a:r>
+              <a:rPr lang="es-ES" dirty="0"/>
+              <a:t>Ejemplo</a:t>
+            </a:r>
+          </a:p>
+        </p:txBody>
+      </p:sp>
+      <p:sp>
+        <p:nvSpPr>
+          <p:cNvPr id="3" name="Marcador de contenido 2">
+            <a:extLst>
+              <a:ext uri="{FF2B5EF4-FFF2-40B4-BE49-F238E27FC236}">
+                <a16:creationId xmlns:a16="http://schemas.microsoft.com/office/drawing/2014/main" id="{A3C2F3A6-DE3F-228C-7DAF-7CF0409A63DF}"/>
+              </a:ext>
+            </a:extLst>
+          </p:cNvPr>
+          <p:cNvSpPr>
+            <a:spLocks noGrp="1"/>
+          </p:cNvSpPr>
+          <p:nvPr>
+            <p:ph idx="1"/>
+          </p:nvPr>
+        </p:nvSpPr>
+        <p:spPr/>
+        <p:txBody>
+          <a:bodyPr/>
+          <a:lstStyle/>
+          <a:p>
+            <a:r>
+              <a:rPr lang="en-US" dirty="0"/>
+              <a:t>std::string query = "SELECT * FROM </a:t>
+            </a:r>
+            <a:r>
+              <a:rPr lang="en-US" dirty="0" err="1"/>
+              <a:t>usuarios</a:t>
+            </a:r>
+            <a:r>
+              <a:rPr lang="en-US" dirty="0"/>
+              <a:t> WHERE </a:t>
+            </a:r>
+            <a:r>
+              <a:rPr lang="en-US" dirty="0" err="1"/>
+              <a:t>nombre</a:t>
+            </a:r>
+            <a:r>
+              <a:rPr lang="en-US" dirty="0"/>
+              <a:t> = '" + </a:t>
+            </a:r>
+            <a:r>
+              <a:rPr lang="en-US" dirty="0" err="1"/>
+              <a:t>nombre</a:t>
+            </a:r>
+            <a:r>
+              <a:rPr lang="en-US" dirty="0"/>
+              <a:t> + “’”;</a:t>
+            </a:r>
+          </a:p>
+          <a:p>
+            <a:endParaRPr lang="es-ES" dirty="0"/>
+          </a:p>
+          <a:p>
+            <a:r>
+              <a:rPr lang="es-ES" dirty="0"/>
+              <a:t>Se añade OR ‘1’ = ‘1’</a:t>
+            </a:r>
+          </a:p>
+        </p:txBody>
+      </p:sp>
+      <p:sp>
+        <p:nvSpPr>
+          <p:cNvPr id="4" name="Marcador de número de diapositiva 3">
+            <a:extLst>
+              <a:ext uri="{FF2B5EF4-FFF2-40B4-BE49-F238E27FC236}">
+                <a16:creationId xmlns:a16="http://schemas.microsoft.com/office/drawing/2014/main" id="{AACA4CD1-782C-C3CC-C6B8-410BA1D60746}"/>
+              </a:ext>
+            </a:extLst>
+          </p:cNvPr>
+          <p:cNvSpPr>
+            <a:spLocks noGrp="1"/>
+          </p:cNvSpPr>
+          <p:nvPr>
+            <p:ph type="sldNum" sz="quarter" idx="12"/>
+          </p:nvPr>
+        </p:nvSpPr>
+        <p:spPr/>
+        <p:txBody>
+          <a:bodyPr/>
+          <a:lstStyle/>
+          <a:p>
+            <a:fld id="{DBA0B7A9-3FAC-4523-93F5-549EB9982FEE}" type="slidenum">
+              <a:rPr lang="es-ES" smtClean="0"/>
+              <a:t>30</a:t>
+            </a:fld>
+            <a:endParaRPr lang="es-ES"/>
+          </a:p>
+        </p:txBody>
+      </p:sp>
+    </p:spTree>
+    <p:extLst>
+      <p:ext uri="{BB962C8B-B14F-4D97-AF65-F5344CB8AC3E}">
+        <p14:creationId xmlns:p14="http://schemas.microsoft.com/office/powerpoint/2010/main" val="2566275869"/>
+      </p:ext>
+    </p:extLst>
+  </p:cSld>
+  <p:clrMapOvr>
+    <a:masterClrMapping/>
+  </p:clrMapOvr>
+</p:sld>
+</file>
+
+<file path=ppt/slides/slide31.xml><?xml version="1.0" encoding="utf-8"?>
+<p:sld xmlns:a="http://schemas.openxmlformats.org/drawingml/2006/main" xmlns:r="http://schemas.openxmlformats.org/officeDocument/2006/relationships" xmlns:p="http://schemas.openxmlformats.org/presentationml/2006/main">
+  <p:cSld>
+    <p:spTree>
+      <p:nvGrpSpPr>
+        <p:cNvPr id="1" name=""/>
+        <p:cNvGrpSpPr/>
+        <p:nvPr/>
+      </p:nvGrpSpPr>
+      <p:grpSpPr>
+        <a:xfrm>
+          <a:off x="0" y="0"/>
+          <a:ext cx="0" cy="0"/>
+          <a:chOff x="0" y="0"/>
+          <a:chExt cx="0" cy="0"/>
+        </a:xfrm>
+      </p:grpSpPr>
+      <p:sp>
+        <p:nvSpPr>
+          <p:cNvPr id="2" name="Título 1">
+            <a:extLst>
+              <a:ext uri="{FF2B5EF4-FFF2-40B4-BE49-F238E27FC236}">
+                <a16:creationId xmlns:a16="http://schemas.microsoft.com/office/drawing/2014/main" id="{B577FEF7-9A52-582A-14F1-8BE7AA5B6585}"/>
+              </a:ext>
+            </a:extLst>
+          </p:cNvPr>
+          <p:cNvSpPr>
+            <a:spLocks noGrp="1"/>
+          </p:cNvSpPr>
+          <p:nvPr>
+            <p:ph type="title"/>
+          </p:nvPr>
+        </p:nvSpPr>
+        <p:spPr/>
+        <p:txBody>
+          <a:bodyPr/>
+          <a:lstStyle/>
+          <a:p>
+            <a:endParaRPr lang="es-ES"/>
+          </a:p>
+        </p:txBody>
+      </p:sp>
+      <p:sp>
+        <p:nvSpPr>
+          <p:cNvPr id="3" name="Marcador de contenido 2">
+            <a:extLst>
+              <a:ext uri="{FF2B5EF4-FFF2-40B4-BE49-F238E27FC236}">
+                <a16:creationId xmlns:a16="http://schemas.microsoft.com/office/drawing/2014/main" id="{B101A160-6FB2-3A6E-6229-85771B610887}"/>
+              </a:ext>
+            </a:extLst>
+          </p:cNvPr>
+          <p:cNvSpPr>
+            <a:spLocks noGrp="1"/>
+          </p:cNvSpPr>
+          <p:nvPr>
+            <p:ph idx="1"/>
+          </p:nvPr>
+        </p:nvSpPr>
+        <p:spPr/>
+        <p:txBody>
+          <a:bodyPr/>
+          <a:lstStyle/>
+          <a:p>
+            <a:endParaRPr lang="es-ES"/>
+          </a:p>
+        </p:txBody>
+      </p:sp>
+      <p:sp>
+        <p:nvSpPr>
+          <p:cNvPr id="4" name="Marcador de número de diapositiva 3">
+            <a:extLst>
+              <a:ext uri="{FF2B5EF4-FFF2-40B4-BE49-F238E27FC236}">
+                <a16:creationId xmlns:a16="http://schemas.microsoft.com/office/drawing/2014/main" id="{DEAD8F99-7EA7-B6A1-F681-FFE03C174AD0}"/>
+              </a:ext>
+            </a:extLst>
+          </p:cNvPr>
+          <p:cNvSpPr>
+            <a:spLocks noGrp="1"/>
+          </p:cNvSpPr>
+          <p:nvPr>
+            <p:ph type="sldNum" sz="quarter" idx="12"/>
+          </p:nvPr>
+        </p:nvSpPr>
+        <p:spPr/>
+        <p:txBody>
+          <a:bodyPr/>
+          <a:lstStyle/>
+          <a:p>
+            <a:fld id="{DBA0B7A9-3FAC-4523-93F5-549EB9982FEE}" type="slidenum">
+              <a:rPr lang="es-ES" smtClean="0"/>
+              <a:t>31</a:t>
+            </a:fld>
+            <a:endParaRPr lang="es-ES"/>
+          </a:p>
+        </p:txBody>
+      </p:sp>
+    </p:spTree>
+    <p:extLst>
+      <p:ext uri="{BB962C8B-B14F-4D97-AF65-F5344CB8AC3E}">
+        <p14:creationId xmlns:p14="http://schemas.microsoft.com/office/powerpoint/2010/main" val="2322772266"/>
       </p:ext>
     </p:extLst>
   </p:cSld>
@@ -6679,8 +7297,24 @@
           <a:p>
             <a:pPr lvl="1"/>
             <a:r>
-              <a:rPr lang="es-ES" dirty="0"/>
-              <a:t>HEADER.PAYLOAD.SIGNATURE</a:t>
+              <a:rPr lang="es-ES" b="1" dirty="0"/>
+              <a:t>HEADER</a:t>
+            </a:r>
+            <a:r>
+              <a:rPr lang="es-ES" dirty="0"/>
+              <a:t>.</a:t>
+            </a:r>
+            <a:r>
+              <a:rPr lang="es-ES" b="1" dirty="0"/>
+              <a:t>PAYLOAD</a:t>
+            </a:r>
+            <a:r>
+              <a:rPr lang="es-ES" dirty="0"/>
+              <a:t>.</a:t>
+            </a:r>
+            <a:r>
+              <a:rPr lang="es-ES" b="1" dirty="0"/>
+              <a:t>SIGNATURE</a:t>
             </a:r>
           </a:p>
           <a:p>

--- a/doc/6_Seguridad_servicios_web_cpp.pptx
+++ b/doc/6_Seguridad_servicios_web_cpp.pptx
@@ -5,7 +5,7 @@
     <p:sldMasterId id="2147483648" r:id="rId1"/>
   </p:sldMasterIdLst>
   <p:notesMasterIdLst>
-    <p:notesMasterId r:id="rId33"/>
+    <p:notesMasterId r:id="rId34"/>
   </p:notesMasterIdLst>
   <p:sldIdLst>
     <p:sldId id="256" r:id="rId2"/>
@@ -27,18 +27,19 @@
     <p:sldId id="281" r:id="rId18"/>
     <p:sldId id="293" r:id="rId19"/>
     <p:sldId id="282" r:id="rId20"/>
-    <p:sldId id="286" r:id="rId21"/>
-    <p:sldId id="288" r:id="rId22"/>
-    <p:sldId id="259" r:id="rId23"/>
-    <p:sldId id="287" r:id="rId24"/>
-    <p:sldId id="289" r:id="rId25"/>
-    <p:sldId id="260" r:id="rId26"/>
-    <p:sldId id="261" r:id="rId27"/>
-    <p:sldId id="283" r:id="rId28"/>
-    <p:sldId id="284" r:id="rId29"/>
-    <p:sldId id="262" r:id="rId30"/>
-    <p:sldId id="285" r:id="rId31"/>
-    <p:sldId id="267" r:id="rId32"/>
+    <p:sldId id="294" r:id="rId21"/>
+    <p:sldId id="286" r:id="rId22"/>
+    <p:sldId id="288" r:id="rId23"/>
+    <p:sldId id="259" r:id="rId24"/>
+    <p:sldId id="287" r:id="rId25"/>
+    <p:sldId id="289" r:id="rId26"/>
+    <p:sldId id="260" r:id="rId27"/>
+    <p:sldId id="261" r:id="rId28"/>
+    <p:sldId id="283" r:id="rId29"/>
+    <p:sldId id="284" r:id="rId30"/>
+    <p:sldId id="262" r:id="rId31"/>
+    <p:sldId id="285" r:id="rId32"/>
+    <p:sldId id="267" r:id="rId33"/>
   </p:sldIdLst>
   <p:sldSz cx="12192000" cy="6858000"/>
   <p:notesSz cx="6858000" cy="9144000"/>
@@ -5511,54 +5512,97 @@
       </p:grpSpPr>
       <p:sp>
         <p:nvSpPr>
-          <p:cNvPr id="5" name="Título 4">
-            <a:extLst>
-              <a:ext uri="{FF2B5EF4-FFF2-40B4-BE49-F238E27FC236}">
-                <a16:creationId xmlns:a16="http://schemas.microsoft.com/office/drawing/2014/main" id="{706E867F-790B-7CB2-BEAA-61296C21298C}"/>
-              </a:ext>
-            </a:extLst>
-          </p:cNvPr>
-          <p:cNvSpPr>
-            <a:spLocks noGrp="1"/>
-          </p:cNvSpPr>
-          <p:nvPr>
-            <p:ph type="ctrTitle"/>
-          </p:nvPr>
-        </p:nvSpPr>
-        <p:spPr/>
-        <p:txBody>
-          <a:bodyPr/>
-          <a:lstStyle/>
-          <a:p>
+          <p:cNvPr id="2" name="Título 1">
+            <a:extLst>
+              <a:ext uri="{FF2B5EF4-FFF2-40B4-BE49-F238E27FC236}">
+                <a16:creationId xmlns:a16="http://schemas.microsoft.com/office/drawing/2014/main" id="{54CEA8EB-BEE0-1B80-1EE0-ED990CB42B1B}"/>
+              </a:ext>
+            </a:extLst>
+          </p:cNvPr>
+          <p:cNvSpPr>
+            <a:spLocks noGrp="1"/>
+          </p:cNvSpPr>
+          <p:nvPr>
+            <p:ph type="title"/>
+          </p:nvPr>
+        </p:nvSpPr>
+        <p:spPr/>
+        <p:txBody>
+          <a:bodyPr/>
+          <a:lstStyle/>
+          <a:p>
+            <a:r>
+              <a:rPr lang="es-ES" dirty="0"/>
+              <a:t>Token generado</a:t>
+            </a:r>
+          </a:p>
+        </p:txBody>
+      </p:sp>
+      <p:sp>
+        <p:nvSpPr>
+          <p:cNvPr id="3" name="Marcador de contenido 2">
+            <a:extLst>
+              <a:ext uri="{FF2B5EF4-FFF2-40B4-BE49-F238E27FC236}">
+                <a16:creationId xmlns:a16="http://schemas.microsoft.com/office/drawing/2014/main" id="{F5C48D5A-BFE8-3215-0927-78D59E14A6A8}"/>
+              </a:ext>
+            </a:extLst>
+          </p:cNvPr>
+          <p:cNvSpPr>
+            <a:spLocks noGrp="1"/>
+          </p:cNvSpPr>
+          <p:nvPr>
+            <p:ph idx="1"/>
+          </p:nvPr>
+        </p:nvSpPr>
+        <p:spPr/>
+        <p:txBody>
+          <a:bodyPr/>
+          <a:lstStyle/>
+          <a:p>
+            <a:pPr marL="0" indent="0">
+              <a:buNone/>
+            </a:pPr>
+            <a:r>
+              <a:rPr lang="es-ES" dirty="0"/>
+              <a:t>{</a:t>
+            </a:r>
+          </a:p>
+          <a:p>
+            <a:pPr marL="457200" lvl="1" indent="0">
+              <a:buNone/>
+            </a:pPr>
+            <a:r>
+              <a:rPr lang="es-ES" dirty="0"/>
+              <a:t>    "token": "</a:t>
+            </a:r>
             <a:r>
               <a:rPr lang="es-ES" b="1" dirty="0"/>
-              <a:t>OpenSSL</a:t>
-            </a:r>
-          </a:p>
-        </p:txBody>
-      </p:sp>
-      <p:sp>
-        <p:nvSpPr>
-          <p:cNvPr id="6" name="Subtítulo 5">
-            <a:extLst>
-              <a:ext uri="{FF2B5EF4-FFF2-40B4-BE49-F238E27FC236}">
-                <a16:creationId xmlns:a16="http://schemas.microsoft.com/office/drawing/2014/main" id="{19B1467E-9CDF-5F6A-BA85-21B2755FE0C6}"/>
-              </a:ext>
-            </a:extLst>
-          </p:cNvPr>
-          <p:cNvSpPr>
-            <a:spLocks noGrp="1"/>
-          </p:cNvSpPr>
-          <p:nvPr>
-            <p:ph type="subTitle" idx="1"/>
-          </p:nvPr>
-        </p:nvSpPr>
-        <p:spPr/>
-        <p:txBody>
-          <a:bodyPr/>
-          <a:lstStyle/>
-          <a:p>
-            <a:endParaRPr lang="es-ES"/>
+              <a:t>eyJhbGciOiJIUzI1NiJ9</a:t>
+            </a:r>
+            <a:r>
+              <a:rPr lang="es-ES" dirty="0"/>
+              <a:t>.eyJleHAiOjE3NTc0MTg1ODIsImlzcyI6IkFudG9uaW8iLCJ1c3VhcmlvIjoiQW50b25pbyJ9.</a:t>
+            </a:r>
+            <a:r>
+              <a:rPr lang="es-ES" b="1" dirty="0"/>
+              <a:t>uBwFpR2cKO05SYIYun9UBtTH2hMnxhiTxGiNLheJrjc</a:t>
+            </a:r>
+            <a:r>
+              <a:rPr lang="es-ES" dirty="0"/>
+              <a:t>"</a:t>
+            </a:r>
+          </a:p>
+          <a:p>
+            <a:pPr marL="0" indent="0">
+              <a:buNone/>
+            </a:pPr>
+            <a:r>
+              <a:rPr lang="es-ES" dirty="0"/>
+              <a:t>}</a:t>
+            </a:r>
+          </a:p>
+          <a:p>
+            <a:endParaRPr lang="es-ES" dirty="0"/>
           </a:p>
         </p:txBody>
       </p:sp>
@@ -5567,7 +5611,7 @@
           <p:cNvPr id="4" name="Marcador de número de diapositiva 3">
             <a:extLst>
               <a:ext uri="{FF2B5EF4-FFF2-40B4-BE49-F238E27FC236}">
-                <a16:creationId xmlns:a16="http://schemas.microsoft.com/office/drawing/2014/main" id="{E9C14DC4-A6C5-0E03-F112-216702755363}"/>
+                <a16:creationId xmlns:a16="http://schemas.microsoft.com/office/drawing/2014/main" id="{E79E3C7D-F889-9F61-5362-6187BB0395C2}"/>
               </a:ext>
             </a:extLst>
           </p:cNvPr>
@@ -5594,7 +5638,7 @@
     </p:spTree>
     <p:extLst>
       <p:ext uri="{BB962C8B-B14F-4D97-AF65-F5344CB8AC3E}">
-        <p14:creationId xmlns:p14="http://schemas.microsoft.com/office/powerpoint/2010/main" val="421055732"/>
+        <p14:creationId xmlns:p14="http://schemas.microsoft.com/office/powerpoint/2010/main" val="3378495150"/>
       </p:ext>
     </p:extLst>
   </p:cSld>
@@ -5623,46 +5667,46 @@
       </p:grpSpPr>
       <p:sp>
         <p:nvSpPr>
-          <p:cNvPr id="2" name="Título 1">
-            <a:extLst>
-              <a:ext uri="{FF2B5EF4-FFF2-40B4-BE49-F238E27FC236}">
-                <a16:creationId xmlns:a16="http://schemas.microsoft.com/office/drawing/2014/main" id="{D04325FE-BE1B-D2D9-1901-C0DB9CAB50F0}"/>
-              </a:ext>
-            </a:extLst>
-          </p:cNvPr>
-          <p:cNvSpPr>
-            <a:spLocks noGrp="1"/>
-          </p:cNvSpPr>
-          <p:nvPr>
-            <p:ph type="title"/>
-          </p:nvPr>
-        </p:nvSpPr>
-        <p:spPr/>
-        <p:txBody>
-          <a:bodyPr/>
-          <a:lstStyle/>
-          <a:p>
-            <a:r>
-              <a:rPr lang="es-ES" dirty="0"/>
-              <a:t>Bibliotecas criptográficas</a:t>
-            </a:r>
-          </a:p>
-        </p:txBody>
-      </p:sp>
-      <p:sp>
-        <p:nvSpPr>
-          <p:cNvPr id="3" name="Marcador de contenido 2">
-            <a:extLst>
-              <a:ext uri="{FF2B5EF4-FFF2-40B4-BE49-F238E27FC236}">
-                <a16:creationId xmlns:a16="http://schemas.microsoft.com/office/drawing/2014/main" id="{DC9F5CD9-8324-BE44-7DB8-55ECDBF85CA3}"/>
-              </a:ext>
-            </a:extLst>
-          </p:cNvPr>
-          <p:cNvSpPr>
-            <a:spLocks noGrp="1"/>
-          </p:cNvSpPr>
-          <p:nvPr>
-            <p:ph idx="1"/>
+          <p:cNvPr id="5" name="Título 4">
+            <a:extLst>
+              <a:ext uri="{FF2B5EF4-FFF2-40B4-BE49-F238E27FC236}">
+                <a16:creationId xmlns:a16="http://schemas.microsoft.com/office/drawing/2014/main" id="{706E867F-790B-7CB2-BEAA-61296C21298C}"/>
+              </a:ext>
+            </a:extLst>
+          </p:cNvPr>
+          <p:cNvSpPr>
+            <a:spLocks noGrp="1"/>
+          </p:cNvSpPr>
+          <p:nvPr>
+            <p:ph type="ctrTitle"/>
+          </p:nvPr>
+        </p:nvSpPr>
+        <p:spPr/>
+        <p:txBody>
+          <a:bodyPr/>
+          <a:lstStyle/>
+          <a:p>
+            <a:r>
+              <a:rPr lang="es-ES" b="1" dirty="0"/>
+              <a:t>OpenSSL</a:t>
+            </a:r>
+          </a:p>
+        </p:txBody>
+      </p:sp>
+      <p:sp>
+        <p:nvSpPr>
+          <p:cNvPr id="6" name="Subtítulo 5">
+            <a:extLst>
+              <a:ext uri="{FF2B5EF4-FFF2-40B4-BE49-F238E27FC236}">
+                <a16:creationId xmlns:a16="http://schemas.microsoft.com/office/drawing/2014/main" id="{19B1467E-9CDF-5F6A-BA85-21B2755FE0C6}"/>
+              </a:ext>
+            </a:extLst>
+          </p:cNvPr>
+          <p:cNvSpPr>
+            <a:spLocks noGrp="1"/>
+          </p:cNvSpPr>
+          <p:nvPr>
+            <p:ph type="subTitle" idx="1"/>
           </p:nvPr>
         </p:nvSpPr>
         <p:spPr/>
@@ -5679,7 +5723,7 @@
           <p:cNvPr id="4" name="Marcador de número de diapositiva 3">
             <a:extLst>
               <a:ext uri="{FF2B5EF4-FFF2-40B4-BE49-F238E27FC236}">
-                <a16:creationId xmlns:a16="http://schemas.microsoft.com/office/drawing/2014/main" id="{FC1A99F6-8EB4-E411-216B-BEEE1D83E9AB}"/>
+                <a16:creationId xmlns:a16="http://schemas.microsoft.com/office/drawing/2014/main" id="{E9C14DC4-A6C5-0E03-F112-216702755363}"/>
               </a:ext>
             </a:extLst>
           </p:cNvPr>
@@ -5706,7 +5750,7 @@
     </p:spTree>
     <p:extLst>
       <p:ext uri="{BB962C8B-B14F-4D97-AF65-F5344CB8AC3E}">
-        <p14:creationId xmlns:p14="http://schemas.microsoft.com/office/powerpoint/2010/main" val="3529758498"/>
+        <p14:creationId xmlns:p14="http://schemas.microsoft.com/office/powerpoint/2010/main" val="421055732"/>
       </p:ext>
     </p:extLst>
   </p:cSld>
@@ -5735,41 +5779,90 @@
       </p:grpSpPr>
       <p:sp>
         <p:nvSpPr>
-          <p:cNvPr id="4" name="Título 3">
-            <a:extLst>
-              <a:ext uri="{FF2B5EF4-FFF2-40B4-BE49-F238E27FC236}">
-                <a16:creationId xmlns:a16="http://schemas.microsoft.com/office/drawing/2014/main" id="{49C47587-0444-CC44-ED0F-CA02B9506EA7}"/>
-              </a:ext>
-            </a:extLst>
-          </p:cNvPr>
-          <p:cNvSpPr>
-            <a:spLocks noGrp="1"/>
-          </p:cNvSpPr>
-          <p:nvPr>
-            <p:ph type="ctrTitle"/>
-          </p:nvPr>
-        </p:nvSpPr>
-        <p:spPr>
-          <a:xfrm>
-            <a:off x="290423" y="1773188"/>
-            <a:ext cx="11611154" cy="2387600"/>
-          </a:xfrm>
-        </p:spPr>
-        <p:txBody>
-          <a:bodyPr/>
-          <a:lstStyle/>
-          <a:p>
-            <a:r>
-              <a:rPr lang="es-ES" b="1" dirty="0"/>
-              <a:t>Protección de la comunicación entre microservicios</a:t>
-            </a:r>
+          <p:cNvPr id="2" name="Título 1">
+            <a:extLst>
+              <a:ext uri="{FF2B5EF4-FFF2-40B4-BE49-F238E27FC236}">
+                <a16:creationId xmlns:a16="http://schemas.microsoft.com/office/drawing/2014/main" id="{D04325FE-BE1B-D2D9-1901-C0DB9CAB50F0}"/>
+              </a:ext>
+            </a:extLst>
+          </p:cNvPr>
+          <p:cNvSpPr>
+            <a:spLocks noGrp="1"/>
+          </p:cNvSpPr>
+          <p:nvPr>
+            <p:ph type="title"/>
+          </p:nvPr>
+        </p:nvSpPr>
+        <p:spPr/>
+        <p:txBody>
+          <a:bodyPr/>
+          <a:lstStyle/>
+          <a:p>
+            <a:r>
+              <a:rPr lang="es-ES" dirty="0"/>
+              <a:t>Bibliotecas criptográficas</a:t>
+            </a:r>
+          </a:p>
+        </p:txBody>
+      </p:sp>
+      <p:sp>
+        <p:nvSpPr>
+          <p:cNvPr id="3" name="Marcador de contenido 2">
+            <a:extLst>
+              <a:ext uri="{FF2B5EF4-FFF2-40B4-BE49-F238E27FC236}">
+                <a16:creationId xmlns:a16="http://schemas.microsoft.com/office/drawing/2014/main" id="{DC9F5CD9-8324-BE44-7DB8-55ECDBF85CA3}"/>
+              </a:ext>
+            </a:extLst>
+          </p:cNvPr>
+          <p:cNvSpPr>
+            <a:spLocks noGrp="1"/>
+          </p:cNvSpPr>
+          <p:nvPr>
+            <p:ph idx="1"/>
+          </p:nvPr>
+        </p:nvSpPr>
+        <p:spPr/>
+        <p:txBody>
+          <a:bodyPr/>
+          <a:lstStyle/>
+          <a:p>
+            <a:endParaRPr lang="es-ES"/>
+          </a:p>
+        </p:txBody>
+      </p:sp>
+      <p:sp>
+        <p:nvSpPr>
+          <p:cNvPr id="4" name="Marcador de número de diapositiva 3">
+            <a:extLst>
+              <a:ext uri="{FF2B5EF4-FFF2-40B4-BE49-F238E27FC236}">
+                <a16:creationId xmlns:a16="http://schemas.microsoft.com/office/drawing/2014/main" id="{FC1A99F6-8EB4-E411-216B-BEEE1D83E9AB}"/>
+              </a:ext>
+            </a:extLst>
+          </p:cNvPr>
+          <p:cNvSpPr>
+            <a:spLocks noGrp="1"/>
+          </p:cNvSpPr>
+          <p:nvPr>
+            <p:ph type="sldNum" sz="quarter" idx="12"/>
+          </p:nvPr>
+        </p:nvSpPr>
+        <p:spPr/>
+        <p:txBody>
+          <a:bodyPr/>
+          <a:lstStyle/>
+          <a:p>
+            <a:fld id="{DBA0B7A9-3FAC-4523-93F5-549EB9982FEE}" type="slidenum">
+              <a:rPr lang="es-ES" smtClean="0"/>
+              <a:t>22</a:t>
+            </a:fld>
+            <a:endParaRPr lang="es-ES"/>
           </a:p>
         </p:txBody>
       </p:sp>
     </p:spTree>
     <p:extLst>
       <p:ext uri="{BB962C8B-B14F-4D97-AF65-F5344CB8AC3E}">
-        <p14:creationId xmlns:p14="http://schemas.microsoft.com/office/powerpoint/2010/main" val="364160951"/>
+        <p14:creationId xmlns:p14="http://schemas.microsoft.com/office/powerpoint/2010/main" val="3529758498"/>
       </p:ext>
     </p:extLst>
   </p:cSld>
@@ -5798,6 +5891,69 @@
       </p:grpSpPr>
       <p:sp>
         <p:nvSpPr>
+          <p:cNvPr id="4" name="Título 3">
+            <a:extLst>
+              <a:ext uri="{FF2B5EF4-FFF2-40B4-BE49-F238E27FC236}">
+                <a16:creationId xmlns:a16="http://schemas.microsoft.com/office/drawing/2014/main" id="{49C47587-0444-CC44-ED0F-CA02B9506EA7}"/>
+              </a:ext>
+            </a:extLst>
+          </p:cNvPr>
+          <p:cNvSpPr>
+            <a:spLocks noGrp="1"/>
+          </p:cNvSpPr>
+          <p:nvPr>
+            <p:ph type="ctrTitle"/>
+          </p:nvPr>
+        </p:nvSpPr>
+        <p:spPr>
+          <a:xfrm>
+            <a:off x="290423" y="1773188"/>
+            <a:ext cx="11611154" cy="2387600"/>
+          </a:xfrm>
+        </p:spPr>
+        <p:txBody>
+          <a:bodyPr/>
+          <a:lstStyle/>
+          <a:p>
+            <a:r>
+              <a:rPr lang="es-ES" b="1" dirty="0"/>
+              <a:t>Protección de la comunicación entre microservicios</a:t>
+            </a:r>
+          </a:p>
+        </p:txBody>
+      </p:sp>
+    </p:spTree>
+    <p:extLst>
+      <p:ext uri="{BB962C8B-B14F-4D97-AF65-F5344CB8AC3E}">
+        <p14:creationId xmlns:p14="http://schemas.microsoft.com/office/powerpoint/2010/main" val="364160951"/>
+      </p:ext>
+    </p:extLst>
+  </p:cSld>
+  <p:clrMapOvr>
+    <a:masterClrMapping/>
+  </p:clrMapOvr>
+</p:sld>
+</file>
+
+<file path=ppt/slides/slide24.xml><?xml version="1.0" encoding="utf-8"?>
+<p:sld xmlns:a="http://schemas.openxmlformats.org/drawingml/2006/main" xmlns:r="http://schemas.openxmlformats.org/officeDocument/2006/relationships" xmlns:p="http://schemas.openxmlformats.org/presentationml/2006/main">
+  <p:cSld>
+    <p:spTree>
+      <p:nvGrpSpPr>
+        <p:cNvPr id="1" name=""/>
+        <p:cNvGrpSpPr/>
+        <p:nvPr/>
+      </p:nvGrpSpPr>
+      <p:grpSpPr>
+        <a:xfrm>
+          <a:off x="0" y="0"/>
+          <a:ext cx="0" cy="0"/>
+          <a:chOff x="0" y="0"/>
+          <a:chExt cx="0" cy="0"/>
+        </a:xfrm>
+      </p:grpSpPr>
+      <p:sp>
+        <p:nvSpPr>
           <p:cNvPr id="2" name="Título 1">
             <a:extLst>
               <a:ext uri="{FF2B5EF4-FFF2-40B4-BE49-F238E27FC236}">
@@ -5885,7 +6041,7 @@
           <a:p>
             <a:fld id="{DBA0B7A9-3FAC-4523-93F5-549EB9982FEE}" type="slidenum">
               <a:rPr lang="es-ES" smtClean="0"/>
-              <a:t>23</a:t>
+              <a:t>24</a:t>
             </a:fld>
             <a:endParaRPr lang="es-ES"/>
           </a:p>
@@ -5934,118 +6090,6 @@
 </p:sld>
 </file>
 
-<file path=ppt/slides/slide24.xml><?xml version="1.0" encoding="utf-8"?>
-<p:sld xmlns:a="http://schemas.openxmlformats.org/drawingml/2006/main" xmlns:r="http://schemas.openxmlformats.org/officeDocument/2006/relationships" xmlns:p="http://schemas.openxmlformats.org/presentationml/2006/main">
-  <p:cSld>
-    <p:spTree>
-      <p:nvGrpSpPr>
-        <p:cNvPr id="1" name=""/>
-        <p:cNvGrpSpPr/>
-        <p:nvPr/>
-      </p:nvGrpSpPr>
-      <p:grpSpPr>
-        <a:xfrm>
-          <a:off x="0" y="0"/>
-          <a:ext cx="0" cy="0"/>
-          <a:chOff x="0" y="0"/>
-          <a:chExt cx="0" cy="0"/>
-        </a:xfrm>
-      </p:grpSpPr>
-      <p:sp>
-        <p:nvSpPr>
-          <p:cNvPr id="2" name="Título 1">
-            <a:extLst>
-              <a:ext uri="{FF2B5EF4-FFF2-40B4-BE49-F238E27FC236}">
-                <a16:creationId xmlns:a16="http://schemas.microsoft.com/office/drawing/2014/main" id="{4274C934-73D7-766B-93DE-C24614FA50C7}"/>
-              </a:ext>
-            </a:extLst>
-          </p:cNvPr>
-          <p:cNvSpPr>
-            <a:spLocks noGrp="1"/>
-          </p:cNvSpPr>
-          <p:nvPr>
-            <p:ph type="title"/>
-          </p:nvPr>
-        </p:nvSpPr>
-        <p:spPr/>
-        <p:txBody>
-          <a:bodyPr/>
-          <a:lstStyle/>
-          <a:p>
-            <a:r>
-              <a:rPr lang="es-ES" dirty="0"/>
-              <a:t>Configuración para evitar ataques CSRF / XSS</a:t>
-            </a:r>
-          </a:p>
-        </p:txBody>
-      </p:sp>
-      <p:sp>
-        <p:nvSpPr>
-          <p:cNvPr id="3" name="Marcador de contenido 2">
-            <a:extLst>
-              <a:ext uri="{FF2B5EF4-FFF2-40B4-BE49-F238E27FC236}">
-                <a16:creationId xmlns:a16="http://schemas.microsoft.com/office/drawing/2014/main" id="{5D572D67-61DC-E8DB-C62C-0DAF90772FB5}"/>
-              </a:ext>
-            </a:extLst>
-          </p:cNvPr>
-          <p:cNvSpPr>
-            <a:spLocks noGrp="1"/>
-          </p:cNvSpPr>
-          <p:nvPr>
-            <p:ph idx="1"/>
-          </p:nvPr>
-        </p:nvSpPr>
-        <p:spPr/>
-        <p:txBody>
-          <a:bodyPr/>
-          <a:lstStyle/>
-          <a:p>
-            <a:endParaRPr lang="es-ES"/>
-          </a:p>
-        </p:txBody>
-      </p:sp>
-      <p:sp>
-        <p:nvSpPr>
-          <p:cNvPr id="4" name="Marcador de número de diapositiva 3">
-            <a:extLst>
-              <a:ext uri="{FF2B5EF4-FFF2-40B4-BE49-F238E27FC236}">
-                <a16:creationId xmlns:a16="http://schemas.microsoft.com/office/drawing/2014/main" id="{69A1C0C7-4E84-0633-F715-ADEB0D47FE8E}"/>
-              </a:ext>
-            </a:extLst>
-          </p:cNvPr>
-          <p:cNvSpPr>
-            <a:spLocks noGrp="1"/>
-          </p:cNvSpPr>
-          <p:nvPr>
-            <p:ph type="sldNum" sz="quarter" idx="12"/>
-          </p:nvPr>
-        </p:nvSpPr>
-        <p:spPr/>
-        <p:txBody>
-          <a:bodyPr/>
-          <a:lstStyle/>
-          <a:p>
-            <a:fld id="{DBA0B7A9-3FAC-4523-93F5-549EB9982FEE}" type="slidenum">
-              <a:rPr lang="es-ES" smtClean="0"/>
-              <a:t>24</a:t>
-            </a:fld>
-            <a:endParaRPr lang="es-ES"/>
-          </a:p>
-        </p:txBody>
-      </p:sp>
-    </p:spTree>
-    <p:extLst>
-      <p:ext uri="{BB962C8B-B14F-4D97-AF65-F5344CB8AC3E}">
-        <p14:creationId xmlns:p14="http://schemas.microsoft.com/office/powerpoint/2010/main" val="3562544661"/>
-      </p:ext>
-    </p:extLst>
-  </p:cSld>
-  <p:clrMapOvr>
-    <a:masterClrMapping/>
-  </p:clrMapOvr>
-</p:sld>
-</file>
-
 <file path=ppt/slides/slide25.xml><?xml version="1.0" encoding="utf-8"?>
 <p:sld xmlns:a="http://schemas.openxmlformats.org/drawingml/2006/main" xmlns:r="http://schemas.openxmlformats.org/officeDocument/2006/relationships" xmlns:p="http://schemas.openxmlformats.org/presentationml/2006/main">
   <p:cSld>
@@ -6068,7 +6112,7 @@
           <p:cNvPr id="2" name="Título 1">
             <a:extLst>
               <a:ext uri="{FF2B5EF4-FFF2-40B4-BE49-F238E27FC236}">
-                <a16:creationId xmlns:a16="http://schemas.microsoft.com/office/drawing/2014/main" id="{E883D648-FB0E-2CE5-DDD9-EB59DD892739}"/>
+                <a16:creationId xmlns:a16="http://schemas.microsoft.com/office/drawing/2014/main" id="{4274C934-73D7-766B-93DE-C24614FA50C7}"/>
               </a:ext>
             </a:extLst>
           </p:cNvPr>
@@ -6086,7 +6130,7 @@
           <a:p>
             <a:r>
               <a:rPr lang="es-ES" dirty="0"/>
-              <a:t>CSRF</a:t>
+              <a:t>Configuración para evitar ataques CSRF / XSS</a:t>
             </a:r>
           </a:p>
         </p:txBody>
@@ -6096,7 +6140,7 @@
           <p:cNvPr id="3" name="Marcador de contenido 2">
             <a:extLst>
               <a:ext uri="{FF2B5EF4-FFF2-40B4-BE49-F238E27FC236}">
-                <a16:creationId xmlns:a16="http://schemas.microsoft.com/office/drawing/2014/main" id="{63710E8B-7CB7-937B-5712-42F4ABD78E61}"/>
+                <a16:creationId xmlns:a16="http://schemas.microsoft.com/office/drawing/2014/main" id="{5D572D67-61DC-E8DB-C62C-0DAF90772FB5}"/>
               </a:ext>
             </a:extLst>
           </p:cNvPr>
@@ -6112,61 +6156,7 @@
           <a:bodyPr/>
           <a:lstStyle/>
           <a:p>
-            <a:r>
-              <a:rPr lang="es-ES" b="1" dirty="0"/>
-              <a:t>Cross-Site </a:t>
-            </a:r>
-            <a:r>
-              <a:rPr lang="es-ES" b="1" dirty="0" err="1"/>
-              <a:t>Request</a:t>
-            </a:r>
-            <a:r>
-              <a:rPr lang="es-ES" b="1" dirty="0"/>
-              <a:t> </a:t>
-            </a:r>
-            <a:r>
-              <a:rPr lang="es-ES" b="1" dirty="0" err="1"/>
-              <a:t>Forgery</a:t>
-            </a:r>
-            <a:endParaRPr lang="es-ES" b="1" dirty="0"/>
-          </a:p>
-          <a:p>
-            <a:pPr lvl="1"/>
-            <a:r>
-              <a:rPr lang="es-ES" b="1" dirty="0"/>
-              <a:t>CSRF</a:t>
-            </a:r>
-            <a:r>
-              <a:rPr lang="es-ES" dirty="0"/>
-              <a:t> es un tipo de ataque en el que un usuario autenticado en un sitio web es engañado para ejecutar una acción no deseada en ese mismo sitio, sin saberlo.</a:t>
-            </a:r>
-          </a:p>
-          <a:p>
-            <a:pPr lvl="1"/>
-            <a:endParaRPr lang="es-ES" dirty="0"/>
-          </a:p>
-          <a:p>
-            <a:pPr lvl="1"/>
-            <a:r>
-              <a:rPr lang="es-ES" dirty="0"/>
-              <a:t>Nos podemos proteger de estos ataques utilizando las librerías: </a:t>
-            </a:r>
-            <a:r>
-              <a:rPr lang="es-ES" dirty="0" err="1"/>
-              <a:t>Crow</a:t>
-            </a:r>
-            <a:r>
-              <a:rPr lang="es-ES" dirty="0"/>
-              <a:t>, </a:t>
-            </a:r>
-            <a:r>
-              <a:rPr lang="es-ES" dirty="0" err="1"/>
-              <a:t>Boost.Beast</a:t>
-            </a:r>
-            <a:r>
-              <a:rPr lang="es-ES" dirty="0"/>
-              <a:t> o Pistache.</a:t>
-            </a:r>
+            <a:endParaRPr lang="es-ES"/>
           </a:p>
         </p:txBody>
       </p:sp>
@@ -6175,7 +6165,7 @@
           <p:cNvPr id="4" name="Marcador de número de diapositiva 3">
             <a:extLst>
               <a:ext uri="{FF2B5EF4-FFF2-40B4-BE49-F238E27FC236}">
-                <a16:creationId xmlns:a16="http://schemas.microsoft.com/office/drawing/2014/main" id="{7C7A5A21-A699-916A-C192-272C354A2238}"/>
+                <a16:creationId xmlns:a16="http://schemas.microsoft.com/office/drawing/2014/main" id="{69A1C0C7-4E84-0633-F715-ADEB0D47FE8E}"/>
               </a:ext>
             </a:extLst>
           </p:cNvPr>
@@ -6202,7 +6192,7 @@
     </p:spTree>
     <p:extLst>
       <p:ext uri="{BB962C8B-B14F-4D97-AF65-F5344CB8AC3E}">
-        <p14:creationId xmlns:p14="http://schemas.microsoft.com/office/powerpoint/2010/main" val="1703053913"/>
+        <p14:creationId xmlns:p14="http://schemas.microsoft.com/office/powerpoint/2010/main" val="3562544661"/>
       </p:ext>
     </p:extLst>
   </p:cSld>
@@ -6234,7 +6224,7 @@
           <p:cNvPr id="2" name="Título 1">
             <a:extLst>
               <a:ext uri="{FF2B5EF4-FFF2-40B4-BE49-F238E27FC236}">
-                <a16:creationId xmlns:a16="http://schemas.microsoft.com/office/drawing/2014/main" id="{AA771B9F-CC0E-C4EB-1C07-40BEB7F3D5F6}"/>
+                <a16:creationId xmlns:a16="http://schemas.microsoft.com/office/drawing/2014/main" id="{E883D648-FB0E-2CE5-DDD9-EB59DD892739}"/>
               </a:ext>
             </a:extLst>
           </p:cNvPr>
@@ -6252,7 +6242,7 @@
           <a:p>
             <a:r>
               <a:rPr lang="es-ES" dirty="0"/>
-              <a:t>XSS</a:t>
+              <a:t>CSRF</a:t>
             </a:r>
           </a:p>
         </p:txBody>
@@ -6262,7 +6252,7 @@
           <p:cNvPr id="3" name="Marcador de contenido 2">
             <a:extLst>
               <a:ext uri="{FF2B5EF4-FFF2-40B4-BE49-F238E27FC236}">
-                <a16:creationId xmlns:a16="http://schemas.microsoft.com/office/drawing/2014/main" id="{9590EB62-7BCE-45EC-3947-547A1FD53C0F}"/>
+                <a16:creationId xmlns:a16="http://schemas.microsoft.com/office/drawing/2014/main" id="{63710E8B-7CB7-937B-5712-42F4ABD78E61}"/>
               </a:ext>
             </a:extLst>
           </p:cNvPr>
@@ -6275,63 +6265,63 @@
         </p:nvSpPr>
         <p:spPr/>
         <p:txBody>
-          <a:bodyPr>
-            <a:normAutofit fontScale="92500" lnSpcReduction="20000"/>
-          </a:bodyPr>
+          <a:bodyPr/>
           <a:lstStyle/>
           <a:p>
             <a:r>
               <a:rPr lang="es-ES" b="1" dirty="0"/>
-              <a:t>XSS (Cross-Site Scripting)</a:t>
-            </a:r>
-            <a:r>
-              <a:rPr lang="es-ES" dirty="0"/>
-              <a:t> es una de las vulnerabilidades más comunes y peligrosas en aplicaciones web. </a:t>
-            </a:r>
-          </a:p>
-          <a:p>
+              <a:t>Cross-Site </a:t>
+            </a:r>
+            <a:r>
+              <a:rPr lang="es-ES" b="1" dirty="0" err="1"/>
+              <a:t>Request</a:t>
+            </a:r>
+            <a:r>
+              <a:rPr lang="es-ES" b="1" dirty="0"/>
+              <a:t> </a:t>
+            </a:r>
+            <a:r>
+              <a:rPr lang="es-ES" b="1" dirty="0" err="1"/>
+              <a:t>Forgery</a:t>
+            </a:r>
+            <a:endParaRPr lang="es-ES" b="1" dirty="0"/>
+          </a:p>
+          <a:p>
+            <a:pPr lvl="1"/>
+            <a:r>
+              <a:rPr lang="es-ES" b="1" dirty="0"/>
+              <a:t>CSRF</a:t>
+            </a:r>
+            <a:r>
+              <a:rPr lang="es-ES" dirty="0"/>
+              <a:t> es un tipo de ataque en el que un usuario autenticado en un sitio web es engañado para ejecutar una acción no deseada en ese mismo sitio, sin saberlo.</a:t>
+            </a:r>
+          </a:p>
+          <a:p>
+            <a:pPr lvl="1"/>
             <a:endParaRPr lang="es-ES" dirty="0"/>
           </a:p>
           <a:p>
-            <a:r>
-              <a:rPr lang="es-ES" dirty="0"/>
-              <a:t>Afecta principalmente a lenguajes como JavaScript, </a:t>
-            </a:r>
-            <a:r>
-              <a:rPr lang="es-ES" b="1" dirty="0"/>
-              <a:t>los servicios web escritos en C++ también pueden ser vulnerables</a:t>
-            </a:r>
-            <a:r>
-              <a:rPr lang="es-ES" dirty="0"/>
-              <a:t> si no se validan correctamente los datos que se envían al navegador.</a:t>
-            </a:r>
-          </a:p>
-          <a:p>
-            <a:endParaRPr lang="es-ES" dirty="0"/>
-          </a:p>
-          <a:p>
-            <a:r>
-              <a:rPr lang="es-ES" b="1" dirty="0"/>
-              <a:t>XSS</a:t>
-            </a:r>
-            <a:r>
-              <a:rPr lang="es-ES" dirty="0"/>
-              <a:t> es un tipo de ataque que permite a un atacante </a:t>
-            </a:r>
-            <a:r>
-              <a:rPr lang="es-ES" b="1" dirty="0"/>
-              <a:t>inyectar código malicioso (generalmente JavaScript)</a:t>
-            </a:r>
-            <a:r>
-              <a:rPr lang="es-ES" dirty="0"/>
-              <a:t> en páginas web que otros usuarios visitan. </a:t>
-            </a:r>
-          </a:p>
-          <a:p>
             <a:pPr lvl="1"/>
             <a:r>
               <a:rPr lang="es-ES" dirty="0"/>
-              <a:t>El código se ejecuta en el navegador de la víctima, no en el servidor, lo que lo hace difícil de detectar.</a:t>
+              <a:t>Nos podemos proteger de estos ataques utilizando las librerías: </a:t>
+            </a:r>
+            <a:r>
+              <a:rPr lang="es-ES" dirty="0" err="1"/>
+              <a:t>Crow</a:t>
+            </a:r>
+            <a:r>
+              <a:rPr lang="es-ES" dirty="0"/>
+              <a:t>, </a:t>
+            </a:r>
+            <a:r>
+              <a:rPr lang="es-ES" dirty="0" err="1"/>
+              <a:t>Boost.Beast</a:t>
+            </a:r>
+            <a:r>
+              <a:rPr lang="es-ES" dirty="0"/>
+              <a:t> o Pistache.</a:t>
             </a:r>
           </a:p>
         </p:txBody>
@@ -6341,7 +6331,7 @@
           <p:cNvPr id="4" name="Marcador de número de diapositiva 3">
             <a:extLst>
               <a:ext uri="{FF2B5EF4-FFF2-40B4-BE49-F238E27FC236}">
-                <a16:creationId xmlns:a16="http://schemas.microsoft.com/office/drawing/2014/main" id="{9E744B72-252C-DAE7-D825-B27BDC32E97B}"/>
+                <a16:creationId xmlns:a16="http://schemas.microsoft.com/office/drawing/2014/main" id="{7C7A5A21-A699-916A-C192-272C354A2238}"/>
               </a:ext>
             </a:extLst>
           </p:cNvPr>
@@ -6368,7 +6358,7 @@
     </p:spTree>
     <p:extLst>
       <p:ext uri="{BB962C8B-B14F-4D97-AF65-F5344CB8AC3E}">
-        <p14:creationId xmlns:p14="http://schemas.microsoft.com/office/powerpoint/2010/main" val="3249976081"/>
+        <p14:creationId xmlns:p14="http://schemas.microsoft.com/office/powerpoint/2010/main" val="1703053913"/>
       </p:ext>
     </p:extLst>
   </p:cSld>
@@ -6400,7 +6390,7 @@
           <p:cNvPr id="2" name="Título 1">
             <a:extLst>
               <a:ext uri="{FF2B5EF4-FFF2-40B4-BE49-F238E27FC236}">
-                <a16:creationId xmlns:a16="http://schemas.microsoft.com/office/drawing/2014/main" id="{F13204D6-8FFA-008D-6F2D-8FFB32D2ABF6}"/>
+                <a16:creationId xmlns:a16="http://schemas.microsoft.com/office/drawing/2014/main" id="{AA771B9F-CC0E-C4EB-1C07-40BEB7F3D5F6}"/>
               </a:ext>
             </a:extLst>
           </p:cNvPr>
@@ -6418,7 +6408,7 @@
           <a:p>
             <a:r>
               <a:rPr lang="es-ES" dirty="0"/>
-              <a:t>¿Qué puede hacer un ataque XSS?</a:t>
+              <a:t>XSS</a:t>
             </a:r>
           </a:p>
         </p:txBody>
@@ -6428,7 +6418,7 @@
           <p:cNvPr id="3" name="Marcador de contenido 2">
             <a:extLst>
               <a:ext uri="{FF2B5EF4-FFF2-40B4-BE49-F238E27FC236}">
-                <a16:creationId xmlns:a16="http://schemas.microsoft.com/office/drawing/2014/main" id="{DBA67C84-4BD3-B588-B195-E22EE7F737C5}"/>
+                <a16:creationId xmlns:a16="http://schemas.microsoft.com/office/drawing/2014/main" id="{9590EB62-7BCE-45EC-3947-547A1FD53C0F}"/>
               </a:ext>
             </a:extLst>
           </p:cNvPr>
@@ -6441,41 +6431,65 @@
         </p:nvSpPr>
         <p:spPr/>
         <p:txBody>
-          <a:bodyPr/>
-          <a:lstStyle/>
-          <a:p>
-            <a:r>
-              <a:rPr lang="es-ES" dirty="0"/>
-              <a:t>Robar cookies o tokens de sesión</a:t>
-            </a:r>
-          </a:p>
-          <a:p>
-            <a:r>
-              <a:rPr lang="es-ES" dirty="0"/>
-              <a:t>Suplantar identidad del usuario</a:t>
-            </a:r>
-          </a:p>
-          <a:p>
-            <a:r>
-              <a:rPr lang="es-ES" dirty="0"/>
-              <a:t>Redirigir a sitios maliciosos</a:t>
-            </a:r>
-          </a:p>
-          <a:p>
-            <a:r>
-              <a:rPr lang="es-ES" dirty="0"/>
-              <a:t>Mostrar contenido falso o engañoso</a:t>
-            </a:r>
-          </a:p>
-          <a:p>
-            <a:r>
-              <a:rPr lang="es-ES" dirty="0"/>
-              <a:t>Ejecutar acciones en nombre del usuario</a:t>
+          <a:bodyPr>
+            <a:normAutofit fontScale="92500" lnSpcReduction="20000"/>
+          </a:bodyPr>
+          <a:lstStyle/>
+          <a:p>
+            <a:r>
+              <a:rPr lang="es-ES" b="1" dirty="0"/>
+              <a:t>XSS (Cross-Site Scripting)</a:t>
+            </a:r>
+            <a:r>
+              <a:rPr lang="es-ES" dirty="0"/>
+              <a:t> es una de las vulnerabilidades más comunes y peligrosas en aplicaciones web. </a:t>
             </a:r>
           </a:p>
           <a:p>
             <a:endParaRPr lang="es-ES" dirty="0"/>
           </a:p>
+          <a:p>
+            <a:r>
+              <a:rPr lang="es-ES" dirty="0"/>
+              <a:t>Afecta principalmente a lenguajes como JavaScript, </a:t>
+            </a:r>
+            <a:r>
+              <a:rPr lang="es-ES" b="1" dirty="0"/>
+              <a:t>los servicios web escritos en C++ también pueden ser vulnerables</a:t>
+            </a:r>
+            <a:r>
+              <a:rPr lang="es-ES" dirty="0"/>
+              <a:t> si no se validan correctamente los datos que se envían al navegador.</a:t>
+            </a:r>
+          </a:p>
+          <a:p>
+            <a:endParaRPr lang="es-ES" dirty="0"/>
+          </a:p>
+          <a:p>
+            <a:r>
+              <a:rPr lang="es-ES" b="1" dirty="0"/>
+              <a:t>XSS</a:t>
+            </a:r>
+            <a:r>
+              <a:rPr lang="es-ES" dirty="0"/>
+              <a:t> es un tipo de ataque que permite a un atacante </a:t>
+            </a:r>
+            <a:r>
+              <a:rPr lang="es-ES" b="1" dirty="0"/>
+              <a:t>inyectar código malicioso (generalmente JavaScript)</a:t>
+            </a:r>
+            <a:r>
+              <a:rPr lang="es-ES" dirty="0"/>
+              <a:t> en páginas web que otros usuarios visitan. </a:t>
+            </a:r>
+          </a:p>
+          <a:p>
+            <a:pPr lvl="1"/>
+            <a:r>
+              <a:rPr lang="es-ES" dirty="0"/>
+              <a:t>El código se ejecuta en el navegador de la víctima, no en el servidor, lo que lo hace difícil de detectar.</a:t>
+            </a:r>
+          </a:p>
         </p:txBody>
       </p:sp>
       <p:sp>
@@ -6483,7 +6497,7 @@
           <p:cNvPr id="4" name="Marcador de número de diapositiva 3">
             <a:extLst>
               <a:ext uri="{FF2B5EF4-FFF2-40B4-BE49-F238E27FC236}">
-                <a16:creationId xmlns:a16="http://schemas.microsoft.com/office/drawing/2014/main" id="{415F4E8B-1259-CF69-C7E2-DB9BB166FE46}"/>
+                <a16:creationId xmlns:a16="http://schemas.microsoft.com/office/drawing/2014/main" id="{9E744B72-252C-DAE7-D825-B27BDC32E97B}"/>
               </a:ext>
             </a:extLst>
           </p:cNvPr>
@@ -6510,7 +6524,7 @@
     </p:spTree>
     <p:extLst>
       <p:ext uri="{BB962C8B-B14F-4D97-AF65-F5344CB8AC3E}">
-        <p14:creationId xmlns:p14="http://schemas.microsoft.com/office/powerpoint/2010/main" val="2707772253"/>
+        <p14:creationId xmlns:p14="http://schemas.microsoft.com/office/powerpoint/2010/main" val="3249976081"/>
       </p:ext>
     </p:extLst>
   </p:cSld>
@@ -6542,7 +6556,7 @@
           <p:cNvPr id="2" name="Título 1">
             <a:extLst>
               <a:ext uri="{FF2B5EF4-FFF2-40B4-BE49-F238E27FC236}">
-                <a16:creationId xmlns:a16="http://schemas.microsoft.com/office/drawing/2014/main" id="{7F922FEF-12C9-0F62-60F4-1E7EB1FFEF63}"/>
+                <a16:creationId xmlns:a16="http://schemas.microsoft.com/office/drawing/2014/main" id="{F13204D6-8FFA-008D-6F2D-8FFB32D2ABF6}"/>
               </a:ext>
             </a:extLst>
           </p:cNvPr>
@@ -6560,8 +6574,63 @@
           <a:p>
             <a:r>
               <a:rPr lang="es-ES" dirty="0"/>
-              <a:t>Tipos de XSS</a:t>
-            </a:r>
+              <a:t>¿Qué puede hacer un ataque XSS?</a:t>
+            </a:r>
+          </a:p>
+        </p:txBody>
+      </p:sp>
+      <p:sp>
+        <p:nvSpPr>
+          <p:cNvPr id="3" name="Marcador de contenido 2">
+            <a:extLst>
+              <a:ext uri="{FF2B5EF4-FFF2-40B4-BE49-F238E27FC236}">
+                <a16:creationId xmlns:a16="http://schemas.microsoft.com/office/drawing/2014/main" id="{DBA67C84-4BD3-B588-B195-E22EE7F737C5}"/>
+              </a:ext>
+            </a:extLst>
+          </p:cNvPr>
+          <p:cNvSpPr>
+            <a:spLocks noGrp="1"/>
+          </p:cNvSpPr>
+          <p:nvPr>
+            <p:ph idx="1"/>
+          </p:nvPr>
+        </p:nvSpPr>
+        <p:spPr/>
+        <p:txBody>
+          <a:bodyPr/>
+          <a:lstStyle/>
+          <a:p>
+            <a:r>
+              <a:rPr lang="es-ES" dirty="0"/>
+              <a:t>Robar cookies o tokens de sesión</a:t>
+            </a:r>
+          </a:p>
+          <a:p>
+            <a:r>
+              <a:rPr lang="es-ES" dirty="0"/>
+              <a:t>Suplantar identidad del usuario</a:t>
+            </a:r>
+          </a:p>
+          <a:p>
+            <a:r>
+              <a:rPr lang="es-ES" dirty="0"/>
+              <a:t>Redirigir a sitios maliciosos</a:t>
+            </a:r>
+          </a:p>
+          <a:p>
+            <a:r>
+              <a:rPr lang="es-ES" dirty="0"/>
+              <a:t>Mostrar contenido falso o engañoso</a:t>
+            </a:r>
+          </a:p>
+          <a:p>
+            <a:r>
+              <a:rPr lang="es-ES" dirty="0"/>
+              <a:t>Ejecutar acciones en nombre del usuario</a:t>
+            </a:r>
+          </a:p>
+          <a:p>
+            <a:endParaRPr lang="es-ES" dirty="0"/>
           </a:p>
         </p:txBody>
       </p:sp>
@@ -6570,7 +6639,7 @@
           <p:cNvPr id="4" name="Marcador de número de diapositiva 3">
             <a:extLst>
               <a:ext uri="{FF2B5EF4-FFF2-40B4-BE49-F238E27FC236}">
-                <a16:creationId xmlns:a16="http://schemas.microsoft.com/office/drawing/2014/main" id="{532AF997-30B0-0E29-A946-5F356D42589F}"/>
+                <a16:creationId xmlns:a16="http://schemas.microsoft.com/office/drawing/2014/main" id="{415F4E8B-1259-CF69-C7E2-DB9BB166FE46}"/>
               </a:ext>
             </a:extLst>
           </p:cNvPr>
@@ -6589,6 +6658,93 @@
             <a:fld id="{DBA0B7A9-3FAC-4523-93F5-549EB9982FEE}" type="slidenum">
               <a:rPr lang="es-ES" smtClean="0"/>
               <a:t>28</a:t>
+            </a:fld>
+            <a:endParaRPr lang="es-ES"/>
+          </a:p>
+        </p:txBody>
+      </p:sp>
+    </p:spTree>
+    <p:extLst>
+      <p:ext uri="{BB962C8B-B14F-4D97-AF65-F5344CB8AC3E}">
+        <p14:creationId xmlns:p14="http://schemas.microsoft.com/office/powerpoint/2010/main" val="2707772253"/>
+      </p:ext>
+    </p:extLst>
+  </p:cSld>
+  <p:clrMapOvr>
+    <a:masterClrMapping/>
+  </p:clrMapOvr>
+</p:sld>
+</file>
+
+<file path=ppt/slides/slide29.xml><?xml version="1.0" encoding="utf-8"?>
+<p:sld xmlns:a="http://schemas.openxmlformats.org/drawingml/2006/main" xmlns:r="http://schemas.openxmlformats.org/officeDocument/2006/relationships" xmlns:p="http://schemas.openxmlformats.org/presentationml/2006/main">
+  <p:cSld>
+    <p:spTree>
+      <p:nvGrpSpPr>
+        <p:cNvPr id="1" name=""/>
+        <p:cNvGrpSpPr/>
+        <p:nvPr/>
+      </p:nvGrpSpPr>
+      <p:grpSpPr>
+        <a:xfrm>
+          <a:off x="0" y="0"/>
+          <a:ext cx="0" cy="0"/>
+          <a:chOff x="0" y="0"/>
+          <a:chExt cx="0" cy="0"/>
+        </a:xfrm>
+      </p:grpSpPr>
+      <p:sp>
+        <p:nvSpPr>
+          <p:cNvPr id="2" name="Título 1">
+            <a:extLst>
+              <a:ext uri="{FF2B5EF4-FFF2-40B4-BE49-F238E27FC236}">
+                <a16:creationId xmlns:a16="http://schemas.microsoft.com/office/drawing/2014/main" id="{7F922FEF-12C9-0F62-60F4-1E7EB1FFEF63}"/>
+              </a:ext>
+            </a:extLst>
+          </p:cNvPr>
+          <p:cNvSpPr>
+            <a:spLocks noGrp="1"/>
+          </p:cNvSpPr>
+          <p:nvPr>
+            <p:ph type="title"/>
+          </p:nvPr>
+        </p:nvSpPr>
+        <p:spPr/>
+        <p:txBody>
+          <a:bodyPr/>
+          <a:lstStyle/>
+          <a:p>
+            <a:r>
+              <a:rPr lang="es-ES" dirty="0"/>
+              <a:t>Tipos de XSS</a:t>
+            </a:r>
+          </a:p>
+        </p:txBody>
+      </p:sp>
+      <p:sp>
+        <p:nvSpPr>
+          <p:cNvPr id="4" name="Marcador de número de diapositiva 3">
+            <a:extLst>
+              <a:ext uri="{FF2B5EF4-FFF2-40B4-BE49-F238E27FC236}">
+                <a16:creationId xmlns:a16="http://schemas.microsoft.com/office/drawing/2014/main" id="{532AF997-30B0-0E29-A946-5F356D42589F}"/>
+              </a:ext>
+            </a:extLst>
+          </p:cNvPr>
+          <p:cNvSpPr>
+            <a:spLocks noGrp="1"/>
+          </p:cNvSpPr>
+          <p:nvPr>
+            <p:ph type="sldNum" sz="quarter" idx="12"/>
+          </p:nvPr>
+        </p:nvSpPr>
+        <p:spPr/>
+        <p:txBody>
+          <a:bodyPr/>
+          <a:lstStyle/>
+          <a:p>
+            <a:fld id="{DBA0B7A9-3FAC-4523-93F5-549EB9982FEE}" type="slidenum">
+              <a:rPr lang="es-ES" smtClean="0"/>
+              <a:t>29</a:t>
             </a:fld>
             <a:endParaRPr lang="es-ES"/>
           </a:p>
@@ -6637,222 +6793,6 @@
 </p:sld>
 </file>
 
-<file path=ppt/slides/slide29.xml><?xml version="1.0" encoding="utf-8"?>
-<p:sld xmlns:a="http://schemas.openxmlformats.org/drawingml/2006/main" xmlns:r="http://schemas.openxmlformats.org/officeDocument/2006/relationships" xmlns:p="http://schemas.openxmlformats.org/presentationml/2006/main">
-  <p:cSld>
-    <p:spTree>
-      <p:nvGrpSpPr>
-        <p:cNvPr id="1" name=""/>
-        <p:cNvGrpSpPr/>
-        <p:nvPr/>
-      </p:nvGrpSpPr>
-      <p:grpSpPr>
-        <a:xfrm>
-          <a:off x="0" y="0"/>
-          <a:ext cx="0" cy="0"/>
-          <a:chOff x="0" y="0"/>
-          <a:chExt cx="0" cy="0"/>
-        </a:xfrm>
-      </p:grpSpPr>
-      <p:sp>
-        <p:nvSpPr>
-          <p:cNvPr id="2" name="Título 1">
-            <a:extLst>
-              <a:ext uri="{FF2B5EF4-FFF2-40B4-BE49-F238E27FC236}">
-                <a16:creationId xmlns:a16="http://schemas.microsoft.com/office/drawing/2014/main" id="{D0FFDAA3-3F2B-A7FB-7752-7C68EBEFC423}"/>
-              </a:ext>
-            </a:extLst>
-          </p:cNvPr>
-          <p:cNvSpPr>
-            <a:spLocks noGrp="1"/>
-          </p:cNvSpPr>
-          <p:nvPr>
-            <p:ph type="title"/>
-          </p:nvPr>
-        </p:nvSpPr>
-        <p:spPr/>
-        <p:txBody>
-          <a:bodyPr/>
-          <a:lstStyle/>
-          <a:p>
-            <a:r>
-              <a:rPr lang="es-ES" dirty="0"/>
-              <a:t>SQL </a:t>
-            </a:r>
-            <a:r>
-              <a:rPr lang="es-ES" dirty="0" err="1"/>
-              <a:t>Injection</a:t>
-            </a:r>
-            <a:endParaRPr lang="es-ES" dirty="0"/>
-          </a:p>
-        </p:txBody>
-      </p:sp>
-      <p:sp>
-        <p:nvSpPr>
-          <p:cNvPr id="3" name="Marcador de contenido 2">
-            <a:extLst>
-              <a:ext uri="{FF2B5EF4-FFF2-40B4-BE49-F238E27FC236}">
-                <a16:creationId xmlns:a16="http://schemas.microsoft.com/office/drawing/2014/main" id="{135070E8-80F2-9C1D-625F-CCD42B401613}"/>
-              </a:ext>
-            </a:extLst>
-          </p:cNvPr>
-          <p:cNvSpPr>
-            <a:spLocks noGrp="1"/>
-          </p:cNvSpPr>
-          <p:nvPr>
-            <p:ph idx="1"/>
-          </p:nvPr>
-        </p:nvSpPr>
-        <p:spPr/>
-        <p:txBody>
-          <a:bodyPr>
-            <a:normAutofit fontScale="92500" lnSpcReduction="10000"/>
-          </a:bodyPr>
-          <a:lstStyle/>
-          <a:p>
-            <a:r>
-              <a:rPr lang="es-ES" b="1" dirty="0"/>
-              <a:t>SQL </a:t>
-            </a:r>
-            <a:r>
-              <a:rPr lang="es-ES" b="1" dirty="0" err="1"/>
-              <a:t>Injection</a:t>
-            </a:r>
-            <a:r>
-              <a:rPr lang="es-ES" b="1" dirty="0"/>
-              <a:t> (</a:t>
-            </a:r>
-            <a:r>
-              <a:rPr lang="es-ES" b="1" dirty="0" err="1"/>
-              <a:t>SQLi</a:t>
-            </a:r>
-            <a:r>
-              <a:rPr lang="es-ES" b="1" dirty="0"/>
-              <a:t>)</a:t>
-            </a:r>
-            <a:r>
-              <a:rPr lang="es-ES" dirty="0"/>
-              <a:t> es un ataque que consiste en </a:t>
-            </a:r>
-            <a:r>
-              <a:rPr lang="es-ES" b="1" dirty="0"/>
-              <a:t>insertar código SQL malicioso</a:t>
-            </a:r>
-            <a:r>
-              <a:rPr lang="es-ES" dirty="0"/>
-              <a:t> en campos de entrada (como formularios o </a:t>
-            </a:r>
-            <a:r>
-              <a:rPr lang="es-ES" dirty="0" err="1"/>
-              <a:t>URLs</a:t>
-            </a:r>
-            <a:r>
-              <a:rPr lang="es-ES" dirty="0"/>
-              <a:t>) para manipular las consultas que tu aplicación envía a la base de datos.</a:t>
-            </a:r>
-          </a:p>
-          <a:p>
-            <a:endParaRPr lang="es-ES" dirty="0"/>
-          </a:p>
-          <a:p>
-            <a:endParaRPr lang="es-ES" dirty="0"/>
-          </a:p>
-          <a:p>
-            <a:r>
-              <a:rPr lang="es-ES" dirty="0"/>
-              <a:t>¿Qué se puede hacer con </a:t>
-            </a:r>
-            <a:r>
-              <a:rPr lang="es-ES" dirty="0" err="1"/>
-              <a:t>SQLi</a:t>
-            </a:r>
-            <a:r>
-              <a:rPr lang="es-ES" dirty="0"/>
-              <a:t>?</a:t>
-            </a:r>
-          </a:p>
-          <a:p>
-            <a:pPr lvl="1"/>
-            <a:r>
-              <a:rPr lang="es-ES" dirty="0"/>
-              <a:t>Ver o robar datos confidenciales (usuarios, contraseñas, tarjetas)</a:t>
-            </a:r>
-          </a:p>
-          <a:p>
-            <a:pPr lvl="1"/>
-            <a:r>
-              <a:rPr lang="es-ES" dirty="0"/>
-              <a:t>Borrar o modificar registros</a:t>
-            </a:r>
-          </a:p>
-          <a:p>
-            <a:pPr lvl="1"/>
-            <a:r>
-              <a:rPr lang="es-ES" dirty="0"/>
-              <a:t>Eludir autenticaciones</a:t>
-            </a:r>
-          </a:p>
-          <a:p>
-            <a:pPr lvl="1"/>
-            <a:r>
-              <a:rPr lang="es-ES" dirty="0"/>
-              <a:t>Tomar control del servidor de base de datos</a:t>
-            </a:r>
-          </a:p>
-          <a:p>
-            <a:pPr lvl="1"/>
-            <a:r>
-              <a:rPr lang="es-ES" dirty="0"/>
-              <a:t>Es como si el atacante escribiera comandos directamente en tu consola SQL, aprovechando que tu aplicación confía ciegamente en lo que el usuario escribe</a:t>
-            </a:r>
-          </a:p>
-          <a:p>
-            <a:endParaRPr lang="es-ES" dirty="0"/>
-          </a:p>
-        </p:txBody>
-      </p:sp>
-      <p:sp>
-        <p:nvSpPr>
-          <p:cNvPr id="4" name="Marcador de número de diapositiva 3">
-            <a:extLst>
-              <a:ext uri="{FF2B5EF4-FFF2-40B4-BE49-F238E27FC236}">
-                <a16:creationId xmlns:a16="http://schemas.microsoft.com/office/drawing/2014/main" id="{D10F678B-214F-19F7-A127-A555F41B2468}"/>
-              </a:ext>
-            </a:extLst>
-          </p:cNvPr>
-          <p:cNvSpPr>
-            <a:spLocks noGrp="1"/>
-          </p:cNvSpPr>
-          <p:nvPr>
-            <p:ph type="sldNum" sz="quarter" idx="12"/>
-          </p:nvPr>
-        </p:nvSpPr>
-        <p:spPr/>
-        <p:txBody>
-          <a:bodyPr/>
-          <a:lstStyle/>
-          <a:p>
-            <a:fld id="{DBA0B7A9-3FAC-4523-93F5-549EB9982FEE}" type="slidenum">
-              <a:rPr lang="es-ES" smtClean="0"/>
-              <a:t>29</a:t>
-            </a:fld>
-            <a:endParaRPr lang="es-ES"/>
-          </a:p>
-        </p:txBody>
-      </p:sp>
-    </p:spTree>
-    <p:extLst>
-      <p:ext uri="{BB962C8B-B14F-4D97-AF65-F5344CB8AC3E}">
-        <p14:creationId xmlns:p14="http://schemas.microsoft.com/office/powerpoint/2010/main" val="714969172"/>
-      </p:ext>
-    </p:extLst>
-  </p:cSld>
-  <p:clrMapOvr>
-    <a:masterClrMapping/>
-  </p:clrMapOvr>
-</p:sld>
-</file>
-
 <file path=ppt/slides/slide3.xml><?xml version="1.0" encoding="utf-8"?>
 <p:sld xmlns:a="http://schemas.openxmlformats.org/drawingml/2006/main" xmlns:r="http://schemas.openxmlformats.org/officeDocument/2006/relationships" xmlns:p="http://schemas.openxmlformats.org/presentationml/2006/main">
   <p:cSld>
@@ -6947,7 +6887,7 @@
           <p:cNvPr id="2" name="Título 1">
             <a:extLst>
               <a:ext uri="{FF2B5EF4-FFF2-40B4-BE49-F238E27FC236}">
-                <a16:creationId xmlns:a16="http://schemas.microsoft.com/office/drawing/2014/main" id="{0508B842-45C0-6B23-8F11-2F1E92BF0384}"/>
+                <a16:creationId xmlns:a16="http://schemas.microsoft.com/office/drawing/2014/main" id="{D0FFDAA3-3F2B-A7FB-7752-7C68EBEFC423}"/>
               </a:ext>
             </a:extLst>
           </p:cNvPr>
@@ -6965,8 +6905,13 @@
           <a:p>
             <a:r>
               <a:rPr lang="es-ES" dirty="0"/>
-              <a:t>Ejemplo</a:t>
-            </a:r>
+              <a:t>SQL </a:t>
+            </a:r>
+            <a:r>
+              <a:rPr lang="es-ES" dirty="0" err="1"/>
+              <a:t>Injection</a:t>
+            </a:r>
+            <a:endParaRPr lang="es-ES" dirty="0"/>
           </a:p>
         </p:txBody>
       </p:sp>
@@ -6975,7 +6920,7 @@
           <p:cNvPr id="3" name="Marcador de contenido 2">
             <a:extLst>
               <a:ext uri="{FF2B5EF4-FFF2-40B4-BE49-F238E27FC236}">
-                <a16:creationId xmlns:a16="http://schemas.microsoft.com/office/drawing/2014/main" id="{A3C2F3A6-DE3F-228C-7DAF-7CF0409A63DF}"/>
+                <a16:creationId xmlns:a16="http://schemas.microsoft.com/office/drawing/2014/main" id="{135070E8-80F2-9C1D-625F-CCD42B401613}"/>
               </a:ext>
             </a:extLst>
           </p:cNvPr>
@@ -6988,46 +6933,109 @@
         </p:nvSpPr>
         <p:spPr/>
         <p:txBody>
-          <a:bodyPr/>
-          <a:lstStyle/>
-          <a:p>
-            <a:r>
-              <a:rPr lang="en-US" dirty="0"/>
-              <a:t>std::string query = "SELECT * FROM </a:t>
-            </a:r>
-            <a:r>
-              <a:rPr lang="en-US" dirty="0" err="1"/>
-              <a:t>usuarios</a:t>
-            </a:r>
-            <a:r>
-              <a:rPr lang="en-US" dirty="0"/>
-              <a:t> WHERE </a:t>
-            </a:r>
-            <a:r>
-              <a:rPr lang="en-US" dirty="0" err="1"/>
-              <a:t>nombre</a:t>
-            </a:r>
-            <a:r>
-              <a:rPr lang="en-US" dirty="0"/>
-              <a:t> = '" + </a:t>
-            </a:r>
-            <a:r>
-              <a:rPr lang="en-US" dirty="0" err="1"/>
-              <a:t>nombre</a:t>
-            </a:r>
-            <a:r>
-              <a:rPr lang="en-US" dirty="0"/>
-              <a:t> + “’”;</a:t>
+          <a:bodyPr>
+            <a:normAutofit fontScale="92500" lnSpcReduction="10000"/>
+          </a:bodyPr>
+          <a:lstStyle/>
+          <a:p>
+            <a:r>
+              <a:rPr lang="es-ES" b="1" dirty="0"/>
+              <a:t>SQL </a:t>
+            </a:r>
+            <a:r>
+              <a:rPr lang="es-ES" b="1" dirty="0" err="1"/>
+              <a:t>Injection</a:t>
+            </a:r>
+            <a:r>
+              <a:rPr lang="es-ES" b="1" dirty="0"/>
+              <a:t> (</a:t>
+            </a:r>
+            <a:r>
+              <a:rPr lang="es-ES" b="1" dirty="0" err="1"/>
+              <a:t>SQLi</a:t>
+            </a:r>
+            <a:r>
+              <a:rPr lang="es-ES" b="1" dirty="0"/>
+              <a:t>)</a:t>
+            </a:r>
+            <a:r>
+              <a:rPr lang="es-ES" dirty="0"/>
+              <a:t> es un ataque que consiste en </a:t>
+            </a:r>
+            <a:r>
+              <a:rPr lang="es-ES" b="1" dirty="0"/>
+              <a:t>insertar código SQL malicioso</a:t>
+            </a:r>
+            <a:r>
+              <a:rPr lang="es-ES" dirty="0"/>
+              <a:t> en campos de entrada (como formularios o </a:t>
+            </a:r>
+            <a:r>
+              <a:rPr lang="es-ES" dirty="0" err="1"/>
+              <a:t>URLs</a:t>
+            </a:r>
+            <a:r>
+              <a:rPr lang="es-ES" dirty="0"/>
+              <a:t>) para manipular las consultas que tu aplicación envía a la base de datos.</a:t>
             </a:r>
           </a:p>
           <a:p>
             <a:endParaRPr lang="es-ES" dirty="0"/>
           </a:p>
           <a:p>
-            <a:r>
-              <a:rPr lang="es-ES" dirty="0"/>
-              <a:t>Se añade OR ‘1’ = ‘1’</a:t>
-            </a:r>
+            <a:endParaRPr lang="es-ES" dirty="0"/>
+          </a:p>
+          <a:p>
+            <a:r>
+              <a:rPr lang="es-ES" dirty="0"/>
+              <a:t>¿Qué se puede hacer con </a:t>
+            </a:r>
+            <a:r>
+              <a:rPr lang="es-ES" dirty="0" err="1"/>
+              <a:t>SQLi</a:t>
+            </a:r>
+            <a:r>
+              <a:rPr lang="es-ES" dirty="0"/>
+              <a:t>?</a:t>
+            </a:r>
+          </a:p>
+          <a:p>
+            <a:pPr lvl="1"/>
+            <a:r>
+              <a:rPr lang="es-ES" dirty="0"/>
+              <a:t>Ver o robar datos confidenciales (usuarios, contraseñas, tarjetas)</a:t>
+            </a:r>
+          </a:p>
+          <a:p>
+            <a:pPr lvl="1"/>
+            <a:r>
+              <a:rPr lang="es-ES" dirty="0"/>
+              <a:t>Borrar o modificar registros</a:t>
+            </a:r>
+          </a:p>
+          <a:p>
+            <a:pPr lvl="1"/>
+            <a:r>
+              <a:rPr lang="es-ES" dirty="0"/>
+              <a:t>Eludir autenticaciones</a:t>
+            </a:r>
+          </a:p>
+          <a:p>
+            <a:pPr lvl="1"/>
+            <a:r>
+              <a:rPr lang="es-ES" dirty="0"/>
+              <a:t>Tomar control del servidor de base de datos</a:t>
+            </a:r>
+          </a:p>
+          <a:p>
+            <a:pPr lvl="1"/>
+            <a:r>
+              <a:rPr lang="es-ES" dirty="0"/>
+              <a:t>Es como si el atacante escribiera comandos directamente en tu consola SQL, aprovechando que tu aplicación confía ciegamente en lo que el usuario escribe</a:t>
+            </a:r>
+          </a:p>
+          <a:p>
+            <a:endParaRPr lang="es-ES" dirty="0"/>
           </a:p>
         </p:txBody>
       </p:sp>
@@ -7036,7 +7044,7 @@
           <p:cNvPr id="4" name="Marcador de número de diapositiva 3">
             <a:extLst>
               <a:ext uri="{FF2B5EF4-FFF2-40B4-BE49-F238E27FC236}">
-                <a16:creationId xmlns:a16="http://schemas.microsoft.com/office/drawing/2014/main" id="{AACA4CD1-782C-C3CC-C6B8-410BA1D60746}"/>
+                <a16:creationId xmlns:a16="http://schemas.microsoft.com/office/drawing/2014/main" id="{D10F678B-214F-19F7-A127-A555F41B2468}"/>
               </a:ext>
             </a:extLst>
           </p:cNvPr>
@@ -7063,7 +7071,7 @@
     </p:spTree>
     <p:extLst>
       <p:ext uri="{BB962C8B-B14F-4D97-AF65-F5344CB8AC3E}">
-        <p14:creationId xmlns:p14="http://schemas.microsoft.com/office/powerpoint/2010/main" val="2566275869"/>
+        <p14:creationId xmlns:p14="http://schemas.microsoft.com/office/powerpoint/2010/main" val="714969172"/>
       </p:ext>
     </p:extLst>
   </p:cSld>
@@ -7095,7 +7103,7 @@
           <p:cNvPr id="2" name="Título 1">
             <a:extLst>
               <a:ext uri="{FF2B5EF4-FFF2-40B4-BE49-F238E27FC236}">
-                <a16:creationId xmlns:a16="http://schemas.microsoft.com/office/drawing/2014/main" id="{B577FEF7-9A52-582A-14F1-8BE7AA5B6585}"/>
+                <a16:creationId xmlns:a16="http://schemas.microsoft.com/office/drawing/2014/main" id="{0508B842-45C0-6B23-8F11-2F1E92BF0384}"/>
               </a:ext>
             </a:extLst>
           </p:cNvPr>
@@ -7111,7 +7119,10 @@
           <a:bodyPr/>
           <a:lstStyle/>
           <a:p>
-            <a:endParaRPr lang="es-ES"/>
+            <a:r>
+              <a:rPr lang="es-ES" dirty="0"/>
+              <a:t>Ejemplo</a:t>
+            </a:r>
           </a:p>
         </p:txBody>
       </p:sp>
@@ -7120,7 +7131,7 @@
           <p:cNvPr id="3" name="Marcador de contenido 2">
             <a:extLst>
               <a:ext uri="{FF2B5EF4-FFF2-40B4-BE49-F238E27FC236}">
-                <a16:creationId xmlns:a16="http://schemas.microsoft.com/office/drawing/2014/main" id="{B101A160-6FB2-3A6E-6229-85771B610887}"/>
+                <a16:creationId xmlns:a16="http://schemas.microsoft.com/office/drawing/2014/main" id="{A3C2F3A6-DE3F-228C-7DAF-7CF0409A63DF}"/>
               </a:ext>
             </a:extLst>
           </p:cNvPr>
@@ -7136,7 +7147,43 @@
           <a:bodyPr/>
           <a:lstStyle/>
           <a:p>
-            <a:endParaRPr lang="es-ES"/>
+            <a:r>
+              <a:rPr lang="en-US" dirty="0"/>
+              <a:t>std::string query = "SELECT * FROM </a:t>
+            </a:r>
+            <a:r>
+              <a:rPr lang="en-US" dirty="0" err="1"/>
+              <a:t>usuarios</a:t>
+            </a:r>
+            <a:r>
+              <a:rPr lang="en-US" dirty="0"/>
+              <a:t> WHERE </a:t>
+            </a:r>
+            <a:r>
+              <a:rPr lang="en-US" dirty="0" err="1"/>
+              <a:t>nombre</a:t>
+            </a:r>
+            <a:r>
+              <a:rPr lang="en-US" dirty="0"/>
+              <a:t> = '" + </a:t>
+            </a:r>
+            <a:r>
+              <a:rPr lang="en-US" dirty="0" err="1"/>
+              <a:t>nombre</a:t>
+            </a:r>
+            <a:r>
+              <a:rPr lang="en-US" dirty="0"/>
+              <a:t> + “’”;</a:t>
+            </a:r>
+          </a:p>
+          <a:p>
+            <a:endParaRPr lang="es-ES" dirty="0"/>
+          </a:p>
+          <a:p>
+            <a:r>
+              <a:rPr lang="es-ES" dirty="0"/>
+              <a:t>Se añade OR ‘1’ = ‘1’</a:t>
+            </a:r>
           </a:p>
         </p:txBody>
       </p:sp>
@@ -7145,7 +7192,7 @@
           <p:cNvPr id="4" name="Marcador de número de diapositiva 3">
             <a:extLst>
               <a:ext uri="{FF2B5EF4-FFF2-40B4-BE49-F238E27FC236}">
-                <a16:creationId xmlns:a16="http://schemas.microsoft.com/office/drawing/2014/main" id="{DEAD8F99-7EA7-B6A1-F681-FFE03C174AD0}"/>
+                <a16:creationId xmlns:a16="http://schemas.microsoft.com/office/drawing/2014/main" id="{AACA4CD1-782C-C3CC-C6B8-410BA1D60746}"/>
               </a:ext>
             </a:extLst>
           </p:cNvPr>
@@ -7164,6 +7211,115 @@
             <a:fld id="{DBA0B7A9-3FAC-4523-93F5-549EB9982FEE}" type="slidenum">
               <a:rPr lang="es-ES" smtClean="0"/>
               <a:t>31</a:t>
+            </a:fld>
+            <a:endParaRPr lang="es-ES"/>
+          </a:p>
+        </p:txBody>
+      </p:sp>
+    </p:spTree>
+    <p:extLst>
+      <p:ext uri="{BB962C8B-B14F-4D97-AF65-F5344CB8AC3E}">
+        <p14:creationId xmlns:p14="http://schemas.microsoft.com/office/powerpoint/2010/main" val="2566275869"/>
+      </p:ext>
+    </p:extLst>
+  </p:cSld>
+  <p:clrMapOvr>
+    <a:masterClrMapping/>
+  </p:clrMapOvr>
+</p:sld>
+</file>
+
+<file path=ppt/slides/slide32.xml><?xml version="1.0" encoding="utf-8"?>
+<p:sld xmlns:a="http://schemas.openxmlformats.org/drawingml/2006/main" xmlns:r="http://schemas.openxmlformats.org/officeDocument/2006/relationships" xmlns:p="http://schemas.openxmlformats.org/presentationml/2006/main">
+  <p:cSld>
+    <p:spTree>
+      <p:nvGrpSpPr>
+        <p:cNvPr id="1" name=""/>
+        <p:cNvGrpSpPr/>
+        <p:nvPr/>
+      </p:nvGrpSpPr>
+      <p:grpSpPr>
+        <a:xfrm>
+          <a:off x="0" y="0"/>
+          <a:ext cx="0" cy="0"/>
+          <a:chOff x="0" y="0"/>
+          <a:chExt cx="0" cy="0"/>
+        </a:xfrm>
+      </p:grpSpPr>
+      <p:sp>
+        <p:nvSpPr>
+          <p:cNvPr id="2" name="Título 1">
+            <a:extLst>
+              <a:ext uri="{FF2B5EF4-FFF2-40B4-BE49-F238E27FC236}">
+                <a16:creationId xmlns:a16="http://schemas.microsoft.com/office/drawing/2014/main" id="{B577FEF7-9A52-582A-14F1-8BE7AA5B6585}"/>
+              </a:ext>
+            </a:extLst>
+          </p:cNvPr>
+          <p:cNvSpPr>
+            <a:spLocks noGrp="1"/>
+          </p:cNvSpPr>
+          <p:nvPr>
+            <p:ph type="title"/>
+          </p:nvPr>
+        </p:nvSpPr>
+        <p:spPr/>
+        <p:txBody>
+          <a:bodyPr/>
+          <a:lstStyle/>
+          <a:p>
+            <a:endParaRPr lang="es-ES"/>
+          </a:p>
+        </p:txBody>
+      </p:sp>
+      <p:sp>
+        <p:nvSpPr>
+          <p:cNvPr id="3" name="Marcador de contenido 2">
+            <a:extLst>
+              <a:ext uri="{FF2B5EF4-FFF2-40B4-BE49-F238E27FC236}">
+                <a16:creationId xmlns:a16="http://schemas.microsoft.com/office/drawing/2014/main" id="{B101A160-6FB2-3A6E-6229-85771B610887}"/>
+              </a:ext>
+            </a:extLst>
+          </p:cNvPr>
+          <p:cNvSpPr>
+            <a:spLocks noGrp="1"/>
+          </p:cNvSpPr>
+          <p:nvPr>
+            <p:ph idx="1"/>
+          </p:nvPr>
+        </p:nvSpPr>
+        <p:spPr/>
+        <p:txBody>
+          <a:bodyPr/>
+          <a:lstStyle/>
+          <a:p>
+            <a:endParaRPr lang="es-ES"/>
+          </a:p>
+        </p:txBody>
+      </p:sp>
+      <p:sp>
+        <p:nvSpPr>
+          <p:cNvPr id="4" name="Marcador de número de diapositiva 3">
+            <a:extLst>
+              <a:ext uri="{FF2B5EF4-FFF2-40B4-BE49-F238E27FC236}">
+                <a16:creationId xmlns:a16="http://schemas.microsoft.com/office/drawing/2014/main" id="{DEAD8F99-7EA7-B6A1-F681-FFE03C174AD0}"/>
+              </a:ext>
+            </a:extLst>
+          </p:cNvPr>
+          <p:cNvSpPr>
+            <a:spLocks noGrp="1"/>
+          </p:cNvSpPr>
+          <p:nvPr>
+            <p:ph type="sldNum" sz="quarter" idx="12"/>
+          </p:nvPr>
+        </p:nvSpPr>
+        <p:spPr/>
+        <p:txBody>
+          <a:bodyPr/>
+          <a:lstStyle/>
+          <a:p>
+            <a:fld id="{DBA0B7A9-3FAC-4523-93F5-549EB9982FEE}" type="slidenum">
+              <a:rPr lang="es-ES" smtClean="0"/>
+              <a:t>32</a:t>
             </a:fld>
             <a:endParaRPr lang="es-ES"/>
           </a:p>

--- a/doc/6_Seguridad_servicios_web_cpp.pptx
+++ b/doc/6_Seguridad_servicios_web_cpp.pptx
@@ -5,7 +5,7 @@
     <p:sldMasterId id="2147483648" r:id="rId1"/>
   </p:sldMasterIdLst>
   <p:notesMasterIdLst>
-    <p:notesMasterId r:id="rId34"/>
+    <p:notesMasterId r:id="rId39"/>
   </p:notesMasterIdLst>
   <p:sldIdLst>
     <p:sldId id="256" r:id="rId2"/>
@@ -27,19 +27,24 @@
     <p:sldId id="281" r:id="rId18"/>
     <p:sldId id="293" r:id="rId19"/>
     <p:sldId id="282" r:id="rId20"/>
-    <p:sldId id="294" r:id="rId21"/>
-    <p:sldId id="286" r:id="rId22"/>
-    <p:sldId id="288" r:id="rId23"/>
-    <p:sldId id="259" r:id="rId24"/>
-    <p:sldId id="287" r:id="rId25"/>
-    <p:sldId id="289" r:id="rId26"/>
-    <p:sldId id="260" r:id="rId27"/>
-    <p:sldId id="261" r:id="rId28"/>
-    <p:sldId id="283" r:id="rId29"/>
-    <p:sldId id="284" r:id="rId30"/>
-    <p:sldId id="262" r:id="rId31"/>
-    <p:sldId id="285" r:id="rId32"/>
-    <p:sldId id="267" r:id="rId33"/>
+    <p:sldId id="295" r:id="rId21"/>
+    <p:sldId id="296" r:id="rId22"/>
+    <p:sldId id="294" r:id="rId23"/>
+    <p:sldId id="298" r:id="rId24"/>
+    <p:sldId id="297" r:id="rId25"/>
+    <p:sldId id="299" r:id="rId26"/>
+    <p:sldId id="286" r:id="rId27"/>
+    <p:sldId id="288" r:id="rId28"/>
+    <p:sldId id="259" r:id="rId29"/>
+    <p:sldId id="287" r:id="rId30"/>
+    <p:sldId id="289" r:id="rId31"/>
+    <p:sldId id="260" r:id="rId32"/>
+    <p:sldId id="261" r:id="rId33"/>
+    <p:sldId id="283" r:id="rId34"/>
+    <p:sldId id="284" r:id="rId35"/>
+    <p:sldId id="262" r:id="rId36"/>
+    <p:sldId id="285" r:id="rId37"/>
+    <p:sldId id="267" r:id="rId38"/>
   </p:sldIdLst>
   <p:sldSz cx="12192000" cy="6858000"/>
   <p:notesSz cx="6858000" cy="9144000"/>
@@ -3985,7 +3990,7 @@
           <a:p>
             <a:r>
               <a:rPr lang="es-ES" dirty="0"/>
-              <a:t>Servidores REST en C++ (con Pistache, </a:t>
+              <a:t>Servidores REST en C++ (con </a:t>
             </a:r>
             <a:r>
               <a:rPr lang="es-ES" dirty="0" err="1"/>
@@ -5282,12 +5287,303 @@
             <p:ph idx="1"/>
           </p:nvPr>
         </p:nvSpPr>
-        <p:spPr/>
-        <p:txBody>
-          <a:bodyPr/>
-          <a:lstStyle/>
-          <a:p>
-            <a:endParaRPr lang="es-ES"/>
+        <p:spPr>
+          <a:xfrm>
+            <a:off x="259881" y="1825625"/>
+            <a:ext cx="11742821" cy="4351338"/>
+          </a:xfrm>
+        </p:spPr>
+        <p:txBody>
+          <a:bodyPr>
+            <a:normAutofit fontScale="92500" lnSpcReduction="10000"/>
+          </a:bodyPr>
+          <a:lstStyle/>
+          <a:p>
+            <a:r>
+              <a:rPr lang="es-ES" dirty="0"/>
+              <a:t>usuario se ha recogido de la </a:t>
+            </a:r>
+            <a:r>
+              <a:rPr lang="es-ES" dirty="0" err="1"/>
+              <a:t>request</a:t>
+            </a:r>
+            <a:r>
+              <a:rPr lang="es-ES" dirty="0"/>
+              <a:t>. Se habrán enviado datos por POST </a:t>
+            </a:r>
+            <a:r>
+              <a:rPr lang="es-ES" dirty="0">
+                <a:sym typeface="Wingdings" panose="05000000000000000000" pitchFamily="2" charset="2"/>
+              </a:rPr>
+              <a:t> </a:t>
+            </a:r>
+            <a:r>
+              <a:rPr lang="es-ES" dirty="0"/>
+              <a:t>auto datos = </a:t>
+            </a:r>
+            <a:r>
+              <a:rPr lang="es-ES" dirty="0" err="1"/>
+              <a:t>crow</a:t>
+            </a:r>
+            <a:r>
+              <a:rPr lang="es-ES" dirty="0"/>
+              <a:t>::</a:t>
+            </a:r>
+            <a:r>
+              <a:rPr lang="es-ES" dirty="0" err="1"/>
+              <a:t>json</a:t>
+            </a:r>
+            <a:r>
+              <a:rPr lang="es-ES" dirty="0"/>
+              <a:t>::load(</a:t>
+            </a:r>
+            <a:r>
+              <a:rPr lang="es-ES" dirty="0" err="1"/>
+              <a:t>req.body</a:t>
+            </a:r>
+            <a:r>
+              <a:rPr lang="es-ES" dirty="0"/>
+              <a:t>);</a:t>
+            </a:r>
+          </a:p>
+          <a:p>
+            <a:pPr lvl="1"/>
+            <a:r>
+              <a:rPr lang="es-ES" dirty="0"/>
+              <a:t>Primero habrá que validar, si viene el campo usuario:</a:t>
+            </a:r>
+          </a:p>
+          <a:p>
+            <a:pPr marL="457200" lvl="1" indent="0">
+              <a:buNone/>
+            </a:pPr>
+            <a:r>
+              <a:rPr lang="es-ES" dirty="0" err="1"/>
+              <a:t>if</a:t>
+            </a:r>
+            <a:r>
+              <a:rPr lang="es-ES" dirty="0"/>
+              <a:t> (</a:t>
+            </a:r>
+            <a:r>
+              <a:rPr lang="es-ES" dirty="0" err="1"/>
+              <a:t>datos.has</a:t>
+            </a:r>
+            <a:r>
+              <a:rPr lang="es-ES" dirty="0"/>
+              <a:t>(“usuario”))</a:t>
+            </a:r>
+          </a:p>
+          <a:p>
+            <a:pPr marL="914400" lvl="2" indent="0">
+              <a:buNone/>
+            </a:pPr>
+            <a:r>
+              <a:rPr lang="es-ES" dirty="0" err="1"/>
+              <a:t>std</a:t>
+            </a:r>
+            <a:r>
+              <a:rPr lang="es-ES" dirty="0"/>
+              <a:t>::</a:t>
+            </a:r>
+            <a:r>
+              <a:rPr lang="es-ES" dirty="0" err="1"/>
+              <a:t>string</a:t>
+            </a:r>
+            <a:r>
+              <a:rPr lang="es-ES" dirty="0"/>
+              <a:t> usuario = datos[“usuario”].s()</a:t>
+            </a:r>
+          </a:p>
+          <a:p>
+            <a:pPr marL="0" indent="0">
+              <a:buNone/>
+            </a:pPr>
+            <a:endParaRPr lang="es-ES" dirty="0"/>
+          </a:p>
+          <a:p>
+            <a:pPr marL="0" indent="0">
+              <a:buNone/>
+            </a:pPr>
+            <a:r>
+              <a:rPr lang="es-ES" dirty="0"/>
+              <a:t>auto token = </a:t>
+            </a:r>
+            <a:r>
+              <a:rPr lang="es-ES" dirty="0" err="1"/>
+              <a:t>jwt</a:t>
+            </a:r>
+            <a:r>
+              <a:rPr lang="es-ES" dirty="0"/>
+              <a:t>::</a:t>
+            </a:r>
+            <a:r>
+              <a:rPr lang="es-ES" dirty="0" err="1"/>
+              <a:t>create</a:t>
+            </a:r>
+            <a:r>
+              <a:rPr lang="es-ES" dirty="0"/>
+              <a:t>()</a:t>
+            </a:r>
+          </a:p>
+          <a:p>
+            <a:pPr marL="0" indent="0">
+              <a:buNone/>
+            </a:pPr>
+            <a:r>
+              <a:rPr lang="es-ES" dirty="0"/>
+              <a:t>    .</a:t>
+            </a:r>
+            <a:r>
+              <a:rPr lang="es-ES" dirty="0" err="1"/>
+              <a:t>set_issuer</a:t>
+            </a:r>
+            <a:r>
+              <a:rPr lang="es-ES" dirty="0"/>
+              <a:t>("Antonio")</a:t>
+            </a:r>
+          </a:p>
+          <a:p>
+            <a:pPr marL="0" indent="0">
+              <a:buNone/>
+            </a:pPr>
+            <a:r>
+              <a:rPr lang="es-ES" dirty="0"/>
+              <a:t>    .</a:t>
+            </a:r>
+            <a:r>
+              <a:rPr lang="es-ES" dirty="0" err="1"/>
+              <a:t>set_payload_claim</a:t>
+            </a:r>
+            <a:r>
+              <a:rPr lang="es-ES" dirty="0"/>
+              <a:t>("usuario", </a:t>
+            </a:r>
+            <a:r>
+              <a:rPr lang="es-ES" dirty="0" err="1"/>
+              <a:t>jwt</a:t>
+            </a:r>
+            <a:r>
+              <a:rPr lang="es-ES" dirty="0"/>
+              <a:t>::</a:t>
+            </a:r>
+            <a:r>
+              <a:rPr lang="es-ES" dirty="0" err="1"/>
+              <a:t>claim</a:t>
+            </a:r>
+            <a:r>
+              <a:rPr lang="es-ES" dirty="0"/>
+              <a:t>(usuario))</a:t>
+            </a:r>
+          </a:p>
+          <a:p>
+            <a:pPr marL="0" indent="0">
+              <a:buNone/>
+            </a:pPr>
+            <a:r>
+              <a:rPr lang="es-ES" dirty="0"/>
+              <a:t>    .</a:t>
+            </a:r>
+            <a:r>
+              <a:rPr lang="es-ES" dirty="0" err="1"/>
+              <a:t>set_expires_at</a:t>
+            </a:r>
+            <a:r>
+              <a:rPr lang="es-ES" dirty="0"/>
+              <a:t>(</a:t>
+            </a:r>
+            <a:r>
+              <a:rPr lang="es-ES" dirty="0" err="1"/>
+              <a:t>std</a:t>
+            </a:r>
+            <a:r>
+              <a:rPr lang="es-ES" dirty="0"/>
+              <a:t>::</a:t>
+            </a:r>
+            <a:r>
+              <a:rPr lang="es-ES" dirty="0" err="1"/>
+              <a:t>chrono</a:t>
+            </a:r>
+            <a:r>
+              <a:rPr lang="es-ES" dirty="0"/>
+              <a:t>::</a:t>
+            </a:r>
+            <a:r>
+              <a:rPr lang="es-ES" dirty="0" err="1"/>
+              <a:t>system_clock</a:t>
+            </a:r>
+            <a:r>
+              <a:rPr lang="es-ES" dirty="0"/>
+              <a:t>::</a:t>
+            </a:r>
+            <a:r>
+              <a:rPr lang="es-ES" dirty="0" err="1"/>
+              <a:t>now</a:t>
+            </a:r>
+            <a:r>
+              <a:rPr lang="es-ES" dirty="0"/>
+              <a:t>() + </a:t>
+            </a:r>
+            <a:r>
+              <a:rPr lang="es-ES" dirty="0" err="1"/>
+              <a:t>std</a:t>
+            </a:r>
+            <a:r>
+              <a:rPr lang="es-ES" dirty="0"/>
+              <a:t>::</a:t>
+            </a:r>
+            <a:r>
+              <a:rPr lang="es-ES" dirty="0" err="1"/>
+              <a:t>chrono</a:t>
+            </a:r>
+            <a:r>
+              <a:rPr lang="es-ES" dirty="0"/>
+              <a:t>::minutes{ 30 })</a:t>
+            </a:r>
+          </a:p>
+          <a:p>
+            <a:pPr marL="0" indent="0">
+              <a:buNone/>
+            </a:pPr>
+            <a:r>
+              <a:rPr lang="es-ES" dirty="0"/>
+              <a:t>    .</a:t>
+            </a:r>
+            <a:r>
+              <a:rPr lang="es-ES" dirty="0" err="1"/>
+              <a:t>sign</a:t>
+            </a:r>
+            <a:r>
+              <a:rPr lang="es-ES" dirty="0"/>
+              <a:t>(</a:t>
+            </a:r>
+            <a:r>
+              <a:rPr lang="es-ES" dirty="0" err="1"/>
+              <a:t>jwt</a:t>
+            </a:r>
+            <a:r>
+              <a:rPr lang="es-ES" dirty="0"/>
+              <a:t>::</a:t>
+            </a:r>
+            <a:r>
+              <a:rPr lang="es-ES" dirty="0" err="1"/>
+              <a:t>algorithm</a:t>
+            </a:r>
+            <a:r>
+              <a:rPr lang="es-ES" dirty="0"/>
+              <a:t>::hs256{ </a:t>
+            </a:r>
+            <a:r>
+              <a:rPr lang="es-ES" dirty="0" err="1"/>
+              <a:t>jwt_secret</a:t>
+            </a:r>
+            <a:r>
+              <a:rPr lang="es-ES" dirty="0"/>
+              <a:t> });</a:t>
+            </a:r>
+          </a:p>
+          <a:p>
+            <a:endParaRPr lang="es-ES" dirty="0"/>
           </a:p>
         </p:txBody>
       </p:sp>
@@ -5515,7 +5811,7 @@
           <p:cNvPr id="2" name="Título 1">
             <a:extLst>
               <a:ext uri="{FF2B5EF4-FFF2-40B4-BE49-F238E27FC236}">
-                <a16:creationId xmlns:a16="http://schemas.microsoft.com/office/drawing/2014/main" id="{54CEA8EB-BEE0-1B80-1EE0-ED990CB42B1B}"/>
+                <a16:creationId xmlns:a16="http://schemas.microsoft.com/office/drawing/2014/main" id="{5C553A81-C3AB-5DA5-AA0D-107F38BD6C65}"/>
               </a:ext>
             </a:extLst>
           </p:cNvPr>
@@ -5533,7 +5829,7 @@
           <a:p>
             <a:r>
               <a:rPr lang="es-ES" dirty="0"/>
-              <a:t>Token generado</a:t>
+              <a:t>Crear el token</a:t>
             </a:r>
           </a:p>
         </p:txBody>
@@ -5543,7 +5839,7 @@
           <p:cNvPr id="3" name="Marcador de contenido 2">
             <a:extLst>
               <a:ext uri="{FF2B5EF4-FFF2-40B4-BE49-F238E27FC236}">
-                <a16:creationId xmlns:a16="http://schemas.microsoft.com/office/drawing/2014/main" id="{F5C48D5A-BFE8-3215-0927-78D59E14A6A8}"/>
+                <a16:creationId xmlns:a16="http://schemas.microsoft.com/office/drawing/2014/main" id="{91E5E1C2-B69E-7229-22BB-6A94EE3BAD2F}"/>
               </a:ext>
             </a:extLst>
           </p:cNvPr>
@@ -5556,53 +5852,67 @@
         </p:nvSpPr>
         <p:spPr/>
         <p:txBody>
-          <a:bodyPr/>
-          <a:lstStyle/>
-          <a:p>
-            <a:pPr marL="0" indent="0">
-              <a:buNone/>
-            </a:pPr>
-            <a:r>
-              <a:rPr lang="es-ES" dirty="0"/>
-              <a:t>{</a:t>
-            </a:r>
-          </a:p>
-          <a:p>
-            <a:pPr marL="457200" lvl="1" indent="0">
-              <a:buNone/>
-            </a:pPr>
-            <a:r>
-              <a:rPr lang="es-ES" dirty="0"/>
-              <a:t>    "token": "</a:t>
-            </a:r>
-            <a:r>
-              <a:rPr lang="es-ES" b="1" dirty="0"/>
-              <a:t>eyJhbGciOiJIUzI1NiJ9</a:t>
-            </a:r>
-            <a:r>
-              <a:rPr lang="es-ES" dirty="0"/>
-              <a:t>.eyJleHAiOjE3NTc0MTg1ODIsImlzcyI6IkFudG9uaW8iLCJ1c3VhcmlvIjoiQW50b25pbyJ9.</a:t>
-            </a:r>
-            <a:r>
-              <a:rPr lang="es-ES" b="1" dirty="0"/>
-              <a:t>uBwFpR2cKO05SYIYun9UBtTH2hMnxhiTxGiNLheJrjc</a:t>
-            </a:r>
-            <a:r>
-              <a:rPr lang="es-ES" dirty="0"/>
-              <a:t>"</a:t>
-            </a:r>
-          </a:p>
-          <a:p>
-            <a:pPr marL="0" indent="0">
-              <a:buNone/>
-            </a:pPr>
-            <a:r>
-              <a:rPr lang="es-ES" dirty="0"/>
-              <a:t>}</a:t>
-            </a:r>
-          </a:p>
-          <a:p>
-            <a:endParaRPr lang="es-ES" dirty="0"/>
+          <a:bodyPr>
+            <a:normAutofit/>
+          </a:bodyPr>
+          <a:lstStyle/>
+          <a:p>
+            <a:r>
+              <a:rPr lang="es-ES" sz="3200" dirty="0"/>
+              <a:t>Token JWT:</a:t>
+            </a:r>
+          </a:p>
+          <a:p>
+            <a:pPr lvl="1"/>
+            <a:r>
+              <a:rPr lang="es-ES" sz="3200" b="1" dirty="0" err="1"/>
+              <a:t>Issuer</a:t>
+            </a:r>
+            <a:r>
+              <a:rPr lang="es-ES" sz="3200" dirty="0"/>
+              <a:t>: quién emite el token (en este caso, "Antonio").</a:t>
+            </a:r>
+          </a:p>
+          <a:p>
+            <a:pPr lvl="1"/>
+            <a:r>
+              <a:rPr lang="es-ES" sz="3200" b="1" dirty="0" err="1"/>
+              <a:t>Claim</a:t>
+            </a:r>
+            <a:r>
+              <a:rPr lang="es-ES" sz="3200" dirty="0"/>
+              <a:t> personalizado: se añade "usuario" como dato dentro del token.</a:t>
+            </a:r>
+          </a:p>
+          <a:p>
+            <a:pPr lvl="1"/>
+            <a:r>
+              <a:rPr lang="es-ES" sz="3200" b="1" dirty="0"/>
+              <a:t>Expiración</a:t>
+            </a:r>
+            <a:r>
+              <a:rPr lang="es-ES" sz="3200" dirty="0"/>
+              <a:t>: el token caduca en 30 minutos.</a:t>
+            </a:r>
+          </a:p>
+          <a:p>
+            <a:pPr lvl="1"/>
+            <a:r>
+              <a:rPr lang="es-ES" sz="3200" b="1" dirty="0"/>
+              <a:t>Firma</a:t>
+            </a:r>
+            <a:r>
+              <a:rPr lang="es-ES" sz="3200" dirty="0"/>
+              <a:t>: se firma con el algoritmo HS256 usando la clave secreta </a:t>
+            </a:r>
+            <a:r>
+              <a:rPr lang="es-ES" sz="3200" dirty="0" err="1"/>
+              <a:t>jwt_secret</a:t>
+            </a:r>
+            <a:r>
+              <a:rPr lang="es-ES" sz="3200" dirty="0"/>
+              <a:t>.</a:t>
+            </a:r>
           </a:p>
         </p:txBody>
       </p:sp>
@@ -5611,7 +5921,7 @@
           <p:cNvPr id="4" name="Marcador de número de diapositiva 3">
             <a:extLst>
               <a:ext uri="{FF2B5EF4-FFF2-40B4-BE49-F238E27FC236}">
-                <a16:creationId xmlns:a16="http://schemas.microsoft.com/office/drawing/2014/main" id="{E79E3C7D-F889-9F61-5362-6187BB0395C2}"/>
+                <a16:creationId xmlns:a16="http://schemas.microsoft.com/office/drawing/2014/main" id="{6F2B9BB0-6E96-9197-F97C-9B7B105590FF}"/>
               </a:ext>
             </a:extLst>
           </p:cNvPr>
@@ -5638,7 +5948,7 @@
     </p:spTree>
     <p:extLst>
       <p:ext uri="{BB962C8B-B14F-4D97-AF65-F5344CB8AC3E}">
-        <p14:creationId xmlns:p14="http://schemas.microsoft.com/office/powerpoint/2010/main" val="3378495150"/>
+        <p14:creationId xmlns:p14="http://schemas.microsoft.com/office/powerpoint/2010/main" val="3130592328"/>
       </p:ext>
     </p:extLst>
   </p:cSld>
@@ -5667,54 +5977,104 @@
       </p:grpSpPr>
       <p:sp>
         <p:nvSpPr>
-          <p:cNvPr id="5" name="Título 4">
-            <a:extLst>
-              <a:ext uri="{FF2B5EF4-FFF2-40B4-BE49-F238E27FC236}">
-                <a16:creationId xmlns:a16="http://schemas.microsoft.com/office/drawing/2014/main" id="{706E867F-790B-7CB2-BEAA-61296C21298C}"/>
-              </a:ext>
-            </a:extLst>
-          </p:cNvPr>
-          <p:cNvSpPr>
-            <a:spLocks noGrp="1"/>
-          </p:cNvSpPr>
-          <p:nvPr>
-            <p:ph type="ctrTitle"/>
-          </p:nvPr>
-        </p:nvSpPr>
-        <p:spPr/>
-        <p:txBody>
-          <a:bodyPr/>
-          <a:lstStyle/>
-          <a:p>
-            <a:r>
-              <a:rPr lang="es-ES" b="1" dirty="0"/>
-              <a:t>OpenSSL</a:t>
-            </a:r>
-          </a:p>
-        </p:txBody>
-      </p:sp>
-      <p:sp>
-        <p:nvSpPr>
-          <p:cNvPr id="6" name="Subtítulo 5">
-            <a:extLst>
-              <a:ext uri="{FF2B5EF4-FFF2-40B4-BE49-F238E27FC236}">
-                <a16:creationId xmlns:a16="http://schemas.microsoft.com/office/drawing/2014/main" id="{19B1467E-9CDF-5F6A-BA85-21B2755FE0C6}"/>
-              </a:ext>
-            </a:extLst>
-          </p:cNvPr>
-          <p:cNvSpPr>
-            <a:spLocks noGrp="1"/>
-          </p:cNvSpPr>
-          <p:nvPr>
-            <p:ph type="subTitle" idx="1"/>
-          </p:nvPr>
-        </p:nvSpPr>
-        <p:spPr/>
-        <p:txBody>
-          <a:bodyPr/>
-          <a:lstStyle/>
-          <a:p>
-            <a:endParaRPr lang="es-ES"/>
+          <p:cNvPr id="2" name="Título 1">
+            <a:extLst>
+              <a:ext uri="{FF2B5EF4-FFF2-40B4-BE49-F238E27FC236}">
+                <a16:creationId xmlns:a16="http://schemas.microsoft.com/office/drawing/2014/main" id="{0ED12901-ECA1-5C4B-A474-BE40A2BCFEBD}"/>
+              </a:ext>
+            </a:extLst>
+          </p:cNvPr>
+          <p:cNvSpPr>
+            <a:spLocks noGrp="1"/>
+          </p:cNvSpPr>
+          <p:nvPr>
+            <p:ph type="title"/>
+          </p:nvPr>
+        </p:nvSpPr>
+        <p:spPr/>
+        <p:txBody>
+          <a:bodyPr/>
+          <a:lstStyle/>
+          <a:p>
+            <a:r>
+              <a:rPr lang="es-ES" dirty="0"/>
+              <a:t>Respuesta al cliente</a:t>
+            </a:r>
+          </a:p>
+        </p:txBody>
+      </p:sp>
+      <p:sp>
+        <p:nvSpPr>
+          <p:cNvPr id="3" name="Marcador de contenido 2">
+            <a:extLst>
+              <a:ext uri="{FF2B5EF4-FFF2-40B4-BE49-F238E27FC236}">
+                <a16:creationId xmlns:a16="http://schemas.microsoft.com/office/drawing/2014/main" id="{E402C238-1117-DCAF-8348-C033EBA13441}"/>
+              </a:ext>
+            </a:extLst>
+          </p:cNvPr>
+          <p:cNvSpPr>
+            <a:spLocks noGrp="1"/>
+          </p:cNvSpPr>
+          <p:nvPr>
+            <p:ph idx="1"/>
+          </p:nvPr>
+        </p:nvSpPr>
+        <p:spPr/>
+        <p:txBody>
+          <a:bodyPr/>
+          <a:lstStyle/>
+          <a:p>
+            <a:r>
+              <a:rPr lang="es-ES" dirty="0" err="1"/>
+              <a:t>crow</a:t>
+            </a:r>
+            <a:r>
+              <a:rPr lang="es-ES" dirty="0"/>
+              <a:t>::</a:t>
+            </a:r>
+            <a:r>
+              <a:rPr lang="es-ES" dirty="0" err="1"/>
+              <a:t>json</a:t>
+            </a:r>
+            <a:r>
+              <a:rPr lang="es-ES" dirty="0"/>
+              <a:t>::</a:t>
+            </a:r>
+            <a:r>
+              <a:rPr lang="es-ES" dirty="0" err="1"/>
+              <a:t>wvalue</a:t>
+            </a:r>
+            <a:r>
+              <a:rPr lang="es-ES" dirty="0"/>
+              <a:t> respuesta;</a:t>
+            </a:r>
+          </a:p>
+          <a:p>
+            <a:r>
+              <a:rPr lang="es-ES" dirty="0"/>
+              <a:t>respuesta["token"] = token;</a:t>
+            </a:r>
+          </a:p>
+          <a:p>
+            <a:r>
+              <a:rPr lang="es-ES" dirty="0" err="1"/>
+              <a:t>return</a:t>
+            </a:r>
+            <a:r>
+              <a:rPr lang="es-ES" dirty="0"/>
+              <a:t> </a:t>
+            </a:r>
+            <a:r>
+              <a:rPr lang="es-ES" dirty="0" err="1"/>
+              <a:t>crow</a:t>
+            </a:r>
+            <a:r>
+              <a:rPr lang="es-ES" dirty="0"/>
+              <a:t>::response(respuesta);</a:t>
+            </a:r>
+          </a:p>
+          <a:p>
+            <a:endParaRPr lang="es-ES" dirty="0"/>
           </a:p>
         </p:txBody>
       </p:sp>
@@ -5723,7 +6083,7 @@
           <p:cNvPr id="4" name="Marcador de número de diapositiva 3">
             <a:extLst>
               <a:ext uri="{FF2B5EF4-FFF2-40B4-BE49-F238E27FC236}">
-                <a16:creationId xmlns:a16="http://schemas.microsoft.com/office/drawing/2014/main" id="{E9C14DC4-A6C5-0E03-F112-216702755363}"/>
+                <a16:creationId xmlns:a16="http://schemas.microsoft.com/office/drawing/2014/main" id="{6CFD9AAB-0D23-CCC8-D16E-F02F11B6F21D}"/>
               </a:ext>
             </a:extLst>
           </p:cNvPr>
@@ -5750,7 +6110,7 @@
     </p:spTree>
     <p:extLst>
       <p:ext uri="{BB962C8B-B14F-4D97-AF65-F5344CB8AC3E}">
-        <p14:creationId xmlns:p14="http://schemas.microsoft.com/office/powerpoint/2010/main" val="421055732"/>
+        <p14:creationId xmlns:p14="http://schemas.microsoft.com/office/powerpoint/2010/main" val="2470193475"/>
       </p:ext>
     </p:extLst>
   </p:cSld>
@@ -5782,7 +6142,7 @@
           <p:cNvPr id="2" name="Título 1">
             <a:extLst>
               <a:ext uri="{FF2B5EF4-FFF2-40B4-BE49-F238E27FC236}">
-                <a16:creationId xmlns:a16="http://schemas.microsoft.com/office/drawing/2014/main" id="{D04325FE-BE1B-D2D9-1901-C0DB9CAB50F0}"/>
+                <a16:creationId xmlns:a16="http://schemas.microsoft.com/office/drawing/2014/main" id="{54CEA8EB-BEE0-1B80-1EE0-ED990CB42B1B}"/>
               </a:ext>
             </a:extLst>
           </p:cNvPr>
@@ -5800,7 +6160,7 @@
           <a:p>
             <a:r>
               <a:rPr lang="es-ES" dirty="0"/>
-              <a:t>Bibliotecas criptográficas</a:t>
+              <a:t>Token generado</a:t>
             </a:r>
           </a:p>
         </p:txBody>
@@ -5810,7 +6170,7 @@
           <p:cNvPr id="3" name="Marcador de contenido 2">
             <a:extLst>
               <a:ext uri="{FF2B5EF4-FFF2-40B4-BE49-F238E27FC236}">
-                <a16:creationId xmlns:a16="http://schemas.microsoft.com/office/drawing/2014/main" id="{DC9F5CD9-8324-BE44-7DB8-55ECDBF85CA3}"/>
+                <a16:creationId xmlns:a16="http://schemas.microsoft.com/office/drawing/2014/main" id="{F5C48D5A-BFE8-3215-0927-78D59E14A6A8}"/>
               </a:ext>
             </a:extLst>
           </p:cNvPr>
@@ -5826,7 +6186,62 @@
           <a:bodyPr/>
           <a:lstStyle/>
           <a:p>
-            <a:endParaRPr lang="es-ES"/>
+            <a:pPr marL="0" indent="0">
+              <a:buNone/>
+            </a:pPr>
+            <a:r>
+              <a:rPr lang="es-ES" dirty="0"/>
+              <a:t>{</a:t>
+            </a:r>
+          </a:p>
+          <a:p>
+            <a:pPr marL="457200" lvl="1" indent="0">
+              <a:buNone/>
+            </a:pPr>
+            <a:r>
+              <a:rPr lang="es-ES" dirty="0"/>
+              <a:t>    "token": "</a:t>
+            </a:r>
+            <a:r>
+              <a:rPr lang="es-ES" b="1" dirty="0"/>
+              <a:t>eyJhbGciOiJIUzI1NiJ9</a:t>
+            </a:r>
+            <a:r>
+              <a:rPr lang="es-ES" dirty="0"/>
+              <a:t>.eyJleHAiOjE3NTc0MTg1ODIsImlzcyI6IkFudG9uaW8iLCJ1c3VhcmlvIjoiQW50b25pbyJ9.</a:t>
+            </a:r>
+            <a:r>
+              <a:rPr lang="es-ES" b="1" dirty="0"/>
+              <a:t>uBwFpR2cKO05SYIYun9UBtTH2hMnxhiTxGiNLheJrjc</a:t>
+            </a:r>
+            <a:r>
+              <a:rPr lang="es-ES" dirty="0"/>
+              <a:t>"</a:t>
+            </a:r>
+          </a:p>
+          <a:p>
+            <a:pPr marL="0" indent="0">
+              <a:buNone/>
+            </a:pPr>
+            <a:r>
+              <a:rPr lang="es-ES" dirty="0"/>
+              <a:t>}</a:t>
+            </a:r>
+          </a:p>
+          <a:p>
+            <a:pPr marL="0" indent="0">
+              <a:buNone/>
+            </a:pPr>
+            <a:endParaRPr lang="es-ES" dirty="0"/>
+          </a:p>
+          <a:p>
+            <a:r>
+              <a:rPr lang="es-ES" dirty="0"/>
+              <a:t>El token se almacena en un lugar seguro y luego hay que enviarlo.</a:t>
+            </a:r>
+          </a:p>
+          <a:p>
+            <a:endParaRPr lang="es-ES" dirty="0"/>
           </a:p>
         </p:txBody>
       </p:sp>
@@ -5835,7 +6250,7 @@
           <p:cNvPr id="4" name="Marcador de número de diapositiva 3">
             <a:extLst>
               <a:ext uri="{FF2B5EF4-FFF2-40B4-BE49-F238E27FC236}">
-                <a16:creationId xmlns:a16="http://schemas.microsoft.com/office/drawing/2014/main" id="{FC1A99F6-8EB4-E411-216B-BEEE1D83E9AB}"/>
+                <a16:creationId xmlns:a16="http://schemas.microsoft.com/office/drawing/2014/main" id="{E79E3C7D-F889-9F61-5362-6187BB0395C2}"/>
               </a:ext>
             </a:extLst>
           </p:cNvPr>
@@ -5862,7 +6277,7 @@
     </p:spTree>
     <p:extLst>
       <p:ext uri="{BB962C8B-B14F-4D97-AF65-F5344CB8AC3E}">
-        <p14:creationId xmlns:p14="http://schemas.microsoft.com/office/powerpoint/2010/main" val="3529758498"/>
+        <p14:creationId xmlns:p14="http://schemas.microsoft.com/office/powerpoint/2010/main" val="3378495150"/>
       </p:ext>
     </p:extLst>
   </p:cSld>
@@ -5891,41 +6306,274 @@
       </p:grpSpPr>
       <p:sp>
         <p:nvSpPr>
-          <p:cNvPr id="4" name="Título 3">
-            <a:extLst>
-              <a:ext uri="{FF2B5EF4-FFF2-40B4-BE49-F238E27FC236}">
-                <a16:creationId xmlns:a16="http://schemas.microsoft.com/office/drawing/2014/main" id="{49C47587-0444-CC44-ED0F-CA02B9506EA7}"/>
-              </a:ext>
-            </a:extLst>
-          </p:cNvPr>
-          <p:cNvSpPr>
-            <a:spLocks noGrp="1"/>
-          </p:cNvSpPr>
-          <p:nvPr>
-            <p:ph type="ctrTitle"/>
-          </p:nvPr>
-        </p:nvSpPr>
-        <p:spPr>
-          <a:xfrm>
-            <a:off x="290423" y="1773188"/>
-            <a:ext cx="11611154" cy="2387600"/>
-          </a:xfrm>
-        </p:spPr>
-        <p:txBody>
-          <a:bodyPr/>
-          <a:lstStyle/>
-          <a:p>
-            <a:r>
-              <a:rPr lang="es-ES" b="1" dirty="0"/>
-              <a:t>Protección de la comunicación entre microservicios</a:t>
-            </a:r>
+          <p:cNvPr id="2" name="Título 1">
+            <a:extLst>
+              <a:ext uri="{FF2B5EF4-FFF2-40B4-BE49-F238E27FC236}">
+                <a16:creationId xmlns:a16="http://schemas.microsoft.com/office/drawing/2014/main" id="{1DD3853C-A69C-506A-0316-08E8540C29A9}"/>
+              </a:ext>
+            </a:extLst>
+          </p:cNvPr>
+          <p:cNvSpPr>
+            <a:spLocks noGrp="1"/>
+          </p:cNvSpPr>
+          <p:nvPr>
+            <p:ph type="title"/>
+          </p:nvPr>
+        </p:nvSpPr>
+        <p:spPr/>
+        <p:txBody>
+          <a:bodyPr/>
+          <a:lstStyle/>
+          <a:p>
+            <a:r>
+              <a:rPr lang="es-ES" dirty="0"/>
+              <a:t>Enviar el token</a:t>
+            </a:r>
+          </a:p>
+        </p:txBody>
+      </p:sp>
+      <p:sp>
+        <p:nvSpPr>
+          <p:cNvPr id="3" name="Marcador de contenido 2">
+            <a:extLst>
+              <a:ext uri="{FF2B5EF4-FFF2-40B4-BE49-F238E27FC236}">
+                <a16:creationId xmlns:a16="http://schemas.microsoft.com/office/drawing/2014/main" id="{045D8212-BCBC-B088-D236-C6112BACF36C}"/>
+              </a:ext>
+            </a:extLst>
+          </p:cNvPr>
+          <p:cNvSpPr>
+            <a:spLocks noGrp="1"/>
+          </p:cNvSpPr>
+          <p:nvPr>
+            <p:ph idx="1"/>
+          </p:nvPr>
+        </p:nvSpPr>
+        <p:spPr/>
+        <p:txBody>
+          <a:bodyPr>
+            <a:normAutofit lnSpcReduction="10000"/>
+          </a:bodyPr>
+          <a:lstStyle/>
+          <a:p>
+            <a:r>
+              <a:rPr lang="es-ES" dirty="0"/>
+              <a:t>Desde </a:t>
+            </a:r>
+            <a:r>
+              <a:rPr lang="es-ES" dirty="0" err="1"/>
+              <a:t>javascript</a:t>
+            </a:r>
+            <a:r>
+              <a:rPr lang="es-ES" dirty="0"/>
+              <a:t>:</a:t>
+            </a:r>
+          </a:p>
+          <a:p>
+            <a:endParaRPr lang="es-ES" dirty="0"/>
+          </a:p>
+          <a:p>
+            <a:pPr marL="457200" lvl="1" indent="0">
+              <a:buNone/>
+            </a:pPr>
+            <a:r>
+              <a:rPr lang="es-ES" dirty="0" err="1"/>
+              <a:t>fetch</a:t>
+            </a:r>
+            <a:r>
+              <a:rPr lang="es-ES" dirty="0"/>
+              <a:t>("https://tu-api.com/protegido", {</a:t>
+            </a:r>
+          </a:p>
+          <a:p>
+            <a:pPr marL="457200" lvl="1" indent="0">
+              <a:buNone/>
+            </a:pPr>
+            <a:r>
+              <a:rPr lang="es-ES" dirty="0"/>
+              <a:t>  </a:t>
+            </a:r>
+            <a:r>
+              <a:rPr lang="es-ES" dirty="0" err="1"/>
+              <a:t>method</a:t>
+            </a:r>
+            <a:r>
+              <a:rPr lang="es-ES" dirty="0"/>
+              <a:t>: "GET",</a:t>
+            </a:r>
+          </a:p>
+          <a:p>
+            <a:pPr marL="457200" lvl="1" indent="0">
+              <a:buNone/>
+            </a:pPr>
+            <a:r>
+              <a:rPr lang="es-ES" dirty="0"/>
+              <a:t>  </a:t>
+            </a:r>
+            <a:r>
+              <a:rPr lang="es-ES" dirty="0" err="1"/>
+              <a:t>headers</a:t>
+            </a:r>
+            <a:r>
+              <a:rPr lang="es-ES" dirty="0"/>
+              <a:t>: {</a:t>
+            </a:r>
+          </a:p>
+          <a:p>
+            <a:pPr marL="457200" lvl="1" indent="0">
+              <a:buNone/>
+            </a:pPr>
+            <a:r>
+              <a:rPr lang="es-ES" dirty="0"/>
+              <a:t>    "</a:t>
+            </a:r>
+            <a:r>
+              <a:rPr lang="es-ES" dirty="0" err="1"/>
+              <a:t>Authorization</a:t>
+            </a:r>
+            <a:r>
+              <a:rPr lang="es-ES" dirty="0"/>
+              <a:t>": "</a:t>
+            </a:r>
+            <a:r>
+              <a:rPr lang="es-ES" dirty="0" err="1"/>
+              <a:t>Bearer</a:t>
+            </a:r>
+            <a:r>
+              <a:rPr lang="es-ES" dirty="0"/>
+              <a:t> TU_TOKEN_AQUI",</a:t>
+            </a:r>
+          </a:p>
+          <a:p>
+            <a:pPr marL="457200" lvl="1" indent="0">
+              <a:buNone/>
+            </a:pPr>
+            <a:r>
+              <a:rPr lang="es-ES" dirty="0"/>
+              <a:t>    "Content-</a:t>
+            </a:r>
+            <a:r>
+              <a:rPr lang="es-ES" dirty="0" err="1"/>
+              <a:t>Type</a:t>
+            </a:r>
+            <a:r>
+              <a:rPr lang="es-ES" dirty="0"/>
+              <a:t>": "</a:t>
+            </a:r>
+            <a:r>
+              <a:rPr lang="es-ES" dirty="0" err="1"/>
+              <a:t>application</a:t>
+            </a:r>
+            <a:r>
+              <a:rPr lang="es-ES" dirty="0"/>
+              <a:t>/</a:t>
+            </a:r>
+            <a:r>
+              <a:rPr lang="es-ES" dirty="0" err="1"/>
+              <a:t>json</a:t>
+            </a:r>
+            <a:r>
+              <a:rPr lang="es-ES" dirty="0"/>
+              <a:t>"</a:t>
+            </a:r>
+          </a:p>
+          <a:p>
+            <a:pPr marL="457200" lvl="1" indent="0">
+              <a:buNone/>
+            </a:pPr>
+            <a:r>
+              <a:rPr lang="es-ES" dirty="0"/>
+              <a:t>  }</a:t>
+            </a:r>
+          </a:p>
+          <a:p>
+            <a:pPr marL="457200" lvl="1" indent="0">
+              <a:buNone/>
+            </a:pPr>
+            <a:r>
+              <a:rPr lang="es-ES" dirty="0"/>
+              <a:t>})</a:t>
+            </a:r>
+          </a:p>
+          <a:p>
+            <a:pPr marL="457200" lvl="1" indent="0">
+              <a:buNone/>
+            </a:pPr>
+            <a:r>
+              <a:rPr lang="es-ES" dirty="0"/>
+              <a:t>.</a:t>
+            </a:r>
+            <a:r>
+              <a:rPr lang="es-ES" dirty="0" err="1"/>
+              <a:t>then</a:t>
+            </a:r>
+            <a:r>
+              <a:rPr lang="es-ES" dirty="0"/>
+              <a:t>(res =&gt; </a:t>
+            </a:r>
+            <a:r>
+              <a:rPr lang="es-ES" dirty="0" err="1"/>
+              <a:t>res.json</a:t>
+            </a:r>
+            <a:r>
+              <a:rPr lang="es-ES" dirty="0"/>
+              <a:t>())</a:t>
+            </a:r>
+          </a:p>
+          <a:p>
+            <a:pPr marL="457200" lvl="1" indent="0">
+              <a:buNone/>
+            </a:pPr>
+            <a:r>
+              <a:rPr lang="es-ES" dirty="0"/>
+              <a:t>.</a:t>
+            </a:r>
+            <a:r>
+              <a:rPr lang="es-ES" dirty="0" err="1"/>
+              <a:t>then</a:t>
+            </a:r>
+            <a:r>
+              <a:rPr lang="es-ES" dirty="0"/>
+              <a:t>(data =&gt; console.log(data));</a:t>
+            </a:r>
+          </a:p>
+          <a:p>
+            <a:endParaRPr lang="es-ES" dirty="0"/>
+          </a:p>
+        </p:txBody>
+      </p:sp>
+      <p:sp>
+        <p:nvSpPr>
+          <p:cNvPr id="4" name="Marcador de número de diapositiva 3">
+            <a:extLst>
+              <a:ext uri="{FF2B5EF4-FFF2-40B4-BE49-F238E27FC236}">
+                <a16:creationId xmlns:a16="http://schemas.microsoft.com/office/drawing/2014/main" id="{9AD4D26A-0530-545D-DD93-4DA92111CA58}"/>
+              </a:ext>
+            </a:extLst>
+          </p:cNvPr>
+          <p:cNvSpPr>
+            <a:spLocks noGrp="1"/>
+          </p:cNvSpPr>
+          <p:nvPr>
+            <p:ph type="sldNum" sz="quarter" idx="12"/>
+          </p:nvPr>
+        </p:nvSpPr>
+        <p:spPr/>
+        <p:txBody>
+          <a:bodyPr/>
+          <a:lstStyle/>
+          <a:p>
+            <a:fld id="{DBA0B7A9-3FAC-4523-93F5-549EB9982FEE}" type="slidenum">
+              <a:rPr lang="es-ES" smtClean="0"/>
+              <a:t>23</a:t>
+            </a:fld>
+            <a:endParaRPr lang="es-ES"/>
           </a:p>
         </p:txBody>
       </p:sp>
     </p:spTree>
     <p:extLst>
       <p:ext uri="{BB962C8B-B14F-4D97-AF65-F5344CB8AC3E}">
-        <p14:creationId xmlns:p14="http://schemas.microsoft.com/office/powerpoint/2010/main" val="364160951"/>
+        <p14:creationId xmlns:p14="http://schemas.microsoft.com/office/powerpoint/2010/main" val="584895372"/>
       </p:ext>
     </p:extLst>
   </p:cSld>
@@ -5957,6 +6605,1350 @@
           <p:cNvPr id="2" name="Título 1">
             <a:extLst>
               <a:ext uri="{FF2B5EF4-FFF2-40B4-BE49-F238E27FC236}">
+                <a16:creationId xmlns:a16="http://schemas.microsoft.com/office/drawing/2014/main" id="{B266C065-4046-BD3D-21E0-19915DF41282}"/>
+              </a:ext>
+            </a:extLst>
+          </p:cNvPr>
+          <p:cNvSpPr>
+            <a:spLocks noGrp="1"/>
+          </p:cNvSpPr>
+          <p:nvPr>
+            <p:ph type="title"/>
+          </p:nvPr>
+        </p:nvSpPr>
+        <p:spPr>
+          <a:xfrm>
+            <a:off x="914400" y="83636"/>
+            <a:ext cx="10515600" cy="597401"/>
+          </a:xfrm>
+        </p:spPr>
+        <p:txBody>
+          <a:bodyPr>
+            <a:normAutofit fontScale="90000"/>
+          </a:bodyPr>
+          <a:lstStyle/>
+          <a:p>
+            <a:r>
+              <a:rPr lang="es-ES" dirty="0"/>
+              <a:t>Validar el token</a:t>
+            </a:r>
+          </a:p>
+        </p:txBody>
+      </p:sp>
+      <p:sp>
+        <p:nvSpPr>
+          <p:cNvPr id="3" name="Marcador de contenido 2">
+            <a:extLst>
+              <a:ext uri="{FF2B5EF4-FFF2-40B4-BE49-F238E27FC236}">
+                <a16:creationId xmlns:a16="http://schemas.microsoft.com/office/drawing/2014/main" id="{B4F5B070-BF42-B46B-BE58-09AA7E58101D}"/>
+              </a:ext>
+            </a:extLst>
+          </p:cNvPr>
+          <p:cNvSpPr>
+            <a:spLocks noGrp="1"/>
+          </p:cNvSpPr>
+          <p:nvPr>
+            <p:ph sz="half" idx="1"/>
+          </p:nvPr>
+        </p:nvSpPr>
+        <p:spPr>
+          <a:xfrm>
+            <a:off x="202131" y="866274"/>
+            <a:ext cx="5817669" cy="5310689"/>
+          </a:xfrm>
+        </p:spPr>
+        <p:txBody>
+          <a:bodyPr>
+            <a:normAutofit fontScale="47500" lnSpcReduction="20000"/>
+          </a:bodyPr>
+          <a:lstStyle/>
+          <a:p>
+            <a:pPr marL="0" indent="0">
+              <a:buNone/>
+            </a:pPr>
+            <a:r>
+              <a:rPr lang="es-ES" sz="3400" dirty="0"/>
+              <a:t>CROW_ROUTE(app, "/protegido")</a:t>
+            </a:r>
+          </a:p>
+          <a:p>
+            <a:pPr marL="0" indent="0">
+              <a:buNone/>
+            </a:pPr>
+            <a:r>
+              <a:rPr lang="es-ES" sz="3400" dirty="0"/>
+              <a:t>    .</a:t>
+            </a:r>
+            <a:r>
+              <a:rPr lang="es-ES" sz="3400" dirty="0" err="1"/>
+              <a:t>methods</a:t>
+            </a:r>
+            <a:r>
+              <a:rPr lang="es-ES" sz="3400" dirty="0"/>
+              <a:t>("GET"_</a:t>
+            </a:r>
+            <a:r>
+              <a:rPr lang="es-ES" sz="3400" dirty="0" err="1"/>
+              <a:t>method</a:t>
+            </a:r>
+            <a:r>
+              <a:rPr lang="es-ES" sz="3400" dirty="0"/>
+              <a:t>)</a:t>
+            </a:r>
+          </a:p>
+          <a:p>
+            <a:pPr marL="0" indent="0">
+              <a:buNone/>
+            </a:pPr>
+            <a:r>
+              <a:rPr lang="es-ES" sz="3400" dirty="0"/>
+              <a:t>    ([</a:t>
+            </a:r>
+            <a:r>
+              <a:rPr lang="es-ES" sz="3400" dirty="0" err="1"/>
+              <a:t>jwt_secret</a:t>
+            </a:r>
+            <a:r>
+              <a:rPr lang="es-ES" sz="3400" dirty="0"/>
+              <a:t>](</a:t>
+            </a:r>
+            <a:r>
+              <a:rPr lang="es-ES" sz="3400" dirty="0" err="1"/>
+              <a:t>const</a:t>
+            </a:r>
+            <a:r>
+              <a:rPr lang="es-ES" sz="3400" dirty="0"/>
+              <a:t> </a:t>
+            </a:r>
+            <a:r>
+              <a:rPr lang="es-ES" sz="3400" dirty="0" err="1"/>
+              <a:t>crow</a:t>
+            </a:r>
+            <a:r>
+              <a:rPr lang="es-ES" sz="3400" dirty="0"/>
+              <a:t>::</a:t>
+            </a:r>
+            <a:r>
+              <a:rPr lang="es-ES" sz="3400" dirty="0" err="1"/>
+              <a:t>request</a:t>
+            </a:r>
+            <a:r>
+              <a:rPr lang="es-ES" sz="3400" dirty="0"/>
+              <a:t>&amp; </a:t>
+            </a:r>
+            <a:r>
+              <a:rPr lang="es-ES" sz="3400" dirty="0" err="1"/>
+              <a:t>req</a:t>
+            </a:r>
+            <a:r>
+              <a:rPr lang="es-ES" sz="3400" dirty="0"/>
+              <a:t>) {</a:t>
+            </a:r>
+          </a:p>
+          <a:p>
+            <a:pPr marL="0" indent="0">
+              <a:buNone/>
+            </a:pPr>
+            <a:r>
+              <a:rPr lang="es-ES" sz="3400" dirty="0"/>
+              <a:t>        // Extraer el encabezado </a:t>
+            </a:r>
+            <a:r>
+              <a:rPr lang="es-ES" sz="3400" dirty="0" err="1"/>
+              <a:t>Authorization</a:t>
+            </a:r>
+            <a:endParaRPr lang="es-ES" sz="3400" dirty="0"/>
+          </a:p>
+          <a:p>
+            <a:pPr marL="0" indent="0">
+              <a:buNone/>
+            </a:pPr>
+            <a:r>
+              <a:rPr lang="es-ES" sz="3400" dirty="0"/>
+              <a:t>        auto </a:t>
+            </a:r>
+            <a:r>
+              <a:rPr lang="es-ES" sz="3400" dirty="0" err="1"/>
+              <a:t>auth_header</a:t>
+            </a:r>
+            <a:r>
+              <a:rPr lang="es-ES" sz="3400" dirty="0"/>
+              <a:t> = </a:t>
+            </a:r>
+            <a:r>
+              <a:rPr lang="es-ES" sz="3400" dirty="0" err="1"/>
+              <a:t>req.get_header_value</a:t>
+            </a:r>
+            <a:r>
+              <a:rPr lang="es-ES" sz="3400" dirty="0"/>
+              <a:t>("</a:t>
+            </a:r>
+            <a:r>
+              <a:rPr lang="es-ES" sz="3400" dirty="0" err="1"/>
+              <a:t>Authorization</a:t>
+            </a:r>
+            <a:r>
+              <a:rPr lang="es-ES" sz="3400" dirty="0"/>
+              <a:t>");</a:t>
+            </a:r>
+          </a:p>
+          <a:p>
+            <a:pPr marL="0" indent="0">
+              <a:buNone/>
+            </a:pPr>
+            <a:endParaRPr lang="es-ES" sz="3400" dirty="0"/>
+          </a:p>
+          <a:p>
+            <a:pPr marL="0" indent="0">
+              <a:buNone/>
+            </a:pPr>
+            <a:r>
+              <a:rPr lang="es-ES" sz="3400" dirty="0"/>
+              <a:t>        // Verificar que el encabezado exista y comience con "</a:t>
+            </a:r>
+            <a:r>
+              <a:rPr lang="es-ES" sz="3400" dirty="0" err="1"/>
+              <a:t>Bearer</a:t>
+            </a:r>
+            <a:r>
+              <a:rPr lang="es-ES" sz="3400" dirty="0"/>
+              <a:t> "</a:t>
+            </a:r>
+          </a:p>
+          <a:p>
+            <a:pPr marL="0" indent="0">
+              <a:buNone/>
+            </a:pPr>
+            <a:r>
+              <a:rPr lang="es-ES" sz="3400" dirty="0"/>
+              <a:t>        </a:t>
+            </a:r>
+            <a:r>
+              <a:rPr lang="es-ES" sz="3400" dirty="0" err="1"/>
+              <a:t>if</a:t>
+            </a:r>
+            <a:r>
+              <a:rPr lang="es-ES" sz="3400" dirty="0"/>
+              <a:t> (</a:t>
+            </a:r>
+            <a:r>
+              <a:rPr lang="es-ES" sz="3400" dirty="0" err="1"/>
+              <a:t>auth_header.substr</a:t>
+            </a:r>
+            <a:r>
+              <a:rPr lang="es-ES" sz="3400" dirty="0"/>
+              <a:t>(0, 7) != "</a:t>
+            </a:r>
+            <a:r>
+              <a:rPr lang="es-ES" sz="3400" dirty="0" err="1"/>
+              <a:t>Bearer</a:t>
+            </a:r>
+            <a:r>
+              <a:rPr lang="es-ES" sz="3400" dirty="0"/>
+              <a:t> ")</a:t>
+            </a:r>
+          </a:p>
+          <a:p>
+            <a:pPr marL="0" indent="0">
+              <a:buNone/>
+            </a:pPr>
+            <a:r>
+              <a:rPr lang="es-ES" sz="3400" dirty="0"/>
+              <a:t>            </a:t>
+            </a:r>
+            <a:r>
+              <a:rPr lang="es-ES" sz="3400" dirty="0" err="1"/>
+              <a:t>return</a:t>
+            </a:r>
+            <a:r>
+              <a:rPr lang="es-ES" sz="3400" dirty="0"/>
+              <a:t> </a:t>
+            </a:r>
+            <a:r>
+              <a:rPr lang="es-ES" sz="3400" dirty="0" err="1"/>
+              <a:t>crow</a:t>
+            </a:r>
+            <a:r>
+              <a:rPr lang="es-ES" sz="3400" dirty="0"/>
+              <a:t>::response(401, "Token no proporcionado o mal formado");</a:t>
+            </a:r>
+          </a:p>
+          <a:p>
+            <a:pPr marL="0" indent="0">
+              <a:buNone/>
+            </a:pPr>
+            <a:endParaRPr lang="es-ES" sz="3400" dirty="0"/>
+          </a:p>
+          <a:p>
+            <a:pPr marL="0" indent="0">
+              <a:buNone/>
+            </a:pPr>
+            <a:r>
+              <a:rPr lang="es-ES" sz="3400" dirty="0"/>
+              <a:t>        // Extraer el token</a:t>
+            </a:r>
+          </a:p>
+          <a:p>
+            <a:pPr marL="0" indent="0">
+              <a:buNone/>
+            </a:pPr>
+            <a:r>
+              <a:rPr lang="es-ES" sz="3400" dirty="0"/>
+              <a:t>        </a:t>
+            </a:r>
+            <a:r>
+              <a:rPr lang="es-ES" sz="3400" dirty="0" err="1"/>
+              <a:t>std</a:t>
+            </a:r>
+            <a:r>
+              <a:rPr lang="es-ES" sz="3400" dirty="0"/>
+              <a:t>::</a:t>
+            </a:r>
+            <a:r>
+              <a:rPr lang="es-ES" sz="3400" dirty="0" err="1"/>
+              <a:t>string</a:t>
+            </a:r>
+            <a:r>
+              <a:rPr lang="es-ES" sz="3400" dirty="0"/>
+              <a:t> token = </a:t>
+            </a:r>
+            <a:r>
+              <a:rPr lang="es-ES" sz="3400" dirty="0" err="1"/>
+              <a:t>auth_header.substr</a:t>
+            </a:r>
+            <a:r>
+              <a:rPr lang="es-ES" sz="3400" dirty="0"/>
+              <a:t>(7);</a:t>
+            </a:r>
+          </a:p>
+          <a:p>
+            <a:pPr marL="0" indent="0">
+              <a:buNone/>
+            </a:pPr>
+            <a:endParaRPr lang="es-ES" sz="3400" dirty="0"/>
+          </a:p>
+          <a:p>
+            <a:pPr marL="0" indent="0">
+              <a:buNone/>
+            </a:pPr>
+            <a:r>
+              <a:rPr lang="es-ES" sz="3400" dirty="0"/>
+              <a:t>        try {</a:t>
+            </a:r>
+          </a:p>
+          <a:p>
+            <a:pPr marL="0" indent="0">
+              <a:buNone/>
+            </a:pPr>
+            <a:r>
+              <a:rPr lang="es-ES" sz="3400" dirty="0"/>
+              <a:t>            // Verificar y decodificar el token</a:t>
+            </a:r>
+          </a:p>
+          <a:p>
+            <a:pPr marL="0" indent="0">
+              <a:buNone/>
+            </a:pPr>
+            <a:r>
+              <a:rPr lang="es-ES" sz="3400" dirty="0"/>
+              <a:t>            auto </a:t>
+            </a:r>
+            <a:r>
+              <a:rPr lang="es-ES" sz="3400" dirty="0" err="1"/>
+              <a:t>decoded</a:t>
+            </a:r>
+            <a:r>
+              <a:rPr lang="es-ES" sz="3400" dirty="0"/>
+              <a:t> = </a:t>
+            </a:r>
+            <a:r>
+              <a:rPr lang="es-ES" sz="3400" dirty="0" err="1"/>
+              <a:t>jwt</a:t>
+            </a:r>
+            <a:r>
+              <a:rPr lang="es-ES" sz="3400" dirty="0"/>
+              <a:t>::</a:t>
+            </a:r>
+            <a:r>
+              <a:rPr lang="es-ES" sz="3400" dirty="0" err="1"/>
+              <a:t>decode</a:t>
+            </a:r>
+            <a:r>
+              <a:rPr lang="es-ES" sz="3400" dirty="0"/>
+              <a:t>(token);</a:t>
+            </a:r>
+          </a:p>
+          <a:p>
+            <a:pPr marL="0" indent="0">
+              <a:buNone/>
+            </a:pPr>
+            <a:endParaRPr lang="es-ES" dirty="0"/>
+          </a:p>
+          <a:p>
+            <a:endParaRPr lang="es-ES" dirty="0"/>
+          </a:p>
+        </p:txBody>
+      </p:sp>
+      <p:sp>
+        <p:nvSpPr>
+          <p:cNvPr id="5" name="Marcador de contenido 4">
+            <a:extLst>
+              <a:ext uri="{FF2B5EF4-FFF2-40B4-BE49-F238E27FC236}">
+                <a16:creationId xmlns:a16="http://schemas.microsoft.com/office/drawing/2014/main" id="{6946418C-055C-5AAF-A0F0-63F3F71363D8}"/>
+              </a:ext>
+            </a:extLst>
+          </p:cNvPr>
+          <p:cNvSpPr>
+            <a:spLocks noGrp="1"/>
+          </p:cNvSpPr>
+          <p:nvPr>
+            <p:ph sz="half" idx="2"/>
+          </p:nvPr>
+        </p:nvSpPr>
+        <p:spPr>
+          <a:xfrm>
+            <a:off x="6172202" y="32518"/>
+            <a:ext cx="6019798" cy="6040438"/>
+          </a:xfrm>
+        </p:spPr>
+        <p:txBody>
+          <a:bodyPr>
+            <a:noAutofit/>
+          </a:bodyPr>
+          <a:lstStyle/>
+          <a:p>
+            <a:pPr marL="0" indent="0">
+              <a:buNone/>
+            </a:pPr>
+            <a:r>
+              <a:rPr lang="es-ES" sz="1400" dirty="0"/>
+              <a:t> // Verificar la firma y la validez</a:t>
+            </a:r>
+          </a:p>
+          <a:p>
+            <a:pPr marL="0" indent="0">
+              <a:buNone/>
+            </a:pPr>
+            <a:r>
+              <a:rPr lang="es-ES" sz="1400" dirty="0"/>
+              <a:t>            auto </a:t>
+            </a:r>
+            <a:r>
+              <a:rPr lang="es-ES" sz="1400" dirty="0" err="1"/>
+              <a:t>verifier</a:t>
+            </a:r>
+            <a:r>
+              <a:rPr lang="es-ES" sz="1400" dirty="0"/>
+              <a:t> = </a:t>
+            </a:r>
+            <a:r>
+              <a:rPr lang="es-ES" sz="1400" dirty="0" err="1"/>
+              <a:t>jwt</a:t>
+            </a:r>
+            <a:r>
+              <a:rPr lang="es-ES" sz="1400" dirty="0"/>
+              <a:t>::</a:t>
+            </a:r>
+            <a:r>
+              <a:rPr lang="es-ES" sz="1400" dirty="0" err="1"/>
+              <a:t>verify</a:t>
+            </a:r>
+            <a:r>
+              <a:rPr lang="es-ES" sz="1400" dirty="0"/>
+              <a:t>()</a:t>
+            </a:r>
+          </a:p>
+          <a:p>
+            <a:pPr marL="0" indent="0">
+              <a:buNone/>
+            </a:pPr>
+            <a:r>
+              <a:rPr lang="es-ES" sz="1400" dirty="0"/>
+              <a:t>                .</a:t>
+            </a:r>
+            <a:r>
+              <a:rPr lang="es-ES" sz="1400" dirty="0" err="1"/>
+              <a:t>allow_algorithm</a:t>
+            </a:r>
+            <a:r>
+              <a:rPr lang="es-ES" sz="1400" dirty="0"/>
+              <a:t>(</a:t>
+            </a:r>
+            <a:r>
+              <a:rPr lang="es-ES" sz="1400" dirty="0" err="1"/>
+              <a:t>jwt</a:t>
+            </a:r>
+            <a:r>
+              <a:rPr lang="es-ES" sz="1400" dirty="0"/>
+              <a:t>::</a:t>
+            </a:r>
+            <a:r>
+              <a:rPr lang="es-ES" sz="1400" dirty="0" err="1"/>
+              <a:t>algorithm</a:t>
+            </a:r>
+            <a:r>
+              <a:rPr lang="es-ES" sz="1400" dirty="0"/>
+              <a:t>::hs256{ </a:t>
+            </a:r>
+            <a:r>
+              <a:rPr lang="es-ES" sz="1400" dirty="0" err="1"/>
+              <a:t>jwt_secret</a:t>
+            </a:r>
+            <a:r>
+              <a:rPr lang="es-ES" sz="1400" dirty="0"/>
+              <a:t> })</a:t>
+            </a:r>
+          </a:p>
+          <a:p>
+            <a:pPr marL="0" indent="0">
+              <a:buNone/>
+            </a:pPr>
+            <a:r>
+              <a:rPr lang="es-ES" sz="1400" dirty="0"/>
+              <a:t>                .</a:t>
+            </a:r>
+            <a:r>
+              <a:rPr lang="es-ES" sz="1400" dirty="0" err="1"/>
+              <a:t>with_issuer</a:t>
+            </a:r>
+            <a:r>
+              <a:rPr lang="es-ES" sz="1400" dirty="0"/>
+              <a:t>("Antonio");</a:t>
+            </a:r>
+          </a:p>
+          <a:p>
+            <a:pPr marL="0" indent="0">
+              <a:buNone/>
+            </a:pPr>
+            <a:r>
+              <a:rPr lang="es-ES" sz="1400" dirty="0"/>
+              <a:t>            </a:t>
+            </a:r>
+            <a:r>
+              <a:rPr lang="es-ES" sz="1400" dirty="0" err="1"/>
+              <a:t>verifier.verify</a:t>
+            </a:r>
+            <a:r>
+              <a:rPr lang="es-ES" sz="1400" dirty="0"/>
+              <a:t>(</a:t>
+            </a:r>
+            <a:r>
+              <a:rPr lang="es-ES" sz="1400" dirty="0" err="1"/>
+              <a:t>decoded</a:t>
+            </a:r>
+            <a:r>
+              <a:rPr lang="es-ES" sz="1400" dirty="0"/>
+              <a:t>);</a:t>
+            </a:r>
+          </a:p>
+          <a:p>
+            <a:pPr marL="0" indent="0">
+              <a:buNone/>
+            </a:pPr>
+            <a:r>
+              <a:rPr lang="es-ES" sz="1400" dirty="0"/>
+              <a:t>            // Extraer el </a:t>
+            </a:r>
+            <a:r>
+              <a:rPr lang="es-ES" sz="1400" dirty="0" err="1"/>
+              <a:t>claim</a:t>
+            </a:r>
+            <a:r>
+              <a:rPr lang="es-ES" sz="1400" dirty="0"/>
+              <a:t> "usuario"</a:t>
+            </a:r>
+          </a:p>
+          <a:p>
+            <a:pPr marL="0" indent="0">
+              <a:buNone/>
+            </a:pPr>
+            <a:r>
+              <a:rPr lang="es-ES" sz="1400" dirty="0"/>
+              <a:t>            </a:t>
+            </a:r>
+            <a:r>
+              <a:rPr lang="es-ES" sz="1400" dirty="0" err="1"/>
+              <a:t>std</a:t>
+            </a:r>
+            <a:r>
+              <a:rPr lang="es-ES" sz="1400" dirty="0"/>
+              <a:t>::</a:t>
+            </a:r>
+            <a:r>
+              <a:rPr lang="es-ES" sz="1400" dirty="0" err="1"/>
+              <a:t>string</a:t>
+            </a:r>
+            <a:r>
+              <a:rPr lang="es-ES" sz="1400" dirty="0"/>
+              <a:t> usuario = </a:t>
+            </a:r>
+            <a:r>
+              <a:rPr lang="es-ES" sz="1400" dirty="0" err="1"/>
+              <a:t>decoded.get_payload_claim</a:t>
+            </a:r>
+            <a:r>
+              <a:rPr lang="es-ES" sz="1400" dirty="0"/>
+              <a:t>("usuario").</a:t>
+            </a:r>
+            <a:r>
+              <a:rPr lang="es-ES" sz="1400" dirty="0" err="1"/>
+              <a:t>as_string</a:t>
+            </a:r>
+            <a:r>
+              <a:rPr lang="es-ES" sz="1400" dirty="0"/>
+              <a:t>();</a:t>
+            </a:r>
+          </a:p>
+          <a:p>
+            <a:pPr marL="0" indent="0">
+              <a:buNone/>
+            </a:pPr>
+            <a:r>
+              <a:rPr lang="es-ES" sz="1400" dirty="0"/>
+              <a:t>            // Respuesta exitosa</a:t>
+            </a:r>
+          </a:p>
+          <a:p>
+            <a:pPr marL="0" indent="0">
+              <a:buNone/>
+            </a:pPr>
+            <a:r>
+              <a:rPr lang="es-ES" sz="1400" dirty="0"/>
+              <a:t>            </a:t>
+            </a:r>
+            <a:r>
+              <a:rPr lang="es-ES" sz="1400" dirty="0" err="1"/>
+              <a:t>crow</a:t>
+            </a:r>
+            <a:r>
+              <a:rPr lang="es-ES" sz="1400" dirty="0"/>
+              <a:t>::</a:t>
+            </a:r>
+            <a:r>
+              <a:rPr lang="es-ES" sz="1400" dirty="0" err="1"/>
+              <a:t>json</a:t>
+            </a:r>
+            <a:r>
+              <a:rPr lang="es-ES" sz="1400" dirty="0"/>
+              <a:t>::</a:t>
+            </a:r>
+            <a:r>
+              <a:rPr lang="es-ES" sz="1400" dirty="0" err="1"/>
+              <a:t>wvalue</a:t>
+            </a:r>
+            <a:r>
+              <a:rPr lang="es-ES" sz="1400" dirty="0"/>
+              <a:t> respuesta;</a:t>
+            </a:r>
+          </a:p>
+          <a:p>
+            <a:pPr marL="0" indent="0">
+              <a:buNone/>
+            </a:pPr>
+            <a:r>
+              <a:rPr lang="es-ES" sz="1400" dirty="0"/>
+              <a:t>            respuesta["mensaje"] = "Acceso concedido";</a:t>
+            </a:r>
+          </a:p>
+          <a:p>
+            <a:pPr marL="0" indent="0">
+              <a:buNone/>
+            </a:pPr>
+            <a:r>
+              <a:rPr lang="es-ES" sz="1400" dirty="0"/>
+              <a:t>            respuesta["usuario"] = usuario;</a:t>
+            </a:r>
+          </a:p>
+          <a:p>
+            <a:pPr marL="0" indent="0">
+              <a:buNone/>
+            </a:pPr>
+            <a:r>
+              <a:rPr lang="es-ES" sz="1400" dirty="0"/>
+              <a:t>            </a:t>
+            </a:r>
+            <a:r>
+              <a:rPr lang="es-ES" sz="1400" dirty="0" err="1"/>
+              <a:t>return</a:t>
+            </a:r>
+            <a:r>
+              <a:rPr lang="es-ES" sz="1400" dirty="0"/>
+              <a:t> </a:t>
+            </a:r>
+            <a:r>
+              <a:rPr lang="es-ES" sz="1400" dirty="0" err="1"/>
+              <a:t>crow</a:t>
+            </a:r>
+            <a:r>
+              <a:rPr lang="es-ES" sz="1400" dirty="0"/>
+              <a:t>::response(respuesta);</a:t>
+            </a:r>
+          </a:p>
+          <a:p>
+            <a:pPr marL="0" indent="0">
+              <a:buNone/>
+            </a:pPr>
+            <a:r>
+              <a:rPr lang="es-ES" sz="1400" dirty="0"/>
+              <a:t>        }</a:t>
+            </a:r>
+          </a:p>
+          <a:p>
+            <a:pPr marL="0" indent="0">
+              <a:buNone/>
+            </a:pPr>
+            <a:r>
+              <a:rPr lang="es-ES" sz="1400" dirty="0"/>
+              <a:t>        catch (</a:t>
+            </a:r>
+            <a:r>
+              <a:rPr lang="es-ES" sz="1400" dirty="0" err="1"/>
+              <a:t>const</a:t>
+            </a:r>
+            <a:r>
+              <a:rPr lang="es-ES" sz="1400" dirty="0"/>
+              <a:t> </a:t>
+            </a:r>
+            <a:r>
+              <a:rPr lang="es-ES" sz="1400" dirty="0" err="1"/>
+              <a:t>std</a:t>
+            </a:r>
+            <a:r>
+              <a:rPr lang="es-ES" sz="1400" dirty="0"/>
+              <a:t>::</a:t>
+            </a:r>
+            <a:r>
+              <a:rPr lang="es-ES" sz="1400" dirty="0" err="1"/>
+              <a:t>exception</a:t>
+            </a:r>
+            <a:r>
+              <a:rPr lang="es-ES" sz="1400" dirty="0"/>
+              <a:t>&amp; e) {</a:t>
+            </a:r>
+          </a:p>
+          <a:p>
+            <a:pPr marL="0" indent="0">
+              <a:buNone/>
+            </a:pPr>
+            <a:r>
+              <a:rPr lang="es-ES" sz="1400" dirty="0"/>
+              <a:t>            // Token inválido o expirado</a:t>
+            </a:r>
+          </a:p>
+          <a:p>
+            <a:pPr marL="0" indent="0">
+              <a:buNone/>
+            </a:pPr>
+            <a:r>
+              <a:rPr lang="es-ES" sz="1400" dirty="0"/>
+              <a:t>            </a:t>
+            </a:r>
+            <a:r>
+              <a:rPr lang="es-ES" sz="1400" dirty="0" err="1"/>
+              <a:t>return</a:t>
+            </a:r>
+            <a:r>
+              <a:rPr lang="es-ES" sz="1400" dirty="0"/>
+              <a:t> </a:t>
+            </a:r>
+            <a:r>
+              <a:rPr lang="es-ES" sz="1400" dirty="0" err="1"/>
+              <a:t>crow</a:t>
+            </a:r>
+            <a:r>
+              <a:rPr lang="es-ES" sz="1400" dirty="0"/>
+              <a:t>::response(401, "Token inválido: " + </a:t>
+            </a:r>
+            <a:r>
+              <a:rPr lang="es-ES" sz="1400" dirty="0" err="1"/>
+              <a:t>std</a:t>
+            </a:r>
+            <a:r>
+              <a:rPr lang="es-ES" sz="1400" dirty="0"/>
+              <a:t>::</a:t>
+            </a:r>
+            <a:r>
+              <a:rPr lang="es-ES" sz="1400" dirty="0" err="1"/>
+              <a:t>string</a:t>
+            </a:r>
+            <a:r>
+              <a:rPr lang="es-ES" sz="1400" dirty="0"/>
+              <a:t>(</a:t>
+            </a:r>
+            <a:r>
+              <a:rPr lang="es-ES" sz="1400" dirty="0" err="1"/>
+              <a:t>e.what</a:t>
+            </a:r>
+            <a:r>
+              <a:rPr lang="es-ES" sz="1400" dirty="0"/>
+              <a:t>()));</a:t>
+            </a:r>
+          </a:p>
+          <a:p>
+            <a:pPr marL="0" indent="0">
+              <a:buNone/>
+            </a:pPr>
+            <a:r>
+              <a:rPr lang="es-ES" sz="1400" dirty="0"/>
+              <a:t>        }</a:t>
+            </a:r>
+          </a:p>
+          <a:p>
+            <a:pPr marL="0" indent="0">
+              <a:buNone/>
+            </a:pPr>
+            <a:r>
+              <a:rPr lang="es-ES" sz="1400" dirty="0"/>
+              <a:t>    });</a:t>
+            </a:r>
+          </a:p>
+        </p:txBody>
+      </p:sp>
+      <p:sp>
+        <p:nvSpPr>
+          <p:cNvPr id="4" name="Marcador de número de diapositiva 3">
+            <a:extLst>
+              <a:ext uri="{FF2B5EF4-FFF2-40B4-BE49-F238E27FC236}">
+                <a16:creationId xmlns:a16="http://schemas.microsoft.com/office/drawing/2014/main" id="{F8419280-B41A-E6D6-227E-020A970DC46D}"/>
+              </a:ext>
+            </a:extLst>
+          </p:cNvPr>
+          <p:cNvSpPr>
+            <a:spLocks noGrp="1"/>
+          </p:cNvSpPr>
+          <p:nvPr>
+            <p:ph type="sldNum" sz="quarter" idx="12"/>
+          </p:nvPr>
+        </p:nvSpPr>
+        <p:spPr/>
+        <p:txBody>
+          <a:bodyPr/>
+          <a:lstStyle/>
+          <a:p>
+            <a:fld id="{DBA0B7A9-3FAC-4523-93F5-549EB9982FEE}" type="slidenum">
+              <a:rPr lang="es-ES" smtClean="0"/>
+              <a:t>24</a:t>
+            </a:fld>
+            <a:endParaRPr lang="es-ES"/>
+          </a:p>
+        </p:txBody>
+      </p:sp>
+    </p:spTree>
+    <p:extLst>
+      <p:ext uri="{BB962C8B-B14F-4D97-AF65-F5344CB8AC3E}">
+        <p14:creationId xmlns:p14="http://schemas.microsoft.com/office/powerpoint/2010/main" val="3650454102"/>
+      </p:ext>
+    </p:extLst>
+  </p:cSld>
+  <p:clrMapOvr>
+    <a:masterClrMapping/>
+  </p:clrMapOvr>
+</p:sld>
+</file>
+
+<file path=ppt/slides/slide25.xml><?xml version="1.0" encoding="utf-8"?>
+<p:sld xmlns:a="http://schemas.openxmlformats.org/drawingml/2006/main" xmlns:r="http://schemas.openxmlformats.org/officeDocument/2006/relationships" xmlns:p="http://schemas.openxmlformats.org/presentationml/2006/main">
+  <p:cSld>
+    <p:spTree>
+      <p:nvGrpSpPr>
+        <p:cNvPr id="1" name=""/>
+        <p:cNvGrpSpPr/>
+        <p:nvPr/>
+      </p:nvGrpSpPr>
+      <p:grpSpPr>
+        <a:xfrm>
+          <a:off x="0" y="0"/>
+          <a:ext cx="0" cy="0"/>
+          <a:chOff x="0" y="0"/>
+          <a:chExt cx="0" cy="0"/>
+        </a:xfrm>
+      </p:grpSpPr>
+      <p:sp>
+        <p:nvSpPr>
+          <p:cNvPr id="2" name="Título 1">
+            <a:extLst>
+              <a:ext uri="{FF2B5EF4-FFF2-40B4-BE49-F238E27FC236}">
+                <a16:creationId xmlns:a16="http://schemas.microsoft.com/office/drawing/2014/main" id="{9CC10E3F-6967-94A3-9456-D718B8493A49}"/>
+              </a:ext>
+            </a:extLst>
+          </p:cNvPr>
+          <p:cNvSpPr>
+            <a:spLocks noGrp="1"/>
+          </p:cNvSpPr>
+          <p:nvPr>
+            <p:ph type="title"/>
+          </p:nvPr>
+        </p:nvSpPr>
+        <p:spPr/>
+        <p:txBody>
+          <a:bodyPr/>
+          <a:lstStyle/>
+          <a:p>
+            <a:r>
+              <a:rPr lang="es-ES" dirty="0"/>
+              <a:t>Validar el token</a:t>
+            </a:r>
+          </a:p>
+        </p:txBody>
+      </p:sp>
+      <p:sp>
+        <p:nvSpPr>
+          <p:cNvPr id="3" name="Marcador de contenido 2">
+            <a:extLst>
+              <a:ext uri="{FF2B5EF4-FFF2-40B4-BE49-F238E27FC236}">
+                <a16:creationId xmlns:a16="http://schemas.microsoft.com/office/drawing/2014/main" id="{FCCD48CF-26BD-DEF7-ED9B-151D21FF51E2}"/>
+              </a:ext>
+            </a:extLst>
+          </p:cNvPr>
+          <p:cNvSpPr>
+            <a:spLocks noGrp="1"/>
+          </p:cNvSpPr>
+          <p:nvPr>
+            <p:ph idx="1"/>
+          </p:nvPr>
+        </p:nvSpPr>
+        <p:spPr/>
+        <p:txBody>
+          <a:bodyPr>
+            <a:normAutofit fontScale="77500" lnSpcReduction="20000"/>
+          </a:bodyPr>
+          <a:lstStyle/>
+          <a:p>
+            <a:r>
+              <a:rPr lang="es-ES" dirty="0"/>
+              <a:t>Verifica que el encabezado </a:t>
+            </a:r>
+            <a:r>
+              <a:rPr lang="es-ES" dirty="0" err="1"/>
+              <a:t>Authorization</a:t>
+            </a:r>
+            <a:r>
+              <a:rPr lang="es-ES" dirty="0"/>
+              <a:t> esté presente y tenga el formato correcto.</a:t>
+            </a:r>
+          </a:p>
+          <a:p>
+            <a:endParaRPr lang="es-ES" dirty="0"/>
+          </a:p>
+          <a:p>
+            <a:r>
+              <a:rPr lang="es-ES" dirty="0"/>
+              <a:t>Extrae el token JWT.</a:t>
+            </a:r>
+          </a:p>
+          <a:p>
+            <a:endParaRPr lang="es-ES" dirty="0"/>
+          </a:p>
+          <a:p>
+            <a:r>
+              <a:rPr lang="es-ES" dirty="0"/>
+              <a:t>Decodifica el token y verifica su firma con la clave secreta </a:t>
+            </a:r>
+            <a:r>
+              <a:rPr lang="es-ES" dirty="0" err="1"/>
+              <a:t>jwt_secret</a:t>
+            </a:r>
+            <a:r>
+              <a:rPr lang="es-ES" dirty="0"/>
+              <a:t>.</a:t>
+            </a:r>
+          </a:p>
+          <a:p>
+            <a:endParaRPr lang="es-ES" dirty="0"/>
+          </a:p>
+          <a:p>
+            <a:r>
+              <a:rPr lang="es-ES" dirty="0"/>
+              <a:t>Comprueba que el emisor (</a:t>
+            </a:r>
+            <a:r>
+              <a:rPr lang="es-ES" dirty="0" err="1"/>
+              <a:t>issuer</a:t>
+            </a:r>
+            <a:r>
+              <a:rPr lang="es-ES" dirty="0"/>
+              <a:t>) sea "Antonio".</a:t>
+            </a:r>
+          </a:p>
+          <a:p>
+            <a:endParaRPr lang="es-ES" dirty="0"/>
+          </a:p>
+          <a:p>
+            <a:r>
+              <a:rPr lang="es-ES" dirty="0"/>
+              <a:t>Extrae el </a:t>
+            </a:r>
+            <a:r>
+              <a:rPr lang="es-ES" dirty="0" err="1"/>
+              <a:t>claim</a:t>
+            </a:r>
+            <a:r>
+              <a:rPr lang="es-ES" dirty="0"/>
+              <a:t> "usuario" si el token es válido.</a:t>
+            </a:r>
+          </a:p>
+          <a:p>
+            <a:endParaRPr lang="es-ES" dirty="0"/>
+          </a:p>
+          <a:p>
+            <a:r>
+              <a:rPr lang="es-ES" dirty="0"/>
+              <a:t>Devuelve una respuesta JSON con el nombre del usuario si todo está correcto.</a:t>
+            </a:r>
+          </a:p>
+        </p:txBody>
+      </p:sp>
+      <p:sp>
+        <p:nvSpPr>
+          <p:cNvPr id="4" name="Marcador de número de diapositiva 3">
+            <a:extLst>
+              <a:ext uri="{FF2B5EF4-FFF2-40B4-BE49-F238E27FC236}">
+                <a16:creationId xmlns:a16="http://schemas.microsoft.com/office/drawing/2014/main" id="{8CC6A707-04E5-C4FA-A149-EB8F9B2BD4B1}"/>
+              </a:ext>
+            </a:extLst>
+          </p:cNvPr>
+          <p:cNvSpPr>
+            <a:spLocks noGrp="1"/>
+          </p:cNvSpPr>
+          <p:nvPr>
+            <p:ph type="sldNum" sz="quarter" idx="12"/>
+          </p:nvPr>
+        </p:nvSpPr>
+        <p:spPr/>
+        <p:txBody>
+          <a:bodyPr/>
+          <a:lstStyle/>
+          <a:p>
+            <a:fld id="{DBA0B7A9-3FAC-4523-93F5-549EB9982FEE}" type="slidenum">
+              <a:rPr lang="es-ES" smtClean="0"/>
+              <a:t>25</a:t>
+            </a:fld>
+            <a:endParaRPr lang="es-ES"/>
+          </a:p>
+        </p:txBody>
+      </p:sp>
+    </p:spTree>
+    <p:extLst>
+      <p:ext uri="{BB962C8B-B14F-4D97-AF65-F5344CB8AC3E}">
+        <p14:creationId xmlns:p14="http://schemas.microsoft.com/office/powerpoint/2010/main" val="3150898284"/>
+      </p:ext>
+    </p:extLst>
+  </p:cSld>
+  <p:clrMapOvr>
+    <a:masterClrMapping/>
+  </p:clrMapOvr>
+</p:sld>
+</file>
+
+<file path=ppt/slides/slide26.xml><?xml version="1.0" encoding="utf-8"?>
+<p:sld xmlns:a="http://schemas.openxmlformats.org/drawingml/2006/main" xmlns:r="http://schemas.openxmlformats.org/officeDocument/2006/relationships" xmlns:p="http://schemas.openxmlformats.org/presentationml/2006/main">
+  <p:cSld>
+    <p:spTree>
+      <p:nvGrpSpPr>
+        <p:cNvPr id="1" name=""/>
+        <p:cNvGrpSpPr/>
+        <p:nvPr/>
+      </p:nvGrpSpPr>
+      <p:grpSpPr>
+        <a:xfrm>
+          <a:off x="0" y="0"/>
+          <a:ext cx="0" cy="0"/>
+          <a:chOff x="0" y="0"/>
+          <a:chExt cx="0" cy="0"/>
+        </a:xfrm>
+      </p:grpSpPr>
+      <p:sp>
+        <p:nvSpPr>
+          <p:cNvPr id="5" name="Título 4">
+            <a:extLst>
+              <a:ext uri="{FF2B5EF4-FFF2-40B4-BE49-F238E27FC236}">
+                <a16:creationId xmlns:a16="http://schemas.microsoft.com/office/drawing/2014/main" id="{706E867F-790B-7CB2-BEAA-61296C21298C}"/>
+              </a:ext>
+            </a:extLst>
+          </p:cNvPr>
+          <p:cNvSpPr>
+            <a:spLocks noGrp="1"/>
+          </p:cNvSpPr>
+          <p:nvPr>
+            <p:ph type="ctrTitle"/>
+          </p:nvPr>
+        </p:nvSpPr>
+        <p:spPr/>
+        <p:txBody>
+          <a:bodyPr/>
+          <a:lstStyle/>
+          <a:p>
+            <a:r>
+              <a:rPr lang="es-ES" b="1" dirty="0"/>
+              <a:t>OpenSSL</a:t>
+            </a:r>
+          </a:p>
+        </p:txBody>
+      </p:sp>
+      <p:sp>
+        <p:nvSpPr>
+          <p:cNvPr id="6" name="Subtítulo 5">
+            <a:extLst>
+              <a:ext uri="{FF2B5EF4-FFF2-40B4-BE49-F238E27FC236}">
+                <a16:creationId xmlns:a16="http://schemas.microsoft.com/office/drawing/2014/main" id="{19B1467E-9CDF-5F6A-BA85-21B2755FE0C6}"/>
+              </a:ext>
+            </a:extLst>
+          </p:cNvPr>
+          <p:cNvSpPr>
+            <a:spLocks noGrp="1"/>
+          </p:cNvSpPr>
+          <p:nvPr>
+            <p:ph type="subTitle" idx="1"/>
+          </p:nvPr>
+        </p:nvSpPr>
+        <p:spPr/>
+        <p:txBody>
+          <a:bodyPr/>
+          <a:lstStyle/>
+          <a:p>
+            <a:endParaRPr lang="es-ES"/>
+          </a:p>
+        </p:txBody>
+      </p:sp>
+      <p:sp>
+        <p:nvSpPr>
+          <p:cNvPr id="4" name="Marcador de número de diapositiva 3">
+            <a:extLst>
+              <a:ext uri="{FF2B5EF4-FFF2-40B4-BE49-F238E27FC236}">
+                <a16:creationId xmlns:a16="http://schemas.microsoft.com/office/drawing/2014/main" id="{E9C14DC4-A6C5-0E03-F112-216702755363}"/>
+              </a:ext>
+            </a:extLst>
+          </p:cNvPr>
+          <p:cNvSpPr>
+            <a:spLocks noGrp="1"/>
+          </p:cNvSpPr>
+          <p:nvPr>
+            <p:ph type="sldNum" sz="quarter" idx="12"/>
+          </p:nvPr>
+        </p:nvSpPr>
+        <p:spPr/>
+        <p:txBody>
+          <a:bodyPr/>
+          <a:lstStyle/>
+          <a:p>
+            <a:fld id="{DBA0B7A9-3FAC-4523-93F5-549EB9982FEE}" type="slidenum">
+              <a:rPr lang="es-ES" smtClean="0"/>
+              <a:t>26</a:t>
+            </a:fld>
+            <a:endParaRPr lang="es-ES"/>
+          </a:p>
+        </p:txBody>
+      </p:sp>
+    </p:spTree>
+    <p:extLst>
+      <p:ext uri="{BB962C8B-B14F-4D97-AF65-F5344CB8AC3E}">
+        <p14:creationId xmlns:p14="http://schemas.microsoft.com/office/powerpoint/2010/main" val="421055732"/>
+      </p:ext>
+    </p:extLst>
+  </p:cSld>
+  <p:clrMapOvr>
+    <a:masterClrMapping/>
+  </p:clrMapOvr>
+</p:sld>
+</file>
+
+<file path=ppt/slides/slide27.xml><?xml version="1.0" encoding="utf-8"?>
+<p:sld xmlns:a="http://schemas.openxmlformats.org/drawingml/2006/main" xmlns:r="http://schemas.openxmlformats.org/officeDocument/2006/relationships" xmlns:p="http://schemas.openxmlformats.org/presentationml/2006/main">
+  <p:cSld>
+    <p:spTree>
+      <p:nvGrpSpPr>
+        <p:cNvPr id="1" name=""/>
+        <p:cNvGrpSpPr/>
+        <p:nvPr/>
+      </p:nvGrpSpPr>
+      <p:grpSpPr>
+        <a:xfrm>
+          <a:off x="0" y="0"/>
+          <a:ext cx="0" cy="0"/>
+          <a:chOff x="0" y="0"/>
+          <a:chExt cx="0" cy="0"/>
+        </a:xfrm>
+      </p:grpSpPr>
+      <p:sp>
+        <p:nvSpPr>
+          <p:cNvPr id="2" name="Título 1">
+            <a:extLst>
+              <a:ext uri="{FF2B5EF4-FFF2-40B4-BE49-F238E27FC236}">
+                <a16:creationId xmlns:a16="http://schemas.microsoft.com/office/drawing/2014/main" id="{D04325FE-BE1B-D2D9-1901-C0DB9CAB50F0}"/>
+              </a:ext>
+            </a:extLst>
+          </p:cNvPr>
+          <p:cNvSpPr>
+            <a:spLocks noGrp="1"/>
+          </p:cNvSpPr>
+          <p:nvPr>
+            <p:ph type="title"/>
+          </p:nvPr>
+        </p:nvSpPr>
+        <p:spPr/>
+        <p:txBody>
+          <a:bodyPr/>
+          <a:lstStyle/>
+          <a:p>
+            <a:r>
+              <a:rPr lang="es-ES" dirty="0"/>
+              <a:t>Bibliotecas criptográficas</a:t>
+            </a:r>
+          </a:p>
+        </p:txBody>
+      </p:sp>
+      <p:sp>
+        <p:nvSpPr>
+          <p:cNvPr id="3" name="Marcador de contenido 2">
+            <a:extLst>
+              <a:ext uri="{FF2B5EF4-FFF2-40B4-BE49-F238E27FC236}">
+                <a16:creationId xmlns:a16="http://schemas.microsoft.com/office/drawing/2014/main" id="{DC9F5CD9-8324-BE44-7DB8-55ECDBF85CA3}"/>
+              </a:ext>
+            </a:extLst>
+          </p:cNvPr>
+          <p:cNvSpPr>
+            <a:spLocks noGrp="1"/>
+          </p:cNvSpPr>
+          <p:nvPr>
+            <p:ph idx="1"/>
+          </p:nvPr>
+        </p:nvSpPr>
+        <p:spPr/>
+        <p:txBody>
+          <a:bodyPr/>
+          <a:lstStyle/>
+          <a:p>
+            <a:endParaRPr lang="es-ES"/>
+          </a:p>
+        </p:txBody>
+      </p:sp>
+      <p:sp>
+        <p:nvSpPr>
+          <p:cNvPr id="4" name="Marcador de número de diapositiva 3">
+            <a:extLst>
+              <a:ext uri="{FF2B5EF4-FFF2-40B4-BE49-F238E27FC236}">
+                <a16:creationId xmlns:a16="http://schemas.microsoft.com/office/drawing/2014/main" id="{FC1A99F6-8EB4-E411-216B-BEEE1D83E9AB}"/>
+              </a:ext>
+            </a:extLst>
+          </p:cNvPr>
+          <p:cNvSpPr>
+            <a:spLocks noGrp="1"/>
+          </p:cNvSpPr>
+          <p:nvPr>
+            <p:ph type="sldNum" sz="quarter" idx="12"/>
+          </p:nvPr>
+        </p:nvSpPr>
+        <p:spPr/>
+        <p:txBody>
+          <a:bodyPr/>
+          <a:lstStyle/>
+          <a:p>
+            <a:fld id="{DBA0B7A9-3FAC-4523-93F5-549EB9982FEE}" type="slidenum">
+              <a:rPr lang="es-ES" smtClean="0"/>
+              <a:t>27</a:t>
+            </a:fld>
+            <a:endParaRPr lang="es-ES"/>
+          </a:p>
+        </p:txBody>
+      </p:sp>
+    </p:spTree>
+    <p:extLst>
+      <p:ext uri="{BB962C8B-B14F-4D97-AF65-F5344CB8AC3E}">
+        <p14:creationId xmlns:p14="http://schemas.microsoft.com/office/powerpoint/2010/main" val="3529758498"/>
+      </p:ext>
+    </p:extLst>
+  </p:cSld>
+  <p:clrMapOvr>
+    <a:masterClrMapping/>
+  </p:clrMapOvr>
+</p:sld>
+</file>
+
+<file path=ppt/slides/slide28.xml><?xml version="1.0" encoding="utf-8"?>
+<p:sld xmlns:a="http://schemas.openxmlformats.org/drawingml/2006/main" xmlns:r="http://schemas.openxmlformats.org/officeDocument/2006/relationships" xmlns:p="http://schemas.openxmlformats.org/presentationml/2006/main">
+  <p:cSld>
+    <p:spTree>
+      <p:nvGrpSpPr>
+        <p:cNvPr id="1" name=""/>
+        <p:cNvGrpSpPr/>
+        <p:nvPr/>
+      </p:nvGrpSpPr>
+      <p:grpSpPr>
+        <a:xfrm>
+          <a:off x="0" y="0"/>
+          <a:ext cx="0" cy="0"/>
+          <a:chOff x="0" y="0"/>
+          <a:chExt cx="0" cy="0"/>
+        </a:xfrm>
+      </p:grpSpPr>
+      <p:sp>
+        <p:nvSpPr>
+          <p:cNvPr id="4" name="Título 3">
+            <a:extLst>
+              <a:ext uri="{FF2B5EF4-FFF2-40B4-BE49-F238E27FC236}">
+                <a16:creationId xmlns:a16="http://schemas.microsoft.com/office/drawing/2014/main" id="{49C47587-0444-CC44-ED0F-CA02B9506EA7}"/>
+              </a:ext>
+            </a:extLst>
+          </p:cNvPr>
+          <p:cNvSpPr>
+            <a:spLocks noGrp="1"/>
+          </p:cNvSpPr>
+          <p:nvPr>
+            <p:ph type="ctrTitle"/>
+          </p:nvPr>
+        </p:nvSpPr>
+        <p:spPr>
+          <a:xfrm>
+            <a:off x="290423" y="1773188"/>
+            <a:ext cx="11611154" cy="2387600"/>
+          </a:xfrm>
+        </p:spPr>
+        <p:txBody>
+          <a:bodyPr/>
+          <a:lstStyle/>
+          <a:p>
+            <a:r>
+              <a:rPr lang="es-ES" b="1" dirty="0"/>
+              <a:t>Protección de la comunicación entre microservicios</a:t>
+            </a:r>
+          </a:p>
+        </p:txBody>
+      </p:sp>
+    </p:spTree>
+    <p:extLst>
+      <p:ext uri="{BB962C8B-B14F-4D97-AF65-F5344CB8AC3E}">
+        <p14:creationId xmlns:p14="http://schemas.microsoft.com/office/powerpoint/2010/main" val="364160951"/>
+      </p:ext>
+    </p:extLst>
+  </p:cSld>
+  <p:clrMapOvr>
+    <a:masterClrMapping/>
+  </p:clrMapOvr>
+</p:sld>
+</file>
+
+<file path=ppt/slides/slide29.xml><?xml version="1.0" encoding="utf-8"?>
+<p:sld xmlns:a="http://schemas.openxmlformats.org/drawingml/2006/main" xmlns:r="http://schemas.openxmlformats.org/officeDocument/2006/relationships" xmlns:p="http://schemas.openxmlformats.org/presentationml/2006/main">
+  <p:cSld>
+    <p:spTree>
+      <p:nvGrpSpPr>
+        <p:cNvPr id="1" name=""/>
+        <p:cNvGrpSpPr/>
+        <p:nvPr/>
+      </p:nvGrpSpPr>
+      <p:grpSpPr>
+        <a:xfrm>
+          <a:off x="0" y="0"/>
+          <a:ext cx="0" cy="0"/>
+          <a:chOff x="0" y="0"/>
+          <a:chExt cx="0" cy="0"/>
+        </a:xfrm>
+      </p:grpSpPr>
+      <p:sp>
+        <p:nvSpPr>
+          <p:cNvPr id="2" name="Título 1">
+            <a:extLst>
+              <a:ext uri="{FF2B5EF4-FFF2-40B4-BE49-F238E27FC236}">
                 <a16:creationId xmlns:a16="http://schemas.microsoft.com/office/drawing/2014/main" id="{688687D7-AC27-9EEE-D00F-64A25A741E1C}"/>
               </a:ext>
             </a:extLst>
@@ -6041,7 +8033,7 @@
           <a:p>
             <a:fld id="{DBA0B7A9-3FAC-4523-93F5-549EB9982FEE}" type="slidenum">
               <a:rPr lang="es-ES" smtClean="0"/>
-              <a:t>24</a:t>
+              <a:t>29</a:t>
             </a:fld>
             <a:endParaRPr lang="es-ES"/>
           </a:p>
@@ -6090,7 +8082,7 @@
 </p:sld>
 </file>
 
-<file path=ppt/slides/slide25.xml><?xml version="1.0" encoding="utf-8"?>
+<file path=ppt/slides/slide3.xml><?xml version="1.0" encoding="utf-8"?>
 <p:sld xmlns:a="http://schemas.openxmlformats.org/drawingml/2006/main" xmlns:r="http://schemas.openxmlformats.org/officeDocument/2006/relationships" xmlns:p="http://schemas.openxmlformats.org/presentationml/2006/main">
   <p:cSld>
     <p:spTree>
@@ -6112,87 +8104,47 @@
           <p:cNvPr id="2" name="Título 1">
             <a:extLst>
               <a:ext uri="{FF2B5EF4-FFF2-40B4-BE49-F238E27FC236}">
-                <a16:creationId xmlns:a16="http://schemas.microsoft.com/office/drawing/2014/main" id="{4274C934-73D7-766B-93DE-C24614FA50C7}"/>
-              </a:ext>
-            </a:extLst>
-          </p:cNvPr>
-          <p:cNvSpPr>
-            <a:spLocks noGrp="1"/>
-          </p:cNvSpPr>
-          <p:nvPr>
-            <p:ph type="title"/>
-          </p:nvPr>
-        </p:nvSpPr>
-        <p:spPr/>
-        <p:txBody>
-          <a:bodyPr/>
-          <a:lstStyle/>
-          <a:p>
-            <a:r>
-              <a:rPr lang="es-ES" dirty="0"/>
-              <a:t>Configuración para evitar ataques CSRF / XSS</a:t>
-            </a:r>
-          </a:p>
-        </p:txBody>
-      </p:sp>
-      <p:sp>
-        <p:nvSpPr>
-          <p:cNvPr id="3" name="Marcador de contenido 2">
-            <a:extLst>
-              <a:ext uri="{FF2B5EF4-FFF2-40B4-BE49-F238E27FC236}">
-                <a16:creationId xmlns:a16="http://schemas.microsoft.com/office/drawing/2014/main" id="{5D572D67-61DC-E8DB-C62C-0DAF90772FB5}"/>
-              </a:ext>
-            </a:extLst>
-          </p:cNvPr>
-          <p:cNvSpPr>
-            <a:spLocks noGrp="1"/>
-          </p:cNvSpPr>
-          <p:nvPr>
-            <p:ph idx="1"/>
-          </p:nvPr>
-        </p:nvSpPr>
-        <p:spPr/>
-        <p:txBody>
-          <a:bodyPr/>
-          <a:lstStyle/>
-          <a:p>
-            <a:endParaRPr lang="es-ES"/>
-          </a:p>
-        </p:txBody>
-      </p:sp>
-      <p:sp>
-        <p:nvSpPr>
-          <p:cNvPr id="4" name="Marcador de número de diapositiva 3">
-            <a:extLst>
-              <a:ext uri="{FF2B5EF4-FFF2-40B4-BE49-F238E27FC236}">
-                <a16:creationId xmlns:a16="http://schemas.microsoft.com/office/drawing/2014/main" id="{69A1C0C7-4E84-0633-F715-ADEB0D47FE8E}"/>
-              </a:ext>
-            </a:extLst>
-          </p:cNvPr>
-          <p:cNvSpPr>
-            <a:spLocks noGrp="1"/>
-          </p:cNvSpPr>
-          <p:nvPr>
-            <p:ph type="sldNum" sz="quarter" idx="12"/>
-          </p:nvPr>
-        </p:nvSpPr>
-        <p:spPr/>
-        <p:txBody>
-          <a:bodyPr/>
-          <a:lstStyle/>
-          <a:p>
-            <a:fld id="{DBA0B7A9-3FAC-4523-93F5-549EB9982FEE}" type="slidenum">
-              <a:rPr lang="es-ES" smtClean="0"/>
-              <a:t>25</a:t>
-            </a:fld>
-            <a:endParaRPr lang="es-ES"/>
+                <a16:creationId xmlns:a16="http://schemas.microsoft.com/office/drawing/2014/main" id="{5CF8D18E-C664-94C6-13EE-7D876F567B29}"/>
+              </a:ext>
+            </a:extLst>
+          </p:cNvPr>
+          <p:cNvSpPr>
+            <a:spLocks noGrp="1"/>
+          </p:cNvSpPr>
+          <p:nvPr>
+            <p:ph type="ctrTitle"/>
+          </p:nvPr>
+        </p:nvSpPr>
+        <p:spPr>
+          <a:xfrm>
+            <a:off x="1524000" y="2131654"/>
+            <a:ext cx="9144000" cy="2387600"/>
+          </a:xfrm>
+        </p:spPr>
+        <p:txBody>
+          <a:bodyPr>
+            <a:normAutofit/>
+          </a:bodyPr>
+          <a:lstStyle/>
+          <a:p>
+            <a:r>
+              <a:rPr lang="es-ES" b="1" dirty="0"/>
+              <a:t>Autenticación  con JWT</a:t>
+            </a:r>
+            <a:br>
+              <a:rPr lang="es-ES" b="1" dirty="0"/>
+            </a:br>
+            <a:r>
+              <a:rPr lang="es-ES" b="1" dirty="0"/>
+              <a:t>JSON Web Tokens</a:t>
+            </a:r>
           </a:p>
         </p:txBody>
       </p:sp>
     </p:spTree>
     <p:extLst>
       <p:ext uri="{BB962C8B-B14F-4D97-AF65-F5344CB8AC3E}">
-        <p14:creationId xmlns:p14="http://schemas.microsoft.com/office/powerpoint/2010/main" val="3562544661"/>
+        <p14:creationId xmlns:p14="http://schemas.microsoft.com/office/powerpoint/2010/main" val="1465314202"/>
       </p:ext>
     </p:extLst>
   </p:cSld>
@@ -6202,7 +8154,7 @@
 </p:sld>
 </file>
 
-<file path=ppt/slides/slide26.xml><?xml version="1.0" encoding="utf-8"?>
+<file path=ppt/slides/slide30.xml><?xml version="1.0" encoding="utf-8"?>
 <p:sld xmlns:a="http://schemas.openxmlformats.org/drawingml/2006/main" xmlns:r="http://schemas.openxmlformats.org/officeDocument/2006/relationships" xmlns:p="http://schemas.openxmlformats.org/presentationml/2006/main">
   <p:cSld>
     <p:spTree>
@@ -6224,7 +8176,7 @@
           <p:cNvPr id="2" name="Título 1">
             <a:extLst>
               <a:ext uri="{FF2B5EF4-FFF2-40B4-BE49-F238E27FC236}">
-                <a16:creationId xmlns:a16="http://schemas.microsoft.com/office/drawing/2014/main" id="{E883D648-FB0E-2CE5-DDD9-EB59DD892739}"/>
+                <a16:creationId xmlns:a16="http://schemas.microsoft.com/office/drawing/2014/main" id="{4274C934-73D7-766B-93DE-C24614FA50C7}"/>
               </a:ext>
             </a:extLst>
           </p:cNvPr>
@@ -6242,7 +8194,7 @@
           <a:p>
             <a:r>
               <a:rPr lang="es-ES" dirty="0"/>
-              <a:t>CSRF</a:t>
+              <a:t>Configuración para evitar ataques CSRF / XSS</a:t>
             </a:r>
           </a:p>
         </p:txBody>
@@ -6252,7 +8204,7 @@
           <p:cNvPr id="3" name="Marcador de contenido 2">
             <a:extLst>
               <a:ext uri="{FF2B5EF4-FFF2-40B4-BE49-F238E27FC236}">
-                <a16:creationId xmlns:a16="http://schemas.microsoft.com/office/drawing/2014/main" id="{63710E8B-7CB7-937B-5712-42F4ABD78E61}"/>
+                <a16:creationId xmlns:a16="http://schemas.microsoft.com/office/drawing/2014/main" id="{5D572D67-61DC-E8DB-C62C-0DAF90772FB5}"/>
               </a:ext>
             </a:extLst>
           </p:cNvPr>
@@ -6268,61 +8220,7 @@
           <a:bodyPr/>
           <a:lstStyle/>
           <a:p>
-            <a:r>
-              <a:rPr lang="es-ES" b="1" dirty="0"/>
-              <a:t>Cross-Site </a:t>
-            </a:r>
-            <a:r>
-              <a:rPr lang="es-ES" b="1" dirty="0" err="1"/>
-              <a:t>Request</a:t>
-            </a:r>
-            <a:r>
-              <a:rPr lang="es-ES" b="1" dirty="0"/>
-              <a:t> </a:t>
-            </a:r>
-            <a:r>
-              <a:rPr lang="es-ES" b="1" dirty="0" err="1"/>
-              <a:t>Forgery</a:t>
-            </a:r>
-            <a:endParaRPr lang="es-ES" b="1" dirty="0"/>
-          </a:p>
-          <a:p>
-            <a:pPr lvl="1"/>
-            <a:r>
-              <a:rPr lang="es-ES" b="1" dirty="0"/>
-              <a:t>CSRF</a:t>
-            </a:r>
-            <a:r>
-              <a:rPr lang="es-ES" dirty="0"/>
-              <a:t> es un tipo de ataque en el que un usuario autenticado en un sitio web es engañado para ejecutar una acción no deseada en ese mismo sitio, sin saberlo.</a:t>
-            </a:r>
-          </a:p>
-          <a:p>
-            <a:pPr lvl="1"/>
-            <a:endParaRPr lang="es-ES" dirty="0"/>
-          </a:p>
-          <a:p>
-            <a:pPr lvl="1"/>
-            <a:r>
-              <a:rPr lang="es-ES" dirty="0"/>
-              <a:t>Nos podemos proteger de estos ataques utilizando las librerías: </a:t>
-            </a:r>
-            <a:r>
-              <a:rPr lang="es-ES" dirty="0" err="1"/>
-              <a:t>Crow</a:t>
-            </a:r>
-            <a:r>
-              <a:rPr lang="es-ES" dirty="0"/>
-              <a:t>, </a:t>
-            </a:r>
-            <a:r>
-              <a:rPr lang="es-ES" dirty="0" err="1"/>
-              <a:t>Boost.Beast</a:t>
-            </a:r>
-            <a:r>
-              <a:rPr lang="es-ES" dirty="0"/>
-              <a:t> o Pistache.</a:t>
-            </a:r>
+            <a:endParaRPr lang="es-ES"/>
           </a:p>
         </p:txBody>
       </p:sp>
@@ -6331,7 +8229,7 @@
           <p:cNvPr id="4" name="Marcador de número de diapositiva 3">
             <a:extLst>
               <a:ext uri="{FF2B5EF4-FFF2-40B4-BE49-F238E27FC236}">
-                <a16:creationId xmlns:a16="http://schemas.microsoft.com/office/drawing/2014/main" id="{7C7A5A21-A699-916A-C192-272C354A2238}"/>
+                <a16:creationId xmlns:a16="http://schemas.microsoft.com/office/drawing/2014/main" id="{69A1C0C7-4E84-0633-F715-ADEB0D47FE8E}"/>
               </a:ext>
             </a:extLst>
           </p:cNvPr>
@@ -6349,7 +8247,7 @@
           <a:p>
             <a:fld id="{DBA0B7A9-3FAC-4523-93F5-549EB9982FEE}" type="slidenum">
               <a:rPr lang="es-ES" smtClean="0"/>
-              <a:t>26</a:t>
+              <a:t>30</a:t>
             </a:fld>
             <a:endParaRPr lang="es-ES"/>
           </a:p>
@@ -6358,7 +8256,7 @@
     </p:spTree>
     <p:extLst>
       <p:ext uri="{BB962C8B-B14F-4D97-AF65-F5344CB8AC3E}">
-        <p14:creationId xmlns:p14="http://schemas.microsoft.com/office/powerpoint/2010/main" val="1703053913"/>
+        <p14:creationId xmlns:p14="http://schemas.microsoft.com/office/powerpoint/2010/main" val="3562544661"/>
       </p:ext>
     </p:extLst>
   </p:cSld>
@@ -6368,7 +8266,7 @@
 </p:sld>
 </file>
 
-<file path=ppt/slides/slide27.xml><?xml version="1.0" encoding="utf-8"?>
+<file path=ppt/slides/slide31.xml><?xml version="1.0" encoding="utf-8"?>
 <p:sld xmlns:a="http://schemas.openxmlformats.org/drawingml/2006/main" xmlns:r="http://schemas.openxmlformats.org/officeDocument/2006/relationships" xmlns:p="http://schemas.openxmlformats.org/presentationml/2006/main">
   <p:cSld>
     <p:spTree>
@@ -6390,7 +8288,7 @@
           <p:cNvPr id="2" name="Título 1">
             <a:extLst>
               <a:ext uri="{FF2B5EF4-FFF2-40B4-BE49-F238E27FC236}">
-                <a16:creationId xmlns:a16="http://schemas.microsoft.com/office/drawing/2014/main" id="{AA771B9F-CC0E-C4EB-1C07-40BEB7F3D5F6}"/>
+                <a16:creationId xmlns:a16="http://schemas.microsoft.com/office/drawing/2014/main" id="{E883D648-FB0E-2CE5-DDD9-EB59DD892739}"/>
               </a:ext>
             </a:extLst>
           </p:cNvPr>
@@ -6408,7 +8306,7 @@
           <a:p>
             <a:r>
               <a:rPr lang="es-ES" dirty="0"/>
-              <a:t>XSS</a:t>
+              <a:t>CSRF</a:t>
             </a:r>
           </a:p>
         </p:txBody>
@@ -6418,7 +8316,7 @@
           <p:cNvPr id="3" name="Marcador de contenido 2">
             <a:extLst>
               <a:ext uri="{FF2B5EF4-FFF2-40B4-BE49-F238E27FC236}">
-                <a16:creationId xmlns:a16="http://schemas.microsoft.com/office/drawing/2014/main" id="{9590EB62-7BCE-45EC-3947-547A1FD53C0F}"/>
+                <a16:creationId xmlns:a16="http://schemas.microsoft.com/office/drawing/2014/main" id="{63710E8B-7CB7-937B-5712-42F4ABD78E61}"/>
               </a:ext>
             </a:extLst>
           </p:cNvPr>
@@ -6431,63 +8329,63 @@
         </p:nvSpPr>
         <p:spPr/>
         <p:txBody>
-          <a:bodyPr>
-            <a:normAutofit fontScale="92500" lnSpcReduction="20000"/>
-          </a:bodyPr>
+          <a:bodyPr/>
           <a:lstStyle/>
           <a:p>
             <a:r>
               <a:rPr lang="es-ES" b="1" dirty="0"/>
-              <a:t>XSS (Cross-Site Scripting)</a:t>
-            </a:r>
-            <a:r>
-              <a:rPr lang="es-ES" dirty="0"/>
-              <a:t> es una de las vulnerabilidades más comunes y peligrosas en aplicaciones web. </a:t>
-            </a:r>
-          </a:p>
-          <a:p>
+              <a:t>Cross-Site </a:t>
+            </a:r>
+            <a:r>
+              <a:rPr lang="es-ES" b="1" dirty="0" err="1"/>
+              <a:t>Request</a:t>
+            </a:r>
+            <a:r>
+              <a:rPr lang="es-ES" b="1" dirty="0"/>
+              <a:t> </a:t>
+            </a:r>
+            <a:r>
+              <a:rPr lang="es-ES" b="1" dirty="0" err="1"/>
+              <a:t>Forgery</a:t>
+            </a:r>
+            <a:endParaRPr lang="es-ES" b="1" dirty="0"/>
+          </a:p>
+          <a:p>
+            <a:pPr lvl="1"/>
+            <a:r>
+              <a:rPr lang="es-ES" b="1" dirty="0"/>
+              <a:t>CSRF</a:t>
+            </a:r>
+            <a:r>
+              <a:rPr lang="es-ES" dirty="0"/>
+              <a:t> es un tipo de ataque en el que un usuario autenticado en un sitio web es engañado para ejecutar una acción no deseada en ese mismo sitio, sin saberlo.</a:t>
+            </a:r>
+          </a:p>
+          <a:p>
+            <a:pPr lvl="1"/>
             <a:endParaRPr lang="es-ES" dirty="0"/>
           </a:p>
           <a:p>
-            <a:r>
-              <a:rPr lang="es-ES" dirty="0"/>
-              <a:t>Afecta principalmente a lenguajes como JavaScript, </a:t>
-            </a:r>
-            <a:r>
-              <a:rPr lang="es-ES" b="1" dirty="0"/>
-              <a:t>los servicios web escritos en C++ también pueden ser vulnerables</a:t>
-            </a:r>
-            <a:r>
-              <a:rPr lang="es-ES" dirty="0"/>
-              <a:t> si no se validan correctamente los datos que se envían al navegador.</a:t>
-            </a:r>
-          </a:p>
-          <a:p>
-            <a:endParaRPr lang="es-ES" dirty="0"/>
-          </a:p>
-          <a:p>
-            <a:r>
-              <a:rPr lang="es-ES" b="1" dirty="0"/>
-              <a:t>XSS</a:t>
-            </a:r>
-            <a:r>
-              <a:rPr lang="es-ES" dirty="0"/>
-              <a:t> es un tipo de ataque que permite a un atacante </a:t>
-            </a:r>
-            <a:r>
-              <a:rPr lang="es-ES" b="1" dirty="0"/>
-              <a:t>inyectar código malicioso (generalmente JavaScript)</a:t>
-            </a:r>
-            <a:r>
-              <a:rPr lang="es-ES" dirty="0"/>
-              <a:t> en páginas web que otros usuarios visitan. </a:t>
-            </a:r>
-          </a:p>
-          <a:p>
             <a:pPr lvl="1"/>
             <a:r>
               <a:rPr lang="es-ES" dirty="0"/>
-              <a:t>El código se ejecuta en el navegador de la víctima, no en el servidor, lo que lo hace difícil de detectar.</a:t>
+              <a:t>Nos podemos proteger de estos ataques utilizando las librerías: </a:t>
+            </a:r>
+            <a:r>
+              <a:rPr lang="es-ES" dirty="0" err="1"/>
+              <a:t>Crow</a:t>
+            </a:r>
+            <a:r>
+              <a:rPr lang="es-ES" dirty="0"/>
+              <a:t>, </a:t>
+            </a:r>
+            <a:r>
+              <a:rPr lang="es-ES" dirty="0" err="1"/>
+              <a:t>Boost.Beast</a:t>
+            </a:r>
+            <a:r>
+              <a:rPr lang="es-ES" dirty="0"/>
+              <a:t> o Pistache.</a:t>
             </a:r>
           </a:p>
         </p:txBody>
@@ -6497,7 +8395,7 @@
           <p:cNvPr id="4" name="Marcador de número de diapositiva 3">
             <a:extLst>
               <a:ext uri="{FF2B5EF4-FFF2-40B4-BE49-F238E27FC236}">
-                <a16:creationId xmlns:a16="http://schemas.microsoft.com/office/drawing/2014/main" id="{9E744B72-252C-DAE7-D825-B27BDC32E97B}"/>
+                <a16:creationId xmlns:a16="http://schemas.microsoft.com/office/drawing/2014/main" id="{7C7A5A21-A699-916A-C192-272C354A2238}"/>
               </a:ext>
             </a:extLst>
           </p:cNvPr>
@@ -6515,7 +8413,7 @@
           <a:p>
             <a:fld id="{DBA0B7A9-3FAC-4523-93F5-549EB9982FEE}" type="slidenum">
               <a:rPr lang="es-ES" smtClean="0"/>
-              <a:t>27</a:t>
+              <a:t>31</a:t>
             </a:fld>
             <a:endParaRPr lang="es-ES"/>
           </a:p>
@@ -6524,7 +8422,7 @@
     </p:spTree>
     <p:extLst>
       <p:ext uri="{BB962C8B-B14F-4D97-AF65-F5344CB8AC3E}">
-        <p14:creationId xmlns:p14="http://schemas.microsoft.com/office/powerpoint/2010/main" val="3249976081"/>
+        <p14:creationId xmlns:p14="http://schemas.microsoft.com/office/powerpoint/2010/main" val="1703053913"/>
       </p:ext>
     </p:extLst>
   </p:cSld>
@@ -6534,7 +8432,7 @@
 </p:sld>
 </file>
 
-<file path=ppt/slides/slide28.xml><?xml version="1.0" encoding="utf-8"?>
+<file path=ppt/slides/slide32.xml><?xml version="1.0" encoding="utf-8"?>
 <p:sld xmlns:a="http://schemas.openxmlformats.org/drawingml/2006/main" xmlns:r="http://schemas.openxmlformats.org/officeDocument/2006/relationships" xmlns:p="http://schemas.openxmlformats.org/presentationml/2006/main">
   <p:cSld>
     <p:spTree>
@@ -6556,7 +8454,7 @@
           <p:cNvPr id="2" name="Título 1">
             <a:extLst>
               <a:ext uri="{FF2B5EF4-FFF2-40B4-BE49-F238E27FC236}">
-                <a16:creationId xmlns:a16="http://schemas.microsoft.com/office/drawing/2014/main" id="{F13204D6-8FFA-008D-6F2D-8FFB32D2ABF6}"/>
+                <a16:creationId xmlns:a16="http://schemas.microsoft.com/office/drawing/2014/main" id="{AA771B9F-CC0E-C4EB-1C07-40BEB7F3D5F6}"/>
               </a:ext>
             </a:extLst>
           </p:cNvPr>
@@ -6574,7 +8472,7 @@
           <a:p>
             <a:r>
               <a:rPr lang="es-ES" dirty="0"/>
-              <a:t>¿Qué puede hacer un ataque XSS?</a:t>
+              <a:t>XSS</a:t>
             </a:r>
           </a:p>
         </p:txBody>
@@ -6584,7 +8482,7 @@
           <p:cNvPr id="3" name="Marcador de contenido 2">
             <a:extLst>
               <a:ext uri="{FF2B5EF4-FFF2-40B4-BE49-F238E27FC236}">
-                <a16:creationId xmlns:a16="http://schemas.microsoft.com/office/drawing/2014/main" id="{DBA67C84-4BD3-B588-B195-E22EE7F737C5}"/>
+                <a16:creationId xmlns:a16="http://schemas.microsoft.com/office/drawing/2014/main" id="{9590EB62-7BCE-45EC-3947-547A1FD53C0F}"/>
               </a:ext>
             </a:extLst>
           </p:cNvPr>
@@ -6597,41 +8495,65 @@
         </p:nvSpPr>
         <p:spPr/>
         <p:txBody>
-          <a:bodyPr/>
-          <a:lstStyle/>
-          <a:p>
-            <a:r>
-              <a:rPr lang="es-ES" dirty="0"/>
-              <a:t>Robar cookies o tokens de sesión</a:t>
-            </a:r>
-          </a:p>
-          <a:p>
-            <a:r>
-              <a:rPr lang="es-ES" dirty="0"/>
-              <a:t>Suplantar identidad del usuario</a:t>
-            </a:r>
-          </a:p>
-          <a:p>
-            <a:r>
-              <a:rPr lang="es-ES" dirty="0"/>
-              <a:t>Redirigir a sitios maliciosos</a:t>
-            </a:r>
-          </a:p>
-          <a:p>
-            <a:r>
-              <a:rPr lang="es-ES" dirty="0"/>
-              <a:t>Mostrar contenido falso o engañoso</a:t>
-            </a:r>
-          </a:p>
-          <a:p>
-            <a:r>
-              <a:rPr lang="es-ES" dirty="0"/>
-              <a:t>Ejecutar acciones en nombre del usuario</a:t>
+          <a:bodyPr>
+            <a:normAutofit fontScale="92500" lnSpcReduction="20000"/>
+          </a:bodyPr>
+          <a:lstStyle/>
+          <a:p>
+            <a:r>
+              <a:rPr lang="es-ES" b="1" dirty="0"/>
+              <a:t>XSS (Cross-Site Scripting)</a:t>
+            </a:r>
+            <a:r>
+              <a:rPr lang="es-ES" dirty="0"/>
+              <a:t> es una de las vulnerabilidades más comunes y peligrosas en aplicaciones web. </a:t>
             </a:r>
           </a:p>
           <a:p>
             <a:endParaRPr lang="es-ES" dirty="0"/>
           </a:p>
+          <a:p>
+            <a:r>
+              <a:rPr lang="es-ES" dirty="0"/>
+              <a:t>Afecta principalmente a lenguajes como JavaScript, </a:t>
+            </a:r>
+            <a:r>
+              <a:rPr lang="es-ES" b="1" dirty="0"/>
+              <a:t>los servicios web escritos en C++ también pueden ser vulnerables</a:t>
+            </a:r>
+            <a:r>
+              <a:rPr lang="es-ES" dirty="0"/>
+              <a:t> si no se validan correctamente los datos que se envían al navegador.</a:t>
+            </a:r>
+          </a:p>
+          <a:p>
+            <a:endParaRPr lang="es-ES" dirty="0"/>
+          </a:p>
+          <a:p>
+            <a:r>
+              <a:rPr lang="es-ES" b="1" dirty="0"/>
+              <a:t>XSS</a:t>
+            </a:r>
+            <a:r>
+              <a:rPr lang="es-ES" dirty="0"/>
+              <a:t> es un tipo de ataque que permite a un atacante </a:t>
+            </a:r>
+            <a:r>
+              <a:rPr lang="es-ES" b="1" dirty="0"/>
+              <a:t>inyectar código malicioso (generalmente JavaScript)</a:t>
+            </a:r>
+            <a:r>
+              <a:rPr lang="es-ES" dirty="0"/>
+              <a:t> en páginas web que otros usuarios visitan. </a:t>
+            </a:r>
+          </a:p>
+          <a:p>
+            <a:pPr lvl="1"/>
+            <a:r>
+              <a:rPr lang="es-ES" dirty="0"/>
+              <a:t>El código se ejecuta en el navegador de la víctima, no en el servidor, lo que lo hace difícil de detectar.</a:t>
+            </a:r>
+          </a:p>
         </p:txBody>
       </p:sp>
       <p:sp>
@@ -6639,7 +8561,7 @@
           <p:cNvPr id="4" name="Marcador de número de diapositiva 3">
             <a:extLst>
               <a:ext uri="{FF2B5EF4-FFF2-40B4-BE49-F238E27FC236}">
-                <a16:creationId xmlns:a16="http://schemas.microsoft.com/office/drawing/2014/main" id="{415F4E8B-1259-CF69-C7E2-DB9BB166FE46}"/>
+                <a16:creationId xmlns:a16="http://schemas.microsoft.com/office/drawing/2014/main" id="{9E744B72-252C-DAE7-D825-B27BDC32E97B}"/>
               </a:ext>
             </a:extLst>
           </p:cNvPr>
@@ -6657,7 +8579,7 @@
           <a:p>
             <a:fld id="{DBA0B7A9-3FAC-4523-93F5-549EB9982FEE}" type="slidenum">
               <a:rPr lang="es-ES" smtClean="0"/>
-              <a:t>28</a:t>
+              <a:t>32</a:t>
             </a:fld>
             <a:endParaRPr lang="es-ES"/>
           </a:p>
@@ -6666,7 +8588,7 @@
     </p:spTree>
     <p:extLst>
       <p:ext uri="{BB962C8B-B14F-4D97-AF65-F5344CB8AC3E}">
-        <p14:creationId xmlns:p14="http://schemas.microsoft.com/office/powerpoint/2010/main" val="2707772253"/>
+        <p14:creationId xmlns:p14="http://schemas.microsoft.com/office/powerpoint/2010/main" val="3249976081"/>
       </p:ext>
     </p:extLst>
   </p:cSld>
@@ -6676,7 +8598,7 @@
 </p:sld>
 </file>
 
-<file path=ppt/slides/slide29.xml><?xml version="1.0" encoding="utf-8"?>
+<file path=ppt/slides/slide33.xml><?xml version="1.0" encoding="utf-8"?>
 <p:sld xmlns:a="http://schemas.openxmlformats.org/drawingml/2006/main" xmlns:r="http://schemas.openxmlformats.org/officeDocument/2006/relationships" xmlns:p="http://schemas.openxmlformats.org/presentationml/2006/main">
   <p:cSld>
     <p:spTree>
@@ -6698,7 +8620,7 @@
           <p:cNvPr id="2" name="Título 1">
             <a:extLst>
               <a:ext uri="{FF2B5EF4-FFF2-40B4-BE49-F238E27FC236}">
-                <a16:creationId xmlns:a16="http://schemas.microsoft.com/office/drawing/2014/main" id="{7F922FEF-12C9-0F62-60F4-1E7EB1FFEF63}"/>
+                <a16:creationId xmlns:a16="http://schemas.microsoft.com/office/drawing/2014/main" id="{F13204D6-8FFA-008D-6F2D-8FFB32D2ABF6}"/>
               </a:ext>
             </a:extLst>
           </p:cNvPr>
@@ -6716,8 +8638,63 @@
           <a:p>
             <a:r>
               <a:rPr lang="es-ES" dirty="0"/>
-              <a:t>Tipos de XSS</a:t>
-            </a:r>
+              <a:t>¿Qué puede hacer un ataque XSS?</a:t>
+            </a:r>
+          </a:p>
+        </p:txBody>
+      </p:sp>
+      <p:sp>
+        <p:nvSpPr>
+          <p:cNvPr id="3" name="Marcador de contenido 2">
+            <a:extLst>
+              <a:ext uri="{FF2B5EF4-FFF2-40B4-BE49-F238E27FC236}">
+                <a16:creationId xmlns:a16="http://schemas.microsoft.com/office/drawing/2014/main" id="{DBA67C84-4BD3-B588-B195-E22EE7F737C5}"/>
+              </a:ext>
+            </a:extLst>
+          </p:cNvPr>
+          <p:cNvSpPr>
+            <a:spLocks noGrp="1"/>
+          </p:cNvSpPr>
+          <p:nvPr>
+            <p:ph idx="1"/>
+          </p:nvPr>
+        </p:nvSpPr>
+        <p:spPr/>
+        <p:txBody>
+          <a:bodyPr/>
+          <a:lstStyle/>
+          <a:p>
+            <a:r>
+              <a:rPr lang="es-ES" dirty="0"/>
+              <a:t>Robar cookies o tokens de sesión</a:t>
+            </a:r>
+          </a:p>
+          <a:p>
+            <a:r>
+              <a:rPr lang="es-ES" dirty="0"/>
+              <a:t>Suplantar identidad del usuario</a:t>
+            </a:r>
+          </a:p>
+          <a:p>
+            <a:r>
+              <a:rPr lang="es-ES" dirty="0"/>
+              <a:t>Redirigir a sitios maliciosos</a:t>
+            </a:r>
+          </a:p>
+          <a:p>
+            <a:r>
+              <a:rPr lang="es-ES" dirty="0"/>
+              <a:t>Mostrar contenido falso o engañoso</a:t>
+            </a:r>
+          </a:p>
+          <a:p>
+            <a:r>
+              <a:rPr lang="es-ES" dirty="0"/>
+              <a:t>Ejecutar acciones en nombre del usuario</a:t>
+            </a:r>
+          </a:p>
+          <a:p>
+            <a:endParaRPr lang="es-ES" dirty="0"/>
           </a:p>
         </p:txBody>
       </p:sp>
@@ -6726,7 +8703,7 @@
           <p:cNvPr id="4" name="Marcador de número de diapositiva 3">
             <a:extLst>
               <a:ext uri="{FF2B5EF4-FFF2-40B4-BE49-F238E27FC236}">
-                <a16:creationId xmlns:a16="http://schemas.microsoft.com/office/drawing/2014/main" id="{532AF997-30B0-0E29-A946-5F356D42589F}"/>
+                <a16:creationId xmlns:a16="http://schemas.microsoft.com/office/drawing/2014/main" id="{415F4E8B-1259-CF69-C7E2-DB9BB166FE46}"/>
               </a:ext>
             </a:extLst>
           </p:cNvPr>
@@ -6744,7 +8721,94 @@
           <a:p>
             <a:fld id="{DBA0B7A9-3FAC-4523-93F5-549EB9982FEE}" type="slidenum">
               <a:rPr lang="es-ES" smtClean="0"/>
-              <a:t>29</a:t>
+              <a:t>33</a:t>
+            </a:fld>
+            <a:endParaRPr lang="es-ES"/>
+          </a:p>
+        </p:txBody>
+      </p:sp>
+    </p:spTree>
+    <p:extLst>
+      <p:ext uri="{BB962C8B-B14F-4D97-AF65-F5344CB8AC3E}">
+        <p14:creationId xmlns:p14="http://schemas.microsoft.com/office/powerpoint/2010/main" val="2707772253"/>
+      </p:ext>
+    </p:extLst>
+  </p:cSld>
+  <p:clrMapOvr>
+    <a:masterClrMapping/>
+  </p:clrMapOvr>
+</p:sld>
+</file>
+
+<file path=ppt/slides/slide34.xml><?xml version="1.0" encoding="utf-8"?>
+<p:sld xmlns:a="http://schemas.openxmlformats.org/drawingml/2006/main" xmlns:r="http://schemas.openxmlformats.org/officeDocument/2006/relationships" xmlns:p="http://schemas.openxmlformats.org/presentationml/2006/main">
+  <p:cSld>
+    <p:spTree>
+      <p:nvGrpSpPr>
+        <p:cNvPr id="1" name=""/>
+        <p:cNvGrpSpPr/>
+        <p:nvPr/>
+      </p:nvGrpSpPr>
+      <p:grpSpPr>
+        <a:xfrm>
+          <a:off x="0" y="0"/>
+          <a:ext cx="0" cy="0"/>
+          <a:chOff x="0" y="0"/>
+          <a:chExt cx="0" cy="0"/>
+        </a:xfrm>
+      </p:grpSpPr>
+      <p:sp>
+        <p:nvSpPr>
+          <p:cNvPr id="2" name="Título 1">
+            <a:extLst>
+              <a:ext uri="{FF2B5EF4-FFF2-40B4-BE49-F238E27FC236}">
+                <a16:creationId xmlns:a16="http://schemas.microsoft.com/office/drawing/2014/main" id="{7F922FEF-12C9-0F62-60F4-1E7EB1FFEF63}"/>
+              </a:ext>
+            </a:extLst>
+          </p:cNvPr>
+          <p:cNvSpPr>
+            <a:spLocks noGrp="1"/>
+          </p:cNvSpPr>
+          <p:nvPr>
+            <p:ph type="title"/>
+          </p:nvPr>
+        </p:nvSpPr>
+        <p:spPr/>
+        <p:txBody>
+          <a:bodyPr/>
+          <a:lstStyle/>
+          <a:p>
+            <a:r>
+              <a:rPr lang="es-ES" dirty="0"/>
+              <a:t>Tipos de XSS</a:t>
+            </a:r>
+          </a:p>
+        </p:txBody>
+      </p:sp>
+      <p:sp>
+        <p:nvSpPr>
+          <p:cNvPr id="4" name="Marcador de número de diapositiva 3">
+            <a:extLst>
+              <a:ext uri="{FF2B5EF4-FFF2-40B4-BE49-F238E27FC236}">
+                <a16:creationId xmlns:a16="http://schemas.microsoft.com/office/drawing/2014/main" id="{532AF997-30B0-0E29-A946-5F356D42589F}"/>
+              </a:ext>
+            </a:extLst>
+          </p:cNvPr>
+          <p:cNvSpPr>
+            <a:spLocks noGrp="1"/>
+          </p:cNvSpPr>
+          <p:nvPr>
+            <p:ph type="sldNum" sz="quarter" idx="12"/>
+          </p:nvPr>
+        </p:nvSpPr>
+        <p:spPr/>
+        <p:txBody>
+          <a:bodyPr/>
+          <a:lstStyle/>
+          <a:p>
+            <a:fld id="{DBA0B7A9-3FAC-4523-93F5-549EB9982FEE}" type="slidenum">
+              <a:rPr lang="es-ES" smtClean="0"/>
+              <a:t>34</a:t>
             </a:fld>
             <a:endParaRPr lang="es-ES"/>
           </a:p>
@@ -6793,7 +8857,7 @@
 </p:sld>
 </file>
 
-<file path=ppt/slides/slide3.xml><?xml version="1.0" encoding="utf-8"?>
+<file path=ppt/slides/slide35.xml><?xml version="1.0" encoding="utf-8"?>
 <p:sld xmlns:a="http://schemas.openxmlformats.org/drawingml/2006/main" xmlns:r="http://schemas.openxmlformats.org/officeDocument/2006/relationships" xmlns:p="http://schemas.openxmlformats.org/presentationml/2006/main">
   <p:cSld>
     <p:spTree>
@@ -6815,47 +8879,191 @@
           <p:cNvPr id="2" name="Título 1">
             <a:extLst>
               <a:ext uri="{FF2B5EF4-FFF2-40B4-BE49-F238E27FC236}">
-                <a16:creationId xmlns:a16="http://schemas.microsoft.com/office/drawing/2014/main" id="{5CF8D18E-C664-94C6-13EE-7D876F567B29}"/>
-              </a:ext>
-            </a:extLst>
-          </p:cNvPr>
-          <p:cNvSpPr>
-            <a:spLocks noGrp="1"/>
-          </p:cNvSpPr>
-          <p:nvPr>
-            <p:ph type="ctrTitle"/>
-          </p:nvPr>
-        </p:nvSpPr>
-        <p:spPr>
-          <a:xfrm>
-            <a:off x="1524000" y="2131654"/>
-            <a:ext cx="9144000" cy="2387600"/>
-          </a:xfrm>
-        </p:spPr>
+                <a16:creationId xmlns:a16="http://schemas.microsoft.com/office/drawing/2014/main" id="{D0FFDAA3-3F2B-A7FB-7752-7C68EBEFC423}"/>
+              </a:ext>
+            </a:extLst>
+          </p:cNvPr>
+          <p:cNvSpPr>
+            <a:spLocks noGrp="1"/>
+          </p:cNvSpPr>
+          <p:nvPr>
+            <p:ph type="title"/>
+          </p:nvPr>
+        </p:nvSpPr>
+        <p:spPr/>
+        <p:txBody>
+          <a:bodyPr/>
+          <a:lstStyle/>
+          <a:p>
+            <a:r>
+              <a:rPr lang="es-ES" dirty="0"/>
+              <a:t>SQL </a:t>
+            </a:r>
+            <a:r>
+              <a:rPr lang="es-ES" dirty="0" err="1"/>
+              <a:t>Injection</a:t>
+            </a:r>
+            <a:endParaRPr lang="es-ES" dirty="0"/>
+          </a:p>
+        </p:txBody>
+      </p:sp>
+      <p:sp>
+        <p:nvSpPr>
+          <p:cNvPr id="3" name="Marcador de contenido 2">
+            <a:extLst>
+              <a:ext uri="{FF2B5EF4-FFF2-40B4-BE49-F238E27FC236}">
+                <a16:creationId xmlns:a16="http://schemas.microsoft.com/office/drawing/2014/main" id="{135070E8-80F2-9C1D-625F-CCD42B401613}"/>
+              </a:ext>
+            </a:extLst>
+          </p:cNvPr>
+          <p:cNvSpPr>
+            <a:spLocks noGrp="1"/>
+          </p:cNvSpPr>
+          <p:nvPr>
+            <p:ph idx="1"/>
+          </p:nvPr>
+        </p:nvSpPr>
+        <p:spPr/>
         <p:txBody>
           <a:bodyPr>
-            <a:normAutofit/>
+            <a:normAutofit fontScale="92500" lnSpcReduction="10000"/>
           </a:bodyPr>
           <a:lstStyle/>
           <a:p>
             <a:r>
               <a:rPr lang="es-ES" b="1" dirty="0"/>
-              <a:t>Autenticación  con JWT</a:t>
-            </a:r>
-            <a:br>
+              <a:t>SQL </a:t>
+            </a:r>
+            <a:r>
+              <a:rPr lang="es-ES" b="1" dirty="0" err="1"/>
+              <a:t>Injection</a:t>
+            </a:r>
+            <a:r>
               <a:rPr lang="es-ES" b="1" dirty="0"/>
-            </a:br>
+              <a:t> (</a:t>
+            </a:r>
+            <a:r>
+              <a:rPr lang="es-ES" b="1" dirty="0" err="1"/>
+              <a:t>SQLi</a:t>
+            </a:r>
             <a:r>
               <a:rPr lang="es-ES" b="1" dirty="0"/>
-              <a:t>JSON Web Tokens</a:t>
-            </a:r>
+              <a:t>)</a:t>
+            </a:r>
+            <a:r>
+              <a:rPr lang="es-ES" dirty="0"/>
+              <a:t> es un ataque que consiste en </a:t>
+            </a:r>
+            <a:r>
+              <a:rPr lang="es-ES" b="1" dirty="0"/>
+              <a:t>insertar código SQL malicioso</a:t>
+            </a:r>
+            <a:r>
+              <a:rPr lang="es-ES" dirty="0"/>
+              <a:t> en campos de entrada (como formularios o </a:t>
+            </a:r>
+            <a:r>
+              <a:rPr lang="es-ES" dirty="0" err="1"/>
+              <a:t>URLs</a:t>
+            </a:r>
+            <a:r>
+              <a:rPr lang="es-ES" dirty="0"/>
+              <a:t>) para manipular las consultas que tu aplicación envía a la base de datos.</a:t>
+            </a:r>
+          </a:p>
+          <a:p>
+            <a:endParaRPr lang="es-ES" dirty="0"/>
+          </a:p>
+          <a:p>
+            <a:endParaRPr lang="es-ES" dirty="0"/>
+          </a:p>
+          <a:p>
+            <a:r>
+              <a:rPr lang="es-ES" dirty="0"/>
+              <a:t>¿Qué se puede hacer con </a:t>
+            </a:r>
+            <a:r>
+              <a:rPr lang="es-ES" dirty="0" err="1"/>
+              <a:t>SQLi</a:t>
+            </a:r>
+            <a:r>
+              <a:rPr lang="es-ES" dirty="0"/>
+              <a:t>?</a:t>
+            </a:r>
+          </a:p>
+          <a:p>
+            <a:pPr lvl="1"/>
+            <a:r>
+              <a:rPr lang="es-ES" dirty="0"/>
+              <a:t>Ver o robar datos confidenciales (usuarios, contraseñas, tarjetas)</a:t>
+            </a:r>
+          </a:p>
+          <a:p>
+            <a:pPr lvl="1"/>
+            <a:r>
+              <a:rPr lang="es-ES" dirty="0"/>
+              <a:t>Borrar o modificar registros</a:t>
+            </a:r>
+          </a:p>
+          <a:p>
+            <a:pPr lvl="1"/>
+            <a:r>
+              <a:rPr lang="es-ES" dirty="0"/>
+              <a:t>Eludir autenticaciones</a:t>
+            </a:r>
+          </a:p>
+          <a:p>
+            <a:pPr lvl="1"/>
+            <a:r>
+              <a:rPr lang="es-ES" dirty="0"/>
+              <a:t>Tomar control del servidor de base de datos</a:t>
+            </a:r>
+          </a:p>
+          <a:p>
+            <a:pPr lvl="1"/>
+            <a:r>
+              <a:rPr lang="es-ES" dirty="0"/>
+              <a:t>Es como si el atacante escribiera comandos directamente en tu consola SQL, aprovechando que tu aplicación confía ciegamente en lo que el usuario escribe</a:t>
+            </a:r>
+          </a:p>
+          <a:p>
+            <a:endParaRPr lang="es-ES" dirty="0"/>
+          </a:p>
+        </p:txBody>
+      </p:sp>
+      <p:sp>
+        <p:nvSpPr>
+          <p:cNvPr id="4" name="Marcador de número de diapositiva 3">
+            <a:extLst>
+              <a:ext uri="{FF2B5EF4-FFF2-40B4-BE49-F238E27FC236}">
+                <a16:creationId xmlns:a16="http://schemas.microsoft.com/office/drawing/2014/main" id="{D10F678B-214F-19F7-A127-A555F41B2468}"/>
+              </a:ext>
+            </a:extLst>
+          </p:cNvPr>
+          <p:cNvSpPr>
+            <a:spLocks noGrp="1"/>
+          </p:cNvSpPr>
+          <p:nvPr>
+            <p:ph type="sldNum" sz="quarter" idx="12"/>
+          </p:nvPr>
+        </p:nvSpPr>
+        <p:spPr/>
+        <p:txBody>
+          <a:bodyPr/>
+          <a:lstStyle/>
+          <a:p>
+            <a:fld id="{DBA0B7A9-3FAC-4523-93F5-549EB9982FEE}" type="slidenum">
+              <a:rPr lang="es-ES" smtClean="0"/>
+              <a:t>35</a:t>
+            </a:fld>
+            <a:endParaRPr lang="es-ES"/>
           </a:p>
         </p:txBody>
       </p:sp>
     </p:spTree>
     <p:extLst>
       <p:ext uri="{BB962C8B-B14F-4D97-AF65-F5344CB8AC3E}">
-        <p14:creationId xmlns:p14="http://schemas.microsoft.com/office/powerpoint/2010/main" val="1465314202"/>
+        <p14:creationId xmlns:p14="http://schemas.microsoft.com/office/powerpoint/2010/main" val="714969172"/>
       </p:ext>
     </p:extLst>
   </p:cSld>
@@ -6865,7 +9073,7 @@
 </p:sld>
 </file>
 
-<file path=ppt/slides/slide30.xml><?xml version="1.0" encoding="utf-8"?>
+<file path=ppt/slides/slide36.xml><?xml version="1.0" encoding="utf-8"?>
 <p:sld xmlns:a="http://schemas.openxmlformats.org/drawingml/2006/main" xmlns:r="http://schemas.openxmlformats.org/officeDocument/2006/relationships" xmlns:p="http://schemas.openxmlformats.org/presentationml/2006/main">
   <p:cSld>
     <p:spTree>
@@ -6887,7 +9095,7 @@
           <p:cNvPr id="2" name="Título 1">
             <a:extLst>
               <a:ext uri="{FF2B5EF4-FFF2-40B4-BE49-F238E27FC236}">
-                <a16:creationId xmlns:a16="http://schemas.microsoft.com/office/drawing/2014/main" id="{D0FFDAA3-3F2B-A7FB-7752-7C68EBEFC423}"/>
+                <a16:creationId xmlns:a16="http://schemas.microsoft.com/office/drawing/2014/main" id="{0508B842-45C0-6B23-8F11-2F1E92BF0384}"/>
               </a:ext>
             </a:extLst>
           </p:cNvPr>
@@ -6905,137 +9113,69 @@
           <a:p>
             <a:r>
               <a:rPr lang="es-ES" dirty="0"/>
-              <a:t>SQL </a:t>
-            </a:r>
-            <a:r>
-              <a:rPr lang="es-ES" dirty="0" err="1"/>
-              <a:t>Injection</a:t>
-            </a:r>
+              <a:t>Ejemplo</a:t>
+            </a:r>
+          </a:p>
+        </p:txBody>
+      </p:sp>
+      <p:sp>
+        <p:nvSpPr>
+          <p:cNvPr id="3" name="Marcador de contenido 2">
+            <a:extLst>
+              <a:ext uri="{FF2B5EF4-FFF2-40B4-BE49-F238E27FC236}">
+                <a16:creationId xmlns:a16="http://schemas.microsoft.com/office/drawing/2014/main" id="{A3C2F3A6-DE3F-228C-7DAF-7CF0409A63DF}"/>
+              </a:ext>
+            </a:extLst>
+          </p:cNvPr>
+          <p:cNvSpPr>
+            <a:spLocks noGrp="1"/>
+          </p:cNvSpPr>
+          <p:nvPr>
+            <p:ph idx="1"/>
+          </p:nvPr>
+        </p:nvSpPr>
+        <p:spPr/>
+        <p:txBody>
+          <a:bodyPr/>
+          <a:lstStyle/>
+          <a:p>
+            <a:r>
+              <a:rPr lang="en-US" dirty="0"/>
+              <a:t>std::string query = "SELECT * FROM </a:t>
+            </a:r>
+            <a:r>
+              <a:rPr lang="en-US" dirty="0" err="1"/>
+              <a:t>usuarios</a:t>
+            </a:r>
+            <a:r>
+              <a:rPr lang="en-US" dirty="0"/>
+              <a:t> WHERE </a:t>
+            </a:r>
+            <a:r>
+              <a:rPr lang="en-US" dirty="0" err="1"/>
+              <a:t>nombre</a:t>
+            </a:r>
+            <a:r>
+              <a:rPr lang="en-US" dirty="0"/>
+              <a:t> = '" + </a:t>
+            </a:r>
+            <a:r>
+              <a:rPr lang="en-US" dirty="0" err="1"/>
+              <a:t>nombre</a:t>
+            </a:r>
+            <a:r>
+              <a:rPr lang="en-US" dirty="0"/>
+              <a:t> + “’”;</a:t>
+            </a:r>
+          </a:p>
+          <a:p>
             <a:endParaRPr lang="es-ES" dirty="0"/>
           </a:p>
-        </p:txBody>
-      </p:sp>
-      <p:sp>
-        <p:nvSpPr>
-          <p:cNvPr id="3" name="Marcador de contenido 2">
-            <a:extLst>
-              <a:ext uri="{FF2B5EF4-FFF2-40B4-BE49-F238E27FC236}">
-                <a16:creationId xmlns:a16="http://schemas.microsoft.com/office/drawing/2014/main" id="{135070E8-80F2-9C1D-625F-CCD42B401613}"/>
-              </a:ext>
-            </a:extLst>
-          </p:cNvPr>
-          <p:cNvSpPr>
-            <a:spLocks noGrp="1"/>
-          </p:cNvSpPr>
-          <p:nvPr>
-            <p:ph idx="1"/>
-          </p:nvPr>
-        </p:nvSpPr>
-        <p:spPr/>
-        <p:txBody>
-          <a:bodyPr>
-            <a:normAutofit fontScale="92500" lnSpcReduction="10000"/>
-          </a:bodyPr>
-          <a:lstStyle/>
-          <a:p>
-            <a:r>
-              <a:rPr lang="es-ES" b="1" dirty="0"/>
-              <a:t>SQL </a:t>
-            </a:r>
-            <a:r>
-              <a:rPr lang="es-ES" b="1" dirty="0" err="1"/>
-              <a:t>Injection</a:t>
-            </a:r>
-            <a:r>
-              <a:rPr lang="es-ES" b="1" dirty="0"/>
-              <a:t> (</a:t>
-            </a:r>
-            <a:r>
-              <a:rPr lang="es-ES" b="1" dirty="0" err="1"/>
-              <a:t>SQLi</a:t>
-            </a:r>
-            <a:r>
-              <a:rPr lang="es-ES" b="1" dirty="0"/>
-              <a:t>)</a:t>
-            </a:r>
-            <a:r>
-              <a:rPr lang="es-ES" dirty="0"/>
-              <a:t> es un ataque que consiste en </a:t>
-            </a:r>
-            <a:r>
-              <a:rPr lang="es-ES" b="1" dirty="0"/>
-              <a:t>insertar código SQL malicioso</a:t>
-            </a:r>
-            <a:r>
-              <a:rPr lang="es-ES" dirty="0"/>
-              <a:t> en campos de entrada (como formularios o </a:t>
-            </a:r>
-            <a:r>
-              <a:rPr lang="es-ES" dirty="0" err="1"/>
-              <a:t>URLs</a:t>
-            </a:r>
-            <a:r>
-              <a:rPr lang="es-ES" dirty="0"/>
-              <a:t>) para manipular las consultas que tu aplicación envía a la base de datos.</a:t>
-            </a:r>
-          </a:p>
-          <a:p>
-            <a:endParaRPr lang="es-ES" dirty="0"/>
-          </a:p>
-          <a:p>
-            <a:endParaRPr lang="es-ES" dirty="0"/>
-          </a:p>
-          <a:p>
-            <a:r>
-              <a:rPr lang="es-ES" dirty="0"/>
-              <a:t>¿Qué se puede hacer con </a:t>
-            </a:r>
-            <a:r>
-              <a:rPr lang="es-ES" dirty="0" err="1"/>
-              <a:t>SQLi</a:t>
-            </a:r>
-            <a:r>
-              <a:rPr lang="es-ES" dirty="0"/>
-              <a:t>?</a:t>
-            </a:r>
-          </a:p>
-          <a:p>
-            <a:pPr lvl="1"/>
-            <a:r>
-              <a:rPr lang="es-ES" dirty="0"/>
-              <a:t>Ver o robar datos confidenciales (usuarios, contraseñas, tarjetas)</a:t>
-            </a:r>
-          </a:p>
-          <a:p>
-            <a:pPr lvl="1"/>
-            <a:r>
-              <a:rPr lang="es-ES" dirty="0"/>
-              <a:t>Borrar o modificar registros</a:t>
-            </a:r>
-          </a:p>
-          <a:p>
-            <a:pPr lvl="1"/>
-            <a:r>
-              <a:rPr lang="es-ES" dirty="0"/>
-              <a:t>Eludir autenticaciones</a:t>
-            </a:r>
-          </a:p>
-          <a:p>
-            <a:pPr lvl="1"/>
-            <a:r>
-              <a:rPr lang="es-ES" dirty="0"/>
-              <a:t>Tomar control del servidor de base de datos</a:t>
-            </a:r>
-          </a:p>
-          <a:p>
-            <a:pPr lvl="1"/>
-            <a:r>
-              <a:rPr lang="es-ES" dirty="0"/>
-              <a:t>Es como si el atacante escribiera comandos directamente en tu consola SQL, aprovechando que tu aplicación confía ciegamente en lo que el usuario escribe</a:t>
-            </a:r>
-          </a:p>
-          <a:p>
-            <a:endParaRPr lang="es-ES" dirty="0"/>
+          <a:p>
+            <a:r>
+              <a:rPr lang="es-ES" dirty="0"/>
+              <a:t>Se añade OR ‘1’ = ‘1’</a:t>
+            </a:r>
           </a:p>
         </p:txBody>
       </p:sp>
@@ -7044,7 +9184,7 @@
           <p:cNvPr id="4" name="Marcador de número de diapositiva 3">
             <a:extLst>
               <a:ext uri="{FF2B5EF4-FFF2-40B4-BE49-F238E27FC236}">
-                <a16:creationId xmlns:a16="http://schemas.microsoft.com/office/drawing/2014/main" id="{D10F678B-214F-19F7-A127-A555F41B2468}"/>
+                <a16:creationId xmlns:a16="http://schemas.microsoft.com/office/drawing/2014/main" id="{AACA4CD1-782C-C3CC-C6B8-410BA1D60746}"/>
               </a:ext>
             </a:extLst>
           </p:cNvPr>
@@ -7062,7 +9202,7 @@
           <a:p>
             <a:fld id="{DBA0B7A9-3FAC-4523-93F5-549EB9982FEE}" type="slidenum">
               <a:rPr lang="es-ES" smtClean="0"/>
-              <a:t>30</a:t>
+              <a:t>36</a:t>
             </a:fld>
             <a:endParaRPr lang="es-ES"/>
           </a:p>
@@ -7071,7 +9211,7 @@
     </p:spTree>
     <p:extLst>
       <p:ext uri="{BB962C8B-B14F-4D97-AF65-F5344CB8AC3E}">
-        <p14:creationId xmlns:p14="http://schemas.microsoft.com/office/powerpoint/2010/main" val="714969172"/>
+        <p14:creationId xmlns:p14="http://schemas.microsoft.com/office/powerpoint/2010/main" val="2566275869"/>
       </p:ext>
     </p:extLst>
   </p:cSld>
@@ -7081,7 +9221,7 @@
 </p:sld>
 </file>
 
-<file path=ppt/slides/slide31.xml><?xml version="1.0" encoding="utf-8"?>
+<file path=ppt/slides/slide37.xml><?xml version="1.0" encoding="utf-8"?>
 <p:sld xmlns:a="http://schemas.openxmlformats.org/drawingml/2006/main" xmlns:r="http://schemas.openxmlformats.org/officeDocument/2006/relationships" xmlns:p="http://schemas.openxmlformats.org/presentationml/2006/main">
   <p:cSld>
     <p:spTree>
@@ -7103,7 +9243,7 @@
           <p:cNvPr id="2" name="Título 1">
             <a:extLst>
               <a:ext uri="{FF2B5EF4-FFF2-40B4-BE49-F238E27FC236}">
-                <a16:creationId xmlns:a16="http://schemas.microsoft.com/office/drawing/2014/main" id="{0508B842-45C0-6B23-8F11-2F1E92BF0384}"/>
+                <a16:creationId xmlns:a16="http://schemas.microsoft.com/office/drawing/2014/main" id="{B577FEF7-9A52-582A-14F1-8BE7AA5B6585}"/>
               </a:ext>
             </a:extLst>
           </p:cNvPr>
@@ -7119,10 +9259,7 @@
           <a:bodyPr/>
           <a:lstStyle/>
           <a:p>
-            <a:r>
-              <a:rPr lang="es-ES" dirty="0"/>
-              <a:t>Ejemplo</a:t>
-            </a:r>
+            <a:endParaRPr lang="es-ES"/>
           </a:p>
         </p:txBody>
       </p:sp>
@@ -7131,7 +9268,7 @@
           <p:cNvPr id="3" name="Marcador de contenido 2">
             <a:extLst>
               <a:ext uri="{FF2B5EF4-FFF2-40B4-BE49-F238E27FC236}">
-                <a16:creationId xmlns:a16="http://schemas.microsoft.com/office/drawing/2014/main" id="{A3C2F3A6-DE3F-228C-7DAF-7CF0409A63DF}"/>
+                <a16:creationId xmlns:a16="http://schemas.microsoft.com/office/drawing/2014/main" id="{B101A160-6FB2-3A6E-6229-85771B610887}"/>
               </a:ext>
             </a:extLst>
           </p:cNvPr>
@@ -7147,43 +9284,7 @@
           <a:bodyPr/>
           <a:lstStyle/>
           <a:p>
-            <a:r>
-              <a:rPr lang="en-US" dirty="0"/>
-              <a:t>std::string query = "SELECT * FROM </a:t>
-            </a:r>
-            <a:r>
-              <a:rPr lang="en-US" dirty="0" err="1"/>
-              <a:t>usuarios</a:t>
-            </a:r>
-            <a:r>
-              <a:rPr lang="en-US" dirty="0"/>
-              <a:t> WHERE </a:t>
-            </a:r>
-            <a:r>
-              <a:rPr lang="en-US" dirty="0" err="1"/>
-              <a:t>nombre</a:t>
-            </a:r>
-            <a:r>
-              <a:rPr lang="en-US" dirty="0"/>
-              <a:t> = '" + </a:t>
-            </a:r>
-            <a:r>
-              <a:rPr lang="en-US" dirty="0" err="1"/>
-              <a:t>nombre</a:t>
-            </a:r>
-            <a:r>
-              <a:rPr lang="en-US" dirty="0"/>
-              <a:t> + “’”;</a:t>
-            </a:r>
-          </a:p>
-          <a:p>
-            <a:endParaRPr lang="es-ES" dirty="0"/>
-          </a:p>
-          <a:p>
-            <a:r>
-              <a:rPr lang="es-ES" dirty="0"/>
-              <a:t>Se añade OR ‘1’ = ‘1’</a:t>
-            </a:r>
+            <a:endParaRPr lang="es-ES"/>
           </a:p>
         </p:txBody>
       </p:sp>
@@ -7192,7 +9293,7 @@
           <p:cNvPr id="4" name="Marcador de número de diapositiva 3">
             <a:extLst>
               <a:ext uri="{FF2B5EF4-FFF2-40B4-BE49-F238E27FC236}">
-                <a16:creationId xmlns:a16="http://schemas.microsoft.com/office/drawing/2014/main" id="{AACA4CD1-782C-C3CC-C6B8-410BA1D60746}"/>
+                <a16:creationId xmlns:a16="http://schemas.microsoft.com/office/drawing/2014/main" id="{DEAD8F99-7EA7-B6A1-F681-FFE03C174AD0}"/>
               </a:ext>
             </a:extLst>
           </p:cNvPr>
@@ -7210,116 +9311,7 @@
           <a:p>
             <a:fld id="{DBA0B7A9-3FAC-4523-93F5-549EB9982FEE}" type="slidenum">
               <a:rPr lang="es-ES" smtClean="0"/>
-              <a:t>31</a:t>
-            </a:fld>
-            <a:endParaRPr lang="es-ES"/>
-          </a:p>
-        </p:txBody>
-      </p:sp>
-    </p:spTree>
-    <p:extLst>
-      <p:ext uri="{BB962C8B-B14F-4D97-AF65-F5344CB8AC3E}">
-        <p14:creationId xmlns:p14="http://schemas.microsoft.com/office/powerpoint/2010/main" val="2566275869"/>
-      </p:ext>
-    </p:extLst>
-  </p:cSld>
-  <p:clrMapOvr>
-    <a:masterClrMapping/>
-  </p:clrMapOvr>
-</p:sld>
-</file>
-
-<file path=ppt/slides/slide32.xml><?xml version="1.0" encoding="utf-8"?>
-<p:sld xmlns:a="http://schemas.openxmlformats.org/drawingml/2006/main" xmlns:r="http://schemas.openxmlformats.org/officeDocument/2006/relationships" xmlns:p="http://schemas.openxmlformats.org/presentationml/2006/main">
-  <p:cSld>
-    <p:spTree>
-      <p:nvGrpSpPr>
-        <p:cNvPr id="1" name=""/>
-        <p:cNvGrpSpPr/>
-        <p:nvPr/>
-      </p:nvGrpSpPr>
-      <p:grpSpPr>
-        <a:xfrm>
-          <a:off x="0" y="0"/>
-          <a:ext cx="0" cy="0"/>
-          <a:chOff x="0" y="0"/>
-          <a:chExt cx="0" cy="0"/>
-        </a:xfrm>
-      </p:grpSpPr>
-      <p:sp>
-        <p:nvSpPr>
-          <p:cNvPr id="2" name="Título 1">
-            <a:extLst>
-              <a:ext uri="{FF2B5EF4-FFF2-40B4-BE49-F238E27FC236}">
-                <a16:creationId xmlns:a16="http://schemas.microsoft.com/office/drawing/2014/main" id="{B577FEF7-9A52-582A-14F1-8BE7AA5B6585}"/>
-              </a:ext>
-            </a:extLst>
-          </p:cNvPr>
-          <p:cNvSpPr>
-            <a:spLocks noGrp="1"/>
-          </p:cNvSpPr>
-          <p:nvPr>
-            <p:ph type="title"/>
-          </p:nvPr>
-        </p:nvSpPr>
-        <p:spPr/>
-        <p:txBody>
-          <a:bodyPr/>
-          <a:lstStyle/>
-          <a:p>
-            <a:endParaRPr lang="es-ES"/>
-          </a:p>
-        </p:txBody>
-      </p:sp>
-      <p:sp>
-        <p:nvSpPr>
-          <p:cNvPr id="3" name="Marcador de contenido 2">
-            <a:extLst>
-              <a:ext uri="{FF2B5EF4-FFF2-40B4-BE49-F238E27FC236}">
-                <a16:creationId xmlns:a16="http://schemas.microsoft.com/office/drawing/2014/main" id="{B101A160-6FB2-3A6E-6229-85771B610887}"/>
-              </a:ext>
-            </a:extLst>
-          </p:cNvPr>
-          <p:cNvSpPr>
-            <a:spLocks noGrp="1"/>
-          </p:cNvSpPr>
-          <p:nvPr>
-            <p:ph idx="1"/>
-          </p:nvPr>
-        </p:nvSpPr>
-        <p:spPr/>
-        <p:txBody>
-          <a:bodyPr/>
-          <a:lstStyle/>
-          <a:p>
-            <a:endParaRPr lang="es-ES"/>
-          </a:p>
-        </p:txBody>
-      </p:sp>
-      <p:sp>
-        <p:nvSpPr>
-          <p:cNvPr id="4" name="Marcador de número de diapositiva 3">
-            <a:extLst>
-              <a:ext uri="{FF2B5EF4-FFF2-40B4-BE49-F238E27FC236}">
-                <a16:creationId xmlns:a16="http://schemas.microsoft.com/office/drawing/2014/main" id="{DEAD8F99-7EA7-B6A1-F681-FFE03C174AD0}"/>
-              </a:ext>
-            </a:extLst>
-          </p:cNvPr>
-          <p:cNvSpPr>
-            <a:spLocks noGrp="1"/>
-          </p:cNvSpPr>
-          <p:nvPr>
-            <p:ph type="sldNum" sz="quarter" idx="12"/>
-          </p:nvPr>
-        </p:nvSpPr>
-        <p:spPr/>
-        <p:txBody>
-          <a:bodyPr/>
-          <a:lstStyle/>
-          <a:p>
-            <a:fld id="{DBA0B7A9-3FAC-4523-93F5-549EB9982FEE}" type="slidenum">
-              <a:rPr lang="es-ES" smtClean="0"/>
-              <a:t>32</a:t>
+              <a:t>37</a:t>
             </a:fld>
             <a:endParaRPr lang="es-ES"/>
           </a:p>

--- a/doc/6_Seguridad_servicios_web_cpp.pptx
+++ b/doc/6_Seguridad_servicios_web_cpp.pptx
@@ -5,7 +5,7 @@
     <p:sldMasterId id="2147483648" r:id="rId1"/>
   </p:sldMasterIdLst>
   <p:notesMasterIdLst>
-    <p:notesMasterId r:id="rId39"/>
+    <p:notesMasterId r:id="rId42"/>
   </p:notesMasterIdLst>
   <p:sldIdLst>
     <p:sldId id="256" r:id="rId2"/>
@@ -28,23 +28,26 @@
     <p:sldId id="293" r:id="rId19"/>
     <p:sldId id="282" r:id="rId20"/>
     <p:sldId id="295" r:id="rId21"/>
-    <p:sldId id="296" r:id="rId22"/>
-    <p:sldId id="294" r:id="rId23"/>
-    <p:sldId id="298" r:id="rId24"/>
-    <p:sldId id="297" r:id="rId25"/>
-    <p:sldId id="299" r:id="rId26"/>
-    <p:sldId id="286" r:id="rId27"/>
-    <p:sldId id="288" r:id="rId28"/>
-    <p:sldId id="259" r:id="rId29"/>
-    <p:sldId id="287" r:id="rId30"/>
-    <p:sldId id="289" r:id="rId31"/>
-    <p:sldId id="260" r:id="rId32"/>
-    <p:sldId id="261" r:id="rId33"/>
-    <p:sldId id="283" r:id="rId34"/>
-    <p:sldId id="284" r:id="rId35"/>
-    <p:sldId id="262" r:id="rId36"/>
-    <p:sldId id="285" r:id="rId37"/>
-    <p:sldId id="267" r:id="rId38"/>
+    <p:sldId id="300" r:id="rId22"/>
+    <p:sldId id="301" r:id="rId23"/>
+    <p:sldId id="302" r:id="rId24"/>
+    <p:sldId id="296" r:id="rId25"/>
+    <p:sldId id="294" r:id="rId26"/>
+    <p:sldId id="298" r:id="rId27"/>
+    <p:sldId id="297" r:id="rId28"/>
+    <p:sldId id="299" r:id="rId29"/>
+    <p:sldId id="286" r:id="rId30"/>
+    <p:sldId id="288" r:id="rId31"/>
+    <p:sldId id="259" r:id="rId32"/>
+    <p:sldId id="287" r:id="rId33"/>
+    <p:sldId id="289" r:id="rId34"/>
+    <p:sldId id="260" r:id="rId35"/>
+    <p:sldId id="261" r:id="rId36"/>
+    <p:sldId id="283" r:id="rId37"/>
+    <p:sldId id="284" r:id="rId38"/>
+    <p:sldId id="262" r:id="rId39"/>
+    <p:sldId id="285" r:id="rId40"/>
+    <p:sldId id="267" r:id="rId41"/>
   </p:sldIdLst>
   <p:sldSz cx="12192000" cy="6858000"/>
   <p:notesSz cx="6858000" cy="9144000"/>
@@ -233,7 +236,7 @@
           <a:p>
             <a:fld id="{C0105BFE-F8C0-4CB0-994C-2CEB086537AE}" type="datetimeFigureOut">
               <a:rPr lang="es-ES" smtClean="0"/>
-              <a:t>09/09/2025</a:t>
+              <a:t>10/09/2025</a:t>
             </a:fld>
             <a:endParaRPr lang="es-ES"/>
           </a:p>
@@ -647,7 +650,7 @@
           <a:p>
             <a:fld id="{C176BE9F-075D-4B9A-8C7E-8F34BC0EBF7E}" type="datetime1">
               <a:rPr lang="es-ES" smtClean="0"/>
-              <a:t>09/09/2025</a:t>
+              <a:t>10/09/2025</a:t>
             </a:fld>
             <a:endParaRPr lang="es-ES"/>
           </a:p>
@@ -845,7 +848,7 @@
           <a:p>
             <a:fld id="{BDBB71CB-5684-4E5F-828B-4EA7488B09E5}" type="datetime1">
               <a:rPr lang="es-ES" smtClean="0"/>
-              <a:t>09/09/2025</a:t>
+              <a:t>10/09/2025</a:t>
             </a:fld>
             <a:endParaRPr lang="es-ES"/>
           </a:p>
@@ -1053,7 +1056,7 @@
           <a:p>
             <a:fld id="{2449C922-3FE7-4AAC-870C-083A8E7EF6CB}" type="datetime1">
               <a:rPr lang="es-ES" smtClean="0"/>
-              <a:t>09/09/2025</a:t>
+              <a:t>10/09/2025</a:t>
             </a:fld>
             <a:endParaRPr lang="es-ES"/>
           </a:p>
@@ -1251,7 +1254,7 @@
           <a:p>
             <a:fld id="{F0DDF417-A629-4C70-8C96-A2511322911D}" type="datetime1">
               <a:rPr lang="es-ES" smtClean="0"/>
-              <a:t>09/09/2025</a:t>
+              <a:t>10/09/2025</a:t>
             </a:fld>
             <a:endParaRPr lang="es-ES"/>
           </a:p>
@@ -1526,7 +1529,7 @@
           <a:p>
             <a:fld id="{21D39644-2C66-44B9-991F-367EB785EA95}" type="datetime1">
               <a:rPr lang="es-ES" smtClean="0"/>
-              <a:t>09/09/2025</a:t>
+              <a:t>10/09/2025</a:t>
             </a:fld>
             <a:endParaRPr lang="es-ES"/>
           </a:p>
@@ -1791,7 +1794,7 @@
           <a:p>
             <a:fld id="{F5CA4904-31BE-4CC8-9326-41755D11DB56}" type="datetime1">
               <a:rPr lang="es-ES" smtClean="0"/>
-              <a:t>09/09/2025</a:t>
+              <a:t>10/09/2025</a:t>
             </a:fld>
             <a:endParaRPr lang="es-ES"/>
           </a:p>
@@ -2203,7 +2206,7 @@
           <a:p>
             <a:fld id="{B702534F-1106-4B82-9914-821D3BDCDD2D}" type="datetime1">
               <a:rPr lang="es-ES" smtClean="0"/>
-              <a:t>09/09/2025</a:t>
+              <a:t>10/09/2025</a:t>
             </a:fld>
             <a:endParaRPr lang="es-ES"/>
           </a:p>
@@ -2344,7 +2347,7 @@
           <a:p>
             <a:fld id="{019B9452-5EB9-4B9D-A8FD-BD9908F4ED9D}" type="datetime1">
               <a:rPr lang="es-ES" smtClean="0"/>
-              <a:t>09/09/2025</a:t>
+              <a:t>10/09/2025</a:t>
             </a:fld>
             <a:endParaRPr lang="es-ES"/>
           </a:p>
@@ -2457,7 +2460,7 @@
           <a:p>
             <a:fld id="{2C812AAC-8D93-4B1B-A847-765659A7CAF8}" type="datetime1">
               <a:rPr lang="es-ES" smtClean="0"/>
-              <a:t>09/09/2025</a:t>
+              <a:t>10/09/2025</a:t>
             </a:fld>
             <a:endParaRPr lang="es-ES"/>
           </a:p>
@@ -2768,7 +2771,7 @@
           <a:p>
             <a:fld id="{0867E15E-D8E4-4C68-85C0-DCF28E88C0FC}" type="datetime1">
               <a:rPr lang="es-ES" smtClean="0"/>
-              <a:t>09/09/2025</a:t>
+              <a:t>10/09/2025</a:t>
             </a:fld>
             <a:endParaRPr lang="es-ES"/>
           </a:p>
@@ -3056,7 +3059,7 @@
           <a:p>
             <a:fld id="{A7B64B4E-B5E3-4C6C-9453-D2CCCEC97645}" type="datetime1">
               <a:rPr lang="es-ES" smtClean="0"/>
-              <a:t>09/09/2025</a:t>
+              <a:t>10/09/2025</a:t>
             </a:fld>
             <a:endParaRPr lang="es-ES"/>
           </a:p>
@@ -3297,7 +3300,7 @@
           <a:p>
             <a:fld id="{CEC9F262-013F-4633-A9BD-CF87CBD95522}" type="datetime1">
               <a:rPr lang="es-ES" smtClean="0"/>
-              <a:t>09/09/2025</a:t>
+              <a:t>10/09/2025</a:t>
             </a:fld>
             <a:endParaRPr lang="es-ES"/>
           </a:p>
@@ -5874,6 +5877,20 @@
             </a:r>
           </a:p>
           <a:p>
+            <a:pPr lvl="2"/>
+            <a:r>
+              <a:rPr lang="es-ES" sz="2800" dirty="0"/>
+              <a:t>Si hay varios emisores de tokens este valor puede variar.</a:t>
+            </a:r>
+          </a:p>
+          <a:p>
+            <a:pPr lvl="2"/>
+            <a:r>
+              <a:rPr lang="es-ES" sz="2800" dirty="0"/>
+              <a:t>Incluso, se puede validar</a:t>
+            </a:r>
+          </a:p>
+          <a:p>
             <a:pPr lvl="1"/>
             <a:r>
               <a:rPr lang="es-ES" sz="3200" b="1" dirty="0" err="1"/>
@@ -5980,7 +5997,7 @@
           <p:cNvPr id="2" name="Título 1">
             <a:extLst>
               <a:ext uri="{FF2B5EF4-FFF2-40B4-BE49-F238E27FC236}">
-                <a16:creationId xmlns:a16="http://schemas.microsoft.com/office/drawing/2014/main" id="{0ED12901-ECA1-5C4B-A474-BE40A2BCFEBD}"/>
+                <a16:creationId xmlns:a16="http://schemas.microsoft.com/office/drawing/2014/main" id="{D52E33FF-2260-2435-D506-D2EF4A1FA01F}"/>
               </a:ext>
             </a:extLst>
           </p:cNvPr>
@@ -5997,9 +6014,10 @@
           <a:lstStyle/>
           <a:p>
             <a:r>
-              <a:rPr lang="es-ES" dirty="0"/>
-              <a:t>Respuesta al cliente</a:t>
-            </a:r>
+              <a:rPr lang="es-ES" dirty="0" err="1"/>
+              <a:t>payload</a:t>
+            </a:r>
+            <a:endParaRPr lang="es-ES" dirty="0"/>
           </a:p>
         </p:txBody>
       </p:sp>
@@ -6008,7 +6026,7 @@
           <p:cNvPr id="3" name="Marcador de contenido 2">
             <a:extLst>
               <a:ext uri="{FF2B5EF4-FFF2-40B4-BE49-F238E27FC236}">
-                <a16:creationId xmlns:a16="http://schemas.microsoft.com/office/drawing/2014/main" id="{E402C238-1117-DCAF-8348-C033EBA13441}"/>
+                <a16:creationId xmlns:a16="http://schemas.microsoft.com/office/drawing/2014/main" id="{9F8E620C-D349-2A67-4D98-FD1D64C427D6}"/>
               </a:ext>
             </a:extLst>
           </p:cNvPr>
@@ -6019,58 +6037,19 @@
             <p:ph idx="1"/>
           </p:nvPr>
         </p:nvSpPr>
-        <p:spPr/>
-        <p:txBody>
-          <a:bodyPr/>
-          <a:lstStyle/>
-          <a:p>
-            <a:r>
-              <a:rPr lang="es-ES" dirty="0" err="1"/>
-              <a:t>crow</a:t>
-            </a:r>
-            <a:r>
-              <a:rPr lang="es-ES" dirty="0"/>
-              <a:t>::</a:t>
-            </a:r>
-            <a:r>
-              <a:rPr lang="es-ES" dirty="0" err="1"/>
-              <a:t>json</a:t>
-            </a:r>
-            <a:r>
-              <a:rPr lang="es-ES" dirty="0"/>
-              <a:t>::</a:t>
-            </a:r>
-            <a:r>
-              <a:rPr lang="es-ES" dirty="0" err="1"/>
-              <a:t>wvalue</a:t>
-            </a:r>
-            <a:r>
-              <a:rPr lang="es-ES" dirty="0"/>
-              <a:t> respuesta;</a:t>
-            </a:r>
-          </a:p>
-          <a:p>
-            <a:r>
-              <a:rPr lang="es-ES" dirty="0"/>
-              <a:t>respuesta["token"] = token;</a:t>
-            </a:r>
-          </a:p>
-          <a:p>
-            <a:r>
-              <a:rPr lang="es-ES" dirty="0" err="1"/>
-              <a:t>return</a:t>
-            </a:r>
-            <a:r>
-              <a:rPr lang="es-ES" dirty="0"/>
-              <a:t> </a:t>
-            </a:r>
-            <a:r>
-              <a:rPr lang="es-ES" dirty="0" err="1"/>
-              <a:t>crow</a:t>
-            </a:r>
-            <a:r>
-              <a:rPr lang="es-ES" dirty="0"/>
-              <a:t>::response(respuesta);</a:t>
+        <p:spPr>
+          <a:xfrm>
+            <a:off x="838200" y="1825625"/>
+            <a:ext cx="10515600" cy="551815"/>
+          </a:xfrm>
+        </p:spPr>
+        <p:txBody>
+          <a:bodyPr/>
+          <a:lstStyle/>
+          <a:p>
+            <a:r>
+              <a:rPr lang="es-ES" dirty="0"/>
+              <a:t>Son los datos que se quieren transmitir dentro del token.</a:t>
             </a:r>
           </a:p>
           <a:p>
@@ -6083,7 +6062,7 @@
           <p:cNvPr id="4" name="Marcador de número de diapositiva 3">
             <a:extLst>
               <a:ext uri="{FF2B5EF4-FFF2-40B4-BE49-F238E27FC236}">
-                <a16:creationId xmlns:a16="http://schemas.microsoft.com/office/drawing/2014/main" id="{6CFD9AAB-0D23-CCC8-D16E-F02F11B6F21D}"/>
+                <a16:creationId xmlns:a16="http://schemas.microsoft.com/office/drawing/2014/main" id="{E8119E29-B914-8FD5-1F33-F3C0DEDF05F1}"/>
               </a:ext>
             </a:extLst>
           </p:cNvPr>
@@ -6107,10 +6086,40 @@
           </a:p>
         </p:txBody>
       </p:sp>
+      <p:pic>
+        <p:nvPicPr>
+          <p:cNvPr id="6" name="Imagen 5">
+            <a:extLst>
+              <a:ext uri="{FF2B5EF4-FFF2-40B4-BE49-F238E27FC236}">
+                <a16:creationId xmlns:a16="http://schemas.microsoft.com/office/drawing/2014/main" id="{5F528153-65B7-4658-77F3-714C594B65BF}"/>
+              </a:ext>
+            </a:extLst>
+          </p:cNvPr>
+          <p:cNvPicPr>
+            <a:picLocks noChangeAspect="1"/>
+          </p:cNvPicPr>
+          <p:nvPr/>
+        </p:nvPicPr>
+        <p:blipFill>
+          <a:blip r:embed="rId2"/>
+          <a:stretch>
+            <a:fillRect/>
+          </a:stretch>
+        </p:blipFill>
+        <p:spPr>
+          <a:xfrm>
+            <a:off x="948138" y="2377440"/>
+            <a:ext cx="8917757" cy="4364009"/>
+          </a:xfrm>
+          <a:prstGeom prst="rect">
+            <a:avLst/>
+          </a:prstGeom>
+        </p:spPr>
+      </p:pic>
     </p:spTree>
     <p:extLst>
       <p:ext uri="{BB962C8B-B14F-4D97-AF65-F5344CB8AC3E}">
-        <p14:creationId xmlns:p14="http://schemas.microsoft.com/office/powerpoint/2010/main" val="2470193475"/>
+        <p14:creationId xmlns:p14="http://schemas.microsoft.com/office/powerpoint/2010/main" val="1137740464"/>
       </p:ext>
     </p:extLst>
   </p:cSld>
@@ -6142,7 +6151,7 @@
           <p:cNvPr id="2" name="Título 1">
             <a:extLst>
               <a:ext uri="{FF2B5EF4-FFF2-40B4-BE49-F238E27FC236}">
-                <a16:creationId xmlns:a16="http://schemas.microsoft.com/office/drawing/2014/main" id="{54CEA8EB-BEE0-1B80-1EE0-ED990CB42B1B}"/>
+                <a16:creationId xmlns:a16="http://schemas.microsoft.com/office/drawing/2014/main" id="{D78DE5EE-353D-26EE-6F4C-384ABEE87D8E}"/>
               </a:ext>
             </a:extLst>
           </p:cNvPr>
@@ -6160,7 +6169,7 @@
           <a:p>
             <a:r>
               <a:rPr lang="es-ES" dirty="0"/>
-              <a:t>Token generado</a:t>
+              <a:t>Ejemplo</a:t>
             </a:r>
           </a:p>
         </p:txBody>
@@ -6170,7 +6179,7 @@
           <p:cNvPr id="3" name="Marcador de contenido 2">
             <a:extLst>
               <a:ext uri="{FF2B5EF4-FFF2-40B4-BE49-F238E27FC236}">
-                <a16:creationId xmlns:a16="http://schemas.microsoft.com/office/drawing/2014/main" id="{F5C48D5A-BFE8-3215-0927-78D59E14A6A8}"/>
+                <a16:creationId xmlns:a16="http://schemas.microsoft.com/office/drawing/2014/main" id="{7C697AF0-DAA7-5DE8-5E38-86235CB85518}"/>
               </a:ext>
             </a:extLst>
           </p:cNvPr>
@@ -6190,33 +6199,17 @@
               <a:buNone/>
             </a:pPr>
             <a:r>
-              <a:rPr lang="es-ES" dirty="0"/>
+              <a:rPr lang="en-US" dirty="0"/>
               <a:t>{</a:t>
             </a:r>
           </a:p>
           <a:p>
-            <a:pPr marL="457200" lvl="1" indent="0">
+            <a:pPr marL="0" indent="0">
               <a:buNone/>
             </a:pPr>
             <a:r>
-              <a:rPr lang="es-ES" dirty="0"/>
-              <a:t>    "token": "</a:t>
-            </a:r>
-            <a:r>
-              <a:rPr lang="es-ES" b="1" dirty="0"/>
-              <a:t>eyJhbGciOiJIUzI1NiJ9</a:t>
-            </a:r>
-            <a:r>
-              <a:rPr lang="es-ES" dirty="0"/>
-              <a:t>.eyJleHAiOjE3NTc0MTg1ODIsImlzcyI6IkFudG9uaW8iLCJ1c3VhcmlvIjoiQW50b25pbyJ9.</a:t>
-            </a:r>
-            <a:r>
-              <a:rPr lang="es-ES" b="1" dirty="0"/>
-              <a:t>uBwFpR2cKO05SYIYun9UBtTH2hMnxhiTxGiNLheJrjc</a:t>
-            </a:r>
-            <a:r>
-              <a:rPr lang="es-ES" dirty="0"/>
-              <a:t>"</a:t>
+              <a:rPr lang="en-US" dirty="0"/>
+              <a:t>  "sub": "user-12345",</a:t>
             </a:r>
           </a:p>
           <a:p>
@@ -6224,25 +6217,82 @@
               <a:buNone/>
             </a:pPr>
             <a:r>
-              <a:rPr lang="es-ES" dirty="0"/>
+              <a:rPr lang="en-US" dirty="0"/>
+              <a:t>  "</a:t>
+            </a:r>
+            <a:r>
+              <a:rPr lang="en-US" dirty="0" err="1"/>
+              <a:t>iss</a:t>
+            </a:r>
+            <a:r>
+              <a:rPr lang="en-US" dirty="0"/>
+              <a:t>": "https://auth.miempresa.com",</a:t>
+            </a:r>
+          </a:p>
+          <a:p>
+            <a:pPr marL="0" indent="0">
+              <a:buNone/>
+            </a:pPr>
+            <a:r>
+              <a:rPr lang="en-US" dirty="0"/>
+              <a:t>  "</a:t>
+            </a:r>
+            <a:r>
+              <a:rPr lang="en-US" dirty="0" err="1"/>
+              <a:t>aud</a:t>
+            </a:r>
+            <a:r>
+              <a:rPr lang="en-US" dirty="0"/>
+              <a:t>": "https://api.miempresa.com",</a:t>
+            </a:r>
+          </a:p>
+          <a:p>
+            <a:pPr marL="0" indent="0">
+              <a:buNone/>
+            </a:pPr>
+            <a:r>
+              <a:rPr lang="en-US" dirty="0"/>
+              <a:t>  "exp": 1694352000,</a:t>
+            </a:r>
+          </a:p>
+          <a:p>
+            <a:pPr marL="0" indent="0">
+              <a:buNone/>
+            </a:pPr>
+            <a:r>
+              <a:rPr lang="en-US" dirty="0"/>
+              <a:t>  "</a:t>
+            </a:r>
+            <a:r>
+              <a:rPr lang="en-US" dirty="0" err="1"/>
+              <a:t>iat</a:t>
+            </a:r>
+            <a:r>
+              <a:rPr lang="en-US" dirty="0"/>
+              <a:t>": 1694348400,</a:t>
+            </a:r>
+          </a:p>
+          <a:p>
+            <a:pPr marL="0" indent="0">
+              <a:buNone/>
+            </a:pPr>
+            <a:r>
+              <a:rPr lang="en-US" dirty="0"/>
+              <a:t>  "role": "admin"</a:t>
+            </a:r>
+          </a:p>
+          <a:p>
+            <a:pPr marL="0" indent="0">
+              <a:buNone/>
+            </a:pPr>
+            <a:r>
+              <a:rPr lang="en-US" dirty="0"/>
               <a:t>}</a:t>
             </a:r>
           </a:p>
           <a:p>
-            <a:pPr marL="0" indent="0">
-              <a:buNone/>
-            </a:pPr>
             <a:endParaRPr lang="es-ES" dirty="0"/>
           </a:p>
-          <a:p>
-            <a:r>
-              <a:rPr lang="es-ES" dirty="0"/>
-              <a:t>El token se almacena en un lugar seguro y luego hay que enviarlo.</a:t>
-            </a:r>
-          </a:p>
-          <a:p>
-            <a:endParaRPr lang="es-ES" dirty="0"/>
-          </a:p>
         </p:txBody>
       </p:sp>
       <p:sp>
@@ -6250,7 +6300,7 @@
           <p:cNvPr id="4" name="Marcador de número de diapositiva 3">
             <a:extLst>
               <a:ext uri="{FF2B5EF4-FFF2-40B4-BE49-F238E27FC236}">
-                <a16:creationId xmlns:a16="http://schemas.microsoft.com/office/drawing/2014/main" id="{E79E3C7D-F889-9F61-5362-6187BB0395C2}"/>
+                <a16:creationId xmlns:a16="http://schemas.microsoft.com/office/drawing/2014/main" id="{D0188CE6-DFF2-444A-611E-E1AF61001720}"/>
               </a:ext>
             </a:extLst>
           </p:cNvPr>
@@ -6277,7 +6327,7 @@
     </p:spTree>
     <p:extLst>
       <p:ext uri="{BB962C8B-B14F-4D97-AF65-F5344CB8AC3E}">
-        <p14:creationId xmlns:p14="http://schemas.microsoft.com/office/powerpoint/2010/main" val="3378495150"/>
+        <p14:creationId xmlns:p14="http://schemas.microsoft.com/office/powerpoint/2010/main" val="648078002"/>
       </p:ext>
     </p:extLst>
   </p:cSld>
@@ -6309,7 +6359,7 @@
           <p:cNvPr id="2" name="Título 1">
             <a:extLst>
               <a:ext uri="{FF2B5EF4-FFF2-40B4-BE49-F238E27FC236}">
-                <a16:creationId xmlns:a16="http://schemas.microsoft.com/office/drawing/2014/main" id="{1DD3853C-A69C-506A-0316-08E8540C29A9}"/>
+                <a16:creationId xmlns:a16="http://schemas.microsoft.com/office/drawing/2014/main" id="{A8EA5AC6-955F-DCE1-763B-0322B987BD35}"/>
               </a:ext>
             </a:extLst>
           </p:cNvPr>
@@ -6327,7 +6377,7 @@
           <a:p>
             <a:r>
               <a:rPr lang="es-ES" dirty="0"/>
-              <a:t>Enviar el token</a:t>
+              <a:t>Implementación</a:t>
             </a:r>
           </a:p>
         </p:txBody>
@@ -6337,7 +6387,7 @@
           <p:cNvPr id="3" name="Marcador de contenido 2">
             <a:extLst>
               <a:ext uri="{FF2B5EF4-FFF2-40B4-BE49-F238E27FC236}">
-                <a16:creationId xmlns:a16="http://schemas.microsoft.com/office/drawing/2014/main" id="{045D8212-BCBC-B088-D236-C6112BACF36C}"/>
+                <a16:creationId xmlns:a16="http://schemas.microsoft.com/office/drawing/2014/main" id="{1E408A75-1FCE-C5F1-3B21-852D7D941438}"/>
               </a:ext>
             </a:extLst>
           </p:cNvPr>
@@ -6355,190 +6405,284 @@
           </a:bodyPr>
           <a:lstStyle/>
           <a:p>
-            <a:r>
-              <a:rPr lang="es-ES" dirty="0"/>
-              <a:t>Desde </a:t>
-            </a:r>
+            <a:pPr marL="0" indent="0">
+              <a:buNone/>
+            </a:pPr>
             <a:r>
               <a:rPr lang="es-ES" dirty="0" err="1"/>
-              <a:t>javascript</a:t>
-            </a:r>
-            <a:r>
-              <a:rPr lang="es-ES" dirty="0"/>
-              <a:t>:</a:t>
+              <a:t>jwt</a:t>
+            </a:r>
+            <a:r>
+              <a:rPr lang="es-ES" dirty="0"/>
+              <a:t>::</a:t>
+            </a:r>
+            <a:r>
+              <a:rPr lang="es-ES" b="1" dirty="0" err="1"/>
+              <a:t>create</a:t>
+            </a:r>
+            <a:r>
+              <a:rPr lang="es-ES" dirty="0"/>
+              <a:t>()</a:t>
+            </a:r>
+          </a:p>
+          <a:p>
+            <a:pPr marL="0" indent="0">
+              <a:buNone/>
+            </a:pPr>
+            <a:r>
+              <a:rPr lang="es-ES" dirty="0"/>
+              <a:t>  .</a:t>
+            </a:r>
+            <a:r>
+              <a:rPr lang="es-ES" dirty="0" err="1"/>
+              <a:t>set_issuer</a:t>
+            </a:r>
+            <a:r>
+              <a:rPr lang="es-ES" dirty="0"/>
+              <a:t>("https://auth.miempresa.com")</a:t>
+            </a:r>
+          </a:p>
+          <a:p>
+            <a:pPr marL="0" indent="0">
+              <a:buNone/>
+            </a:pPr>
+            <a:r>
+              <a:rPr lang="es-ES" dirty="0"/>
+              <a:t>  .</a:t>
+            </a:r>
+            <a:r>
+              <a:rPr lang="es-ES" dirty="0" err="1"/>
+              <a:t>set_subject</a:t>
+            </a:r>
+            <a:r>
+              <a:rPr lang="es-ES" dirty="0"/>
+              <a:t>("user-12345")</a:t>
+            </a:r>
+          </a:p>
+          <a:p>
+            <a:pPr marL="0" indent="0">
+              <a:buNone/>
+            </a:pPr>
+            <a:r>
+              <a:rPr lang="es-ES" dirty="0"/>
+              <a:t>  .</a:t>
+            </a:r>
+            <a:r>
+              <a:rPr lang="es-ES" dirty="0" err="1"/>
+              <a:t>set_audience</a:t>
+            </a:r>
+            <a:r>
+              <a:rPr lang="es-ES" dirty="0"/>
+              <a:t>("https://api.miempresa.com")</a:t>
+            </a:r>
+          </a:p>
+          <a:p>
+            <a:pPr marL="0" indent="0">
+              <a:buNone/>
+            </a:pPr>
+            <a:r>
+              <a:rPr lang="es-ES" dirty="0"/>
+              <a:t>  .</a:t>
+            </a:r>
+            <a:r>
+              <a:rPr lang="es-ES" dirty="0" err="1"/>
+              <a:t>set_issued_at</a:t>
+            </a:r>
+            <a:r>
+              <a:rPr lang="es-ES" dirty="0"/>
+              <a:t>(</a:t>
+            </a:r>
+            <a:r>
+              <a:rPr lang="es-ES" dirty="0" err="1"/>
+              <a:t>std</a:t>
+            </a:r>
+            <a:r>
+              <a:rPr lang="es-ES" dirty="0"/>
+              <a:t>::</a:t>
+            </a:r>
+            <a:r>
+              <a:rPr lang="es-ES" dirty="0" err="1"/>
+              <a:t>chrono</a:t>
+            </a:r>
+            <a:r>
+              <a:rPr lang="es-ES" dirty="0"/>
+              <a:t>::</a:t>
+            </a:r>
+            <a:r>
+              <a:rPr lang="es-ES" dirty="0" err="1"/>
+              <a:t>system_clock</a:t>
+            </a:r>
+            <a:r>
+              <a:rPr lang="es-ES" dirty="0"/>
+              <a:t>::</a:t>
+            </a:r>
+            <a:r>
+              <a:rPr lang="es-ES" dirty="0" err="1"/>
+              <a:t>now</a:t>
+            </a:r>
+            <a:r>
+              <a:rPr lang="es-ES" dirty="0"/>
+              <a:t>())</a:t>
+            </a:r>
+          </a:p>
+          <a:p>
+            <a:pPr marL="0" indent="0">
+              <a:buNone/>
+            </a:pPr>
+            <a:r>
+              <a:rPr lang="es-ES" dirty="0"/>
+              <a:t>  .</a:t>
+            </a:r>
+            <a:r>
+              <a:rPr lang="es-ES" dirty="0" err="1"/>
+              <a:t>set_expires_at</a:t>
+            </a:r>
+            <a:r>
+              <a:rPr lang="es-ES" dirty="0"/>
+              <a:t>(</a:t>
+            </a:r>
+            <a:r>
+              <a:rPr lang="es-ES" dirty="0" err="1"/>
+              <a:t>std</a:t>
+            </a:r>
+            <a:r>
+              <a:rPr lang="es-ES" dirty="0"/>
+              <a:t>::</a:t>
+            </a:r>
+            <a:r>
+              <a:rPr lang="es-ES" dirty="0" err="1"/>
+              <a:t>chrono</a:t>
+            </a:r>
+            <a:r>
+              <a:rPr lang="es-ES" dirty="0"/>
+              <a:t>::</a:t>
+            </a:r>
+            <a:r>
+              <a:rPr lang="es-ES" dirty="0" err="1"/>
+              <a:t>system_clock</a:t>
+            </a:r>
+            <a:r>
+              <a:rPr lang="es-ES" dirty="0"/>
+              <a:t>::</a:t>
+            </a:r>
+            <a:r>
+              <a:rPr lang="es-ES" dirty="0" err="1"/>
+              <a:t>now</a:t>
+            </a:r>
+            <a:r>
+              <a:rPr lang="es-ES" dirty="0"/>
+              <a:t>() + </a:t>
+            </a:r>
+            <a:r>
+              <a:rPr lang="es-ES" dirty="0" err="1"/>
+              <a:t>std</a:t>
+            </a:r>
+            <a:r>
+              <a:rPr lang="es-ES" dirty="0"/>
+              <a:t>::</a:t>
+            </a:r>
+            <a:r>
+              <a:rPr lang="es-ES" dirty="0" err="1"/>
+              <a:t>chrono</a:t>
+            </a:r>
+            <a:r>
+              <a:rPr lang="es-ES" dirty="0"/>
+              <a:t>::minutes{30})</a:t>
+            </a:r>
+          </a:p>
+          <a:p>
+            <a:pPr marL="0" indent="0">
+              <a:buNone/>
+            </a:pPr>
+            <a:r>
+              <a:rPr lang="es-ES" dirty="0"/>
+              <a:t>  .</a:t>
+            </a:r>
+            <a:r>
+              <a:rPr lang="es-ES" dirty="0" err="1"/>
+              <a:t>set_payload_claim</a:t>
+            </a:r>
+            <a:r>
+              <a:rPr lang="es-ES" dirty="0"/>
+              <a:t>("role", </a:t>
+            </a:r>
+            <a:r>
+              <a:rPr lang="es-ES" dirty="0" err="1"/>
+              <a:t>jwt</a:t>
+            </a:r>
+            <a:r>
+              <a:rPr lang="es-ES" dirty="0"/>
+              <a:t>::</a:t>
+            </a:r>
+            <a:r>
+              <a:rPr lang="es-ES" dirty="0" err="1"/>
+              <a:t>claim</a:t>
+            </a:r>
+            <a:r>
+              <a:rPr lang="es-ES" dirty="0"/>
+              <a:t>(</a:t>
+            </a:r>
+            <a:r>
+              <a:rPr lang="es-ES" dirty="0" err="1"/>
+              <a:t>std</a:t>
+            </a:r>
+            <a:r>
+              <a:rPr lang="es-ES" dirty="0"/>
+              <a:t>::</a:t>
+            </a:r>
+            <a:r>
+              <a:rPr lang="es-ES" dirty="0" err="1"/>
+              <a:t>string</a:t>
+            </a:r>
+            <a:r>
+              <a:rPr lang="es-ES" dirty="0"/>
+              <a:t>("</a:t>
+            </a:r>
+            <a:r>
+              <a:rPr lang="es-ES" dirty="0" err="1"/>
+              <a:t>admin</a:t>
+            </a:r>
+            <a:r>
+              <a:rPr lang="es-ES" dirty="0"/>
+              <a:t>")))</a:t>
+            </a:r>
+          </a:p>
+          <a:p>
+            <a:pPr marL="0" indent="0">
+              <a:buNone/>
+            </a:pPr>
+            <a:r>
+              <a:rPr lang="es-ES" dirty="0"/>
+              <a:t>  .</a:t>
+            </a:r>
+            <a:r>
+              <a:rPr lang="es-ES" dirty="0" err="1"/>
+              <a:t>sign</a:t>
+            </a:r>
+            <a:r>
+              <a:rPr lang="es-ES" dirty="0"/>
+              <a:t>(</a:t>
+            </a:r>
+            <a:r>
+              <a:rPr lang="es-ES" dirty="0" err="1"/>
+              <a:t>jwt</a:t>
+            </a:r>
+            <a:r>
+              <a:rPr lang="es-ES" dirty="0"/>
+              <a:t>::</a:t>
+            </a:r>
+            <a:r>
+              <a:rPr lang="es-ES" dirty="0" err="1"/>
+              <a:t>algorithm</a:t>
+            </a:r>
+            <a:r>
+              <a:rPr lang="es-ES" dirty="0"/>
+              <a:t>::hs256{"clave-secreta"});</a:t>
             </a:r>
           </a:p>
           <a:p>
             <a:endParaRPr lang="es-ES" dirty="0"/>
           </a:p>
-          <a:p>
-            <a:pPr marL="457200" lvl="1" indent="0">
-              <a:buNone/>
-            </a:pPr>
-            <a:r>
-              <a:rPr lang="es-ES" dirty="0" err="1"/>
-              <a:t>fetch</a:t>
-            </a:r>
-            <a:r>
-              <a:rPr lang="es-ES" dirty="0"/>
-              <a:t>("https://tu-api.com/protegido", {</a:t>
-            </a:r>
-          </a:p>
-          <a:p>
-            <a:pPr marL="457200" lvl="1" indent="0">
-              <a:buNone/>
-            </a:pPr>
-            <a:r>
-              <a:rPr lang="es-ES" dirty="0"/>
-              <a:t>  </a:t>
-            </a:r>
-            <a:r>
-              <a:rPr lang="es-ES" dirty="0" err="1"/>
-              <a:t>method</a:t>
-            </a:r>
-            <a:r>
-              <a:rPr lang="es-ES" dirty="0"/>
-              <a:t>: "GET",</a:t>
-            </a:r>
-          </a:p>
-          <a:p>
-            <a:pPr marL="457200" lvl="1" indent="0">
-              <a:buNone/>
-            </a:pPr>
-            <a:r>
-              <a:rPr lang="es-ES" dirty="0"/>
-              <a:t>  </a:t>
-            </a:r>
-            <a:r>
-              <a:rPr lang="es-ES" dirty="0" err="1"/>
-              <a:t>headers</a:t>
-            </a:r>
-            <a:r>
-              <a:rPr lang="es-ES" dirty="0"/>
-              <a:t>: {</a:t>
-            </a:r>
-          </a:p>
-          <a:p>
-            <a:pPr marL="457200" lvl="1" indent="0">
-              <a:buNone/>
-            </a:pPr>
-            <a:r>
-              <a:rPr lang="es-ES" dirty="0"/>
-              <a:t>    "</a:t>
-            </a:r>
-            <a:r>
-              <a:rPr lang="es-ES" dirty="0" err="1"/>
-              <a:t>Authorization</a:t>
-            </a:r>
-            <a:r>
-              <a:rPr lang="es-ES" dirty="0"/>
-              <a:t>": "</a:t>
-            </a:r>
-            <a:r>
-              <a:rPr lang="es-ES" dirty="0" err="1"/>
-              <a:t>Bearer</a:t>
-            </a:r>
-            <a:r>
-              <a:rPr lang="es-ES" dirty="0"/>
-              <a:t> TU_TOKEN_AQUI",</a:t>
-            </a:r>
-          </a:p>
-          <a:p>
-            <a:pPr marL="457200" lvl="1" indent="0">
-              <a:buNone/>
-            </a:pPr>
-            <a:r>
-              <a:rPr lang="es-ES" dirty="0"/>
-              <a:t>    "Content-</a:t>
-            </a:r>
-            <a:r>
-              <a:rPr lang="es-ES" dirty="0" err="1"/>
-              <a:t>Type</a:t>
-            </a:r>
-            <a:r>
-              <a:rPr lang="es-ES" dirty="0"/>
-              <a:t>": "</a:t>
-            </a:r>
-            <a:r>
-              <a:rPr lang="es-ES" dirty="0" err="1"/>
-              <a:t>application</a:t>
-            </a:r>
-            <a:r>
-              <a:rPr lang="es-ES" dirty="0"/>
-              <a:t>/</a:t>
-            </a:r>
-            <a:r>
-              <a:rPr lang="es-ES" dirty="0" err="1"/>
-              <a:t>json</a:t>
-            </a:r>
-            <a:r>
-              <a:rPr lang="es-ES" dirty="0"/>
-              <a:t>"</a:t>
-            </a:r>
-          </a:p>
-          <a:p>
-            <a:pPr marL="457200" lvl="1" indent="0">
-              <a:buNone/>
-            </a:pPr>
-            <a:r>
-              <a:rPr lang="es-ES" dirty="0"/>
-              <a:t>  }</a:t>
-            </a:r>
-          </a:p>
-          <a:p>
-            <a:pPr marL="457200" lvl="1" indent="0">
-              <a:buNone/>
-            </a:pPr>
-            <a:r>
-              <a:rPr lang="es-ES" dirty="0"/>
-              <a:t>})</a:t>
-            </a:r>
-          </a:p>
-          <a:p>
-            <a:pPr marL="457200" lvl="1" indent="0">
-              <a:buNone/>
-            </a:pPr>
-            <a:r>
-              <a:rPr lang="es-ES" dirty="0"/>
-              <a:t>.</a:t>
-            </a:r>
-            <a:r>
-              <a:rPr lang="es-ES" dirty="0" err="1"/>
-              <a:t>then</a:t>
-            </a:r>
-            <a:r>
-              <a:rPr lang="es-ES" dirty="0"/>
-              <a:t>(res =&gt; </a:t>
-            </a:r>
-            <a:r>
-              <a:rPr lang="es-ES" dirty="0" err="1"/>
-              <a:t>res.json</a:t>
-            </a:r>
-            <a:r>
-              <a:rPr lang="es-ES" dirty="0"/>
-              <a:t>())</a:t>
-            </a:r>
-          </a:p>
-          <a:p>
-            <a:pPr marL="457200" lvl="1" indent="0">
-              <a:buNone/>
-            </a:pPr>
-            <a:r>
-              <a:rPr lang="es-ES" dirty="0"/>
-              <a:t>.</a:t>
-            </a:r>
-            <a:r>
-              <a:rPr lang="es-ES" dirty="0" err="1"/>
-              <a:t>then</a:t>
-            </a:r>
-            <a:r>
-              <a:rPr lang="es-ES" dirty="0"/>
-              <a:t>(data =&gt; console.log(data));</a:t>
-            </a:r>
-          </a:p>
-          <a:p>
-            <a:endParaRPr lang="es-ES" dirty="0"/>
-          </a:p>
         </p:txBody>
       </p:sp>
       <p:sp>
@@ -6546,7 +6690,7 @@
           <p:cNvPr id="4" name="Marcador de número de diapositiva 3">
             <a:extLst>
               <a:ext uri="{FF2B5EF4-FFF2-40B4-BE49-F238E27FC236}">
-                <a16:creationId xmlns:a16="http://schemas.microsoft.com/office/drawing/2014/main" id="{9AD4D26A-0530-545D-DD93-4DA92111CA58}"/>
+                <a16:creationId xmlns:a16="http://schemas.microsoft.com/office/drawing/2014/main" id="{32588D2B-78E2-B56A-391B-3410E67EB0C1}"/>
               </a:ext>
             </a:extLst>
           </p:cNvPr>
@@ -6573,7 +6717,7 @@
     </p:spTree>
     <p:extLst>
       <p:ext uri="{BB962C8B-B14F-4D97-AF65-F5344CB8AC3E}">
-        <p14:creationId xmlns:p14="http://schemas.microsoft.com/office/powerpoint/2010/main" val="584895372"/>
+        <p14:creationId xmlns:p14="http://schemas.microsoft.com/office/powerpoint/2010/main" val="2199921871"/>
       </p:ext>
     </p:extLst>
   </p:cSld>
@@ -6605,7 +6749,7 @@
           <p:cNvPr id="2" name="Título 1">
             <a:extLst>
               <a:ext uri="{FF2B5EF4-FFF2-40B4-BE49-F238E27FC236}">
-                <a16:creationId xmlns:a16="http://schemas.microsoft.com/office/drawing/2014/main" id="{B266C065-4046-BD3D-21E0-19915DF41282}"/>
+                <a16:creationId xmlns:a16="http://schemas.microsoft.com/office/drawing/2014/main" id="{0ED12901-ECA1-5C4B-A474-BE40A2BCFEBD}"/>
               </a:ext>
             </a:extLst>
           </p:cNvPr>
@@ -6616,21 +6760,14 @@
             <p:ph type="title"/>
           </p:nvPr>
         </p:nvSpPr>
-        <p:spPr>
-          <a:xfrm>
-            <a:off x="914400" y="83636"/>
-            <a:ext cx="10515600" cy="597401"/>
-          </a:xfrm>
-        </p:spPr>
-        <p:txBody>
-          <a:bodyPr>
-            <a:normAutofit fontScale="90000"/>
-          </a:bodyPr>
-          <a:lstStyle/>
-          <a:p>
-            <a:r>
-              <a:rPr lang="es-ES" dirty="0"/>
-              <a:t>Validar el token</a:t>
+        <p:spPr/>
+        <p:txBody>
+          <a:bodyPr/>
+          <a:lstStyle/>
+          <a:p>
+            <a:r>
+              <a:rPr lang="es-ES" dirty="0"/>
+              <a:t>Respuesta al cliente</a:t>
             </a:r>
           </a:p>
         </p:txBody>
@@ -6640,768 +6777,74 @@
           <p:cNvPr id="3" name="Marcador de contenido 2">
             <a:extLst>
               <a:ext uri="{FF2B5EF4-FFF2-40B4-BE49-F238E27FC236}">
-                <a16:creationId xmlns:a16="http://schemas.microsoft.com/office/drawing/2014/main" id="{B4F5B070-BF42-B46B-BE58-09AA7E58101D}"/>
-              </a:ext>
-            </a:extLst>
-          </p:cNvPr>
-          <p:cNvSpPr>
-            <a:spLocks noGrp="1"/>
-          </p:cNvSpPr>
-          <p:nvPr>
-            <p:ph sz="half" idx="1"/>
-          </p:nvPr>
-        </p:nvSpPr>
-        <p:spPr>
-          <a:xfrm>
-            <a:off x="202131" y="866274"/>
-            <a:ext cx="5817669" cy="5310689"/>
-          </a:xfrm>
-        </p:spPr>
-        <p:txBody>
-          <a:bodyPr>
-            <a:normAutofit fontScale="47500" lnSpcReduction="20000"/>
-          </a:bodyPr>
-          <a:lstStyle/>
-          <a:p>
-            <a:pPr marL="0" indent="0">
-              <a:buNone/>
-            </a:pPr>
-            <a:r>
-              <a:rPr lang="es-ES" sz="3400" dirty="0"/>
-              <a:t>CROW_ROUTE(app, "/protegido")</a:t>
-            </a:r>
-          </a:p>
-          <a:p>
-            <a:pPr marL="0" indent="0">
-              <a:buNone/>
-            </a:pPr>
-            <a:r>
-              <a:rPr lang="es-ES" sz="3400" dirty="0"/>
-              <a:t>    .</a:t>
-            </a:r>
-            <a:r>
-              <a:rPr lang="es-ES" sz="3400" dirty="0" err="1"/>
-              <a:t>methods</a:t>
-            </a:r>
-            <a:r>
-              <a:rPr lang="es-ES" sz="3400" dirty="0"/>
-              <a:t>("GET"_</a:t>
-            </a:r>
-            <a:r>
-              <a:rPr lang="es-ES" sz="3400" dirty="0" err="1"/>
-              <a:t>method</a:t>
-            </a:r>
-            <a:r>
-              <a:rPr lang="es-ES" sz="3400" dirty="0"/>
-              <a:t>)</a:t>
-            </a:r>
-          </a:p>
-          <a:p>
-            <a:pPr marL="0" indent="0">
-              <a:buNone/>
-            </a:pPr>
-            <a:r>
-              <a:rPr lang="es-ES" sz="3400" dirty="0"/>
-              <a:t>    ([</a:t>
-            </a:r>
-            <a:r>
-              <a:rPr lang="es-ES" sz="3400" dirty="0" err="1"/>
-              <a:t>jwt_secret</a:t>
-            </a:r>
-            <a:r>
-              <a:rPr lang="es-ES" sz="3400" dirty="0"/>
-              <a:t>](</a:t>
-            </a:r>
-            <a:r>
-              <a:rPr lang="es-ES" sz="3400" dirty="0" err="1"/>
-              <a:t>const</a:t>
-            </a:r>
-            <a:r>
-              <a:rPr lang="es-ES" sz="3400" dirty="0"/>
+                <a16:creationId xmlns:a16="http://schemas.microsoft.com/office/drawing/2014/main" id="{E402C238-1117-DCAF-8348-C033EBA13441}"/>
+              </a:ext>
+            </a:extLst>
+          </p:cNvPr>
+          <p:cNvSpPr>
+            <a:spLocks noGrp="1"/>
+          </p:cNvSpPr>
+          <p:nvPr>
+            <p:ph idx="1"/>
+          </p:nvPr>
+        </p:nvSpPr>
+        <p:spPr/>
+        <p:txBody>
+          <a:bodyPr/>
+          <a:lstStyle/>
+          <a:p>
+            <a:r>
+              <a:rPr lang="es-ES" dirty="0" err="1"/>
+              <a:t>crow</a:t>
+            </a:r>
+            <a:r>
+              <a:rPr lang="es-ES" dirty="0"/>
+              <a:t>::</a:t>
+            </a:r>
+            <a:r>
+              <a:rPr lang="es-ES" dirty="0" err="1"/>
+              <a:t>json</a:t>
+            </a:r>
+            <a:r>
+              <a:rPr lang="es-ES" dirty="0"/>
+              <a:t>::</a:t>
+            </a:r>
+            <a:r>
+              <a:rPr lang="es-ES" dirty="0" err="1"/>
+              <a:t>wvalue</a:t>
+            </a:r>
+            <a:r>
+              <a:rPr lang="es-ES" dirty="0"/>
+              <a:t> respuesta;</a:t>
+            </a:r>
+          </a:p>
+          <a:p>
+            <a:r>
+              <a:rPr lang="es-ES" dirty="0"/>
+              <a:t>respuesta["token"] = token;</a:t>
+            </a:r>
+          </a:p>
+          <a:p>
+            <a:r>
+              <a:rPr lang="es-ES" dirty="0" err="1"/>
+              <a:t>return</a:t>
+            </a:r>
+            <a:r>
+              <a:rPr lang="es-ES" dirty="0"/>
               <a:t> </a:t>
             </a:r>
             <a:r>
-              <a:rPr lang="es-ES" sz="3400" dirty="0" err="1"/>
+              <a:rPr lang="es-ES" dirty="0" err="1"/>
               <a:t>crow</a:t>
             </a:r>
             <a:r>
-              <a:rPr lang="es-ES" sz="3400" dirty="0"/>
-              <a:t>::</a:t>
-            </a:r>
-            <a:r>
-              <a:rPr lang="es-ES" sz="3400" dirty="0" err="1"/>
-              <a:t>request</a:t>
-            </a:r>
-            <a:r>
-              <a:rPr lang="es-ES" sz="3400" dirty="0"/>
-              <a:t>&amp; </a:t>
-            </a:r>
-            <a:r>
-              <a:rPr lang="es-ES" sz="3400" dirty="0" err="1"/>
-              <a:t>req</a:t>
-            </a:r>
-            <a:r>
-              <a:rPr lang="es-ES" sz="3400" dirty="0"/>
-              <a:t>) {</a:t>
-            </a:r>
-          </a:p>
-          <a:p>
-            <a:pPr marL="0" indent="0">
-              <a:buNone/>
-            </a:pPr>
-            <a:r>
-              <a:rPr lang="es-ES" sz="3400" dirty="0"/>
-              <a:t>        // Extraer el encabezado </a:t>
-            </a:r>
-            <a:r>
-              <a:rPr lang="es-ES" sz="3400" dirty="0" err="1"/>
-              <a:t>Authorization</a:t>
-            </a:r>
-            <a:endParaRPr lang="es-ES" sz="3400" dirty="0"/>
-          </a:p>
-          <a:p>
-            <a:pPr marL="0" indent="0">
-              <a:buNone/>
-            </a:pPr>
-            <a:r>
-              <a:rPr lang="es-ES" sz="3400" dirty="0"/>
-              <a:t>        auto </a:t>
-            </a:r>
-            <a:r>
-              <a:rPr lang="es-ES" sz="3400" dirty="0" err="1"/>
-              <a:t>auth_header</a:t>
-            </a:r>
-            <a:r>
-              <a:rPr lang="es-ES" sz="3400" dirty="0"/>
-              <a:t> = </a:t>
-            </a:r>
-            <a:r>
-              <a:rPr lang="es-ES" sz="3400" dirty="0" err="1"/>
-              <a:t>req.get_header_value</a:t>
-            </a:r>
-            <a:r>
-              <a:rPr lang="es-ES" sz="3400" dirty="0"/>
-              <a:t>("</a:t>
-            </a:r>
-            <a:r>
-              <a:rPr lang="es-ES" sz="3400" dirty="0" err="1"/>
-              <a:t>Authorization</a:t>
-            </a:r>
-            <a:r>
-              <a:rPr lang="es-ES" sz="3400" dirty="0"/>
-              <a:t>");</a:t>
-            </a:r>
-          </a:p>
-          <a:p>
-            <a:pPr marL="0" indent="0">
-              <a:buNone/>
-            </a:pPr>
-            <a:endParaRPr lang="es-ES" sz="3400" dirty="0"/>
-          </a:p>
-          <a:p>
-            <a:pPr marL="0" indent="0">
-              <a:buNone/>
-            </a:pPr>
-            <a:r>
-              <a:rPr lang="es-ES" sz="3400" dirty="0"/>
-              <a:t>        // Verificar que el encabezado exista y comience con "</a:t>
-            </a:r>
-            <a:r>
-              <a:rPr lang="es-ES" sz="3400" dirty="0" err="1"/>
-              <a:t>Bearer</a:t>
-            </a:r>
-            <a:r>
-              <a:rPr lang="es-ES" sz="3400" dirty="0"/>
-              <a:t> "</a:t>
-            </a:r>
-          </a:p>
-          <a:p>
-            <a:pPr marL="0" indent="0">
-              <a:buNone/>
-            </a:pPr>
-            <a:r>
-              <a:rPr lang="es-ES" sz="3400" dirty="0"/>
-              <a:t>        </a:t>
-            </a:r>
-            <a:r>
-              <a:rPr lang="es-ES" sz="3400" dirty="0" err="1"/>
-              <a:t>if</a:t>
-            </a:r>
-            <a:r>
-              <a:rPr lang="es-ES" sz="3400" dirty="0"/>
-              <a:t> (</a:t>
-            </a:r>
-            <a:r>
-              <a:rPr lang="es-ES" sz="3400" dirty="0" err="1"/>
-              <a:t>auth_header.substr</a:t>
-            </a:r>
-            <a:r>
-              <a:rPr lang="es-ES" sz="3400" dirty="0"/>
-              <a:t>(0, 7) != "</a:t>
-            </a:r>
-            <a:r>
-              <a:rPr lang="es-ES" sz="3400" dirty="0" err="1"/>
-              <a:t>Bearer</a:t>
-            </a:r>
-            <a:r>
-              <a:rPr lang="es-ES" sz="3400" dirty="0"/>
-              <a:t> ")</a:t>
-            </a:r>
-          </a:p>
-          <a:p>
-            <a:pPr marL="0" indent="0">
-              <a:buNone/>
-            </a:pPr>
-            <a:r>
-              <a:rPr lang="es-ES" sz="3400" dirty="0"/>
-              <a:t>            </a:t>
-            </a:r>
-            <a:r>
-              <a:rPr lang="es-ES" sz="3400" dirty="0" err="1"/>
-              <a:t>return</a:t>
-            </a:r>
-            <a:r>
-              <a:rPr lang="es-ES" sz="3400" dirty="0"/>
-              <a:t> </a:t>
-            </a:r>
-            <a:r>
-              <a:rPr lang="es-ES" sz="3400" dirty="0" err="1"/>
-              <a:t>crow</a:t>
-            </a:r>
-            <a:r>
-              <a:rPr lang="es-ES" sz="3400" dirty="0"/>
-              <a:t>::response(401, "Token no proporcionado o mal formado");</a:t>
-            </a:r>
-          </a:p>
-          <a:p>
-            <a:pPr marL="0" indent="0">
-              <a:buNone/>
-            </a:pPr>
-            <a:endParaRPr lang="es-ES" sz="3400" dirty="0"/>
-          </a:p>
-          <a:p>
-            <a:pPr marL="0" indent="0">
-              <a:buNone/>
-            </a:pPr>
-            <a:r>
-              <a:rPr lang="es-ES" sz="3400" dirty="0"/>
-              <a:t>        // Extraer el token</a:t>
-            </a:r>
-          </a:p>
-          <a:p>
-            <a:pPr marL="0" indent="0">
-              <a:buNone/>
-            </a:pPr>
-            <a:r>
-              <a:rPr lang="es-ES" sz="3400" dirty="0"/>
-              <a:t>        </a:t>
-            </a:r>
-            <a:r>
-              <a:rPr lang="es-ES" sz="3400" dirty="0" err="1"/>
-              <a:t>std</a:t>
-            </a:r>
-            <a:r>
-              <a:rPr lang="es-ES" sz="3400" dirty="0"/>
-              <a:t>::</a:t>
-            </a:r>
-            <a:r>
-              <a:rPr lang="es-ES" sz="3400" dirty="0" err="1"/>
-              <a:t>string</a:t>
-            </a:r>
-            <a:r>
-              <a:rPr lang="es-ES" sz="3400" dirty="0"/>
-              <a:t> token = </a:t>
-            </a:r>
-            <a:r>
-              <a:rPr lang="es-ES" sz="3400" dirty="0" err="1"/>
-              <a:t>auth_header.substr</a:t>
-            </a:r>
-            <a:r>
-              <a:rPr lang="es-ES" sz="3400" dirty="0"/>
-              <a:t>(7);</a:t>
-            </a:r>
-          </a:p>
-          <a:p>
-            <a:pPr marL="0" indent="0">
-              <a:buNone/>
-            </a:pPr>
-            <a:endParaRPr lang="es-ES" sz="3400" dirty="0"/>
-          </a:p>
-          <a:p>
-            <a:pPr marL="0" indent="0">
-              <a:buNone/>
-            </a:pPr>
-            <a:r>
-              <a:rPr lang="es-ES" sz="3400" dirty="0"/>
-              <a:t>        try {</a:t>
-            </a:r>
-          </a:p>
-          <a:p>
-            <a:pPr marL="0" indent="0">
-              <a:buNone/>
-            </a:pPr>
-            <a:r>
-              <a:rPr lang="es-ES" sz="3400" dirty="0"/>
-              <a:t>            // Verificar y decodificar el token</a:t>
-            </a:r>
-          </a:p>
-          <a:p>
-            <a:pPr marL="0" indent="0">
-              <a:buNone/>
-            </a:pPr>
-            <a:r>
-              <a:rPr lang="es-ES" sz="3400" dirty="0"/>
-              <a:t>            auto </a:t>
-            </a:r>
-            <a:r>
-              <a:rPr lang="es-ES" sz="3400" dirty="0" err="1"/>
-              <a:t>decoded</a:t>
-            </a:r>
-            <a:r>
-              <a:rPr lang="es-ES" sz="3400" dirty="0"/>
-              <a:t> = </a:t>
-            </a:r>
-            <a:r>
-              <a:rPr lang="es-ES" sz="3400" dirty="0" err="1"/>
-              <a:t>jwt</a:t>
-            </a:r>
-            <a:r>
-              <a:rPr lang="es-ES" sz="3400" dirty="0"/>
-              <a:t>::</a:t>
-            </a:r>
-            <a:r>
-              <a:rPr lang="es-ES" sz="3400" dirty="0" err="1"/>
-              <a:t>decode</a:t>
-            </a:r>
-            <a:r>
-              <a:rPr lang="es-ES" sz="3400" dirty="0"/>
-              <a:t>(token);</a:t>
-            </a:r>
-          </a:p>
-          <a:p>
-            <a:pPr marL="0" indent="0">
-              <a:buNone/>
-            </a:pPr>
+              <a:rPr lang="es-ES" dirty="0"/>
+              <a:t>::response(respuesta);</a:t>
+            </a:r>
+          </a:p>
+          <a:p>
             <a:endParaRPr lang="es-ES" dirty="0"/>
           </a:p>
-          <a:p>
-            <a:endParaRPr lang="es-ES" dirty="0"/>
-          </a:p>
-        </p:txBody>
-      </p:sp>
-      <p:sp>
-        <p:nvSpPr>
-          <p:cNvPr id="5" name="Marcador de contenido 4">
-            <a:extLst>
-              <a:ext uri="{FF2B5EF4-FFF2-40B4-BE49-F238E27FC236}">
-                <a16:creationId xmlns:a16="http://schemas.microsoft.com/office/drawing/2014/main" id="{6946418C-055C-5AAF-A0F0-63F3F71363D8}"/>
-              </a:ext>
-            </a:extLst>
-          </p:cNvPr>
-          <p:cNvSpPr>
-            <a:spLocks noGrp="1"/>
-          </p:cNvSpPr>
-          <p:nvPr>
-            <p:ph sz="half" idx="2"/>
-          </p:nvPr>
-        </p:nvSpPr>
-        <p:spPr>
-          <a:xfrm>
-            <a:off x="6172202" y="32518"/>
-            <a:ext cx="6019798" cy="6040438"/>
-          </a:xfrm>
-        </p:spPr>
-        <p:txBody>
-          <a:bodyPr>
-            <a:noAutofit/>
-          </a:bodyPr>
-          <a:lstStyle/>
-          <a:p>
-            <a:pPr marL="0" indent="0">
-              <a:buNone/>
-            </a:pPr>
-            <a:r>
-              <a:rPr lang="es-ES" sz="1400" dirty="0"/>
-              <a:t> // Verificar la firma y la validez</a:t>
-            </a:r>
-          </a:p>
-          <a:p>
-            <a:pPr marL="0" indent="0">
-              <a:buNone/>
-            </a:pPr>
-            <a:r>
-              <a:rPr lang="es-ES" sz="1400" dirty="0"/>
-              <a:t>            auto </a:t>
-            </a:r>
-            <a:r>
-              <a:rPr lang="es-ES" sz="1400" dirty="0" err="1"/>
-              <a:t>verifier</a:t>
-            </a:r>
-            <a:r>
-              <a:rPr lang="es-ES" sz="1400" dirty="0"/>
-              <a:t> = </a:t>
-            </a:r>
-            <a:r>
-              <a:rPr lang="es-ES" sz="1400" dirty="0" err="1"/>
-              <a:t>jwt</a:t>
-            </a:r>
-            <a:r>
-              <a:rPr lang="es-ES" sz="1400" dirty="0"/>
-              <a:t>::</a:t>
-            </a:r>
-            <a:r>
-              <a:rPr lang="es-ES" sz="1400" dirty="0" err="1"/>
-              <a:t>verify</a:t>
-            </a:r>
-            <a:r>
-              <a:rPr lang="es-ES" sz="1400" dirty="0"/>
-              <a:t>()</a:t>
-            </a:r>
-          </a:p>
-          <a:p>
-            <a:pPr marL="0" indent="0">
-              <a:buNone/>
-            </a:pPr>
-            <a:r>
-              <a:rPr lang="es-ES" sz="1400" dirty="0"/>
-              <a:t>                .</a:t>
-            </a:r>
-            <a:r>
-              <a:rPr lang="es-ES" sz="1400" dirty="0" err="1"/>
-              <a:t>allow_algorithm</a:t>
-            </a:r>
-            <a:r>
-              <a:rPr lang="es-ES" sz="1400" dirty="0"/>
-              <a:t>(</a:t>
-            </a:r>
-            <a:r>
-              <a:rPr lang="es-ES" sz="1400" dirty="0" err="1"/>
-              <a:t>jwt</a:t>
-            </a:r>
-            <a:r>
-              <a:rPr lang="es-ES" sz="1400" dirty="0"/>
-              <a:t>::</a:t>
-            </a:r>
-            <a:r>
-              <a:rPr lang="es-ES" sz="1400" dirty="0" err="1"/>
-              <a:t>algorithm</a:t>
-            </a:r>
-            <a:r>
-              <a:rPr lang="es-ES" sz="1400" dirty="0"/>
-              <a:t>::hs256{ </a:t>
-            </a:r>
-            <a:r>
-              <a:rPr lang="es-ES" sz="1400" dirty="0" err="1"/>
-              <a:t>jwt_secret</a:t>
-            </a:r>
-            <a:r>
-              <a:rPr lang="es-ES" sz="1400" dirty="0"/>
-              <a:t> })</a:t>
-            </a:r>
-          </a:p>
-          <a:p>
-            <a:pPr marL="0" indent="0">
-              <a:buNone/>
-            </a:pPr>
-            <a:r>
-              <a:rPr lang="es-ES" sz="1400" dirty="0"/>
-              <a:t>                .</a:t>
-            </a:r>
-            <a:r>
-              <a:rPr lang="es-ES" sz="1400" dirty="0" err="1"/>
-              <a:t>with_issuer</a:t>
-            </a:r>
-            <a:r>
-              <a:rPr lang="es-ES" sz="1400" dirty="0"/>
-              <a:t>("Antonio");</a:t>
-            </a:r>
-          </a:p>
-          <a:p>
-            <a:pPr marL="0" indent="0">
-              <a:buNone/>
-            </a:pPr>
-            <a:r>
-              <a:rPr lang="es-ES" sz="1400" dirty="0"/>
-              <a:t>            </a:t>
-            </a:r>
-            <a:r>
-              <a:rPr lang="es-ES" sz="1400" dirty="0" err="1"/>
-              <a:t>verifier.verify</a:t>
-            </a:r>
-            <a:r>
-              <a:rPr lang="es-ES" sz="1400" dirty="0"/>
-              <a:t>(</a:t>
-            </a:r>
-            <a:r>
-              <a:rPr lang="es-ES" sz="1400" dirty="0" err="1"/>
-              <a:t>decoded</a:t>
-            </a:r>
-            <a:r>
-              <a:rPr lang="es-ES" sz="1400" dirty="0"/>
-              <a:t>);</a:t>
-            </a:r>
-          </a:p>
-          <a:p>
-            <a:pPr marL="0" indent="0">
-              <a:buNone/>
-            </a:pPr>
-            <a:r>
-              <a:rPr lang="es-ES" sz="1400" dirty="0"/>
-              <a:t>            // Extraer el </a:t>
-            </a:r>
-            <a:r>
-              <a:rPr lang="es-ES" sz="1400" dirty="0" err="1"/>
-              <a:t>claim</a:t>
-            </a:r>
-            <a:r>
-              <a:rPr lang="es-ES" sz="1400" dirty="0"/>
-              <a:t> "usuario"</a:t>
-            </a:r>
-          </a:p>
-          <a:p>
-            <a:pPr marL="0" indent="0">
-              <a:buNone/>
-            </a:pPr>
-            <a:r>
-              <a:rPr lang="es-ES" sz="1400" dirty="0"/>
-              <a:t>            </a:t>
-            </a:r>
-            <a:r>
-              <a:rPr lang="es-ES" sz="1400" dirty="0" err="1"/>
-              <a:t>std</a:t>
-            </a:r>
-            <a:r>
-              <a:rPr lang="es-ES" sz="1400" dirty="0"/>
-              <a:t>::</a:t>
-            </a:r>
-            <a:r>
-              <a:rPr lang="es-ES" sz="1400" dirty="0" err="1"/>
-              <a:t>string</a:t>
-            </a:r>
-            <a:r>
-              <a:rPr lang="es-ES" sz="1400" dirty="0"/>
-              <a:t> usuario = </a:t>
-            </a:r>
-            <a:r>
-              <a:rPr lang="es-ES" sz="1400" dirty="0" err="1"/>
-              <a:t>decoded.get_payload_claim</a:t>
-            </a:r>
-            <a:r>
-              <a:rPr lang="es-ES" sz="1400" dirty="0"/>
-              <a:t>("usuario").</a:t>
-            </a:r>
-            <a:r>
-              <a:rPr lang="es-ES" sz="1400" dirty="0" err="1"/>
-              <a:t>as_string</a:t>
-            </a:r>
-            <a:r>
-              <a:rPr lang="es-ES" sz="1400" dirty="0"/>
-              <a:t>();</a:t>
-            </a:r>
-          </a:p>
-          <a:p>
-            <a:pPr marL="0" indent="0">
-              <a:buNone/>
-            </a:pPr>
-            <a:r>
-              <a:rPr lang="es-ES" sz="1400" dirty="0"/>
-              <a:t>            // Respuesta exitosa</a:t>
-            </a:r>
-          </a:p>
-          <a:p>
-            <a:pPr marL="0" indent="0">
-              <a:buNone/>
-            </a:pPr>
-            <a:r>
-              <a:rPr lang="es-ES" sz="1400" dirty="0"/>
-              <a:t>            </a:t>
-            </a:r>
-            <a:r>
-              <a:rPr lang="es-ES" sz="1400" dirty="0" err="1"/>
-              <a:t>crow</a:t>
-            </a:r>
-            <a:r>
-              <a:rPr lang="es-ES" sz="1400" dirty="0"/>
-              <a:t>::</a:t>
-            </a:r>
-            <a:r>
-              <a:rPr lang="es-ES" sz="1400" dirty="0" err="1"/>
-              <a:t>json</a:t>
-            </a:r>
-            <a:r>
-              <a:rPr lang="es-ES" sz="1400" dirty="0"/>
-              <a:t>::</a:t>
-            </a:r>
-            <a:r>
-              <a:rPr lang="es-ES" sz="1400" dirty="0" err="1"/>
-              <a:t>wvalue</a:t>
-            </a:r>
-            <a:r>
-              <a:rPr lang="es-ES" sz="1400" dirty="0"/>
-              <a:t> respuesta;</a:t>
-            </a:r>
-          </a:p>
-          <a:p>
-            <a:pPr marL="0" indent="0">
-              <a:buNone/>
-            </a:pPr>
-            <a:r>
-              <a:rPr lang="es-ES" sz="1400" dirty="0"/>
-              <a:t>            respuesta["mensaje"] = "Acceso concedido";</a:t>
-            </a:r>
-          </a:p>
-          <a:p>
-            <a:pPr marL="0" indent="0">
-              <a:buNone/>
-            </a:pPr>
-            <a:r>
-              <a:rPr lang="es-ES" sz="1400" dirty="0"/>
-              <a:t>            respuesta["usuario"] = usuario;</a:t>
-            </a:r>
-          </a:p>
-          <a:p>
-            <a:pPr marL="0" indent="0">
-              <a:buNone/>
-            </a:pPr>
-            <a:r>
-              <a:rPr lang="es-ES" sz="1400" dirty="0"/>
-              <a:t>            </a:t>
-            </a:r>
-            <a:r>
-              <a:rPr lang="es-ES" sz="1400" dirty="0" err="1"/>
-              <a:t>return</a:t>
-            </a:r>
-            <a:r>
-              <a:rPr lang="es-ES" sz="1400" dirty="0"/>
-              <a:t> </a:t>
-            </a:r>
-            <a:r>
-              <a:rPr lang="es-ES" sz="1400" dirty="0" err="1"/>
-              <a:t>crow</a:t>
-            </a:r>
-            <a:r>
-              <a:rPr lang="es-ES" sz="1400" dirty="0"/>
-              <a:t>::response(respuesta);</a:t>
-            </a:r>
-          </a:p>
-          <a:p>
-            <a:pPr marL="0" indent="0">
-              <a:buNone/>
-            </a:pPr>
-            <a:r>
-              <a:rPr lang="es-ES" sz="1400" dirty="0"/>
-              <a:t>        }</a:t>
-            </a:r>
-          </a:p>
-          <a:p>
-            <a:pPr marL="0" indent="0">
-              <a:buNone/>
-            </a:pPr>
-            <a:r>
-              <a:rPr lang="es-ES" sz="1400" dirty="0"/>
-              <a:t>        catch (</a:t>
-            </a:r>
-            <a:r>
-              <a:rPr lang="es-ES" sz="1400" dirty="0" err="1"/>
-              <a:t>const</a:t>
-            </a:r>
-            <a:r>
-              <a:rPr lang="es-ES" sz="1400" dirty="0"/>
-              <a:t> </a:t>
-            </a:r>
-            <a:r>
-              <a:rPr lang="es-ES" sz="1400" dirty="0" err="1"/>
-              <a:t>std</a:t>
-            </a:r>
-            <a:r>
-              <a:rPr lang="es-ES" sz="1400" dirty="0"/>
-              <a:t>::</a:t>
-            </a:r>
-            <a:r>
-              <a:rPr lang="es-ES" sz="1400" dirty="0" err="1"/>
-              <a:t>exception</a:t>
-            </a:r>
-            <a:r>
-              <a:rPr lang="es-ES" sz="1400" dirty="0"/>
-              <a:t>&amp; e) {</a:t>
-            </a:r>
-          </a:p>
-          <a:p>
-            <a:pPr marL="0" indent="0">
-              <a:buNone/>
-            </a:pPr>
-            <a:r>
-              <a:rPr lang="es-ES" sz="1400" dirty="0"/>
-              <a:t>            // Token inválido o expirado</a:t>
-            </a:r>
-          </a:p>
-          <a:p>
-            <a:pPr marL="0" indent="0">
-              <a:buNone/>
-            </a:pPr>
-            <a:r>
-              <a:rPr lang="es-ES" sz="1400" dirty="0"/>
-              <a:t>            </a:t>
-            </a:r>
-            <a:r>
-              <a:rPr lang="es-ES" sz="1400" dirty="0" err="1"/>
-              <a:t>return</a:t>
-            </a:r>
-            <a:r>
-              <a:rPr lang="es-ES" sz="1400" dirty="0"/>
-              <a:t> </a:t>
-            </a:r>
-            <a:r>
-              <a:rPr lang="es-ES" sz="1400" dirty="0" err="1"/>
-              <a:t>crow</a:t>
-            </a:r>
-            <a:r>
-              <a:rPr lang="es-ES" sz="1400" dirty="0"/>
-              <a:t>::response(401, "Token inválido: " + </a:t>
-            </a:r>
-            <a:r>
-              <a:rPr lang="es-ES" sz="1400" dirty="0" err="1"/>
-              <a:t>std</a:t>
-            </a:r>
-            <a:r>
-              <a:rPr lang="es-ES" sz="1400" dirty="0"/>
-              <a:t>::</a:t>
-            </a:r>
-            <a:r>
-              <a:rPr lang="es-ES" sz="1400" dirty="0" err="1"/>
-              <a:t>string</a:t>
-            </a:r>
-            <a:r>
-              <a:rPr lang="es-ES" sz="1400" dirty="0"/>
-              <a:t>(</a:t>
-            </a:r>
-            <a:r>
-              <a:rPr lang="es-ES" sz="1400" dirty="0" err="1"/>
-              <a:t>e.what</a:t>
-            </a:r>
-            <a:r>
-              <a:rPr lang="es-ES" sz="1400" dirty="0"/>
-              <a:t>()));</a:t>
-            </a:r>
-          </a:p>
-          <a:p>
-            <a:pPr marL="0" indent="0">
-              <a:buNone/>
-            </a:pPr>
-            <a:r>
-              <a:rPr lang="es-ES" sz="1400" dirty="0"/>
-              <a:t>        }</a:t>
-            </a:r>
-          </a:p>
-          <a:p>
-            <a:pPr marL="0" indent="0">
-              <a:buNone/>
-            </a:pPr>
-            <a:r>
-              <a:rPr lang="es-ES" sz="1400" dirty="0"/>
-              <a:t>    });</a:t>
-            </a:r>
-          </a:p>
         </p:txBody>
       </p:sp>
       <p:sp>
@@ -7409,7 +6852,7 @@
           <p:cNvPr id="4" name="Marcador de número de diapositiva 3">
             <a:extLst>
               <a:ext uri="{FF2B5EF4-FFF2-40B4-BE49-F238E27FC236}">
-                <a16:creationId xmlns:a16="http://schemas.microsoft.com/office/drawing/2014/main" id="{F8419280-B41A-E6D6-227E-020A970DC46D}"/>
+                <a16:creationId xmlns:a16="http://schemas.microsoft.com/office/drawing/2014/main" id="{6CFD9AAB-0D23-CCC8-D16E-F02F11B6F21D}"/>
               </a:ext>
             </a:extLst>
           </p:cNvPr>
@@ -7436,7 +6879,7 @@
     </p:spTree>
     <p:extLst>
       <p:ext uri="{BB962C8B-B14F-4D97-AF65-F5344CB8AC3E}">
-        <p14:creationId xmlns:p14="http://schemas.microsoft.com/office/powerpoint/2010/main" val="3650454102"/>
+        <p14:creationId xmlns:p14="http://schemas.microsoft.com/office/powerpoint/2010/main" val="2470193475"/>
       </p:ext>
     </p:extLst>
   </p:cSld>
@@ -7468,7 +6911,7 @@
           <p:cNvPr id="2" name="Título 1">
             <a:extLst>
               <a:ext uri="{FF2B5EF4-FFF2-40B4-BE49-F238E27FC236}">
-                <a16:creationId xmlns:a16="http://schemas.microsoft.com/office/drawing/2014/main" id="{9CC10E3F-6967-94A3-9456-D718B8493A49}"/>
+                <a16:creationId xmlns:a16="http://schemas.microsoft.com/office/drawing/2014/main" id="{54CEA8EB-BEE0-1B80-1EE0-ED990CB42B1B}"/>
               </a:ext>
             </a:extLst>
           </p:cNvPr>
@@ -7486,7 +6929,7 @@
           <a:p>
             <a:r>
               <a:rPr lang="es-ES" dirty="0"/>
-              <a:t>Validar el token</a:t>
+              <a:t>Token generado</a:t>
             </a:r>
           </a:p>
         </p:txBody>
@@ -7496,7 +6939,7 @@
           <p:cNvPr id="3" name="Marcador de contenido 2">
             <a:extLst>
               <a:ext uri="{FF2B5EF4-FFF2-40B4-BE49-F238E27FC236}">
-                <a16:creationId xmlns:a16="http://schemas.microsoft.com/office/drawing/2014/main" id="{FCCD48CF-26BD-DEF7-ED9B-151D21FF51E2}"/>
+                <a16:creationId xmlns:a16="http://schemas.microsoft.com/office/drawing/2014/main" id="{F5C48D5A-BFE8-3215-0927-78D59E14A6A8}"/>
               </a:ext>
             </a:extLst>
           </p:cNvPr>
@@ -7509,93 +6952,66 @@
         </p:nvSpPr>
         <p:spPr/>
         <p:txBody>
-          <a:bodyPr>
-            <a:normAutofit fontScale="77500" lnSpcReduction="20000"/>
-          </a:bodyPr>
-          <a:lstStyle/>
-          <a:p>
-            <a:r>
-              <a:rPr lang="es-ES" dirty="0"/>
-              <a:t>Verifica que el encabezado </a:t>
-            </a:r>
-            <a:r>
-              <a:rPr lang="es-ES" dirty="0" err="1"/>
-              <a:t>Authorization</a:t>
-            </a:r>
-            <a:r>
-              <a:rPr lang="es-ES" dirty="0"/>
-              <a:t> esté presente y tenga el formato correcto.</a:t>
-            </a:r>
-          </a:p>
-          <a:p>
+          <a:bodyPr/>
+          <a:lstStyle/>
+          <a:p>
+            <a:pPr marL="0" indent="0">
+              <a:buNone/>
+            </a:pPr>
+            <a:r>
+              <a:rPr lang="es-ES" dirty="0"/>
+              <a:t>{</a:t>
+            </a:r>
+          </a:p>
+          <a:p>
+            <a:pPr marL="457200" lvl="1" indent="0">
+              <a:buNone/>
+            </a:pPr>
+            <a:r>
+              <a:rPr lang="es-ES" dirty="0"/>
+              <a:t>    "token": "</a:t>
+            </a:r>
+            <a:r>
+              <a:rPr lang="es-ES" b="1" dirty="0"/>
+              <a:t>eyJhbGciOiJIUzI1NiJ9</a:t>
+            </a:r>
+            <a:r>
+              <a:rPr lang="es-ES" dirty="0"/>
+              <a:t>.eyJleHAiOjE3NTc0MTg1ODIsImlzcyI6IkFudG9uaW8iLCJ1c3VhcmlvIjoiQW50b25pbyJ9.</a:t>
+            </a:r>
+            <a:r>
+              <a:rPr lang="es-ES" b="1" dirty="0"/>
+              <a:t>uBwFpR2cKO05SYIYun9UBtTH2hMnxhiTxGiNLheJrjc</a:t>
+            </a:r>
+            <a:r>
+              <a:rPr lang="es-ES" dirty="0"/>
+              <a:t>"</a:t>
+            </a:r>
+          </a:p>
+          <a:p>
+            <a:pPr marL="0" indent="0">
+              <a:buNone/>
+            </a:pPr>
+            <a:r>
+              <a:rPr lang="es-ES" dirty="0"/>
+              <a:t>}</a:t>
+            </a:r>
+          </a:p>
+          <a:p>
+            <a:pPr marL="0" indent="0">
+              <a:buNone/>
+            </a:pPr>
             <a:endParaRPr lang="es-ES" dirty="0"/>
           </a:p>
           <a:p>
             <a:r>
               <a:rPr lang="es-ES" dirty="0"/>
-              <a:t>Extrae el token JWT.</a:t>
+              <a:t>El token se almacena en un lugar seguro y luego hay que enviarlo.</a:t>
             </a:r>
           </a:p>
           <a:p>
             <a:endParaRPr lang="es-ES" dirty="0"/>
           </a:p>
-          <a:p>
-            <a:r>
-              <a:rPr lang="es-ES" dirty="0"/>
-              <a:t>Decodifica el token y verifica su firma con la clave secreta </a:t>
-            </a:r>
-            <a:r>
-              <a:rPr lang="es-ES" dirty="0" err="1"/>
-              <a:t>jwt_secret</a:t>
-            </a:r>
-            <a:r>
-              <a:rPr lang="es-ES" dirty="0"/>
-              <a:t>.</a:t>
-            </a:r>
-          </a:p>
-          <a:p>
-            <a:endParaRPr lang="es-ES" dirty="0"/>
-          </a:p>
-          <a:p>
-            <a:r>
-              <a:rPr lang="es-ES" dirty="0"/>
-              <a:t>Comprueba que el emisor (</a:t>
-            </a:r>
-            <a:r>
-              <a:rPr lang="es-ES" dirty="0" err="1"/>
-              <a:t>issuer</a:t>
-            </a:r>
-            <a:r>
-              <a:rPr lang="es-ES" dirty="0"/>
-              <a:t>) sea "Antonio".</a:t>
-            </a:r>
-          </a:p>
-          <a:p>
-            <a:endParaRPr lang="es-ES" dirty="0"/>
-          </a:p>
-          <a:p>
-            <a:r>
-              <a:rPr lang="es-ES" dirty="0"/>
-              <a:t>Extrae el </a:t>
-            </a:r>
-            <a:r>
-              <a:rPr lang="es-ES" dirty="0" err="1"/>
-              <a:t>claim</a:t>
-            </a:r>
-            <a:r>
-              <a:rPr lang="es-ES" dirty="0"/>
-              <a:t> "usuario" si el token es válido.</a:t>
-            </a:r>
-          </a:p>
-          <a:p>
-            <a:endParaRPr lang="es-ES" dirty="0"/>
-          </a:p>
-          <a:p>
-            <a:r>
-              <a:rPr lang="es-ES" dirty="0"/>
-              <a:t>Devuelve una respuesta JSON con el nombre del usuario si todo está correcto.</a:t>
-            </a:r>
-          </a:p>
         </p:txBody>
       </p:sp>
       <p:sp>
@@ -7603,7 +7019,7 @@
           <p:cNvPr id="4" name="Marcador de número de diapositiva 3">
             <a:extLst>
               <a:ext uri="{FF2B5EF4-FFF2-40B4-BE49-F238E27FC236}">
-                <a16:creationId xmlns:a16="http://schemas.microsoft.com/office/drawing/2014/main" id="{8CC6A707-04E5-C4FA-A149-EB8F9B2BD4B1}"/>
+                <a16:creationId xmlns:a16="http://schemas.microsoft.com/office/drawing/2014/main" id="{E79E3C7D-F889-9F61-5362-6187BB0395C2}"/>
               </a:ext>
             </a:extLst>
           </p:cNvPr>
@@ -7630,7 +7046,7 @@
     </p:spTree>
     <p:extLst>
       <p:ext uri="{BB962C8B-B14F-4D97-AF65-F5344CB8AC3E}">
-        <p14:creationId xmlns:p14="http://schemas.microsoft.com/office/powerpoint/2010/main" val="3150898284"/>
+        <p14:creationId xmlns:p14="http://schemas.microsoft.com/office/powerpoint/2010/main" val="3378495150"/>
       </p:ext>
     </p:extLst>
   </p:cSld>
@@ -7659,54 +7075,238 @@
       </p:grpSpPr>
       <p:sp>
         <p:nvSpPr>
-          <p:cNvPr id="5" name="Título 4">
-            <a:extLst>
-              <a:ext uri="{FF2B5EF4-FFF2-40B4-BE49-F238E27FC236}">
-                <a16:creationId xmlns:a16="http://schemas.microsoft.com/office/drawing/2014/main" id="{706E867F-790B-7CB2-BEAA-61296C21298C}"/>
-              </a:ext>
-            </a:extLst>
-          </p:cNvPr>
-          <p:cNvSpPr>
-            <a:spLocks noGrp="1"/>
-          </p:cNvSpPr>
-          <p:nvPr>
-            <p:ph type="ctrTitle"/>
-          </p:nvPr>
-        </p:nvSpPr>
-        <p:spPr/>
-        <p:txBody>
-          <a:bodyPr/>
-          <a:lstStyle/>
-          <a:p>
-            <a:r>
-              <a:rPr lang="es-ES" b="1" dirty="0"/>
-              <a:t>OpenSSL</a:t>
-            </a:r>
-          </a:p>
-        </p:txBody>
-      </p:sp>
-      <p:sp>
-        <p:nvSpPr>
-          <p:cNvPr id="6" name="Subtítulo 5">
-            <a:extLst>
-              <a:ext uri="{FF2B5EF4-FFF2-40B4-BE49-F238E27FC236}">
-                <a16:creationId xmlns:a16="http://schemas.microsoft.com/office/drawing/2014/main" id="{19B1467E-9CDF-5F6A-BA85-21B2755FE0C6}"/>
-              </a:ext>
-            </a:extLst>
-          </p:cNvPr>
-          <p:cNvSpPr>
-            <a:spLocks noGrp="1"/>
-          </p:cNvSpPr>
-          <p:nvPr>
-            <p:ph type="subTitle" idx="1"/>
-          </p:nvPr>
-        </p:nvSpPr>
-        <p:spPr/>
-        <p:txBody>
-          <a:bodyPr/>
-          <a:lstStyle/>
-          <a:p>
-            <a:endParaRPr lang="es-ES"/>
+          <p:cNvPr id="2" name="Título 1">
+            <a:extLst>
+              <a:ext uri="{FF2B5EF4-FFF2-40B4-BE49-F238E27FC236}">
+                <a16:creationId xmlns:a16="http://schemas.microsoft.com/office/drawing/2014/main" id="{1DD3853C-A69C-506A-0316-08E8540C29A9}"/>
+              </a:ext>
+            </a:extLst>
+          </p:cNvPr>
+          <p:cNvSpPr>
+            <a:spLocks noGrp="1"/>
+          </p:cNvSpPr>
+          <p:nvPr>
+            <p:ph type="title"/>
+          </p:nvPr>
+        </p:nvSpPr>
+        <p:spPr/>
+        <p:txBody>
+          <a:bodyPr/>
+          <a:lstStyle/>
+          <a:p>
+            <a:r>
+              <a:rPr lang="es-ES" dirty="0"/>
+              <a:t>Enviar el token</a:t>
+            </a:r>
+          </a:p>
+        </p:txBody>
+      </p:sp>
+      <p:sp>
+        <p:nvSpPr>
+          <p:cNvPr id="3" name="Marcador de contenido 2">
+            <a:extLst>
+              <a:ext uri="{FF2B5EF4-FFF2-40B4-BE49-F238E27FC236}">
+                <a16:creationId xmlns:a16="http://schemas.microsoft.com/office/drawing/2014/main" id="{045D8212-BCBC-B088-D236-C6112BACF36C}"/>
+              </a:ext>
+            </a:extLst>
+          </p:cNvPr>
+          <p:cNvSpPr>
+            <a:spLocks noGrp="1"/>
+          </p:cNvSpPr>
+          <p:nvPr>
+            <p:ph idx="1"/>
+          </p:nvPr>
+        </p:nvSpPr>
+        <p:spPr/>
+        <p:txBody>
+          <a:bodyPr>
+            <a:normAutofit lnSpcReduction="10000"/>
+          </a:bodyPr>
+          <a:lstStyle/>
+          <a:p>
+            <a:r>
+              <a:rPr lang="es-ES" dirty="0"/>
+              <a:t>Desde </a:t>
+            </a:r>
+            <a:r>
+              <a:rPr lang="es-ES" dirty="0" err="1"/>
+              <a:t>javascript</a:t>
+            </a:r>
+            <a:r>
+              <a:rPr lang="es-ES" dirty="0"/>
+              <a:t>:</a:t>
+            </a:r>
+          </a:p>
+          <a:p>
+            <a:endParaRPr lang="es-ES" dirty="0"/>
+          </a:p>
+          <a:p>
+            <a:pPr marL="457200" lvl="1" indent="0">
+              <a:buNone/>
+            </a:pPr>
+            <a:r>
+              <a:rPr lang="es-ES" dirty="0" err="1"/>
+              <a:t>fetch</a:t>
+            </a:r>
+            <a:r>
+              <a:rPr lang="es-ES" dirty="0"/>
+              <a:t>("https://tu-api.com/protegido", {</a:t>
+            </a:r>
+          </a:p>
+          <a:p>
+            <a:pPr marL="457200" lvl="1" indent="0">
+              <a:buNone/>
+            </a:pPr>
+            <a:r>
+              <a:rPr lang="es-ES" dirty="0"/>
+              <a:t>  </a:t>
+            </a:r>
+            <a:r>
+              <a:rPr lang="es-ES" dirty="0" err="1"/>
+              <a:t>method</a:t>
+            </a:r>
+            <a:r>
+              <a:rPr lang="es-ES" dirty="0"/>
+              <a:t>: "GET",</a:t>
+            </a:r>
+          </a:p>
+          <a:p>
+            <a:pPr marL="457200" lvl="1" indent="0">
+              <a:buNone/>
+            </a:pPr>
+            <a:r>
+              <a:rPr lang="es-ES" dirty="0"/>
+              <a:t>  </a:t>
+            </a:r>
+            <a:r>
+              <a:rPr lang="es-ES" dirty="0" err="1"/>
+              <a:t>headers</a:t>
+            </a:r>
+            <a:r>
+              <a:rPr lang="es-ES" dirty="0"/>
+              <a:t>: {</a:t>
+            </a:r>
+          </a:p>
+          <a:p>
+            <a:pPr marL="457200" lvl="1" indent="0">
+              <a:buNone/>
+            </a:pPr>
+            <a:r>
+              <a:rPr lang="es-ES" dirty="0"/>
+              <a:t>    "</a:t>
+            </a:r>
+            <a:r>
+              <a:rPr lang="es-ES" dirty="0" err="1"/>
+              <a:t>Authorization</a:t>
+            </a:r>
+            <a:r>
+              <a:rPr lang="es-ES" dirty="0"/>
+              <a:t>": "</a:t>
+            </a:r>
+            <a:r>
+              <a:rPr lang="es-ES" dirty="0" err="1"/>
+              <a:t>Bearer</a:t>
+            </a:r>
+            <a:r>
+              <a:rPr lang="es-ES" dirty="0"/>
+              <a:t> TU_TOKEN_AQUI",</a:t>
+            </a:r>
+          </a:p>
+          <a:p>
+            <a:pPr marL="457200" lvl="1" indent="0">
+              <a:buNone/>
+            </a:pPr>
+            <a:r>
+              <a:rPr lang="es-ES" dirty="0"/>
+              <a:t>    "Content-</a:t>
+            </a:r>
+            <a:r>
+              <a:rPr lang="es-ES" dirty="0" err="1"/>
+              <a:t>Type</a:t>
+            </a:r>
+            <a:r>
+              <a:rPr lang="es-ES" dirty="0"/>
+              <a:t>": "</a:t>
+            </a:r>
+            <a:r>
+              <a:rPr lang="es-ES" dirty="0" err="1"/>
+              <a:t>application</a:t>
+            </a:r>
+            <a:r>
+              <a:rPr lang="es-ES" dirty="0"/>
+              <a:t>/</a:t>
+            </a:r>
+            <a:r>
+              <a:rPr lang="es-ES" dirty="0" err="1"/>
+              <a:t>json</a:t>
+            </a:r>
+            <a:r>
+              <a:rPr lang="es-ES" dirty="0"/>
+              <a:t>"</a:t>
+            </a:r>
+          </a:p>
+          <a:p>
+            <a:pPr marL="457200" lvl="1" indent="0">
+              <a:buNone/>
+            </a:pPr>
+            <a:r>
+              <a:rPr lang="es-ES" dirty="0"/>
+              <a:t>  }</a:t>
+            </a:r>
+          </a:p>
+          <a:p>
+            <a:pPr marL="457200" lvl="1" indent="0">
+              <a:buNone/>
+            </a:pPr>
+            <a:r>
+              <a:rPr lang="es-ES" dirty="0"/>
+              <a:t>})</a:t>
+            </a:r>
+          </a:p>
+          <a:p>
+            <a:pPr marL="457200" lvl="1" indent="0">
+              <a:buNone/>
+            </a:pPr>
+            <a:r>
+              <a:rPr lang="es-ES" dirty="0"/>
+              <a:t>.</a:t>
+            </a:r>
+            <a:r>
+              <a:rPr lang="es-ES" dirty="0" err="1"/>
+              <a:t>then</a:t>
+            </a:r>
+            <a:r>
+              <a:rPr lang="es-ES" dirty="0"/>
+              <a:t>(res =&gt; </a:t>
+            </a:r>
+            <a:r>
+              <a:rPr lang="es-ES" dirty="0" err="1"/>
+              <a:t>res.json</a:t>
+            </a:r>
+            <a:r>
+              <a:rPr lang="es-ES" dirty="0"/>
+              <a:t>())</a:t>
+            </a:r>
+          </a:p>
+          <a:p>
+            <a:pPr marL="457200" lvl="1" indent="0">
+              <a:buNone/>
+            </a:pPr>
+            <a:r>
+              <a:rPr lang="es-ES" dirty="0"/>
+              <a:t>.</a:t>
+            </a:r>
+            <a:r>
+              <a:rPr lang="es-ES" dirty="0" err="1"/>
+              <a:t>then</a:t>
+            </a:r>
+            <a:r>
+              <a:rPr lang="es-ES" dirty="0"/>
+              <a:t>(data =&gt; console.log(data));</a:t>
+            </a:r>
+          </a:p>
+          <a:p>
+            <a:endParaRPr lang="es-ES" dirty="0"/>
           </a:p>
         </p:txBody>
       </p:sp>
@@ -7715,7 +7315,7 @@
           <p:cNvPr id="4" name="Marcador de número de diapositiva 3">
             <a:extLst>
               <a:ext uri="{FF2B5EF4-FFF2-40B4-BE49-F238E27FC236}">
-                <a16:creationId xmlns:a16="http://schemas.microsoft.com/office/drawing/2014/main" id="{E9C14DC4-A6C5-0E03-F112-216702755363}"/>
+                <a16:creationId xmlns:a16="http://schemas.microsoft.com/office/drawing/2014/main" id="{9AD4D26A-0530-545D-DD93-4DA92111CA58}"/>
               </a:ext>
             </a:extLst>
           </p:cNvPr>
@@ -7742,7 +7342,7 @@
     </p:spTree>
     <p:extLst>
       <p:ext uri="{BB962C8B-B14F-4D97-AF65-F5344CB8AC3E}">
-        <p14:creationId xmlns:p14="http://schemas.microsoft.com/office/powerpoint/2010/main" val="421055732"/>
+        <p14:creationId xmlns:p14="http://schemas.microsoft.com/office/powerpoint/2010/main" val="584895372"/>
       </p:ext>
     </p:extLst>
   </p:cSld>
@@ -7774,7 +7374,7 @@
           <p:cNvPr id="2" name="Título 1">
             <a:extLst>
               <a:ext uri="{FF2B5EF4-FFF2-40B4-BE49-F238E27FC236}">
-                <a16:creationId xmlns:a16="http://schemas.microsoft.com/office/drawing/2014/main" id="{D04325FE-BE1B-D2D9-1901-C0DB9CAB50F0}"/>
+                <a16:creationId xmlns:a16="http://schemas.microsoft.com/office/drawing/2014/main" id="{B266C065-4046-BD3D-21E0-19915DF41282}"/>
               </a:ext>
             </a:extLst>
           </p:cNvPr>
@@ -7785,14 +7385,21 @@
             <p:ph type="title"/>
           </p:nvPr>
         </p:nvSpPr>
-        <p:spPr/>
-        <p:txBody>
-          <a:bodyPr/>
-          <a:lstStyle/>
-          <a:p>
-            <a:r>
-              <a:rPr lang="es-ES" dirty="0"/>
-              <a:t>Bibliotecas criptográficas</a:t>
+        <p:spPr>
+          <a:xfrm>
+            <a:off x="914400" y="83636"/>
+            <a:ext cx="10515600" cy="597401"/>
+          </a:xfrm>
+        </p:spPr>
+        <p:txBody>
+          <a:bodyPr>
+            <a:normAutofit fontScale="90000"/>
+          </a:bodyPr>
+          <a:lstStyle/>
+          <a:p>
+            <a:r>
+              <a:rPr lang="es-ES" dirty="0"/>
+              <a:t>Validar el token</a:t>
             </a:r>
           </a:p>
         </p:txBody>
@@ -7802,23 +7409,767 @@
           <p:cNvPr id="3" name="Marcador de contenido 2">
             <a:extLst>
               <a:ext uri="{FF2B5EF4-FFF2-40B4-BE49-F238E27FC236}">
-                <a16:creationId xmlns:a16="http://schemas.microsoft.com/office/drawing/2014/main" id="{DC9F5CD9-8324-BE44-7DB8-55ECDBF85CA3}"/>
-              </a:ext>
-            </a:extLst>
-          </p:cNvPr>
-          <p:cNvSpPr>
-            <a:spLocks noGrp="1"/>
-          </p:cNvSpPr>
-          <p:nvPr>
-            <p:ph idx="1"/>
-          </p:nvPr>
-        </p:nvSpPr>
-        <p:spPr/>
-        <p:txBody>
-          <a:bodyPr/>
-          <a:lstStyle/>
-          <a:p>
-            <a:endParaRPr lang="es-ES"/>
+                <a16:creationId xmlns:a16="http://schemas.microsoft.com/office/drawing/2014/main" id="{B4F5B070-BF42-B46B-BE58-09AA7E58101D}"/>
+              </a:ext>
+            </a:extLst>
+          </p:cNvPr>
+          <p:cNvSpPr>
+            <a:spLocks noGrp="1"/>
+          </p:cNvSpPr>
+          <p:nvPr>
+            <p:ph sz="half" idx="1"/>
+          </p:nvPr>
+        </p:nvSpPr>
+        <p:spPr>
+          <a:xfrm>
+            <a:off x="202131" y="866274"/>
+            <a:ext cx="5817669" cy="5310689"/>
+          </a:xfrm>
+        </p:spPr>
+        <p:txBody>
+          <a:bodyPr>
+            <a:normAutofit fontScale="47500" lnSpcReduction="20000"/>
+          </a:bodyPr>
+          <a:lstStyle/>
+          <a:p>
+            <a:pPr marL="0" indent="0">
+              <a:buNone/>
+            </a:pPr>
+            <a:r>
+              <a:rPr lang="es-ES" sz="3400" dirty="0"/>
+              <a:t>CROW_ROUTE(app, "/protegido")</a:t>
+            </a:r>
+          </a:p>
+          <a:p>
+            <a:pPr marL="0" indent="0">
+              <a:buNone/>
+            </a:pPr>
+            <a:r>
+              <a:rPr lang="es-ES" sz="3400" dirty="0"/>
+              <a:t>    .</a:t>
+            </a:r>
+            <a:r>
+              <a:rPr lang="es-ES" sz="3400" dirty="0" err="1"/>
+              <a:t>methods</a:t>
+            </a:r>
+            <a:r>
+              <a:rPr lang="es-ES" sz="3400" dirty="0"/>
+              <a:t>("GET"_</a:t>
+            </a:r>
+            <a:r>
+              <a:rPr lang="es-ES" sz="3400" dirty="0" err="1"/>
+              <a:t>method</a:t>
+            </a:r>
+            <a:r>
+              <a:rPr lang="es-ES" sz="3400" dirty="0"/>
+              <a:t>)</a:t>
+            </a:r>
+          </a:p>
+          <a:p>
+            <a:pPr marL="0" indent="0">
+              <a:buNone/>
+            </a:pPr>
+            <a:r>
+              <a:rPr lang="es-ES" sz="3400" dirty="0"/>
+              <a:t>    ([</a:t>
+            </a:r>
+            <a:r>
+              <a:rPr lang="es-ES" sz="3400" dirty="0" err="1"/>
+              <a:t>jwt_secret</a:t>
+            </a:r>
+            <a:r>
+              <a:rPr lang="es-ES" sz="3400" dirty="0"/>
+              <a:t>](</a:t>
+            </a:r>
+            <a:r>
+              <a:rPr lang="es-ES" sz="3400" dirty="0" err="1"/>
+              <a:t>const</a:t>
+            </a:r>
+            <a:r>
+              <a:rPr lang="es-ES" sz="3400" dirty="0"/>
+              <a:t> </a:t>
+            </a:r>
+            <a:r>
+              <a:rPr lang="es-ES" sz="3400" dirty="0" err="1"/>
+              <a:t>crow</a:t>
+            </a:r>
+            <a:r>
+              <a:rPr lang="es-ES" sz="3400" dirty="0"/>
+              <a:t>::</a:t>
+            </a:r>
+            <a:r>
+              <a:rPr lang="es-ES" sz="3400" dirty="0" err="1"/>
+              <a:t>request</a:t>
+            </a:r>
+            <a:r>
+              <a:rPr lang="es-ES" sz="3400" dirty="0"/>
+              <a:t>&amp; </a:t>
+            </a:r>
+            <a:r>
+              <a:rPr lang="es-ES" sz="3400" dirty="0" err="1"/>
+              <a:t>req</a:t>
+            </a:r>
+            <a:r>
+              <a:rPr lang="es-ES" sz="3400" dirty="0"/>
+              <a:t>) {</a:t>
+            </a:r>
+          </a:p>
+          <a:p>
+            <a:pPr marL="0" indent="0">
+              <a:buNone/>
+            </a:pPr>
+            <a:r>
+              <a:rPr lang="es-ES" sz="3400" dirty="0"/>
+              <a:t>        // Extraer el encabezado </a:t>
+            </a:r>
+            <a:r>
+              <a:rPr lang="es-ES" sz="3400" dirty="0" err="1"/>
+              <a:t>Authorization</a:t>
+            </a:r>
+            <a:endParaRPr lang="es-ES" sz="3400" dirty="0"/>
+          </a:p>
+          <a:p>
+            <a:pPr marL="0" indent="0">
+              <a:buNone/>
+            </a:pPr>
+            <a:r>
+              <a:rPr lang="es-ES" sz="3400" dirty="0"/>
+              <a:t>        auto </a:t>
+            </a:r>
+            <a:r>
+              <a:rPr lang="es-ES" sz="3400" dirty="0" err="1"/>
+              <a:t>auth_header</a:t>
+            </a:r>
+            <a:r>
+              <a:rPr lang="es-ES" sz="3400" dirty="0"/>
+              <a:t> = </a:t>
+            </a:r>
+            <a:r>
+              <a:rPr lang="es-ES" sz="3400" dirty="0" err="1"/>
+              <a:t>req.get_header_value</a:t>
+            </a:r>
+            <a:r>
+              <a:rPr lang="es-ES" sz="3400" dirty="0"/>
+              <a:t>("</a:t>
+            </a:r>
+            <a:r>
+              <a:rPr lang="es-ES" sz="3400" dirty="0" err="1"/>
+              <a:t>Authorization</a:t>
+            </a:r>
+            <a:r>
+              <a:rPr lang="es-ES" sz="3400" dirty="0"/>
+              <a:t>");</a:t>
+            </a:r>
+          </a:p>
+          <a:p>
+            <a:pPr marL="0" indent="0">
+              <a:buNone/>
+            </a:pPr>
+            <a:endParaRPr lang="es-ES" sz="3400" dirty="0"/>
+          </a:p>
+          <a:p>
+            <a:pPr marL="0" indent="0">
+              <a:buNone/>
+            </a:pPr>
+            <a:r>
+              <a:rPr lang="es-ES" sz="3400" dirty="0"/>
+              <a:t>        // Verificar que el encabezado exista y comience con "</a:t>
+            </a:r>
+            <a:r>
+              <a:rPr lang="es-ES" sz="3400" dirty="0" err="1"/>
+              <a:t>Bearer</a:t>
+            </a:r>
+            <a:r>
+              <a:rPr lang="es-ES" sz="3400" dirty="0"/>
+              <a:t> "</a:t>
+            </a:r>
+          </a:p>
+          <a:p>
+            <a:pPr marL="0" indent="0">
+              <a:buNone/>
+            </a:pPr>
+            <a:r>
+              <a:rPr lang="es-ES" sz="3400" dirty="0"/>
+              <a:t>        </a:t>
+            </a:r>
+            <a:r>
+              <a:rPr lang="es-ES" sz="3400" dirty="0" err="1"/>
+              <a:t>if</a:t>
+            </a:r>
+            <a:r>
+              <a:rPr lang="es-ES" sz="3400" dirty="0"/>
+              <a:t> (</a:t>
+            </a:r>
+            <a:r>
+              <a:rPr lang="es-ES" sz="3400" dirty="0" err="1"/>
+              <a:t>auth_header.substr</a:t>
+            </a:r>
+            <a:r>
+              <a:rPr lang="es-ES" sz="3400" dirty="0"/>
+              <a:t>(0, 7) != "</a:t>
+            </a:r>
+            <a:r>
+              <a:rPr lang="es-ES" sz="3400" dirty="0" err="1"/>
+              <a:t>Bearer</a:t>
+            </a:r>
+            <a:r>
+              <a:rPr lang="es-ES" sz="3400" dirty="0"/>
+              <a:t> ")</a:t>
+            </a:r>
+          </a:p>
+          <a:p>
+            <a:pPr marL="0" indent="0">
+              <a:buNone/>
+            </a:pPr>
+            <a:r>
+              <a:rPr lang="es-ES" sz="3400" dirty="0"/>
+              <a:t>            </a:t>
+            </a:r>
+            <a:r>
+              <a:rPr lang="es-ES" sz="3400" dirty="0" err="1"/>
+              <a:t>return</a:t>
+            </a:r>
+            <a:r>
+              <a:rPr lang="es-ES" sz="3400" dirty="0"/>
+              <a:t> </a:t>
+            </a:r>
+            <a:r>
+              <a:rPr lang="es-ES" sz="3400" dirty="0" err="1"/>
+              <a:t>crow</a:t>
+            </a:r>
+            <a:r>
+              <a:rPr lang="es-ES" sz="3400" dirty="0"/>
+              <a:t>::response(401, "Token no proporcionado o mal formado");</a:t>
+            </a:r>
+          </a:p>
+          <a:p>
+            <a:pPr marL="0" indent="0">
+              <a:buNone/>
+            </a:pPr>
+            <a:endParaRPr lang="es-ES" sz="3400" dirty="0"/>
+          </a:p>
+          <a:p>
+            <a:pPr marL="0" indent="0">
+              <a:buNone/>
+            </a:pPr>
+            <a:r>
+              <a:rPr lang="es-ES" sz="3400" dirty="0"/>
+              <a:t>        // Extraer el token</a:t>
+            </a:r>
+          </a:p>
+          <a:p>
+            <a:pPr marL="0" indent="0">
+              <a:buNone/>
+            </a:pPr>
+            <a:r>
+              <a:rPr lang="es-ES" sz="3400" dirty="0"/>
+              <a:t>        </a:t>
+            </a:r>
+            <a:r>
+              <a:rPr lang="es-ES" sz="3400" dirty="0" err="1"/>
+              <a:t>std</a:t>
+            </a:r>
+            <a:r>
+              <a:rPr lang="es-ES" sz="3400" dirty="0"/>
+              <a:t>::</a:t>
+            </a:r>
+            <a:r>
+              <a:rPr lang="es-ES" sz="3400" dirty="0" err="1"/>
+              <a:t>string</a:t>
+            </a:r>
+            <a:r>
+              <a:rPr lang="es-ES" sz="3400" dirty="0"/>
+              <a:t> token = </a:t>
+            </a:r>
+            <a:r>
+              <a:rPr lang="es-ES" sz="3400" dirty="0" err="1"/>
+              <a:t>auth_header.substr</a:t>
+            </a:r>
+            <a:r>
+              <a:rPr lang="es-ES" sz="3400" dirty="0"/>
+              <a:t>(7);</a:t>
+            </a:r>
+          </a:p>
+          <a:p>
+            <a:pPr marL="0" indent="0">
+              <a:buNone/>
+            </a:pPr>
+            <a:endParaRPr lang="es-ES" sz="3400" dirty="0"/>
+          </a:p>
+          <a:p>
+            <a:pPr marL="0" indent="0">
+              <a:buNone/>
+            </a:pPr>
+            <a:r>
+              <a:rPr lang="es-ES" sz="3400" dirty="0"/>
+              <a:t>        try {</a:t>
+            </a:r>
+          </a:p>
+          <a:p>
+            <a:pPr marL="0" indent="0">
+              <a:buNone/>
+            </a:pPr>
+            <a:r>
+              <a:rPr lang="es-ES" sz="3400" dirty="0"/>
+              <a:t>            // Verificar y decodificar el token</a:t>
+            </a:r>
+          </a:p>
+          <a:p>
+            <a:pPr marL="0" indent="0">
+              <a:buNone/>
+            </a:pPr>
+            <a:r>
+              <a:rPr lang="es-ES" sz="3400" dirty="0"/>
+              <a:t>            auto </a:t>
+            </a:r>
+            <a:r>
+              <a:rPr lang="es-ES" sz="3400" dirty="0" err="1"/>
+              <a:t>decoded</a:t>
+            </a:r>
+            <a:r>
+              <a:rPr lang="es-ES" sz="3400" dirty="0"/>
+              <a:t> = </a:t>
+            </a:r>
+            <a:r>
+              <a:rPr lang="es-ES" sz="3400" dirty="0" err="1"/>
+              <a:t>jwt</a:t>
+            </a:r>
+            <a:r>
+              <a:rPr lang="es-ES" sz="3400" dirty="0"/>
+              <a:t>::</a:t>
+            </a:r>
+            <a:r>
+              <a:rPr lang="es-ES" sz="3400" dirty="0" err="1"/>
+              <a:t>decode</a:t>
+            </a:r>
+            <a:r>
+              <a:rPr lang="es-ES" sz="3400" dirty="0"/>
+              <a:t>(token);</a:t>
+            </a:r>
+          </a:p>
+          <a:p>
+            <a:pPr marL="0" indent="0">
+              <a:buNone/>
+            </a:pPr>
+            <a:endParaRPr lang="es-ES" dirty="0"/>
+          </a:p>
+          <a:p>
+            <a:endParaRPr lang="es-ES" dirty="0"/>
+          </a:p>
+        </p:txBody>
+      </p:sp>
+      <p:sp>
+        <p:nvSpPr>
+          <p:cNvPr id="5" name="Marcador de contenido 4">
+            <a:extLst>
+              <a:ext uri="{FF2B5EF4-FFF2-40B4-BE49-F238E27FC236}">
+                <a16:creationId xmlns:a16="http://schemas.microsoft.com/office/drawing/2014/main" id="{6946418C-055C-5AAF-A0F0-63F3F71363D8}"/>
+              </a:ext>
+            </a:extLst>
+          </p:cNvPr>
+          <p:cNvSpPr>
+            <a:spLocks noGrp="1"/>
+          </p:cNvSpPr>
+          <p:nvPr>
+            <p:ph sz="half" idx="2"/>
+          </p:nvPr>
+        </p:nvSpPr>
+        <p:spPr>
+          <a:xfrm>
+            <a:off x="6172202" y="32518"/>
+            <a:ext cx="6019798" cy="6040438"/>
+          </a:xfrm>
+        </p:spPr>
+        <p:txBody>
+          <a:bodyPr>
+            <a:noAutofit/>
+          </a:bodyPr>
+          <a:lstStyle/>
+          <a:p>
+            <a:pPr marL="0" indent="0">
+              <a:buNone/>
+            </a:pPr>
+            <a:r>
+              <a:rPr lang="es-ES" sz="1400" dirty="0"/>
+              <a:t> // Verificar la firma y la validez</a:t>
+            </a:r>
+          </a:p>
+          <a:p>
+            <a:pPr marL="0" indent="0">
+              <a:buNone/>
+            </a:pPr>
+            <a:r>
+              <a:rPr lang="es-ES" sz="1400" dirty="0"/>
+              <a:t>            auto </a:t>
+            </a:r>
+            <a:r>
+              <a:rPr lang="es-ES" sz="1400" dirty="0" err="1"/>
+              <a:t>verifier</a:t>
+            </a:r>
+            <a:r>
+              <a:rPr lang="es-ES" sz="1400" dirty="0"/>
+              <a:t> = </a:t>
+            </a:r>
+            <a:r>
+              <a:rPr lang="es-ES" sz="1400" dirty="0" err="1"/>
+              <a:t>jwt</a:t>
+            </a:r>
+            <a:r>
+              <a:rPr lang="es-ES" sz="1400" dirty="0"/>
+              <a:t>::</a:t>
+            </a:r>
+            <a:r>
+              <a:rPr lang="es-ES" sz="1400" dirty="0" err="1"/>
+              <a:t>verify</a:t>
+            </a:r>
+            <a:r>
+              <a:rPr lang="es-ES" sz="1400" dirty="0"/>
+              <a:t>()</a:t>
+            </a:r>
+          </a:p>
+          <a:p>
+            <a:pPr marL="0" indent="0">
+              <a:buNone/>
+            </a:pPr>
+            <a:r>
+              <a:rPr lang="es-ES" sz="1400" dirty="0"/>
+              <a:t>                .</a:t>
+            </a:r>
+            <a:r>
+              <a:rPr lang="es-ES" sz="1400" dirty="0" err="1"/>
+              <a:t>allow_algorithm</a:t>
+            </a:r>
+            <a:r>
+              <a:rPr lang="es-ES" sz="1400" dirty="0"/>
+              <a:t>(</a:t>
+            </a:r>
+            <a:r>
+              <a:rPr lang="es-ES" sz="1400" dirty="0" err="1"/>
+              <a:t>jwt</a:t>
+            </a:r>
+            <a:r>
+              <a:rPr lang="es-ES" sz="1400" dirty="0"/>
+              <a:t>::</a:t>
+            </a:r>
+            <a:r>
+              <a:rPr lang="es-ES" sz="1400" dirty="0" err="1"/>
+              <a:t>algorithm</a:t>
+            </a:r>
+            <a:r>
+              <a:rPr lang="es-ES" sz="1400" dirty="0"/>
+              <a:t>::hs256{ </a:t>
+            </a:r>
+            <a:r>
+              <a:rPr lang="es-ES" sz="1400" dirty="0" err="1"/>
+              <a:t>jwt_secret</a:t>
+            </a:r>
+            <a:r>
+              <a:rPr lang="es-ES" sz="1400" dirty="0"/>
+              <a:t> })</a:t>
+            </a:r>
+          </a:p>
+          <a:p>
+            <a:pPr marL="0" indent="0">
+              <a:buNone/>
+            </a:pPr>
+            <a:r>
+              <a:rPr lang="es-ES" sz="1400" dirty="0"/>
+              <a:t>                .</a:t>
+            </a:r>
+            <a:r>
+              <a:rPr lang="es-ES" sz="1400" dirty="0" err="1"/>
+              <a:t>with_issuer</a:t>
+            </a:r>
+            <a:r>
+              <a:rPr lang="es-ES" sz="1400" dirty="0"/>
+              <a:t>("Antonio");</a:t>
+            </a:r>
+          </a:p>
+          <a:p>
+            <a:pPr marL="0" indent="0">
+              <a:buNone/>
+            </a:pPr>
+            <a:r>
+              <a:rPr lang="es-ES" sz="1400" dirty="0"/>
+              <a:t>            </a:t>
+            </a:r>
+            <a:r>
+              <a:rPr lang="es-ES" sz="1400" dirty="0" err="1"/>
+              <a:t>verifier.verify</a:t>
+            </a:r>
+            <a:r>
+              <a:rPr lang="es-ES" sz="1400" dirty="0"/>
+              <a:t>(</a:t>
+            </a:r>
+            <a:r>
+              <a:rPr lang="es-ES" sz="1400" dirty="0" err="1"/>
+              <a:t>decoded</a:t>
+            </a:r>
+            <a:r>
+              <a:rPr lang="es-ES" sz="1400" dirty="0"/>
+              <a:t>);</a:t>
+            </a:r>
+          </a:p>
+          <a:p>
+            <a:pPr marL="0" indent="0">
+              <a:buNone/>
+            </a:pPr>
+            <a:r>
+              <a:rPr lang="es-ES" sz="1400" dirty="0"/>
+              <a:t>            // Extraer el </a:t>
+            </a:r>
+            <a:r>
+              <a:rPr lang="es-ES" sz="1400" dirty="0" err="1"/>
+              <a:t>claim</a:t>
+            </a:r>
+            <a:r>
+              <a:rPr lang="es-ES" sz="1400" dirty="0"/>
+              <a:t> "usuario"</a:t>
+            </a:r>
+          </a:p>
+          <a:p>
+            <a:pPr marL="0" indent="0">
+              <a:buNone/>
+            </a:pPr>
+            <a:r>
+              <a:rPr lang="es-ES" sz="1400" dirty="0"/>
+              <a:t>            </a:t>
+            </a:r>
+            <a:r>
+              <a:rPr lang="es-ES" sz="1400" dirty="0" err="1"/>
+              <a:t>std</a:t>
+            </a:r>
+            <a:r>
+              <a:rPr lang="es-ES" sz="1400" dirty="0"/>
+              <a:t>::</a:t>
+            </a:r>
+            <a:r>
+              <a:rPr lang="es-ES" sz="1400" dirty="0" err="1"/>
+              <a:t>string</a:t>
+            </a:r>
+            <a:r>
+              <a:rPr lang="es-ES" sz="1400" dirty="0"/>
+              <a:t> usuario = </a:t>
+            </a:r>
+            <a:r>
+              <a:rPr lang="es-ES" sz="1400" dirty="0" err="1"/>
+              <a:t>decoded.get_payload_claim</a:t>
+            </a:r>
+            <a:r>
+              <a:rPr lang="es-ES" sz="1400" dirty="0"/>
+              <a:t>("usuario").</a:t>
+            </a:r>
+            <a:r>
+              <a:rPr lang="es-ES" sz="1400" dirty="0" err="1"/>
+              <a:t>as_string</a:t>
+            </a:r>
+            <a:r>
+              <a:rPr lang="es-ES" sz="1400" dirty="0"/>
+              <a:t>();</a:t>
+            </a:r>
+          </a:p>
+          <a:p>
+            <a:pPr marL="0" indent="0">
+              <a:buNone/>
+            </a:pPr>
+            <a:r>
+              <a:rPr lang="es-ES" sz="1400" dirty="0"/>
+              <a:t>            // Respuesta exitosa</a:t>
+            </a:r>
+          </a:p>
+          <a:p>
+            <a:pPr marL="0" indent="0">
+              <a:buNone/>
+            </a:pPr>
+            <a:r>
+              <a:rPr lang="es-ES" sz="1400" dirty="0"/>
+              <a:t>            </a:t>
+            </a:r>
+            <a:r>
+              <a:rPr lang="es-ES" sz="1400" dirty="0" err="1"/>
+              <a:t>crow</a:t>
+            </a:r>
+            <a:r>
+              <a:rPr lang="es-ES" sz="1400" dirty="0"/>
+              <a:t>::</a:t>
+            </a:r>
+            <a:r>
+              <a:rPr lang="es-ES" sz="1400" dirty="0" err="1"/>
+              <a:t>json</a:t>
+            </a:r>
+            <a:r>
+              <a:rPr lang="es-ES" sz="1400" dirty="0"/>
+              <a:t>::</a:t>
+            </a:r>
+            <a:r>
+              <a:rPr lang="es-ES" sz="1400" dirty="0" err="1"/>
+              <a:t>wvalue</a:t>
+            </a:r>
+            <a:r>
+              <a:rPr lang="es-ES" sz="1400" dirty="0"/>
+              <a:t> respuesta;</a:t>
+            </a:r>
+          </a:p>
+          <a:p>
+            <a:pPr marL="0" indent="0">
+              <a:buNone/>
+            </a:pPr>
+            <a:r>
+              <a:rPr lang="es-ES" sz="1400" dirty="0"/>
+              <a:t>            respuesta["mensaje"] = "Acceso concedido";</a:t>
+            </a:r>
+          </a:p>
+          <a:p>
+            <a:pPr marL="0" indent="0">
+              <a:buNone/>
+            </a:pPr>
+            <a:r>
+              <a:rPr lang="es-ES" sz="1400" dirty="0"/>
+              <a:t>            respuesta["usuario"] = usuario;</a:t>
+            </a:r>
+          </a:p>
+          <a:p>
+            <a:pPr marL="0" indent="0">
+              <a:buNone/>
+            </a:pPr>
+            <a:r>
+              <a:rPr lang="es-ES" sz="1400" dirty="0"/>
+              <a:t>            </a:t>
+            </a:r>
+            <a:r>
+              <a:rPr lang="es-ES" sz="1400" dirty="0" err="1"/>
+              <a:t>return</a:t>
+            </a:r>
+            <a:r>
+              <a:rPr lang="es-ES" sz="1400" dirty="0"/>
+              <a:t> </a:t>
+            </a:r>
+            <a:r>
+              <a:rPr lang="es-ES" sz="1400" dirty="0" err="1"/>
+              <a:t>crow</a:t>
+            </a:r>
+            <a:r>
+              <a:rPr lang="es-ES" sz="1400" dirty="0"/>
+              <a:t>::response(respuesta);</a:t>
+            </a:r>
+          </a:p>
+          <a:p>
+            <a:pPr marL="0" indent="0">
+              <a:buNone/>
+            </a:pPr>
+            <a:r>
+              <a:rPr lang="es-ES" sz="1400" dirty="0"/>
+              <a:t>        }</a:t>
+            </a:r>
+          </a:p>
+          <a:p>
+            <a:pPr marL="0" indent="0">
+              <a:buNone/>
+            </a:pPr>
+            <a:r>
+              <a:rPr lang="es-ES" sz="1400" dirty="0"/>
+              <a:t>        catch (</a:t>
+            </a:r>
+            <a:r>
+              <a:rPr lang="es-ES" sz="1400" dirty="0" err="1"/>
+              <a:t>const</a:t>
+            </a:r>
+            <a:r>
+              <a:rPr lang="es-ES" sz="1400" dirty="0"/>
+              <a:t> </a:t>
+            </a:r>
+            <a:r>
+              <a:rPr lang="es-ES" sz="1400" dirty="0" err="1"/>
+              <a:t>std</a:t>
+            </a:r>
+            <a:r>
+              <a:rPr lang="es-ES" sz="1400" dirty="0"/>
+              <a:t>::</a:t>
+            </a:r>
+            <a:r>
+              <a:rPr lang="es-ES" sz="1400" dirty="0" err="1"/>
+              <a:t>exception</a:t>
+            </a:r>
+            <a:r>
+              <a:rPr lang="es-ES" sz="1400" dirty="0"/>
+              <a:t>&amp; e) {</a:t>
+            </a:r>
+          </a:p>
+          <a:p>
+            <a:pPr marL="0" indent="0">
+              <a:buNone/>
+            </a:pPr>
+            <a:r>
+              <a:rPr lang="es-ES" sz="1400" dirty="0"/>
+              <a:t>            // Token inválido o expirado</a:t>
+            </a:r>
+          </a:p>
+          <a:p>
+            <a:pPr marL="0" indent="0">
+              <a:buNone/>
+            </a:pPr>
+            <a:r>
+              <a:rPr lang="es-ES" sz="1400" dirty="0"/>
+              <a:t>            </a:t>
+            </a:r>
+            <a:r>
+              <a:rPr lang="es-ES" sz="1400" dirty="0" err="1"/>
+              <a:t>return</a:t>
+            </a:r>
+            <a:r>
+              <a:rPr lang="es-ES" sz="1400" dirty="0"/>
+              <a:t> </a:t>
+            </a:r>
+            <a:r>
+              <a:rPr lang="es-ES" sz="1400" dirty="0" err="1"/>
+              <a:t>crow</a:t>
+            </a:r>
+            <a:r>
+              <a:rPr lang="es-ES" sz="1400" dirty="0"/>
+              <a:t>::response(401, "Token inválido: " + </a:t>
+            </a:r>
+            <a:r>
+              <a:rPr lang="es-ES" sz="1400" dirty="0" err="1"/>
+              <a:t>std</a:t>
+            </a:r>
+            <a:r>
+              <a:rPr lang="es-ES" sz="1400" dirty="0"/>
+              <a:t>::</a:t>
+            </a:r>
+            <a:r>
+              <a:rPr lang="es-ES" sz="1400" dirty="0" err="1"/>
+              <a:t>string</a:t>
+            </a:r>
+            <a:r>
+              <a:rPr lang="es-ES" sz="1400" dirty="0"/>
+              <a:t>(</a:t>
+            </a:r>
+            <a:r>
+              <a:rPr lang="es-ES" sz="1400" dirty="0" err="1"/>
+              <a:t>e.what</a:t>
+            </a:r>
+            <a:r>
+              <a:rPr lang="es-ES" sz="1400" dirty="0"/>
+              <a:t>()));</a:t>
+            </a:r>
+          </a:p>
+          <a:p>
+            <a:pPr marL="0" indent="0">
+              <a:buNone/>
+            </a:pPr>
+            <a:r>
+              <a:rPr lang="es-ES" sz="1400" dirty="0"/>
+              <a:t>        }</a:t>
+            </a:r>
+          </a:p>
+          <a:p>
+            <a:pPr marL="0" indent="0">
+              <a:buNone/>
+            </a:pPr>
+            <a:r>
+              <a:rPr lang="es-ES" sz="1400" dirty="0"/>
+              <a:t>    });</a:t>
+            </a:r>
           </a:p>
         </p:txBody>
       </p:sp>
@@ -7827,7 +8178,7 @@
           <p:cNvPr id="4" name="Marcador de número de diapositiva 3">
             <a:extLst>
               <a:ext uri="{FF2B5EF4-FFF2-40B4-BE49-F238E27FC236}">
-                <a16:creationId xmlns:a16="http://schemas.microsoft.com/office/drawing/2014/main" id="{FC1A99F6-8EB4-E411-216B-BEEE1D83E9AB}"/>
+                <a16:creationId xmlns:a16="http://schemas.microsoft.com/office/drawing/2014/main" id="{F8419280-B41A-E6D6-227E-020A970DC46D}"/>
               </a:ext>
             </a:extLst>
           </p:cNvPr>
@@ -7854,7 +8205,7 @@
     </p:spTree>
     <p:extLst>
       <p:ext uri="{BB962C8B-B14F-4D97-AF65-F5344CB8AC3E}">
-        <p14:creationId xmlns:p14="http://schemas.microsoft.com/office/powerpoint/2010/main" val="3529758498"/>
+        <p14:creationId xmlns:p14="http://schemas.microsoft.com/office/powerpoint/2010/main" val="3650454102"/>
       </p:ext>
     </p:extLst>
   </p:cSld>
@@ -7883,41 +8234,172 @@
       </p:grpSpPr>
       <p:sp>
         <p:nvSpPr>
-          <p:cNvPr id="4" name="Título 3">
-            <a:extLst>
-              <a:ext uri="{FF2B5EF4-FFF2-40B4-BE49-F238E27FC236}">
-                <a16:creationId xmlns:a16="http://schemas.microsoft.com/office/drawing/2014/main" id="{49C47587-0444-CC44-ED0F-CA02B9506EA7}"/>
-              </a:ext>
-            </a:extLst>
-          </p:cNvPr>
-          <p:cNvSpPr>
-            <a:spLocks noGrp="1"/>
-          </p:cNvSpPr>
-          <p:nvPr>
-            <p:ph type="ctrTitle"/>
-          </p:nvPr>
-        </p:nvSpPr>
-        <p:spPr>
-          <a:xfrm>
-            <a:off x="290423" y="1773188"/>
-            <a:ext cx="11611154" cy="2387600"/>
-          </a:xfrm>
-        </p:spPr>
-        <p:txBody>
-          <a:bodyPr/>
-          <a:lstStyle/>
-          <a:p>
-            <a:r>
-              <a:rPr lang="es-ES" b="1" dirty="0"/>
-              <a:t>Protección de la comunicación entre microservicios</a:t>
-            </a:r>
+          <p:cNvPr id="2" name="Título 1">
+            <a:extLst>
+              <a:ext uri="{FF2B5EF4-FFF2-40B4-BE49-F238E27FC236}">
+                <a16:creationId xmlns:a16="http://schemas.microsoft.com/office/drawing/2014/main" id="{9CC10E3F-6967-94A3-9456-D718B8493A49}"/>
+              </a:ext>
+            </a:extLst>
+          </p:cNvPr>
+          <p:cNvSpPr>
+            <a:spLocks noGrp="1"/>
+          </p:cNvSpPr>
+          <p:nvPr>
+            <p:ph type="title"/>
+          </p:nvPr>
+        </p:nvSpPr>
+        <p:spPr/>
+        <p:txBody>
+          <a:bodyPr/>
+          <a:lstStyle/>
+          <a:p>
+            <a:r>
+              <a:rPr lang="es-ES" dirty="0"/>
+              <a:t>Validar el token</a:t>
+            </a:r>
+          </a:p>
+        </p:txBody>
+      </p:sp>
+      <p:sp>
+        <p:nvSpPr>
+          <p:cNvPr id="3" name="Marcador de contenido 2">
+            <a:extLst>
+              <a:ext uri="{FF2B5EF4-FFF2-40B4-BE49-F238E27FC236}">
+                <a16:creationId xmlns:a16="http://schemas.microsoft.com/office/drawing/2014/main" id="{FCCD48CF-26BD-DEF7-ED9B-151D21FF51E2}"/>
+              </a:ext>
+            </a:extLst>
+          </p:cNvPr>
+          <p:cNvSpPr>
+            <a:spLocks noGrp="1"/>
+          </p:cNvSpPr>
+          <p:nvPr>
+            <p:ph idx="1"/>
+          </p:nvPr>
+        </p:nvSpPr>
+        <p:spPr/>
+        <p:txBody>
+          <a:bodyPr>
+            <a:normAutofit fontScale="77500" lnSpcReduction="20000"/>
+          </a:bodyPr>
+          <a:lstStyle/>
+          <a:p>
+            <a:r>
+              <a:rPr lang="es-ES" dirty="0"/>
+              <a:t>Verifica que el encabezado </a:t>
+            </a:r>
+            <a:r>
+              <a:rPr lang="es-ES" dirty="0" err="1"/>
+              <a:t>Authorization</a:t>
+            </a:r>
+            <a:r>
+              <a:rPr lang="es-ES" dirty="0"/>
+              <a:t> esté presente y tenga el formato correcto.</a:t>
+            </a:r>
+          </a:p>
+          <a:p>
+            <a:endParaRPr lang="es-ES" dirty="0"/>
+          </a:p>
+          <a:p>
+            <a:r>
+              <a:rPr lang="es-ES" dirty="0"/>
+              <a:t>Extrae el token JWT.</a:t>
+            </a:r>
+          </a:p>
+          <a:p>
+            <a:endParaRPr lang="es-ES" dirty="0"/>
+          </a:p>
+          <a:p>
+            <a:r>
+              <a:rPr lang="es-ES" dirty="0"/>
+              <a:t>Decodifica el token y verifica su firma con la clave secreta </a:t>
+            </a:r>
+            <a:r>
+              <a:rPr lang="es-ES" dirty="0" err="1"/>
+              <a:t>jwt_secret</a:t>
+            </a:r>
+            <a:r>
+              <a:rPr lang="es-ES" dirty="0"/>
+              <a:t>.</a:t>
+            </a:r>
+          </a:p>
+          <a:p>
+            <a:endParaRPr lang="es-ES" dirty="0"/>
+          </a:p>
+          <a:p>
+            <a:r>
+              <a:rPr lang="es-ES" dirty="0"/>
+              <a:t>Comprueba que el emisor (</a:t>
+            </a:r>
+            <a:r>
+              <a:rPr lang="es-ES" dirty="0" err="1"/>
+              <a:t>issuer</a:t>
+            </a:r>
+            <a:r>
+              <a:rPr lang="es-ES" dirty="0"/>
+              <a:t>) sea "Antonio".</a:t>
+            </a:r>
+          </a:p>
+          <a:p>
+            <a:endParaRPr lang="es-ES" dirty="0"/>
+          </a:p>
+          <a:p>
+            <a:r>
+              <a:rPr lang="es-ES" dirty="0"/>
+              <a:t>Extrae el </a:t>
+            </a:r>
+            <a:r>
+              <a:rPr lang="es-ES" dirty="0" err="1"/>
+              <a:t>claim</a:t>
+            </a:r>
+            <a:r>
+              <a:rPr lang="es-ES" dirty="0"/>
+              <a:t> "usuario" si el token es válido.</a:t>
+            </a:r>
+          </a:p>
+          <a:p>
+            <a:endParaRPr lang="es-ES" dirty="0"/>
+          </a:p>
+          <a:p>
+            <a:r>
+              <a:rPr lang="es-ES" dirty="0"/>
+              <a:t>Devuelve una respuesta JSON con el nombre del usuario si todo está correcto.</a:t>
+            </a:r>
+          </a:p>
+        </p:txBody>
+      </p:sp>
+      <p:sp>
+        <p:nvSpPr>
+          <p:cNvPr id="4" name="Marcador de número de diapositiva 3">
+            <a:extLst>
+              <a:ext uri="{FF2B5EF4-FFF2-40B4-BE49-F238E27FC236}">
+                <a16:creationId xmlns:a16="http://schemas.microsoft.com/office/drawing/2014/main" id="{8CC6A707-04E5-C4FA-A149-EB8F9B2BD4B1}"/>
+              </a:ext>
+            </a:extLst>
+          </p:cNvPr>
+          <p:cNvSpPr>
+            <a:spLocks noGrp="1"/>
+          </p:cNvSpPr>
+          <p:nvPr>
+            <p:ph type="sldNum" sz="quarter" idx="12"/>
+          </p:nvPr>
+        </p:nvSpPr>
+        <p:spPr/>
+        <p:txBody>
+          <a:bodyPr/>
+          <a:lstStyle/>
+          <a:p>
+            <a:fld id="{DBA0B7A9-3FAC-4523-93F5-549EB9982FEE}" type="slidenum">
+              <a:rPr lang="es-ES" smtClean="0"/>
+              <a:t>28</a:t>
+            </a:fld>
+            <a:endParaRPr lang="es-ES"/>
           </a:p>
         </p:txBody>
       </p:sp>
     </p:spTree>
     <p:extLst>
       <p:ext uri="{BB962C8B-B14F-4D97-AF65-F5344CB8AC3E}">
-        <p14:creationId xmlns:p14="http://schemas.microsoft.com/office/powerpoint/2010/main" val="364160951"/>
+        <p14:creationId xmlns:p14="http://schemas.microsoft.com/office/powerpoint/2010/main" val="3150898284"/>
       </p:ext>
     </p:extLst>
   </p:cSld>
@@ -7946,6 +8428,365 @@
       </p:grpSpPr>
       <p:sp>
         <p:nvSpPr>
+          <p:cNvPr id="5" name="Título 4">
+            <a:extLst>
+              <a:ext uri="{FF2B5EF4-FFF2-40B4-BE49-F238E27FC236}">
+                <a16:creationId xmlns:a16="http://schemas.microsoft.com/office/drawing/2014/main" id="{706E867F-790B-7CB2-BEAA-61296C21298C}"/>
+              </a:ext>
+            </a:extLst>
+          </p:cNvPr>
+          <p:cNvSpPr>
+            <a:spLocks noGrp="1"/>
+          </p:cNvSpPr>
+          <p:nvPr>
+            <p:ph type="ctrTitle"/>
+          </p:nvPr>
+        </p:nvSpPr>
+        <p:spPr/>
+        <p:txBody>
+          <a:bodyPr/>
+          <a:lstStyle/>
+          <a:p>
+            <a:r>
+              <a:rPr lang="es-ES" b="1" dirty="0"/>
+              <a:t>OpenSSL</a:t>
+            </a:r>
+          </a:p>
+        </p:txBody>
+      </p:sp>
+      <p:sp>
+        <p:nvSpPr>
+          <p:cNvPr id="6" name="Subtítulo 5">
+            <a:extLst>
+              <a:ext uri="{FF2B5EF4-FFF2-40B4-BE49-F238E27FC236}">
+                <a16:creationId xmlns:a16="http://schemas.microsoft.com/office/drawing/2014/main" id="{19B1467E-9CDF-5F6A-BA85-21B2755FE0C6}"/>
+              </a:ext>
+            </a:extLst>
+          </p:cNvPr>
+          <p:cNvSpPr>
+            <a:spLocks noGrp="1"/>
+          </p:cNvSpPr>
+          <p:nvPr>
+            <p:ph type="subTitle" idx="1"/>
+          </p:nvPr>
+        </p:nvSpPr>
+        <p:spPr/>
+        <p:txBody>
+          <a:bodyPr/>
+          <a:lstStyle/>
+          <a:p>
+            <a:endParaRPr lang="es-ES"/>
+          </a:p>
+        </p:txBody>
+      </p:sp>
+      <p:sp>
+        <p:nvSpPr>
+          <p:cNvPr id="4" name="Marcador de número de diapositiva 3">
+            <a:extLst>
+              <a:ext uri="{FF2B5EF4-FFF2-40B4-BE49-F238E27FC236}">
+                <a16:creationId xmlns:a16="http://schemas.microsoft.com/office/drawing/2014/main" id="{E9C14DC4-A6C5-0E03-F112-216702755363}"/>
+              </a:ext>
+            </a:extLst>
+          </p:cNvPr>
+          <p:cNvSpPr>
+            <a:spLocks noGrp="1"/>
+          </p:cNvSpPr>
+          <p:nvPr>
+            <p:ph type="sldNum" sz="quarter" idx="12"/>
+          </p:nvPr>
+        </p:nvSpPr>
+        <p:spPr/>
+        <p:txBody>
+          <a:bodyPr/>
+          <a:lstStyle/>
+          <a:p>
+            <a:fld id="{DBA0B7A9-3FAC-4523-93F5-549EB9982FEE}" type="slidenum">
+              <a:rPr lang="es-ES" smtClean="0"/>
+              <a:t>29</a:t>
+            </a:fld>
+            <a:endParaRPr lang="es-ES"/>
+          </a:p>
+        </p:txBody>
+      </p:sp>
+    </p:spTree>
+    <p:extLst>
+      <p:ext uri="{BB962C8B-B14F-4D97-AF65-F5344CB8AC3E}">
+        <p14:creationId xmlns:p14="http://schemas.microsoft.com/office/powerpoint/2010/main" val="421055732"/>
+      </p:ext>
+    </p:extLst>
+  </p:cSld>
+  <p:clrMapOvr>
+    <a:masterClrMapping/>
+  </p:clrMapOvr>
+</p:sld>
+</file>
+
+<file path=ppt/slides/slide3.xml><?xml version="1.0" encoding="utf-8"?>
+<p:sld xmlns:a="http://schemas.openxmlformats.org/drawingml/2006/main" xmlns:r="http://schemas.openxmlformats.org/officeDocument/2006/relationships" xmlns:p="http://schemas.openxmlformats.org/presentationml/2006/main">
+  <p:cSld>
+    <p:spTree>
+      <p:nvGrpSpPr>
+        <p:cNvPr id="1" name=""/>
+        <p:cNvGrpSpPr/>
+        <p:nvPr/>
+      </p:nvGrpSpPr>
+      <p:grpSpPr>
+        <a:xfrm>
+          <a:off x="0" y="0"/>
+          <a:ext cx="0" cy="0"/>
+          <a:chOff x="0" y="0"/>
+          <a:chExt cx="0" cy="0"/>
+        </a:xfrm>
+      </p:grpSpPr>
+      <p:sp>
+        <p:nvSpPr>
+          <p:cNvPr id="2" name="Título 1">
+            <a:extLst>
+              <a:ext uri="{FF2B5EF4-FFF2-40B4-BE49-F238E27FC236}">
+                <a16:creationId xmlns:a16="http://schemas.microsoft.com/office/drawing/2014/main" id="{5CF8D18E-C664-94C6-13EE-7D876F567B29}"/>
+              </a:ext>
+            </a:extLst>
+          </p:cNvPr>
+          <p:cNvSpPr>
+            <a:spLocks noGrp="1"/>
+          </p:cNvSpPr>
+          <p:nvPr>
+            <p:ph type="ctrTitle"/>
+          </p:nvPr>
+        </p:nvSpPr>
+        <p:spPr>
+          <a:xfrm>
+            <a:off x="1524000" y="2131654"/>
+            <a:ext cx="9144000" cy="2387600"/>
+          </a:xfrm>
+        </p:spPr>
+        <p:txBody>
+          <a:bodyPr>
+            <a:normAutofit/>
+          </a:bodyPr>
+          <a:lstStyle/>
+          <a:p>
+            <a:r>
+              <a:rPr lang="es-ES" b="1" dirty="0"/>
+              <a:t>Autenticación  con JWT</a:t>
+            </a:r>
+            <a:br>
+              <a:rPr lang="es-ES" b="1" dirty="0"/>
+            </a:br>
+            <a:r>
+              <a:rPr lang="es-ES" b="1" dirty="0"/>
+              <a:t>JSON Web Tokens</a:t>
+            </a:r>
+          </a:p>
+        </p:txBody>
+      </p:sp>
+    </p:spTree>
+    <p:extLst>
+      <p:ext uri="{BB962C8B-B14F-4D97-AF65-F5344CB8AC3E}">
+        <p14:creationId xmlns:p14="http://schemas.microsoft.com/office/powerpoint/2010/main" val="1465314202"/>
+      </p:ext>
+    </p:extLst>
+  </p:cSld>
+  <p:clrMapOvr>
+    <a:masterClrMapping/>
+  </p:clrMapOvr>
+</p:sld>
+</file>
+
+<file path=ppt/slides/slide30.xml><?xml version="1.0" encoding="utf-8"?>
+<p:sld xmlns:a="http://schemas.openxmlformats.org/drawingml/2006/main" xmlns:r="http://schemas.openxmlformats.org/officeDocument/2006/relationships" xmlns:p="http://schemas.openxmlformats.org/presentationml/2006/main">
+  <p:cSld>
+    <p:spTree>
+      <p:nvGrpSpPr>
+        <p:cNvPr id="1" name=""/>
+        <p:cNvGrpSpPr/>
+        <p:nvPr/>
+      </p:nvGrpSpPr>
+      <p:grpSpPr>
+        <a:xfrm>
+          <a:off x="0" y="0"/>
+          <a:ext cx="0" cy="0"/>
+          <a:chOff x="0" y="0"/>
+          <a:chExt cx="0" cy="0"/>
+        </a:xfrm>
+      </p:grpSpPr>
+      <p:sp>
+        <p:nvSpPr>
+          <p:cNvPr id="2" name="Título 1">
+            <a:extLst>
+              <a:ext uri="{FF2B5EF4-FFF2-40B4-BE49-F238E27FC236}">
+                <a16:creationId xmlns:a16="http://schemas.microsoft.com/office/drawing/2014/main" id="{D04325FE-BE1B-D2D9-1901-C0DB9CAB50F0}"/>
+              </a:ext>
+            </a:extLst>
+          </p:cNvPr>
+          <p:cNvSpPr>
+            <a:spLocks noGrp="1"/>
+          </p:cNvSpPr>
+          <p:nvPr>
+            <p:ph type="title"/>
+          </p:nvPr>
+        </p:nvSpPr>
+        <p:spPr/>
+        <p:txBody>
+          <a:bodyPr/>
+          <a:lstStyle/>
+          <a:p>
+            <a:r>
+              <a:rPr lang="es-ES" dirty="0"/>
+              <a:t>Bibliotecas criptográficas</a:t>
+            </a:r>
+          </a:p>
+        </p:txBody>
+      </p:sp>
+      <p:sp>
+        <p:nvSpPr>
+          <p:cNvPr id="3" name="Marcador de contenido 2">
+            <a:extLst>
+              <a:ext uri="{FF2B5EF4-FFF2-40B4-BE49-F238E27FC236}">
+                <a16:creationId xmlns:a16="http://schemas.microsoft.com/office/drawing/2014/main" id="{DC9F5CD9-8324-BE44-7DB8-55ECDBF85CA3}"/>
+              </a:ext>
+            </a:extLst>
+          </p:cNvPr>
+          <p:cNvSpPr>
+            <a:spLocks noGrp="1"/>
+          </p:cNvSpPr>
+          <p:nvPr>
+            <p:ph idx="1"/>
+          </p:nvPr>
+        </p:nvSpPr>
+        <p:spPr/>
+        <p:txBody>
+          <a:bodyPr/>
+          <a:lstStyle/>
+          <a:p>
+            <a:endParaRPr lang="es-ES"/>
+          </a:p>
+        </p:txBody>
+      </p:sp>
+      <p:sp>
+        <p:nvSpPr>
+          <p:cNvPr id="4" name="Marcador de número de diapositiva 3">
+            <a:extLst>
+              <a:ext uri="{FF2B5EF4-FFF2-40B4-BE49-F238E27FC236}">
+                <a16:creationId xmlns:a16="http://schemas.microsoft.com/office/drawing/2014/main" id="{FC1A99F6-8EB4-E411-216B-BEEE1D83E9AB}"/>
+              </a:ext>
+            </a:extLst>
+          </p:cNvPr>
+          <p:cNvSpPr>
+            <a:spLocks noGrp="1"/>
+          </p:cNvSpPr>
+          <p:nvPr>
+            <p:ph type="sldNum" sz="quarter" idx="12"/>
+          </p:nvPr>
+        </p:nvSpPr>
+        <p:spPr/>
+        <p:txBody>
+          <a:bodyPr/>
+          <a:lstStyle/>
+          <a:p>
+            <a:fld id="{DBA0B7A9-3FAC-4523-93F5-549EB9982FEE}" type="slidenum">
+              <a:rPr lang="es-ES" smtClean="0"/>
+              <a:t>30</a:t>
+            </a:fld>
+            <a:endParaRPr lang="es-ES"/>
+          </a:p>
+        </p:txBody>
+      </p:sp>
+    </p:spTree>
+    <p:extLst>
+      <p:ext uri="{BB962C8B-B14F-4D97-AF65-F5344CB8AC3E}">
+        <p14:creationId xmlns:p14="http://schemas.microsoft.com/office/powerpoint/2010/main" val="3529758498"/>
+      </p:ext>
+    </p:extLst>
+  </p:cSld>
+  <p:clrMapOvr>
+    <a:masterClrMapping/>
+  </p:clrMapOvr>
+</p:sld>
+</file>
+
+<file path=ppt/slides/slide31.xml><?xml version="1.0" encoding="utf-8"?>
+<p:sld xmlns:a="http://schemas.openxmlformats.org/drawingml/2006/main" xmlns:r="http://schemas.openxmlformats.org/officeDocument/2006/relationships" xmlns:p="http://schemas.openxmlformats.org/presentationml/2006/main">
+  <p:cSld>
+    <p:spTree>
+      <p:nvGrpSpPr>
+        <p:cNvPr id="1" name=""/>
+        <p:cNvGrpSpPr/>
+        <p:nvPr/>
+      </p:nvGrpSpPr>
+      <p:grpSpPr>
+        <a:xfrm>
+          <a:off x="0" y="0"/>
+          <a:ext cx="0" cy="0"/>
+          <a:chOff x="0" y="0"/>
+          <a:chExt cx="0" cy="0"/>
+        </a:xfrm>
+      </p:grpSpPr>
+      <p:sp>
+        <p:nvSpPr>
+          <p:cNvPr id="4" name="Título 3">
+            <a:extLst>
+              <a:ext uri="{FF2B5EF4-FFF2-40B4-BE49-F238E27FC236}">
+                <a16:creationId xmlns:a16="http://schemas.microsoft.com/office/drawing/2014/main" id="{49C47587-0444-CC44-ED0F-CA02B9506EA7}"/>
+              </a:ext>
+            </a:extLst>
+          </p:cNvPr>
+          <p:cNvSpPr>
+            <a:spLocks noGrp="1"/>
+          </p:cNvSpPr>
+          <p:nvPr>
+            <p:ph type="ctrTitle"/>
+          </p:nvPr>
+        </p:nvSpPr>
+        <p:spPr>
+          <a:xfrm>
+            <a:off x="290423" y="1773188"/>
+            <a:ext cx="11611154" cy="2387600"/>
+          </a:xfrm>
+        </p:spPr>
+        <p:txBody>
+          <a:bodyPr/>
+          <a:lstStyle/>
+          <a:p>
+            <a:r>
+              <a:rPr lang="es-ES" b="1" dirty="0"/>
+              <a:t>Protección de la comunicación entre microservicios</a:t>
+            </a:r>
+          </a:p>
+        </p:txBody>
+      </p:sp>
+    </p:spTree>
+    <p:extLst>
+      <p:ext uri="{BB962C8B-B14F-4D97-AF65-F5344CB8AC3E}">
+        <p14:creationId xmlns:p14="http://schemas.microsoft.com/office/powerpoint/2010/main" val="364160951"/>
+      </p:ext>
+    </p:extLst>
+  </p:cSld>
+  <p:clrMapOvr>
+    <a:masterClrMapping/>
+  </p:clrMapOvr>
+</p:sld>
+</file>
+
+<file path=ppt/slides/slide32.xml><?xml version="1.0" encoding="utf-8"?>
+<p:sld xmlns:a="http://schemas.openxmlformats.org/drawingml/2006/main" xmlns:r="http://schemas.openxmlformats.org/officeDocument/2006/relationships" xmlns:p="http://schemas.openxmlformats.org/presentationml/2006/main">
+  <p:cSld>
+    <p:spTree>
+      <p:nvGrpSpPr>
+        <p:cNvPr id="1" name=""/>
+        <p:cNvGrpSpPr/>
+        <p:nvPr/>
+      </p:nvGrpSpPr>
+      <p:grpSpPr>
+        <a:xfrm>
+          <a:off x="0" y="0"/>
+          <a:ext cx="0" cy="0"/>
+          <a:chOff x="0" y="0"/>
+          <a:chExt cx="0" cy="0"/>
+        </a:xfrm>
+      </p:grpSpPr>
+      <p:sp>
+        <p:nvSpPr>
           <p:cNvPr id="2" name="Título 1">
             <a:extLst>
               <a:ext uri="{FF2B5EF4-FFF2-40B4-BE49-F238E27FC236}">
@@ -8033,7 +8874,7 @@
           <a:p>
             <a:fld id="{DBA0B7A9-3FAC-4523-93F5-549EB9982FEE}" type="slidenum">
               <a:rPr lang="es-ES" smtClean="0"/>
-              <a:t>29</a:t>
+              <a:t>32</a:t>
             </a:fld>
             <a:endParaRPr lang="es-ES"/>
           </a:p>
@@ -8082,522 +8923,6 @@
 </p:sld>
 </file>
 
-<file path=ppt/slides/slide3.xml><?xml version="1.0" encoding="utf-8"?>
-<p:sld xmlns:a="http://schemas.openxmlformats.org/drawingml/2006/main" xmlns:r="http://schemas.openxmlformats.org/officeDocument/2006/relationships" xmlns:p="http://schemas.openxmlformats.org/presentationml/2006/main">
-  <p:cSld>
-    <p:spTree>
-      <p:nvGrpSpPr>
-        <p:cNvPr id="1" name=""/>
-        <p:cNvGrpSpPr/>
-        <p:nvPr/>
-      </p:nvGrpSpPr>
-      <p:grpSpPr>
-        <a:xfrm>
-          <a:off x="0" y="0"/>
-          <a:ext cx="0" cy="0"/>
-          <a:chOff x="0" y="0"/>
-          <a:chExt cx="0" cy="0"/>
-        </a:xfrm>
-      </p:grpSpPr>
-      <p:sp>
-        <p:nvSpPr>
-          <p:cNvPr id="2" name="Título 1">
-            <a:extLst>
-              <a:ext uri="{FF2B5EF4-FFF2-40B4-BE49-F238E27FC236}">
-                <a16:creationId xmlns:a16="http://schemas.microsoft.com/office/drawing/2014/main" id="{5CF8D18E-C664-94C6-13EE-7D876F567B29}"/>
-              </a:ext>
-            </a:extLst>
-          </p:cNvPr>
-          <p:cNvSpPr>
-            <a:spLocks noGrp="1"/>
-          </p:cNvSpPr>
-          <p:nvPr>
-            <p:ph type="ctrTitle"/>
-          </p:nvPr>
-        </p:nvSpPr>
-        <p:spPr>
-          <a:xfrm>
-            <a:off x="1524000" y="2131654"/>
-            <a:ext cx="9144000" cy="2387600"/>
-          </a:xfrm>
-        </p:spPr>
-        <p:txBody>
-          <a:bodyPr>
-            <a:normAutofit/>
-          </a:bodyPr>
-          <a:lstStyle/>
-          <a:p>
-            <a:r>
-              <a:rPr lang="es-ES" b="1" dirty="0"/>
-              <a:t>Autenticación  con JWT</a:t>
-            </a:r>
-            <a:br>
-              <a:rPr lang="es-ES" b="1" dirty="0"/>
-            </a:br>
-            <a:r>
-              <a:rPr lang="es-ES" b="1" dirty="0"/>
-              <a:t>JSON Web Tokens</a:t>
-            </a:r>
-          </a:p>
-        </p:txBody>
-      </p:sp>
-    </p:spTree>
-    <p:extLst>
-      <p:ext uri="{BB962C8B-B14F-4D97-AF65-F5344CB8AC3E}">
-        <p14:creationId xmlns:p14="http://schemas.microsoft.com/office/powerpoint/2010/main" val="1465314202"/>
-      </p:ext>
-    </p:extLst>
-  </p:cSld>
-  <p:clrMapOvr>
-    <a:masterClrMapping/>
-  </p:clrMapOvr>
-</p:sld>
-</file>
-
-<file path=ppt/slides/slide30.xml><?xml version="1.0" encoding="utf-8"?>
-<p:sld xmlns:a="http://schemas.openxmlformats.org/drawingml/2006/main" xmlns:r="http://schemas.openxmlformats.org/officeDocument/2006/relationships" xmlns:p="http://schemas.openxmlformats.org/presentationml/2006/main">
-  <p:cSld>
-    <p:spTree>
-      <p:nvGrpSpPr>
-        <p:cNvPr id="1" name=""/>
-        <p:cNvGrpSpPr/>
-        <p:nvPr/>
-      </p:nvGrpSpPr>
-      <p:grpSpPr>
-        <a:xfrm>
-          <a:off x="0" y="0"/>
-          <a:ext cx="0" cy="0"/>
-          <a:chOff x="0" y="0"/>
-          <a:chExt cx="0" cy="0"/>
-        </a:xfrm>
-      </p:grpSpPr>
-      <p:sp>
-        <p:nvSpPr>
-          <p:cNvPr id="2" name="Título 1">
-            <a:extLst>
-              <a:ext uri="{FF2B5EF4-FFF2-40B4-BE49-F238E27FC236}">
-                <a16:creationId xmlns:a16="http://schemas.microsoft.com/office/drawing/2014/main" id="{4274C934-73D7-766B-93DE-C24614FA50C7}"/>
-              </a:ext>
-            </a:extLst>
-          </p:cNvPr>
-          <p:cNvSpPr>
-            <a:spLocks noGrp="1"/>
-          </p:cNvSpPr>
-          <p:nvPr>
-            <p:ph type="title"/>
-          </p:nvPr>
-        </p:nvSpPr>
-        <p:spPr/>
-        <p:txBody>
-          <a:bodyPr/>
-          <a:lstStyle/>
-          <a:p>
-            <a:r>
-              <a:rPr lang="es-ES" dirty="0"/>
-              <a:t>Configuración para evitar ataques CSRF / XSS</a:t>
-            </a:r>
-          </a:p>
-        </p:txBody>
-      </p:sp>
-      <p:sp>
-        <p:nvSpPr>
-          <p:cNvPr id="3" name="Marcador de contenido 2">
-            <a:extLst>
-              <a:ext uri="{FF2B5EF4-FFF2-40B4-BE49-F238E27FC236}">
-                <a16:creationId xmlns:a16="http://schemas.microsoft.com/office/drawing/2014/main" id="{5D572D67-61DC-E8DB-C62C-0DAF90772FB5}"/>
-              </a:ext>
-            </a:extLst>
-          </p:cNvPr>
-          <p:cNvSpPr>
-            <a:spLocks noGrp="1"/>
-          </p:cNvSpPr>
-          <p:nvPr>
-            <p:ph idx="1"/>
-          </p:nvPr>
-        </p:nvSpPr>
-        <p:spPr/>
-        <p:txBody>
-          <a:bodyPr/>
-          <a:lstStyle/>
-          <a:p>
-            <a:endParaRPr lang="es-ES"/>
-          </a:p>
-        </p:txBody>
-      </p:sp>
-      <p:sp>
-        <p:nvSpPr>
-          <p:cNvPr id="4" name="Marcador de número de diapositiva 3">
-            <a:extLst>
-              <a:ext uri="{FF2B5EF4-FFF2-40B4-BE49-F238E27FC236}">
-                <a16:creationId xmlns:a16="http://schemas.microsoft.com/office/drawing/2014/main" id="{69A1C0C7-4E84-0633-F715-ADEB0D47FE8E}"/>
-              </a:ext>
-            </a:extLst>
-          </p:cNvPr>
-          <p:cNvSpPr>
-            <a:spLocks noGrp="1"/>
-          </p:cNvSpPr>
-          <p:nvPr>
-            <p:ph type="sldNum" sz="quarter" idx="12"/>
-          </p:nvPr>
-        </p:nvSpPr>
-        <p:spPr/>
-        <p:txBody>
-          <a:bodyPr/>
-          <a:lstStyle/>
-          <a:p>
-            <a:fld id="{DBA0B7A9-3FAC-4523-93F5-549EB9982FEE}" type="slidenum">
-              <a:rPr lang="es-ES" smtClean="0"/>
-              <a:t>30</a:t>
-            </a:fld>
-            <a:endParaRPr lang="es-ES"/>
-          </a:p>
-        </p:txBody>
-      </p:sp>
-    </p:spTree>
-    <p:extLst>
-      <p:ext uri="{BB962C8B-B14F-4D97-AF65-F5344CB8AC3E}">
-        <p14:creationId xmlns:p14="http://schemas.microsoft.com/office/powerpoint/2010/main" val="3562544661"/>
-      </p:ext>
-    </p:extLst>
-  </p:cSld>
-  <p:clrMapOvr>
-    <a:masterClrMapping/>
-  </p:clrMapOvr>
-</p:sld>
-</file>
-
-<file path=ppt/slides/slide31.xml><?xml version="1.0" encoding="utf-8"?>
-<p:sld xmlns:a="http://schemas.openxmlformats.org/drawingml/2006/main" xmlns:r="http://schemas.openxmlformats.org/officeDocument/2006/relationships" xmlns:p="http://schemas.openxmlformats.org/presentationml/2006/main">
-  <p:cSld>
-    <p:spTree>
-      <p:nvGrpSpPr>
-        <p:cNvPr id="1" name=""/>
-        <p:cNvGrpSpPr/>
-        <p:nvPr/>
-      </p:nvGrpSpPr>
-      <p:grpSpPr>
-        <a:xfrm>
-          <a:off x="0" y="0"/>
-          <a:ext cx="0" cy="0"/>
-          <a:chOff x="0" y="0"/>
-          <a:chExt cx="0" cy="0"/>
-        </a:xfrm>
-      </p:grpSpPr>
-      <p:sp>
-        <p:nvSpPr>
-          <p:cNvPr id="2" name="Título 1">
-            <a:extLst>
-              <a:ext uri="{FF2B5EF4-FFF2-40B4-BE49-F238E27FC236}">
-                <a16:creationId xmlns:a16="http://schemas.microsoft.com/office/drawing/2014/main" id="{E883D648-FB0E-2CE5-DDD9-EB59DD892739}"/>
-              </a:ext>
-            </a:extLst>
-          </p:cNvPr>
-          <p:cNvSpPr>
-            <a:spLocks noGrp="1"/>
-          </p:cNvSpPr>
-          <p:nvPr>
-            <p:ph type="title"/>
-          </p:nvPr>
-        </p:nvSpPr>
-        <p:spPr/>
-        <p:txBody>
-          <a:bodyPr/>
-          <a:lstStyle/>
-          <a:p>
-            <a:r>
-              <a:rPr lang="es-ES" dirty="0"/>
-              <a:t>CSRF</a:t>
-            </a:r>
-          </a:p>
-        </p:txBody>
-      </p:sp>
-      <p:sp>
-        <p:nvSpPr>
-          <p:cNvPr id="3" name="Marcador de contenido 2">
-            <a:extLst>
-              <a:ext uri="{FF2B5EF4-FFF2-40B4-BE49-F238E27FC236}">
-                <a16:creationId xmlns:a16="http://schemas.microsoft.com/office/drawing/2014/main" id="{63710E8B-7CB7-937B-5712-42F4ABD78E61}"/>
-              </a:ext>
-            </a:extLst>
-          </p:cNvPr>
-          <p:cNvSpPr>
-            <a:spLocks noGrp="1"/>
-          </p:cNvSpPr>
-          <p:nvPr>
-            <p:ph idx="1"/>
-          </p:nvPr>
-        </p:nvSpPr>
-        <p:spPr/>
-        <p:txBody>
-          <a:bodyPr/>
-          <a:lstStyle/>
-          <a:p>
-            <a:r>
-              <a:rPr lang="es-ES" b="1" dirty="0"/>
-              <a:t>Cross-Site </a:t>
-            </a:r>
-            <a:r>
-              <a:rPr lang="es-ES" b="1" dirty="0" err="1"/>
-              <a:t>Request</a:t>
-            </a:r>
-            <a:r>
-              <a:rPr lang="es-ES" b="1" dirty="0"/>
-              <a:t> </a:t>
-            </a:r>
-            <a:r>
-              <a:rPr lang="es-ES" b="1" dirty="0" err="1"/>
-              <a:t>Forgery</a:t>
-            </a:r>
-            <a:endParaRPr lang="es-ES" b="1" dirty="0"/>
-          </a:p>
-          <a:p>
-            <a:pPr lvl="1"/>
-            <a:r>
-              <a:rPr lang="es-ES" b="1" dirty="0"/>
-              <a:t>CSRF</a:t>
-            </a:r>
-            <a:r>
-              <a:rPr lang="es-ES" dirty="0"/>
-              <a:t> es un tipo de ataque en el que un usuario autenticado en un sitio web es engañado para ejecutar una acción no deseada en ese mismo sitio, sin saberlo.</a:t>
-            </a:r>
-          </a:p>
-          <a:p>
-            <a:pPr lvl="1"/>
-            <a:endParaRPr lang="es-ES" dirty="0"/>
-          </a:p>
-          <a:p>
-            <a:pPr lvl="1"/>
-            <a:r>
-              <a:rPr lang="es-ES" dirty="0"/>
-              <a:t>Nos podemos proteger de estos ataques utilizando las librerías: </a:t>
-            </a:r>
-            <a:r>
-              <a:rPr lang="es-ES" dirty="0" err="1"/>
-              <a:t>Crow</a:t>
-            </a:r>
-            <a:r>
-              <a:rPr lang="es-ES" dirty="0"/>
-              <a:t>, </a:t>
-            </a:r>
-            <a:r>
-              <a:rPr lang="es-ES" dirty="0" err="1"/>
-              <a:t>Boost.Beast</a:t>
-            </a:r>
-            <a:r>
-              <a:rPr lang="es-ES" dirty="0"/>
-              <a:t> o Pistache.</a:t>
-            </a:r>
-          </a:p>
-        </p:txBody>
-      </p:sp>
-      <p:sp>
-        <p:nvSpPr>
-          <p:cNvPr id="4" name="Marcador de número de diapositiva 3">
-            <a:extLst>
-              <a:ext uri="{FF2B5EF4-FFF2-40B4-BE49-F238E27FC236}">
-                <a16:creationId xmlns:a16="http://schemas.microsoft.com/office/drawing/2014/main" id="{7C7A5A21-A699-916A-C192-272C354A2238}"/>
-              </a:ext>
-            </a:extLst>
-          </p:cNvPr>
-          <p:cNvSpPr>
-            <a:spLocks noGrp="1"/>
-          </p:cNvSpPr>
-          <p:nvPr>
-            <p:ph type="sldNum" sz="quarter" idx="12"/>
-          </p:nvPr>
-        </p:nvSpPr>
-        <p:spPr/>
-        <p:txBody>
-          <a:bodyPr/>
-          <a:lstStyle/>
-          <a:p>
-            <a:fld id="{DBA0B7A9-3FAC-4523-93F5-549EB9982FEE}" type="slidenum">
-              <a:rPr lang="es-ES" smtClean="0"/>
-              <a:t>31</a:t>
-            </a:fld>
-            <a:endParaRPr lang="es-ES"/>
-          </a:p>
-        </p:txBody>
-      </p:sp>
-    </p:spTree>
-    <p:extLst>
-      <p:ext uri="{BB962C8B-B14F-4D97-AF65-F5344CB8AC3E}">
-        <p14:creationId xmlns:p14="http://schemas.microsoft.com/office/powerpoint/2010/main" val="1703053913"/>
-      </p:ext>
-    </p:extLst>
-  </p:cSld>
-  <p:clrMapOvr>
-    <a:masterClrMapping/>
-  </p:clrMapOvr>
-</p:sld>
-</file>
-
-<file path=ppt/slides/slide32.xml><?xml version="1.0" encoding="utf-8"?>
-<p:sld xmlns:a="http://schemas.openxmlformats.org/drawingml/2006/main" xmlns:r="http://schemas.openxmlformats.org/officeDocument/2006/relationships" xmlns:p="http://schemas.openxmlformats.org/presentationml/2006/main">
-  <p:cSld>
-    <p:spTree>
-      <p:nvGrpSpPr>
-        <p:cNvPr id="1" name=""/>
-        <p:cNvGrpSpPr/>
-        <p:nvPr/>
-      </p:nvGrpSpPr>
-      <p:grpSpPr>
-        <a:xfrm>
-          <a:off x="0" y="0"/>
-          <a:ext cx="0" cy="0"/>
-          <a:chOff x="0" y="0"/>
-          <a:chExt cx="0" cy="0"/>
-        </a:xfrm>
-      </p:grpSpPr>
-      <p:sp>
-        <p:nvSpPr>
-          <p:cNvPr id="2" name="Título 1">
-            <a:extLst>
-              <a:ext uri="{FF2B5EF4-FFF2-40B4-BE49-F238E27FC236}">
-                <a16:creationId xmlns:a16="http://schemas.microsoft.com/office/drawing/2014/main" id="{AA771B9F-CC0E-C4EB-1C07-40BEB7F3D5F6}"/>
-              </a:ext>
-            </a:extLst>
-          </p:cNvPr>
-          <p:cNvSpPr>
-            <a:spLocks noGrp="1"/>
-          </p:cNvSpPr>
-          <p:nvPr>
-            <p:ph type="title"/>
-          </p:nvPr>
-        </p:nvSpPr>
-        <p:spPr/>
-        <p:txBody>
-          <a:bodyPr/>
-          <a:lstStyle/>
-          <a:p>
-            <a:r>
-              <a:rPr lang="es-ES" dirty="0"/>
-              <a:t>XSS</a:t>
-            </a:r>
-          </a:p>
-        </p:txBody>
-      </p:sp>
-      <p:sp>
-        <p:nvSpPr>
-          <p:cNvPr id="3" name="Marcador de contenido 2">
-            <a:extLst>
-              <a:ext uri="{FF2B5EF4-FFF2-40B4-BE49-F238E27FC236}">
-                <a16:creationId xmlns:a16="http://schemas.microsoft.com/office/drawing/2014/main" id="{9590EB62-7BCE-45EC-3947-547A1FD53C0F}"/>
-              </a:ext>
-            </a:extLst>
-          </p:cNvPr>
-          <p:cNvSpPr>
-            <a:spLocks noGrp="1"/>
-          </p:cNvSpPr>
-          <p:nvPr>
-            <p:ph idx="1"/>
-          </p:nvPr>
-        </p:nvSpPr>
-        <p:spPr/>
-        <p:txBody>
-          <a:bodyPr>
-            <a:normAutofit fontScale="92500" lnSpcReduction="20000"/>
-          </a:bodyPr>
-          <a:lstStyle/>
-          <a:p>
-            <a:r>
-              <a:rPr lang="es-ES" b="1" dirty="0"/>
-              <a:t>XSS (Cross-Site Scripting)</a:t>
-            </a:r>
-            <a:r>
-              <a:rPr lang="es-ES" dirty="0"/>
-              <a:t> es una de las vulnerabilidades más comunes y peligrosas en aplicaciones web. </a:t>
-            </a:r>
-          </a:p>
-          <a:p>
-            <a:endParaRPr lang="es-ES" dirty="0"/>
-          </a:p>
-          <a:p>
-            <a:r>
-              <a:rPr lang="es-ES" dirty="0"/>
-              <a:t>Afecta principalmente a lenguajes como JavaScript, </a:t>
-            </a:r>
-            <a:r>
-              <a:rPr lang="es-ES" b="1" dirty="0"/>
-              <a:t>los servicios web escritos en C++ también pueden ser vulnerables</a:t>
-            </a:r>
-            <a:r>
-              <a:rPr lang="es-ES" dirty="0"/>
-              <a:t> si no se validan correctamente los datos que se envían al navegador.</a:t>
-            </a:r>
-          </a:p>
-          <a:p>
-            <a:endParaRPr lang="es-ES" dirty="0"/>
-          </a:p>
-          <a:p>
-            <a:r>
-              <a:rPr lang="es-ES" b="1" dirty="0"/>
-              <a:t>XSS</a:t>
-            </a:r>
-            <a:r>
-              <a:rPr lang="es-ES" dirty="0"/>
-              <a:t> es un tipo de ataque que permite a un atacante </a:t>
-            </a:r>
-            <a:r>
-              <a:rPr lang="es-ES" b="1" dirty="0"/>
-              <a:t>inyectar código malicioso (generalmente JavaScript)</a:t>
-            </a:r>
-            <a:r>
-              <a:rPr lang="es-ES" dirty="0"/>
-              <a:t> en páginas web que otros usuarios visitan. </a:t>
-            </a:r>
-          </a:p>
-          <a:p>
-            <a:pPr lvl="1"/>
-            <a:r>
-              <a:rPr lang="es-ES" dirty="0"/>
-              <a:t>El código se ejecuta en el navegador de la víctima, no en el servidor, lo que lo hace difícil de detectar.</a:t>
-            </a:r>
-          </a:p>
-        </p:txBody>
-      </p:sp>
-      <p:sp>
-        <p:nvSpPr>
-          <p:cNvPr id="4" name="Marcador de número de diapositiva 3">
-            <a:extLst>
-              <a:ext uri="{FF2B5EF4-FFF2-40B4-BE49-F238E27FC236}">
-                <a16:creationId xmlns:a16="http://schemas.microsoft.com/office/drawing/2014/main" id="{9E744B72-252C-DAE7-D825-B27BDC32E97B}"/>
-              </a:ext>
-            </a:extLst>
-          </p:cNvPr>
-          <p:cNvSpPr>
-            <a:spLocks noGrp="1"/>
-          </p:cNvSpPr>
-          <p:nvPr>
-            <p:ph type="sldNum" sz="quarter" idx="12"/>
-          </p:nvPr>
-        </p:nvSpPr>
-        <p:spPr/>
-        <p:txBody>
-          <a:bodyPr/>
-          <a:lstStyle/>
-          <a:p>
-            <a:fld id="{DBA0B7A9-3FAC-4523-93F5-549EB9982FEE}" type="slidenum">
-              <a:rPr lang="es-ES" smtClean="0"/>
-              <a:t>32</a:t>
-            </a:fld>
-            <a:endParaRPr lang="es-ES"/>
-          </a:p>
-        </p:txBody>
-      </p:sp>
-    </p:spTree>
-    <p:extLst>
-      <p:ext uri="{BB962C8B-B14F-4D97-AF65-F5344CB8AC3E}">
-        <p14:creationId xmlns:p14="http://schemas.microsoft.com/office/powerpoint/2010/main" val="3249976081"/>
-      </p:ext>
-    </p:extLst>
-  </p:cSld>
-  <p:clrMapOvr>
-    <a:masterClrMapping/>
-  </p:clrMapOvr>
-</p:sld>
-</file>
-
 <file path=ppt/slides/slide33.xml><?xml version="1.0" encoding="utf-8"?>
 <p:sld xmlns:a="http://schemas.openxmlformats.org/drawingml/2006/main" xmlns:r="http://schemas.openxmlformats.org/officeDocument/2006/relationships" xmlns:p="http://schemas.openxmlformats.org/presentationml/2006/main">
   <p:cSld>
@@ -8620,7 +8945,7 @@
           <p:cNvPr id="2" name="Título 1">
             <a:extLst>
               <a:ext uri="{FF2B5EF4-FFF2-40B4-BE49-F238E27FC236}">
-                <a16:creationId xmlns:a16="http://schemas.microsoft.com/office/drawing/2014/main" id="{F13204D6-8FFA-008D-6F2D-8FFB32D2ABF6}"/>
+                <a16:creationId xmlns:a16="http://schemas.microsoft.com/office/drawing/2014/main" id="{4274C934-73D7-766B-93DE-C24614FA50C7}"/>
               </a:ext>
             </a:extLst>
           </p:cNvPr>
@@ -8638,7 +8963,7 @@
           <a:p>
             <a:r>
               <a:rPr lang="es-ES" dirty="0"/>
-              <a:t>¿Qué puede hacer un ataque XSS?</a:t>
+              <a:t>Configuración para evitar ataques CSRF / XSS</a:t>
             </a:r>
           </a:p>
         </p:txBody>
@@ -8648,7 +8973,7 @@
           <p:cNvPr id="3" name="Marcador de contenido 2">
             <a:extLst>
               <a:ext uri="{FF2B5EF4-FFF2-40B4-BE49-F238E27FC236}">
-                <a16:creationId xmlns:a16="http://schemas.microsoft.com/office/drawing/2014/main" id="{DBA67C84-4BD3-B588-B195-E22EE7F737C5}"/>
+                <a16:creationId xmlns:a16="http://schemas.microsoft.com/office/drawing/2014/main" id="{5D572D67-61DC-E8DB-C62C-0DAF90772FB5}"/>
               </a:ext>
             </a:extLst>
           </p:cNvPr>
@@ -8664,37 +8989,7 @@
           <a:bodyPr/>
           <a:lstStyle/>
           <a:p>
-            <a:r>
-              <a:rPr lang="es-ES" dirty="0"/>
-              <a:t>Robar cookies o tokens de sesión</a:t>
-            </a:r>
-          </a:p>
-          <a:p>
-            <a:r>
-              <a:rPr lang="es-ES" dirty="0"/>
-              <a:t>Suplantar identidad del usuario</a:t>
-            </a:r>
-          </a:p>
-          <a:p>
-            <a:r>
-              <a:rPr lang="es-ES" dirty="0"/>
-              <a:t>Redirigir a sitios maliciosos</a:t>
-            </a:r>
-          </a:p>
-          <a:p>
-            <a:r>
-              <a:rPr lang="es-ES" dirty="0"/>
-              <a:t>Mostrar contenido falso o engañoso</a:t>
-            </a:r>
-          </a:p>
-          <a:p>
-            <a:r>
-              <a:rPr lang="es-ES" dirty="0"/>
-              <a:t>Ejecutar acciones en nombre del usuario</a:t>
-            </a:r>
-          </a:p>
-          <a:p>
-            <a:endParaRPr lang="es-ES" dirty="0"/>
+            <a:endParaRPr lang="es-ES"/>
           </a:p>
         </p:txBody>
       </p:sp>
@@ -8703,7 +8998,7 @@
           <p:cNvPr id="4" name="Marcador de número de diapositiva 3">
             <a:extLst>
               <a:ext uri="{FF2B5EF4-FFF2-40B4-BE49-F238E27FC236}">
-                <a16:creationId xmlns:a16="http://schemas.microsoft.com/office/drawing/2014/main" id="{415F4E8B-1259-CF69-C7E2-DB9BB166FE46}"/>
+                <a16:creationId xmlns:a16="http://schemas.microsoft.com/office/drawing/2014/main" id="{69A1C0C7-4E84-0633-F715-ADEB0D47FE8E}"/>
               </a:ext>
             </a:extLst>
           </p:cNvPr>
@@ -8730,7 +9025,7 @@
     </p:spTree>
     <p:extLst>
       <p:ext uri="{BB962C8B-B14F-4D97-AF65-F5344CB8AC3E}">
-        <p14:creationId xmlns:p14="http://schemas.microsoft.com/office/powerpoint/2010/main" val="2707772253"/>
+        <p14:creationId xmlns:p14="http://schemas.microsoft.com/office/powerpoint/2010/main" val="3562544661"/>
       </p:ext>
     </p:extLst>
   </p:cSld>
@@ -8762,7 +9057,7 @@
           <p:cNvPr id="2" name="Título 1">
             <a:extLst>
               <a:ext uri="{FF2B5EF4-FFF2-40B4-BE49-F238E27FC236}">
-                <a16:creationId xmlns:a16="http://schemas.microsoft.com/office/drawing/2014/main" id="{7F922FEF-12C9-0F62-60F4-1E7EB1FFEF63}"/>
+                <a16:creationId xmlns:a16="http://schemas.microsoft.com/office/drawing/2014/main" id="{E883D648-FB0E-2CE5-DDD9-EB59DD892739}"/>
               </a:ext>
             </a:extLst>
           </p:cNvPr>
@@ -8780,7 +9075,86 @@
           <a:p>
             <a:r>
               <a:rPr lang="es-ES" dirty="0"/>
-              <a:t>Tipos de XSS</a:t>
+              <a:t>CSRF</a:t>
+            </a:r>
+          </a:p>
+        </p:txBody>
+      </p:sp>
+      <p:sp>
+        <p:nvSpPr>
+          <p:cNvPr id="3" name="Marcador de contenido 2">
+            <a:extLst>
+              <a:ext uri="{FF2B5EF4-FFF2-40B4-BE49-F238E27FC236}">
+                <a16:creationId xmlns:a16="http://schemas.microsoft.com/office/drawing/2014/main" id="{63710E8B-7CB7-937B-5712-42F4ABD78E61}"/>
+              </a:ext>
+            </a:extLst>
+          </p:cNvPr>
+          <p:cNvSpPr>
+            <a:spLocks noGrp="1"/>
+          </p:cNvSpPr>
+          <p:nvPr>
+            <p:ph idx="1"/>
+          </p:nvPr>
+        </p:nvSpPr>
+        <p:spPr/>
+        <p:txBody>
+          <a:bodyPr/>
+          <a:lstStyle/>
+          <a:p>
+            <a:r>
+              <a:rPr lang="es-ES" b="1" dirty="0"/>
+              <a:t>Cross-Site </a:t>
+            </a:r>
+            <a:r>
+              <a:rPr lang="es-ES" b="1" dirty="0" err="1"/>
+              <a:t>Request</a:t>
+            </a:r>
+            <a:r>
+              <a:rPr lang="es-ES" b="1" dirty="0"/>
+              <a:t> </a:t>
+            </a:r>
+            <a:r>
+              <a:rPr lang="es-ES" b="1" dirty="0" err="1"/>
+              <a:t>Forgery</a:t>
+            </a:r>
+            <a:endParaRPr lang="es-ES" b="1" dirty="0"/>
+          </a:p>
+          <a:p>
+            <a:pPr lvl="1"/>
+            <a:r>
+              <a:rPr lang="es-ES" b="1" dirty="0"/>
+              <a:t>CSRF</a:t>
+            </a:r>
+            <a:r>
+              <a:rPr lang="es-ES" dirty="0"/>
+              <a:t> es un tipo de ataque en el que un usuario autenticado en un sitio web es engañado para ejecutar una acción no deseada en ese mismo sitio, sin saberlo.</a:t>
+            </a:r>
+          </a:p>
+          <a:p>
+            <a:pPr lvl="1"/>
+            <a:endParaRPr lang="es-ES" dirty="0"/>
+          </a:p>
+          <a:p>
+            <a:pPr lvl="1"/>
+            <a:r>
+              <a:rPr lang="es-ES" dirty="0"/>
+              <a:t>Nos podemos proteger de estos ataques utilizando las librerías: </a:t>
+            </a:r>
+            <a:r>
+              <a:rPr lang="es-ES" dirty="0" err="1"/>
+              <a:t>Crow</a:t>
+            </a:r>
+            <a:r>
+              <a:rPr lang="es-ES" dirty="0"/>
+              <a:t>, </a:t>
+            </a:r>
+            <a:r>
+              <a:rPr lang="es-ES" dirty="0" err="1"/>
+              <a:t>Boost.Beast</a:t>
+            </a:r>
+            <a:r>
+              <a:rPr lang="es-ES" dirty="0"/>
+              <a:t> o Pistache.</a:t>
             </a:r>
           </a:p>
         </p:txBody>
@@ -8790,7 +9164,7 @@
           <p:cNvPr id="4" name="Marcador de número de diapositiva 3">
             <a:extLst>
               <a:ext uri="{FF2B5EF4-FFF2-40B4-BE49-F238E27FC236}">
-                <a16:creationId xmlns:a16="http://schemas.microsoft.com/office/drawing/2014/main" id="{532AF997-30B0-0E29-A946-5F356D42589F}"/>
+                <a16:creationId xmlns:a16="http://schemas.microsoft.com/office/drawing/2014/main" id="{7C7A5A21-A699-916A-C192-272C354A2238}"/>
               </a:ext>
             </a:extLst>
           </p:cNvPr>
@@ -8809,6 +9183,401 @@
             <a:fld id="{DBA0B7A9-3FAC-4523-93F5-549EB9982FEE}" type="slidenum">
               <a:rPr lang="es-ES" smtClean="0"/>
               <a:t>34</a:t>
+            </a:fld>
+            <a:endParaRPr lang="es-ES"/>
+          </a:p>
+        </p:txBody>
+      </p:sp>
+    </p:spTree>
+    <p:extLst>
+      <p:ext uri="{BB962C8B-B14F-4D97-AF65-F5344CB8AC3E}">
+        <p14:creationId xmlns:p14="http://schemas.microsoft.com/office/powerpoint/2010/main" val="1703053913"/>
+      </p:ext>
+    </p:extLst>
+  </p:cSld>
+  <p:clrMapOvr>
+    <a:masterClrMapping/>
+  </p:clrMapOvr>
+</p:sld>
+</file>
+
+<file path=ppt/slides/slide35.xml><?xml version="1.0" encoding="utf-8"?>
+<p:sld xmlns:a="http://schemas.openxmlformats.org/drawingml/2006/main" xmlns:r="http://schemas.openxmlformats.org/officeDocument/2006/relationships" xmlns:p="http://schemas.openxmlformats.org/presentationml/2006/main">
+  <p:cSld>
+    <p:spTree>
+      <p:nvGrpSpPr>
+        <p:cNvPr id="1" name=""/>
+        <p:cNvGrpSpPr/>
+        <p:nvPr/>
+      </p:nvGrpSpPr>
+      <p:grpSpPr>
+        <a:xfrm>
+          <a:off x="0" y="0"/>
+          <a:ext cx="0" cy="0"/>
+          <a:chOff x="0" y="0"/>
+          <a:chExt cx="0" cy="0"/>
+        </a:xfrm>
+      </p:grpSpPr>
+      <p:sp>
+        <p:nvSpPr>
+          <p:cNvPr id="2" name="Título 1">
+            <a:extLst>
+              <a:ext uri="{FF2B5EF4-FFF2-40B4-BE49-F238E27FC236}">
+                <a16:creationId xmlns:a16="http://schemas.microsoft.com/office/drawing/2014/main" id="{AA771B9F-CC0E-C4EB-1C07-40BEB7F3D5F6}"/>
+              </a:ext>
+            </a:extLst>
+          </p:cNvPr>
+          <p:cNvSpPr>
+            <a:spLocks noGrp="1"/>
+          </p:cNvSpPr>
+          <p:nvPr>
+            <p:ph type="title"/>
+          </p:nvPr>
+        </p:nvSpPr>
+        <p:spPr/>
+        <p:txBody>
+          <a:bodyPr/>
+          <a:lstStyle/>
+          <a:p>
+            <a:r>
+              <a:rPr lang="es-ES" dirty="0"/>
+              <a:t>XSS</a:t>
+            </a:r>
+          </a:p>
+        </p:txBody>
+      </p:sp>
+      <p:sp>
+        <p:nvSpPr>
+          <p:cNvPr id="3" name="Marcador de contenido 2">
+            <a:extLst>
+              <a:ext uri="{FF2B5EF4-FFF2-40B4-BE49-F238E27FC236}">
+                <a16:creationId xmlns:a16="http://schemas.microsoft.com/office/drawing/2014/main" id="{9590EB62-7BCE-45EC-3947-547A1FD53C0F}"/>
+              </a:ext>
+            </a:extLst>
+          </p:cNvPr>
+          <p:cNvSpPr>
+            <a:spLocks noGrp="1"/>
+          </p:cNvSpPr>
+          <p:nvPr>
+            <p:ph idx="1"/>
+          </p:nvPr>
+        </p:nvSpPr>
+        <p:spPr/>
+        <p:txBody>
+          <a:bodyPr>
+            <a:normAutofit fontScale="92500" lnSpcReduction="20000"/>
+          </a:bodyPr>
+          <a:lstStyle/>
+          <a:p>
+            <a:r>
+              <a:rPr lang="es-ES" b="1" dirty="0"/>
+              <a:t>XSS (Cross-Site Scripting)</a:t>
+            </a:r>
+            <a:r>
+              <a:rPr lang="es-ES" dirty="0"/>
+              <a:t> es una de las vulnerabilidades más comunes y peligrosas en aplicaciones web. </a:t>
+            </a:r>
+          </a:p>
+          <a:p>
+            <a:endParaRPr lang="es-ES" dirty="0"/>
+          </a:p>
+          <a:p>
+            <a:r>
+              <a:rPr lang="es-ES" dirty="0"/>
+              <a:t>Afecta principalmente a lenguajes como JavaScript, </a:t>
+            </a:r>
+            <a:r>
+              <a:rPr lang="es-ES" b="1" dirty="0"/>
+              <a:t>los servicios web escritos en C++ también pueden ser vulnerables</a:t>
+            </a:r>
+            <a:r>
+              <a:rPr lang="es-ES" dirty="0"/>
+              <a:t> si no se validan correctamente los datos que se envían al navegador.</a:t>
+            </a:r>
+          </a:p>
+          <a:p>
+            <a:endParaRPr lang="es-ES" dirty="0"/>
+          </a:p>
+          <a:p>
+            <a:r>
+              <a:rPr lang="es-ES" b="1" dirty="0"/>
+              <a:t>XSS</a:t>
+            </a:r>
+            <a:r>
+              <a:rPr lang="es-ES" dirty="0"/>
+              <a:t> es un tipo de ataque que permite a un atacante </a:t>
+            </a:r>
+            <a:r>
+              <a:rPr lang="es-ES" b="1" dirty="0"/>
+              <a:t>inyectar código malicioso (generalmente JavaScript)</a:t>
+            </a:r>
+            <a:r>
+              <a:rPr lang="es-ES" dirty="0"/>
+              <a:t> en páginas web que otros usuarios visitan. </a:t>
+            </a:r>
+          </a:p>
+          <a:p>
+            <a:pPr lvl="1"/>
+            <a:r>
+              <a:rPr lang="es-ES" dirty="0"/>
+              <a:t>El código se ejecuta en el navegador de la víctima, no en el servidor, lo que lo hace difícil de detectar.</a:t>
+            </a:r>
+          </a:p>
+        </p:txBody>
+      </p:sp>
+      <p:sp>
+        <p:nvSpPr>
+          <p:cNvPr id="4" name="Marcador de número de diapositiva 3">
+            <a:extLst>
+              <a:ext uri="{FF2B5EF4-FFF2-40B4-BE49-F238E27FC236}">
+                <a16:creationId xmlns:a16="http://schemas.microsoft.com/office/drawing/2014/main" id="{9E744B72-252C-DAE7-D825-B27BDC32E97B}"/>
+              </a:ext>
+            </a:extLst>
+          </p:cNvPr>
+          <p:cNvSpPr>
+            <a:spLocks noGrp="1"/>
+          </p:cNvSpPr>
+          <p:nvPr>
+            <p:ph type="sldNum" sz="quarter" idx="12"/>
+          </p:nvPr>
+        </p:nvSpPr>
+        <p:spPr/>
+        <p:txBody>
+          <a:bodyPr/>
+          <a:lstStyle/>
+          <a:p>
+            <a:fld id="{DBA0B7A9-3FAC-4523-93F5-549EB9982FEE}" type="slidenum">
+              <a:rPr lang="es-ES" smtClean="0"/>
+              <a:t>35</a:t>
+            </a:fld>
+            <a:endParaRPr lang="es-ES"/>
+          </a:p>
+        </p:txBody>
+      </p:sp>
+    </p:spTree>
+    <p:extLst>
+      <p:ext uri="{BB962C8B-B14F-4D97-AF65-F5344CB8AC3E}">
+        <p14:creationId xmlns:p14="http://schemas.microsoft.com/office/powerpoint/2010/main" val="3249976081"/>
+      </p:ext>
+    </p:extLst>
+  </p:cSld>
+  <p:clrMapOvr>
+    <a:masterClrMapping/>
+  </p:clrMapOvr>
+</p:sld>
+</file>
+
+<file path=ppt/slides/slide36.xml><?xml version="1.0" encoding="utf-8"?>
+<p:sld xmlns:a="http://schemas.openxmlformats.org/drawingml/2006/main" xmlns:r="http://schemas.openxmlformats.org/officeDocument/2006/relationships" xmlns:p="http://schemas.openxmlformats.org/presentationml/2006/main">
+  <p:cSld>
+    <p:spTree>
+      <p:nvGrpSpPr>
+        <p:cNvPr id="1" name=""/>
+        <p:cNvGrpSpPr/>
+        <p:nvPr/>
+      </p:nvGrpSpPr>
+      <p:grpSpPr>
+        <a:xfrm>
+          <a:off x="0" y="0"/>
+          <a:ext cx="0" cy="0"/>
+          <a:chOff x="0" y="0"/>
+          <a:chExt cx="0" cy="0"/>
+        </a:xfrm>
+      </p:grpSpPr>
+      <p:sp>
+        <p:nvSpPr>
+          <p:cNvPr id="2" name="Título 1">
+            <a:extLst>
+              <a:ext uri="{FF2B5EF4-FFF2-40B4-BE49-F238E27FC236}">
+                <a16:creationId xmlns:a16="http://schemas.microsoft.com/office/drawing/2014/main" id="{F13204D6-8FFA-008D-6F2D-8FFB32D2ABF6}"/>
+              </a:ext>
+            </a:extLst>
+          </p:cNvPr>
+          <p:cNvSpPr>
+            <a:spLocks noGrp="1"/>
+          </p:cNvSpPr>
+          <p:nvPr>
+            <p:ph type="title"/>
+          </p:nvPr>
+        </p:nvSpPr>
+        <p:spPr/>
+        <p:txBody>
+          <a:bodyPr/>
+          <a:lstStyle/>
+          <a:p>
+            <a:r>
+              <a:rPr lang="es-ES" dirty="0"/>
+              <a:t>¿Qué puede hacer un ataque XSS?</a:t>
+            </a:r>
+          </a:p>
+        </p:txBody>
+      </p:sp>
+      <p:sp>
+        <p:nvSpPr>
+          <p:cNvPr id="3" name="Marcador de contenido 2">
+            <a:extLst>
+              <a:ext uri="{FF2B5EF4-FFF2-40B4-BE49-F238E27FC236}">
+                <a16:creationId xmlns:a16="http://schemas.microsoft.com/office/drawing/2014/main" id="{DBA67C84-4BD3-B588-B195-E22EE7F737C5}"/>
+              </a:ext>
+            </a:extLst>
+          </p:cNvPr>
+          <p:cNvSpPr>
+            <a:spLocks noGrp="1"/>
+          </p:cNvSpPr>
+          <p:nvPr>
+            <p:ph idx="1"/>
+          </p:nvPr>
+        </p:nvSpPr>
+        <p:spPr/>
+        <p:txBody>
+          <a:bodyPr/>
+          <a:lstStyle/>
+          <a:p>
+            <a:r>
+              <a:rPr lang="es-ES" dirty="0"/>
+              <a:t>Robar cookies o tokens de sesión</a:t>
+            </a:r>
+          </a:p>
+          <a:p>
+            <a:r>
+              <a:rPr lang="es-ES" dirty="0"/>
+              <a:t>Suplantar identidad del usuario</a:t>
+            </a:r>
+          </a:p>
+          <a:p>
+            <a:r>
+              <a:rPr lang="es-ES" dirty="0"/>
+              <a:t>Redirigir a sitios maliciosos</a:t>
+            </a:r>
+          </a:p>
+          <a:p>
+            <a:r>
+              <a:rPr lang="es-ES" dirty="0"/>
+              <a:t>Mostrar contenido falso o engañoso</a:t>
+            </a:r>
+          </a:p>
+          <a:p>
+            <a:r>
+              <a:rPr lang="es-ES" dirty="0"/>
+              <a:t>Ejecutar acciones en nombre del usuario</a:t>
+            </a:r>
+          </a:p>
+          <a:p>
+            <a:endParaRPr lang="es-ES" dirty="0"/>
+          </a:p>
+        </p:txBody>
+      </p:sp>
+      <p:sp>
+        <p:nvSpPr>
+          <p:cNvPr id="4" name="Marcador de número de diapositiva 3">
+            <a:extLst>
+              <a:ext uri="{FF2B5EF4-FFF2-40B4-BE49-F238E27FC236}">
+                <a16:creationId xmlns:a16="http://schemas.microsoft.com/office/drawing/2014/main" id="{415F4E8B-1259-CF69-C7E2-DB9BB166FE46}"/>
+              </a:ext>
+            </a:extLst>
+          </p:cNvPr>
+          <p:cNvSpPr>
+            <a:spLocks noGrp="1"/>
+          </p:cNvSpPr>
+          <p:nvPr>
+            <p:ph type="sldNum" sz="quarter" idx="12"/>
+          </p:nvPr>
+        </p:nvSpPr>
+        <p:spPr/>
+        <p:txBody>
+          <a:bodyPr/>
+          <a:lstStyle/>
+          <a:p>
+            <a:fld id="{DBA0B7A9-3FAC-4523-93F5-549EB9982FEE}" type="slidenum">
+              <a:rPr lang="es-ES" smtClean="0"/>
+              <a:t>36</a:t>
+            </a:fld>
+            <a:endParaRPr lang="es-ES"/>
+          </a:p>
+        </p:txBody>
+      </p:sp>
+    </p:spTree>
+    <p:extLst>
+      <p:ext uri="{BB962C8B-B14F-4D97-AF65-F5344CB8AC3E}">
+        <p14:creationId xmlns:p14="http://schemas.microsoft.com/office/powerpoint/2010/main" val="2707772253"/>
+      </p:ext>
+    </p:extLst>
+  </p:cSld>
+  <p:clrMapOvr>
+    <a:masterClrMapping/>
+  </p:clrMapOvr>
+</p:sld>
+</file>
+
+<file path=ppt/slides/slide37.xml><?xml version="1.0" encoding="utf-8"?>
+<p:sld xmlns:a="http://schemas.openxmlformats.org/drawingml/2006/main" xmlns:r="http://schemas.openxmlformats.org/officeDocument/2006/relationships" xmlns:p="http://schemas.openxmlformats.org/presentationml/2006/main">
+  <p:cSld>
+    <p:spTree>
+      <p:nvGrpSpPr>
+        <p:cNvPr id="1" name=""/>
+        <p:cNvGrpSpPr/>
+        <p:nvPr/>
+      </p:nvGrpSpPr>
+      <p:grpSpPr>
+        <a:xfrm>
+          <a:off x="0" y="0"/>
+          <a:ext cx="0" cy="0"/>
+          <a:chOff x="0" y="0"/>
+          <a:chExt cx="0" cy="0"/>
+        </a:xfrm>
+      </p:grpSpPr>
+      <p:sp>
+        <p:nvSpPr>
+          <p:cNvPr id="2" name="Título 1">
+            <a:extLst>
+              <a:ext uri="{FF2B5EF4-FFF2-40B4-BE49-F238E27FC236}">
+                <a16:creationId xmlns:a16="http://schemas.microsoft.com/office/drawing/2014/main" id="{7F922FEF-12C9-0F62-60F4-1E7EB1FFEF63}"/>
+              </a:ext>
+            </a:extLst>
+          </p:cNvPr>
+          <p:cNvSpPr>
+            <a:spLocks noGrp="1"/>
+          </p:cNvSpPr>
+          <p:nvPr>
+            <p:ph type="title"/>
+          </p:nvPr>
+        </p:nvSpPr>
+        <p:spPr/>
+        <p:txBody>
+          <a:bodyPr/>
+          <a:lstStyle/>
+          <a:p>
+            <a:r>
+              <a:rPr lang="es-ES" dirty="0"/>
+              <a:t>Tipos de XSS</a:t>
+            </a:r>
+          </a:p>
+        </p:txBody>
+      </p:sp>
+      <p:sp>
+        <p:nvSpPr>
+          <p:cNvPr id="4" name="Marcador de número de diapositiva 3">
+            <a:extLst>
+              <a:ext uri="{FF2B5EF4-FFF2-40B4-BE49-F238E27FC236}">
+                <a16:creationId xmlns:a16="http://schemas.microsoft.com/office/drawing/2014/main" id="{532AF997-30B0-0E29-A946-5F356D42589F}"/>
+              </a:ext>
+            </a:extLst>
+          </p:cNvPr>
+          <p:cNvSpPr>
+            <a:spLocks noGrp="1"/>
+          </p:cNvSpPr>
+          <p:nvPr>
+            <p:ph type="sldNum" sz="quarter" idx="12"/>
+          </p:nvPr>
+        </p:nvSpPr>
+        <p:spPr/>
+        <p:txBody>
+          <a:bodyPr/>
+          <a:lstStyle/>
+          <a:p>
+            <a:fld id="{DBA0B7A9-3FAC-4523-93F5-549EB9982FEE}" type="slidenum">
+              <a:rPr lang="es-ES" smtClean="0"/>
+              <a:t>37</a:t>
             </a:fld>
             <a:endParaRPr lang="es-ES"/>
           </a:p>
@@ -8857,7 +9626,7 @@
 </p:sld>
 </file>
 
-<file path=ppt/slides/slide35.xml><?xml version="1.0" encoding="utf-8"?>
+<file path=ppt/slides/slide38.xml><?xml version="1.0" encoding="utf-8"?>
 <p:sld xmlns:a="http://schemas.openxmlformats.org/drawingml/2006/main" xmlns:r="http://schemas.openxmlformats.org/officeDocument/2006/relationships" xmlns:p="http://schemas.openxmlformats.org/presentationml/2006/main">
   <p:cSld>
     <p:spTree>
@@ -9054,7 +9823,7 @@
           <a:p>
             <a:fld id="{DBA0B7A9-3FAC-4523-93F5-549EB9982FEE}" type="slidenum">
               <a:rPr lang="es-ES" smtClean="0"/>
-              <a:t>35</a:t>
+              <a:t>38</a:t>
             </a:fld>
             <a:endParaRPr lang="es-ES"/>
           </a:p>
@@ -9073,7 +9842,7 @@
 </p:sld>
 </file>
 
-<file path=ppt/slides/slide36.xml><?xml version="1.0" encoding="utf-8"?>
+<file path=ppt/slides/slide39.xml><?xml version="1.0" encoding="utf-8"?>
 <p:sld xmlns:a="http://schemas.openxmlformats.org/drawingml/2006/main" xmlns:r="http://schemas.openxmlformats.org/officeDocument/2006/relationships" xmlns:p="http://schemas.openxmlformats.org/presentationml/2006/main">
   <p:cSld>
     <p:spTree>
@@ -9202,7 +9971,7 @@
           <a:p>
             <a:fld id="{DBA0B7A9-3FAC-4523-93F5-549EB9982FEE}" type="slidenum">
               <a:rPr lang="es-ES" smtClean="0"/>
-              <a:t>36</a:t>
+              <a:t>39</a:t>
             </a:fld>
             <a:endParaRPr lang="es-ES"/>
           </a:p>
@@ -9212,115 +9981,6 @@
     <p:extLst>
       <p:ext uri="{BB962C8B-B14F-4D97-AF65-F5344CB8AC3E}">
         <p14:creationId xmlns:p14="http://schemas.microsoft.com/office/powerpoint/2010/main" val="2566275869"/>
-      </p:ext>
-    </p:extLst>
-  </p:cSld>
-  <p:clrMapOvr>
-    <a:masterClrMapping/>
-  </p:clrMapOvr>
-</p:sld>
-</file>
-
-<file path=ppt/slides/slide37.xml><?xml version="1.0" encoding="utf-8"?>
-<p:sld xmlns:a="http://schemas.openxmlformats.org/drawingml/2006/main" xmlns:r="http://schemas.openxmlformats.org/officeDocument/2006/relationships" xmlns:p="http://schemas.openxmlformats.org/presentationml/2006/main">
-  <p:cSld>
-    <p:spTree>
-      <p:nvGrpSpPr>
-        <p:cNvPr id="1" name=""/>
-        <p:cNvGrpSpPr/>
-        <p:nvPr/>
-      </p:nvGrpSpPr>
-      <p:grpSpPr>
-        <a:xfrm>
-          <a:off x="0" y="0"/>
-          <a:ext cx="0" cy="0"/>
-          <a:chOff x="0" y="0"/>
-          <a:chExt cx="0" cy="0"/>
-        </a:xfrm>
-      </p:grpSpPr>
-      <p:sp>
-        <p:nvSpPr>
-          <p:cNvPr id="2" name="Título 1">
-            <a:extLst>
-              <a:ext uri="{FF2B5EF4-FFF2-40B4-BE49-F238E27FC236}">
-                <a16:creationId xmlns:a16="http://schemas.microsoft.com/office/drawing/2014/main" id="{B577FEF7-9A52-582A-14F1-8BE7AA5B6585}"/>
-              </a:ext>
-            </a:extLst>
-          </p:cNvPr>
-          <p:cNvSpPr>
-            <a:spLocks noGrp="1"/>
-          </p:cNvSpPr>
-          <p:nvPr>
-            <p:ph type="title"/>
-          </p:nvPr>
-        </p:nvSpPr>
-        <p:spPr/>
-        <p:txBody>
-          <a:bodyPr/>
-          <a:lstStyle/>
-          <a:p>
-            <a:endParaRPr lang="es-ES"/>
-          </a:p>
-        </p:txBody>
-      </p:sp>
-      <p:sp>
-        <p:nvSpPr>
-          <p:cNvPr id="3" name="Marcador de contenido 2">
-            <a:extLst>
-              <a:ext uri="{FF2B5EF4-FFF2-40B4-BE49-F238E27FC236}">
-                <a16:creationId xmlns:a16="http://schemas.microsoft.com/office/drawing/2014/main" id="{B101A160-6FB2-3A6E-6229-85771B610887}"/>
-              </a:ext>
-            </a:extLst>
-          </p:cNvPr>
-          <p:cNvSpPr>
-            <a:spLocks noGrp="1"/>
-          </p:cNvSpPr>
-          <p:nvPr>
-            <p:ph idx="1"/>
-          </p:nvPr>
-        </p:nvSpPr>
-        <p:spPr/>
-        <p:txBody>
-          <a:bodyPr/>
-          <a:lstStyle/>
-          <a:p>
-            <a:endParaRPr lang="es-ES"/>
-          </a:p>
-        </p:txBody>
-      </p:sp>
-      <p:sp>
-        <p:nvSpPr>
-          <p:cNvPr id="4" name="Marcador de número de diapositiva 3">
-            <a:extLst>
-              <a:ext uri="{FF2B5EF4-FFF2-40B4-BE49-F238E27FC236}">
-                <a16:creationId xmlns:a16="http://schemas.microsoft.com/office/drawing/2014/main" id="{DEAD8F99-7EA7-B6A1-F681-FFE03C174AD0}"/>
-              </a:ext>
-            </a:extLst>
-          </p:cNvPr>
-          <p:cNvSpPr>
-            <a:spLocks noGrp="1"/>
-          </p:cNvSpPr>
-          <p:nvPr>
-            <p:ph type="sldNum" sz="quarter" idx="12"/>
-          </p:nvPr>
-        </p:nvSpPr>
-        <p:spPr/>
-        <p:txBody>
-          <a:bodyPr/>
-          <a:lstStyle/>
-          <a:p>
-            <a:fld id="{DBA0B7A9-3FAC-4523-93F5-549EB9982FEE}" type="slidenum">
-              <a:rPr lang="es-ES" smtClean="0"/>
-              <a:t>37</a:t>
-            </a:fld>
-            <a:endParaRPr lang="es-ES"/>
-          </a:p>
-        </p:txBody>
-      </p:sp>
-    </p:spTree>
-    <p:extLst>
-      <p:ext uri="{BB962C8B-B14F-4D97-AF65-F5344CB8AC3E}">
-        <p14:creationId xmlns:p14="http://schemas.microsoft.com/office/powerpoint/2010/main" val="2322772266"/>
       </p:ext>
     </p:extLst>
   </p:cSld>
@@ -9507,6 +10167,115 @@
     <p:extLst>
       <p:ext uri="{BB962C8B-B14F-4D97-AF65-F5344CB8AC3E}">
         <p14:creationId xmlns:p14="http://schemas.microsoft.com/office/powerpoint/2010/main" val="1705358362"/>
+      </p:ext>
+    </p:extLst>
+  </p:cSld>
+  <p:clrMapOvr>
+    <a:masterClrMapping/>
+  </p:clrMapOvr>
+</p:sld>
+</file>
+
+<file path=ppt/slides/slide40.xml><?xml version="1.0" encoding="utf-8"?>
+<p:sld xmlns:a="http://schemas.openxmlformats.org/drawingml/2006/main" xmlns:r="http://schemas.openxmlformats.org/officeDocument/2006/relationships" xmlns:p="http://schemas.openxmlformats.org/presentationml/2006/main">
+  <p:cSld>
+    <p:spTree>
+      <p:nvGrpSpPr>
+        <p:cNvPr id="1" name=""/>
+        <p:cNvGrpSpPr/>
+        <p:nvPr/>
+      </p:nvGrpSpPr>
+      <p:grpSpPr>
+        <a:xfrm>
+          <a:off x="0" y="0"/>
+          <a:ext cx="0" cy="0"/>
+          <a:chOff x="0" y="0"/>
+          <a:chExt cx="0" cy="0"/>
+        </a:xfrm>
+      </p:grpSpPr>
+      <p:sp>
+        <p:nvSpPr>
+          <p:cNvPr id="2" name="Título 1">
+            <a:extLst>
+              <a:ext uri="{FF2B5EF4-FFF2-40B4-BE49-F238E27FC236}">
+                <a16:creationId xmlns:a16="http://schemas.microsoft.com/office/drawing/2014/main" id="{B577FEF7-9A52-582A-14F1-8BE7AA5B6585}"/>
+              </a:ext>
+            </a:extLst>
+          </p:cNvPr>
+          <p:cNvSpPr>
+            <a:spLocks noGrp="1"/>
+          </p:cNvSpPr>
+          <p:nvPr>
+            <p:ph type="title"/>
+          </p:nvPr>
+        </p:nvSpPr>
+        <p:spPr/>
+        <p:txBody>
+          <a:bodyPr/>
+          <a:lstStyle/>
+          <a:p>
+            <a:endParaRPr lang="es-ES"/>
+          </a:p>
+        </p:txBody>
+      </p:sp>
+      <p:sp>
+        <p:nvSpPr>
+          <p:cNvPr id="3" name="Marcador de contenido 2">
+            <a:extLst>
+              <a:ext uri="{FF2B5EF4-FFF2-40B4-BE49-F238E27FC236}">
+                <a16:creationId xmlns:a16="http://schemas.microsoft.com/office/drawing/2014/main" id="{B101A160-6FB2-3A6E-6229-85771B610887}"/>
+              </a:ext>
+            </a:extLst>
+          </p:cNvPr>
+          <p:cNvSpPr>
+            <a:spLocks noGrp="1"/>
+          </p:cNvSpPr>
+          <p:nvPr>
+            <p:ph idx="1"/>
+          </p:nvPr>
+        </p:nvSpPr>
+        <p:spPr/>
+        <p:txBody>
+          <a:bodyPr/>
+          <a:lstStyle/>
+          <a:p>
+            <a:endParaRPr lang="es-ES"/>
+          </a:p>
+        </p:txBody>
+      </p:sp>
+      <p:sp>
+        <p:nvSpPr>
+          <p:cNvPr id="4" name="Marcador de número de diapositiva 3">
+            <a:extLst>
+              <a:ext uri="{FF2B5EF4-FFF2-40B4-BE49-F238E27FC236}">
+                <a16:creationId xmlns:a16="http://schemas.microsoft.com/office/drawing/2014/main" id="{DEAD8F99-7EA7-B6A1-F681-FFE03C174AD0}"/>
+              </a:ext>
+            </a:extLst>
+          </p:cNvPr>
+          <p:cNvSpPr>
+            <a:spLocks noGrp="1"/>
+          </p:cNvSpPr>
+          <p:nvPr>
+            <p:ph type="sldNum" sz="quarter" idx="12"/>
+          </p:nvPr>
+        </p:nvSpPr>
+        <p:spPr/>
+        <p:txBody>
+          <a:bodyPr/>
+          <a:lstStyle/>
+          <a:p>
+            <a:fld id="{DBA0B7A9-3FAC-4523-93F5-549EB9982FEE}" type="slidenum">
+              <a:rPr lang="es-ES" smtClean="0"/>
+              <a:t>40</a:t>
+            </a:fld>
+            <a:endParaRPr lang="es-ES"/>
+          </a:p>
+        </p:txBody>
+      </p:sp>
+    </p:spTree>
+    <p:extLst>
+      <p:ext uri="{BB962C8B-B14F-4D97-AF65-F5344CB8AC3E}">
+        <p14:creationId xmlns:p14="http://schemas.microsoft.com/office/powerpoint/2010/main" val="2322772266"/>
       </p:ext>
     </p:extLst>
   </p:cSld>
